--- a/Text/Дипломная работа/Презентация.pptx
+++ b/Text/Дипломная работа/Презентация.pptx
@@ -5,7 +5,7 @@
     <p:sldMasterId id="2147483660" r:id="rId1"/>
   </p:sldMasterIdLst>
   <p:notesMasterIdLst>
-    <p:notesMasterId r:id="rId9"/>
+    <p:notesMasterId r:id="rId10"/>
   </p:notesMasterIdLst>
   <p:sldIdLst>
     <p:sldId id="256" r:id="rId2"/>
@@ -13,8 +13,9 @@
     <p:sldId id="258" r:id="rId4"/>
     <p:sldId id="259" r:id="rId5"/>
     <p:sldId id="262" r:id="rId6"/>
-    <p:sldId id="260" r:id="rId7"/>
-    <p:sldId id="261" r:id="rId8"/>
+    <p:sldId id="263" r:id="rId7"/>
+    <p:sldId id="260" r:id="rId8"/>
+    <p:sldId id="261" r:id="rId9"/>
   </p:sldIdLst>
   <p:sldSz cx="12192000" cy="6858000"/>
   <p:notesSz cx="6858000" cy="9144000"/>
@@ -119,14 +120,6 @@
     </p:ext>
   </p:extLst>
 </p:presentation>
-</file>
-
-<file path=ppt/revisionInfo.xml><?xml version="1.0" encoding="utf-8"?>
-<p1510:revInfo xmlns:a="http://schemas.openxmlformats.org/drawingml/2006/main" xmlns:r="http://schemas.openxmlformats.org/officeDocument/2006/relationships" xmlns:p1510="http://schemas.microsoft.com/office/powerpoint/2015/10/main">
-  <p1510:revLst>
-    <p1510:client id="{F88AC418-1FA4-4664-94E1-074E5A67EC7A}" v="75" dt="2020-06-03T15:45:11.288"/>
-  </p1510:revLst>
-</p1510:revInfo>
 </file>
 
 <file path=ppt/changesInfos/changesInfo1.xml><?xml version="1.0" encoding="utf-8"?>
@@ -748,6 +741,344 @@
       </pc:sldMasterChg>
     </pc:docChg>
   </pc:docChgLst>
+  <pc:docChgLst>
+    <pc:chgData name="Максим Кулаков" userId="04e6ebed4306f91a" providerId="LiveId" clId="{5F6422F0-1994-4B49-9D1F-36403F19BC9F}"/>
+    <pc:docChg chg="undo custSel addSld modSld">
+      <pc:chgData name="Максим Кулаков" userId="04e6ebed4306f91a" providerId="LiveId" clId="{5F6422F0-1994-4B49-9D1F-36403F19BC9F}" dt="2020-06-09T06:41:28.591" v="429"/>
+      <pc:docMkLst>
+        <pc:docMk/>
+      </pc:docMkLst>
+      <pc:sldChg chg="modSp">
+        <pc:chgData name="Максим Кулаков" userId="04e6ebed4306f91a" providerId="LiveId" clId="{5F6422F0-1994-4B49-9D1F-36403F19BC9F}" dt="2020-06-09T06:34:24.450" v="199" actId="207"/>
+        <pc:sldMkLst>
+          <pc:docMk/>
+          <pc:sldMk cId="2656794804" sldId="256"/>
+        </pc:sldMkLst>
+        <pc:spChg chg="mod">
+          <ac:chgData name="Максим Кулаков" userId="04e6ebed4306f91a" providerId="LiveId" clId="{5F6422F0-1994-4B49-9D1F-36403F19BC9F}" dt="2020-06-09T06:34:04.341" v="197" actId="207"/>
+          <ac:spMkLst>
+            <pc:docMk/>
+            <pc:sldMk cId="2656794804" sldId="256"/>
+            <ac:spMk id="2" creationId="{C6B397D0-E3B7-468F-89EA-5A24F238934B}"/>
+          </ac:spMkLst>
+        </pc:spChg>
+        <pc:spChg chg="mod">
+          <ac:chgData name="Максим Кулаков" userId="04e6ebed4306f91a" providerId="LiveId" clId="{5F6422F0-1994-4B49-9D1F-36403F19BC9F}" dt="2020-06-09T06:34:24.450" v="199" actId="207"/>
+          <ac:spMkLst>
+            <pc:docMk/>
+            <pc:sldMk cId="2656794804" sldId="256"/>
+            <ac:spMk id="3" creationId="{665EB16D-E780-468D-96CF-6BEBC7CB1785}"/>
+          </ac:spMkLst>
+        </pc:spChg>
+      </pc:sldChg>
+      <pc:sldChg chg="modSp mod">
+        <pc:chgData name="Максим Кулаков" userId="04e6ebed4306f91a" providerId="LiveId" clId="{5F6422F0-1994-4B49-9D1F-36403F19BC9F}" dt="2020-06-09T06:33:49.262" v="196"/>
+        <pc:sldMkLst>
+          <pc:docMk/>
+          <pc:sldMk cId="3226652925" sldId="257"/>
+        </pc:sldMkLst>
+        <pc:spChg chg="mod">
+          <ac:chgData name="Максим Кулаков" userId="04e6ebed4306f91a" providerId="LiveId" clId="{5F6422F0-1994-4B49-9D1F-36403F19BC9F}" dt="2020-06-09T06:23:02.803" v="42" actId="20577"/>
+          <ac:spMkLst>
+            <pc:docMk/>
+            <pc:sldMk cId="3226652925" sldId="257"/>
+            <ac:spMk id="7" creationId="{58A1A06F-2727-4AAE-8AEB-6519F16D129F}"/>
+          </ac:spMkLst>
+        </pc:spChg>
+        <pc:spChg chg="mod">
+          <ac:chgData name="Максим Кулаков" userId="04e6ebed4306f91a" providerId="LiveId" clId="{5F6422F0-1994-4B49-9D1F-36403F19BC9F}" dt="2020-06-09T06:24:00.443" v="114" actId="20577"/>
+          <ac:spMkLst>
+            <pc:docMk/>
+            <pc:sldMk cId="3226652925" sldId="257"/>
+            <ac:spMk id="8" creationId="{DE0E8B06-A302-4D75-AD2D-8B85D78DD42C}"/>
+          </ac:spMkLst>
+        </pc:spChg>
+        <pc:graphicFrameChg chg="mod">
+          <ac:chgData name="Максим Кулаков" userId="04e6ebed4306f91a" providerId="LiveId" clId="{5F6422F0-1994-4B49-9D1F-36403F19BC9F}" dt="2020-06-09T06:33:49.262" v="196"/>
+          <ac:graphicFrameMkLst>
+            <pc:docMk/>
+            <pc:sldMk cId="3226652925" sldId="257"/>
+            <ac:graphicFrameMk id="6" creationId="{813DCE52-06E5-4A98-A927-0D0D30D346FD}"/>
+          </ac:graphicFrameMkLst>
+        </pc:graphicFrameChg>
+      </pc:sldChg>
+      <pc:sldChg chg="modSp mod">
+        <pc:chgData name="Максим Кулаков" userId="04e6ebed4306f91a" providerId="LiveId" clId="{5F6422F0-1994-4B49-9D1F-36403F19BC9F}" dt="2020-06-09T06:32:12.024" v="165" actId="208"/>
+        <pc:sldMkLst>
+          <pc:docMk/>
+          <pc:sldMk cId="3825080715" sldId="258"/>
+        </pc:sldMkLst>
+        <pc:spChg chg="mod">
+          <ac:chgData name="Максим Кулаков" userId="04e6ebed4306f91a" providerId="LiveId" clId="{5F6422F0-1994-4B49-9D1F-36403F19BC9F}" dt="2020-06-09T06:32:12.024" v="165" actId="208"/>
+          <ac:spMkLst>
+            <pc:docMk/>
+            <pc:sldMk cId="3825080715" sldId="258"/>
+            <ac:spMk id="6" creationId="{2F08A4DC-E195-43C4-A918-56AC672FA987}"/>
+          </ac:spMkLst>
+        </pc:spChg>
+        <pc:spChg chg="mod">
+          <ac:chgData name="Максим Кулаков" userId="04e6ebed4306f91a" providerId="LiveId" clId="{5F6422F0-1994-4B49-9D1F-36403F19BC9F}" dt="2020-06-09T06:32:12.024" v="165" actId="208"/>
+          <ac:spMkLst>
+            <pc:docMk/>
+            <pc:sldMk cId="3825080715" sldId="258"/>
+            <ac:spMk id="13" creationId="{4A3C10EB-3636-436D-A7B4-856FBA159605}"/>
+          </ac:spMkLst>
+        </pc:spChg>
+        <pc:spChg chg="mod">
+          <ac:chgData name="Максим Кулаков" userId="04e6ebed4306f91a" providerId="LiveId" clId="{5F6422F0-1994-4B49-9D1F-36403F19BC9F}" dt="2020-06-09T06:32:12.024" v="165" actId="208"/>
+          <ac:spMkLst>
+            <pc:docMk/>
+            <pc:sldMk cId="3825080715" sldId="258"/>
+            <ac:spMk id="14" creationId="{0B3840C3-A848-4927-B8D9-22F2617534CB}"/>
+          </ac:spMkLst>
+        </pc:spChg>
+        <pc:spChg chg="mod">
+          <ac:chgData name="Максим Кулаков" userId="04e6ebed4306f91a" providerId="LiveId" clId="{5F6422F0-1994-4B49-9D1F-36403F19BC9F}" dt="2020-06-09T06:32:12.024" v="165" actId="208"/>
+          <ac:spMkLst>
+            <pc:docMk/>
+            <pc:sldMk cId="3825080715" sldId="258"/>
+            <ac:spMk id="15" creationId="{76CAEB2D-9639-4DB0-9D9D-2E9A7A8C5F2B}"/>
+          </ac:spMkLst>
+        </pc:spChg>
+        <pc:spChg chg="mod">
+          <ac:chgData name="Максим Кулаков" userId="04e6ebed4306f91a" providerId="LiveId" clId="{5F6422F0-1994-4B49-9D1F-36403F19BC9F}" dt="2020-06-09T06:32:12.024" v="165" actId="208"/>
+          <ac:spMkLst>
+            <pc:docMk/>
+            <pc:sldMk cId="3825080715" sldId="258"/>
+            <ac:spMk id="16" creationId="{CD73DCDD-431F-4409-8B6E-A7967A74F631}"/>
+          </ac:spMkLst>
+        </pc:spChg>
+      </pc:sldChg>
+      <pc:sldChg chg="modSp mod modAnim">
+        <pc:chgData name="Максим Кулаков" userId="04e6ebed4306f91a" providerId="LiveId" clId="{5F6422F0-1994-4B49-9D1F-36403F19BC9F}" dt="2020-06-09T06:35:39.528" v="204"/>
+        <pc:sldMkLst>
+          <pc:docMk/>
+          <pc:sldMk cId="1279104608" sldId="259"/>
+        </pc:sldMkLst>
+        <pc:spChg chg="mod">
+          <ac:chgData name="Максим Кулаков" userId="04e6ebed4306f91a" providerId="LiveId" clId="{5F6422F0-1994-4B49-9D1F-36403F19BC9F}" dt="2020-06-09T06:31:47.337" v="162" actId="207"/>
+          <ac:spMkLst>
+            <pc:docMk/>
+            <pc:sldMk cId="1279104608" sldId="259"/>
+            <ac:spMk id="6" creationId="{B2C932AF-F434-43DF-8EF4-26777FBD94A7}"/>
+          </ac:spMkLst>
+        </pc:spChg>
+        <pc:spChg chg="mod">
+          <ac:chgData name="Максим Кулаков" userId="04e6ebed4306f91a" providerId="LiveId" clId="{5F6422F0-1994-4B49-9D1F-36403F19BC9F}" dt="2020-06-09T06:31:47.337" v="162" actId="207"/>
+          <ac:spMkLst>
+            <pc:docMk/>
+            <pc:sldMk cId="1279104608" sldId="259"/>
+            <ac:spMk id="7" creationId="{99175E69-34D1-42E7-9611-598A50F2A2A7}"/>
+          </ac:spMkLst>
+        </pc:spChg>
+        <pc:spChg chg="mod">
+          <ac:chgData name="Максим Кулаков" userId="04e6ebed4306f91a" providerId="LiveId" clId="{5F6422F0-1994-4B49-9D1F-36403F19BC9F}" dt="2020-06-09T06:31:47.337" v="162" actId="207"/>
+          <ac:spMkLst>
+            <pc:docMk/>
+            <pc:sldMk cId="1279104608" sldId="259"/>
+            <ac:spMk id="9" creationId="{737E8A4B-64B9-44D7-B11C-E87371FA8664}"/>
+          </ac:spMkLst>
+        </pc:spChg>
+        <pc:spChg chg="mod">
+          <ac:chgData name="Максим Кулаков" userId="04e6ebed4306f91a" providerId="LiveId" clId="{5F6422F0-1994-4B49-9D1F-36403F19BC9F}" dt="2020-06-09T06:31:47.337" v="162" actId="207"/>
+          <ac:spMkLst>
+            <pc:docMk/>
+            <pc:sldMk cId="1279104608" sldId="259"/>
+            <ac:spMk id="12" creationId="{6C8ED7A4-5C34-4A94-9382-38FAE9266125}"/>
+          </ac:spMkLst>
+        </pc:spChg>
+        <pc:spChg chg="mod">
+          <ac:chgData name="Максим Кулаков" userId="04e6ebed4306f91a" providerId="LiveId" clId="{5F6422F0-1994-4B49-9D1F-36403F19BC9F}" dt="2020-06-09T06:31:47.337" v="162" actId="207"/>
+          <ac:spMkLst>
+            <pc:docMk/>
+            <pc:sldMk cId="1279104608" sldId="259"/>
+            <ac:spMk id="13" creationId="{9E31AAA0-3805-4E50-99BD-ED6A96DE4096}"/>
+          </ac:spMkLst>
+        </pc:spChg>
+        <pc:spChg chg="mod">
+          <ac:chgData name="Максим Кулаков" userId="04e6ebed4306f91a" providerId="LiveId" clId="{5F6422F0-1994-4B49-9D1F-36403F19BC9F}" dt="2020-06-09T06:31:47.337" v="162" actId="207"/>
+          <ac:spMkLst>
+            <pc:docMk/>
+            <pc:sldMk cId="1279104608" sldId="259"/>
+            <ac:spMk id="14" creationId="{F40B1D05-0B0F-49AC-9BE0-670607F25A8A}"/>
+          </ac:spMkLst>
+        </pc:spChg>
+        <pc:spChg chg="mod">
+          <ac:chgData name="Максим Кулаков" userId="04e6ebed4306f91a" providerId="LiveId" clId="{5F6422F0-1994-4B49-9D1F-36403F19BC9F}" dt="2020-06-09T06:31:36.133" v="160" actId="207"/>
+          <ac:spMkLst>
+            <pc:docMk/>
+            <pc:sldMk cId="1279104608" sldId="259"/>
+            <ac:spMk id="15" creationId="{9B9BCD36-F5E5-4CB0-B8F4-4EA5DF7F9568}"/>
+          </ac:spMkLst>
+        </pc:spChg>
+        <pc:spChg chg="mod">
+          <ac:chgData name="Максим Кулаков" userId="04e6ebed4306f91a" providerId="LiveId" clId="{5F6422F0-1994-4B49-9D1F-36403F19BC9F}" dt="2020-06-09T06:31:36.133" v="160" actId="207"/>
+          <ac:spMkLst>
+            <pc:docMk/>
+            <pc:sldMk cId="1279104608" sldId="259"/>
+            <ac:spMk id="16" creationId="{63A45A5A-E70B-42B8-9C50-055B5EA7EDB6}"/>
+          </ac:spMkLst>
+        </pc:spChg>
+        <pc:spChg chg="mod">
+          <ac:chgData name="Максим Кулаков" userId="04e6ebed4306f91a" providerId="LiveId" clId="{5F6422F0-1994-4B49-9D1F-36403F19BC9F}" dt="2020-06-09T06:31:36.133" v="160" actId="207"/>
+          <ac:spMkLst>
+            <pc:docMk/>
+            <pc:sldMk cId="1279104608" sldId="259"/>
+            <ac:spMk id="17" creationId="{27F5792A-D5E1-4C7C-A488-65EB9DBADD22}"/>
+          </ac:spMkLst>
+        </pc:spChg>
+        <pc:spChg chg="mod">
+          <ac:chgData name="Максим Кулаков" userId="04e6ebed4306f91a" providerId="LiveId" clId="{5F6422F0-1994-4B49-9D1F-36403F19BC9F}" dt="2020-06-09T06:31:36.133" v="160" actId="207"/>
+          <ac:spMkLst>
+            <pc:docMk/>
+            <pc:sldMk cId="1279104608" sldId="259"/>
+            <ac:spMk id="18" creationId="{594C4549-EE00-46F9-9159-FB9487A4BC2A}"/>
+          </ac:spMkLst>
+        </pc:spChg>
+        <pc:spChg chg="mod">
+          <ac:chgData name="Максим Кулаков" userId="04e6ebed4306f91a" providerId="LiveId" clId="{5F6422F0-1994-4B49-9D1F-36403F19BC9F}" dt="2020-06-09T06:31:36.133" v="160" actId="207"/>
+          <ac:spMkLst>
+            <pc:docMk/>
+            <pc:sldMk cId="1279104608" sldId="259"/>
+            <ac:spMk id="19" creationId="{D04C2DCA-523F-4B58-AB29-E67507748A17}"/>
+          </ac:spMkLst>
+        </pc:spChg>
+        <pc:spChg chg="mod">
+          <ac:chgData name="Максим Кулаков" userId="04e6ebed4306f91a" providerId="LiveId" clId="{5F6422F0-1994-4B49-9D1F-36403F19BC9F}" dt="2020-06-09T06:31:36.133" v="160" actId="207"/>
+          <ac:spMkLst>
+            <pc:docMk/>
+            <pc:sldMk cId="1279104608" sldId="259"/>
+            <ac:spMk id="20" creationId="{BFFB029F-133A-4E07-A411-F1CE6250B19A}"/>
+          </ac:spMkLst>
+        </pc:spChg>
+      </pc:sldChg>
+      <pc:sldChg chg="addSp delSp modSp mod">
+        <pc:chgData name="Максим Кулаков" userId="04e6ebed4306f91a" providerId="LiveId" clId="{5F6422F0-1994-4B49-9D1F-36403F19BC9F}" dt="2020-06-09T06:32:54.365" v="167" actId="478"/>
+        <pc:sldMkLst>
+          <pc:docMk/>
+          <pc:sldMk cId="3523556248" sldId="260"/>
+        </pc:sldMkLst>
+        <pc:spChg chg="del">
+          <ac:chgData name="Максим Кулаков" userId="04e6ebed4306f91a" providerId="LiveId" clId="{5F6422F0-1994-4B49-9D1F-36403F19BC9F}" dt="2020-06-09T06:32:52.192" v="166" actId="478"/>
+          <ac:spMkLst>
+            <pc:docMk/>
+            <pc:sldMk cId="3523556248" sldId="260"/>
+            <ac:spMk id="4" creationId="{4A01A517-A17C-4A20-8590-A4A680EAABED}"/>
+          </ac:spMkLst>
+        </pc:spChg>
+        <pc:spChg chg="add del mod">
+          <ac:chgData name="Максим Кулаков" userId="04e6ebed4306f91a" providerId="LiveId" clId="{5F6422F0-1994-4B49-9D1F-36403F19BC9F}" dt="2020-06-09T06:32:54.365" v="167" actId="478"/>
+          <ac:spMkLst>
+            <pc:docMk/>
+            <pc:sldMk cId="3523556248" sldId="260"/>
+            <ac:spMk id="5" creationId="{AA21A03D-F102-45A0-8A7B-543DB58BA5BA}"/>
+          </ac:spMkLst>
+        </pc:spChg>
+      </pc:sldChg>
+      <pc:sldChg chg="modSp mod">
+        <pc:chgData name="Максим Кулаков" userId="04e6ebed4306f91a" providerId="LiveId" clId="{5F6422F0-1994-4B49-9D1F-36403F19BC9F}" dt="2020-06-09T06:39:52.231" v="328" actId="1076"/>
+        <pc:sldMkLst>
+          <pc:docMk/>
+          <pc:sldMk cId="3043985443" sldId="262"/>
+        </pc:sldMkLst>
+        <pc:spChg chg="mod">
+          <ac:chgData name="Максим Кулаков" userId="04e6ebed4306f91a" providerId="LiveId" clId="{5F6422F0-1994-4B49-9D1F-36403F19BC9F}" dt="2020-06-09T06:30:28.196" v="152" actId="14100"/>
+          <ac:spMkLst>
+            <pc:docMk/>
+            <pc:sldMk cId="3043985443" sldId="262"/>
+            <ac:spMk id="5" creationId="{34253F25-F55E-485A-84AE-4DCABDD86114}"/>
+          </ac:spMkLst>
+        </pc:spChg>
+        <pc:spChg chg="mod">
+          <ac:chgData name="Максим Кулаков" userId="04e6ebed4306f91a" providerId="LiveId" clId="{5F6422F0-1994-4B49-9D1F-36403F19BC9F}" dt="2020-06-09T06:30:30.977" v="153" actId="14100"/>
+          <ac:spMkLst>
+            <pc:docMk/>
+            <pc:sldMk cId="3043985443" sldId="262"/>
+            <ac:spMk id="13" creationId="{366F08B5-B21F-4F5C-81DB-456F5CB15BBD}"/>
+          </ac:spMkLst>
+        </pc:spChg>
+        <pc:spChg chg="mod">
+          <ac:chgData name="Максим Кулаков" userId="04e6ebed4306f91a" providerId="LiveId" clId="{5F6422F0-1994-4B49-9D1F-36403F19BC9F}" dt="2020-06-09T06:39:52.231" v="328" actId="1076"/>
+          <ac:spMkLst>
+            <pc:docMk/>
+            <pc:sldMk cId="3043985443" sldId="262"/>
+            <ac:spMk id="14" creationId="{3F3E1167-AC02-4457-AC96-C8D839EE7CD9}"/>
+          </ac:spMkLst>
+        </pc:spChg>
+      </pc:sldChg>
+      <pc:sldChg chg="addSp delSp modSp new mod modAnim">
+        <pc:chgData name="Максим Кулаков" userId="04e6ebed4306f91a" providerId="LiveId" clId="{5F6422F0-1994-4B49-9D1F-36403F19BC9F}" dt="2020-06-09T06:41:28.591" v="429"/>
+        <pc:sldMkLst>
+          <pc:docMk/>
+          <pc:sldMk cId="1345057888" sldId="263"/>
+        </pc:sldMkLst>
+        <pc:spChg chg="mod">
+          <ac:chgData name="Максим Кулаков" userId="04e6ebed4306f91a" providerId="LiveId" clId="{5F6422F0-1994-4B49-9D1F-36403F19BC9F}" dt="2020-06-09T06:33:11.169" v="195" actId="20577"/>
+          <ac:spMkLst>
+            <pc:docMk/>
+            <pc:sldMk cId="1345057888" sldId="263"/>
+            <ac:spMk id="2" creationId="{4536DE0F-6E6D-4241-AE4D-C3ED6879C62F}"/>
+          </ac:spMkLst>
+        </pc:spChg>
+        <pc:spChg chg="del">
+          <ac:chgData name="Максим Кулаков" userId="04e6ebed4306f91a" providerId="LiveId" clId="{5F6422F0-1994-4B49-9D1F-36403F19BC9F}" dt="2020-06-09T06:35:58.934" v="205" actId="478"/>
+          <ac:spMkLst>
+            <pc:docMk/>
+            <pc:sldMk cId="1345057888" sldId="263"/>
+            <ac:spMk id="3" creationId="{E557CAB9-ED0F-48C3-9613-3DDC122C94EA}"/>
+          </ac:spMkLst>
+        </pc:spChg>
+        <pc:spChg chg="add mod">
+          <ac:chgData name="Максим Кулаков" userId="04e6ebed4306f91a" providerId="LiveId" clId="{5F6422F0-1994-4B49-9D1F-36403F19BC9F}" dt="2020-06-09T06:38:09.372" v="276" actId="404"/>
+          <ac:spMkLst>
+            <pc:docMk/>
+            <pc:sldMk cId="1345057888" sldId="263"/>
+            <ac:spMk id="4" creationId="{471B1761-979C-4985-B470-A9E82BC9FAF2}"/>
+          </ac:spMkLst>
+        </pc:spChg>
+        <pc:spChg chg="add mod">
+          <ac:chgData name="Максим Кулаков" userId="04e6ebed4306f91a" providerId="LiveId" clId="{5F6422F0-1994-4B49-9D1F-36403F19BC9F}" dt="2020-06-09T06:38:06.262" v="273" actId="403"/>
+          <ac:spMkLst>
+            <pc:docMk/>
+            <pc:sldMk cId="1345057888" sldId="263"/>
+            <ac:spMk id="5" creationId="{6E5EEC58-7077-4F5A-A386-A9F348C902C7}"/>
+          </ac:spMkLst>
+        </pc:spChg>
+        <pc:spChg chg="add mod">
+          <ac:chgData name="Максим Кулаков" userId="04e6ebed4306f91a" providerId="LiveId" clId="{5F6422F0-1994-4B49-9D1F-36403F19BC9F}" dt="2020-06-09T06:38:30.497" v="295" actId="20577"/>
+          <ac:spMkLst>
+            <pc:docMk/>
+            <pc:sldMk cId="1345057888" sldId="263"/>
+            <ac:spMk id="6" creationId="{8D656520-F5BF-429B-AF81-C89EBB96E2FB}"/>
+          </ac:spMkLst>
+        </pc:spChg>
+        <pc:spChg chg="add mod">
+          <ac:chgData name="Максим Кулаков" userId="04e6ebed4306f91a" providerId="LiveId" clId="{5F6422F0-1994-4B49-9D1F-36403F19BC9F}" dt="2020-06-09T06:38:58.216" v="323" actId="404"/>
+          <ac:spMkLst>
+            <pc:docMk/>
+            <pc:sldMk cId="1345057888" sldId="263"/>
+            <ac:spMk id="7" creationId="{98959F4F-A1A4-4D48-B915-6A3E4DB90571}"/>
+          </ac:spMkLst>
+        </pc:spChg>
+        <pc:spChg chg="add mod">
+          <ac:chgData name="Максим Кулаков" userId="04e6ebed4306f91a" providerId="LiveId" clId="{5F6422F0-1994-4B49-9D1F-36403F19BC9F}" dt="2020-06-09T06:40:45.794" v="408" actId="6549"/>
+          <ac:spMkLst>
+            <pc:docMk/>
+            <pc:sldMk cId="1345057888" sldId="263"/>
+            <ac:spMk id="8" creationId="{AFB996BC-CBB7-4FDE-A7AD-9D9C5CF9D010}"/>
+          </ac:spMkLst>
+        </pc:spChg>
+        <pc:spChg chg="add mod">
+          <ac:chgData name="Максим Кулаков" userId="04e6ebed4306f91a" providerId="LiveId" clId="{5F6422F0-1994-4B49-9D1F-36403F19BC9F}" dt="2020-06-09T06:41:16.419" v="427" actId="404"/>
+          <ac:spMkLst>
+            <pc:docMk/>
+            <pc:sldMk cId="1345057888" sldId="263"/>
+            <ac:spMk id="9" creationId="{770CEC0F-E572-4B91-ACFF-338CFA07C7F4}"/>
+          </ac:spMkLst>
+        </pc:spChg>
+      </pc:sldChg>
+    </pc:docChg>
+  </pc:docChgLst>
 </pc:chgInfo>
 </file>
 
@@ -758,10 +1089,10 @@
   <c:roundedCorners val="0"/>
   <mc:AlternateContent xmlns:mc="http://schemas.openxmlformats.org/markup-compatibility/2006">
     <mc:Choice xmlns:c14="http://schemas.microsoft.com/office/drawing/2007/8/2/chart" Requires="c14">
-      <c14:style val="102"/>
+      <c14:style val="107"/>
     </mc:Choice>
     <mc:Fallback>
-      <c:style val="2"/>
+      <c:style val="7"/>
     </mc:Fallback>
   </mc:AlternateContent>
   <c:chart>
@@ -799,7 +1130,9 @@
             <c:bubble3D val="0"/>
             <c:spPr>
               <a:solidFill>
-                <a:schemeClr val="accent1"/>
+                <a:schemeClr val="accent5">
+                  <a:shade val="65000"/>
+                </a:schemeClr>
               </a:solidFill>
               <a:ln w="19050">
                 <a:solidFill>
@@ -819,7 +1152,7 @@
             <c:bubble3D val="0"/>
             <c:spPr>
               <a:solidFill>
-                <a:schemeClr val="accent2"/>
+                <a:schemeClr val="accent5"/>
               </a:solidFill>
               <a:ln w="19050">
                 <a:solidFill>
@@ -839,7 +1172,9 @@
             <c:bubble3D val="0"/>
             <c:spPr>
               <a:solidFill>
-                <a:schemeClr val="accent3"/>
+                <a:schemeClr val="accent5">
+                  <a:tint val="65000"/>
+                </a:schemeClr>
               </a:solidFill>
               <a:ln w="19050">
                 <a:solidFill>
@@ -1037,42 +1372,8 @@
 </file>
 
 <file path=ppt/charts/colors1.xml><?xml version="1.0" encoding="utf-8"?>
-<cs:colorStyle xmlns:cs="http://schemas.microsoft.com/office/drawing/2012/chartStyle" xmlns:a="http://schemas.openxmlformats.org/drawingml/2006/main" meth="cycle" id="10">
-  <a:schemeClr val="accent1"/>
-  <a:schemeClr val="accent2"/>
-  <a:schemeClr val="accent3"/>
-  <a:schemeClr val="accent4"/>
+<cs:colorStyle xmlns:cs="http://schemas.microsoft.com/office/drawing/2012/chartStyle" xmlns:a="http://schemas.openxmlformats.org/drawingml/2006/main" meth="withinLinear" id="18">
   <a:schemeClr val="accent5"/>
-  <a:schemeClr val="accent6"/>
-  <cs:variation/>
-  <cs:variation>
-    <a:lumMod val="60000"/>
-  </cs:variation>
-  <cs:variation>
-    <a:lumMod val="80000"/>
-    <a:lumOff val="20000"/>
-  </cs:variation>
-  <cs:variation>
-    <a:lumMod val="80000"/>
-  </cs:variation>
-  <cs:variation>
-    <a:lumMod val="60000"/>
-    <a:lumOff val="40000"/>
-  </cs:variation>
-  <cs:variation>
-    <a:lumMod val="50000"/>
-  </cs:variation>
-  <cs:variation>
-    <a:lumMod val="70000"/>
-    <a:lumOff val="30000"/>
-  </cs:variation>
-  <cs:variation>
-    <a:lumMod val="70000"/>
-  </cs:variation>
-  <cs:variation>
-    <a:lumMod val="50000"/>
-    <a:lumOff val="50000"/>
-  </cs:variation>
 </cs:colorStyle>
 </file>
 
@@ -1727,7 +2028,7 @@
           <a:p>
             <a:fld id="{35ED7692-1254-415D-9D6A-1D2A893B2F70}" type="datetimeFigureOut">
               <a:rPr lang="ru-RU" smtClean="0"/>
-              <a:t>03.06.2020</a:t>
+              <a:t>09.06.2020</a:t>
             </a:fld>
             <a:endParaRPr lang="ru-RU" dirty="0"/>
           </a:p>
@@ -2672,7 +2973,7 @@
           <a:p>
             <a:fld id="{1EC651AD-414D-4A4A-8885-5623C2E78D1F}" type="slidenum">
               <a:rPr lang="ru-RU" smtClean="0"/>
-              <a:t>6</a:t>
+              <a:t>7</a:t>
             </a:fld>
             <a:endParaRPr lang="ru-RU" dirty="0"/>
           </a:p>
@@ -2822,7 +3123,7 @@
           <a:p>
             <a:fld id="{9DF04FE3-AB61-406F-AE3E-5E3CFB8A6317}" type="datetimeFigureOut">
               <a:rPr lang="ru-RU" smtClean="0"/>
-              <a:t>03.06.2020</a:t>
+              <a:t>09.06.2020</a:t>
             </a:fld>
             <a:endParaRPr lang="ru-RU" dirty="0"/>
           </a:p>
@@ -2995,7 +3296,7 @@
           <a:p>
             <a:fld id="{9DF04FE3-AB61-406F-AE3E-5E3CFB8A6317}" type="datetimeFigureOut">
               <a:rPr lang="ru-RU" smtClean="0"/>
-              <a:t>03.06.2020</a:t>
+              <a:t>09.06.2020</a:t>
             </a:fld>
             <a:endParaRPr lang="ru-RU" dirty="0"/>
           </a:p>
@@ -3178,7 +3479,7 @@
           <a:p>
             <a:fld id="{9DF04FE3-AB61-406F-AE3E-5E3CFB8A6317}" type="datetimeFigureOut">
               <a:rPr lang="ru-RU" smtClean="0"/>
-              <a:t>03.06.2020</a:t>
+              <a:t>09.06.2020</a:t>
             </a:fld>
             <a:endParaRPr lang="ru-RU" dirty="0"/>
           </a:p>
@@ -3351,7 +3652,7 @@
           <a:p>
             <a:fld id="{9DF04FE3-AB61-406F-AE3E-5E3CFB8A6317}" type="datetimeFigureOut">
               <a:rPr lang="ru-RU" smtClean="0"/>
-              <a:t>03.06.2020</a:t>
+              <a:t>09.06.2020</a:t>
             </a:fld>
             <a:endParaRPr lang="ru-RU" dirty="0"/>
           </a:p>
@@ -3600,7 +3901,7 @@
           <a:p>
             <a:fld id="{9DF04FE3-AB61-406F-AE3E-5E3CFB8A6317}" type="datetimeFigureOut">
               <a:rPr lang="ru-RU" smtClean="0"/>
-              <a:t>03.06.2020</a:t>
+              <a:t>09.06.2020</a:t>
             </a:fld>
             <a:endParaRPr lang="ru-RU" dirty="0"/>
           </a:p>
@@ -3835,7 +4136,7 @@
           <a:p>
             <a:fld id="{9DF04FE3-AB61-406F-AE3E-5E3CFB8A6317}" type="datetimeFigureOut">
               <a:rPr lang="ru-RU" smtClean="0"/>
-              <a:t>03.06.2020</a:t>
+              <a:t>09.06.2020</a:t>
             </a:fld>
             <a:endParaRPr lang="ru-RU" dirty="0"/>
           </a:p>
@@ -4205,7 +4506,7 @@
           <a:p>
             <a:fld id="{9DF04FE3-AB61-406F-AE3E-5E3CFB8A6317}" type="datetimeFigureOut">
               <a:rPr lang="ru-RU" smtClean="0"/>
-              <a:t>03.06.2020</a:t>
+              <a:t>09.06.2020</a:t>
             </a:fld>
             <a:endParaRPr lang="ru-RU" dirty="0"/>
           </a:p>
@@ -4326,7 +4627,7 @@
           <a:p>
             <a:fld id="{9DF04FE3-AB61-406F-AE3E-5E3CFB8A6317}" type="datetimeFigureOut">
               <a:rPr lang="ru-RU" smtClean="0"/>
-              <a:t>03.06.2020</a:t>
+              <a:t>09.06.2020</a:t>
             </a:fld>
             <a:endParaRPr lang="ru-RU" dirty="0"/>
           </a:p>
@@ -4424,7 +4725,7 @@
           <a:p>
             <a:fld id="{9DF04FE3-AB61-406F-AE3E-5E3CFB8A6317}" type="datetimeFigureOut">
               <a:rPr lang="ru-RU" smtClean="0"/>
-              <a:t>03.06.2020</a:t>
+              <a:t>09.06.2020</a:t>
             </a:fld>
             <a:endParaRPr lang="ru-RU" dirty="0"/>
           </a:p>
@@ -4704,7 +5005,7 @@
           <a:p>
             <a:fld id="{9DF04FE3-AB61-406F-AE3E-5E3CFB8A6317}" type="datetimeFigureOut">
               <a:rPr lang="ru-RU" smtClean="0"/>
-              <a:t>03.06.2020</a:t>
+              <a:t>09.06.2020</a:t>
             </a:fld>
             <a:endParaRPr lang="ru-RU" dirty="0"/>
           </a:p>
@@ -4964,7 +5265,7 @@
           <a:p>
             <a:fld id="{9DF04FE3-AB61-406F-AE3E-5E3CFB8A6317}" type="datetimeFigureOut">
               <a:rPr lang="ru-RU" smtClean="0"/>
-              <a:t>03.06.2020</a:t>
+              <a:t>09.06.2020</a:t>
             </a:fld>
             <a:endParaRPr lang="ru-RU" dirty="0"/>
           </a:p>
@@ -5180,7 +5481,7 @@
           <a:p>
             <a:fld id="{9DF04FE3-AB61-406F-AE3E-5E3CFB8A6317}" type="datetimeFigureOut">
               <a:rPr lang="ru-RU" smtClean="0"/>
-              <a:t>03.06.2020</a:t>
+              <a:t>09.06.2020</a:t>
             </a:fld>
             <a:endParaRPr lang="ru-RU" dirty="0"/>
           </a:p>
@@ -5642,7 +5943,7 @@
             <a:r>
               <a:rPr lang="en-US" sz="4400" dirty="0">
                 <a:solidFill>
-                  <a:srgbClr val="00B050"/>
+                  <a:srgbClr val="C00000"/>
                 </a:solidFill>
               </a:rPr>
               <a:t>«</a:t>
@@ -5650,7 +5951,7 @@
             <a:r>
               <a:rPr lang="ru-RU" sz="4400" dirty="0">
                 <a:solidFill>
-                  <a:srgbClr val="00B050"/>
+                  <a:srgbClr val="C00000"/>
                 </a:solidFill>
               </a:rPr>
               <a:t>Разработка интеллектуальной системы контроля и управления доступом</a:t>
@@ -5658,14 +5959,14 @@
             <a:r>
               <a:rPr lang="en-US" sz="4400" dirty="0">
                 <a:solidFill>
-                  <a:srgbClr val="00B050"/>
+                  <a:srgbClr val="C00000"/>
                 </a:solidFill>
               </a:rPr>
               <a:t>»</a:t>
             </a:r>
             <a:endParaRPr lang="ru-RU" dirty="0">
               <a:solidFill>
-                <a:srgbClr val="00B050"/>
+                <a:srgbClr val="C00000"/>
               </a:solidFill>
             </a:endParaRPr>
           </a:p>
@@ -5731,7 +6032,7 @@
             <a:r>
               <a:rPr lang="ru-RU" sz="2000" dirty="0">
                 <a:solidFill>
-                  <a:srgbClr val="92D050"/>
+                  <a:srgbClr val="FF0000"/>
                 </a:solidFill>
               </a:rPr>
               <a:t>Кулаков Максим Иванович</a:t>
@@ -5771,7 +6072,7 @@
             <a:r>
               <a:rPr lang="ru-RU" sz="2000" dirty="0">
                 <a:solidFill>
-                  <a:srgbClr val="92D050"/>
+                  <a:srgbClr val="FF0000"/>
                 </a:solidFill>
               </a:rPr>
               <a:t>Кинчин Евгений Викторович </a:t>
@@ -5885,11 +6186,11 @@
   <p:clrMapOvr>
     <a:masterClrMapping/>
   </p:clrMapOvr>
-  <mc:AlternateContent xmlns:mc="http://schemas.openxmlformats.org/markup-compatibility/2006">
-    <mc:Choice xmlns:p14="http://schemas.microsoft.com/office/powerpoint/2010/main" Requires="p14">
+  <mc:AlternateContent xmlns:mc="http://schemas.openxmlformats.org/markup-compatibility/2006" xmlns:p14="http://schemas.microsoft.com/office/powerpoint/2010/main">
+    <mc:Choice Requires="p14">
       <p:transition p14:dur="0"/>
     </mc:Choice>
-    <mc:Fallback>
+    <mc:Fallback xmlns="">
       <p:transition/>
     </mc:Fallback>
   </mc:AlternateContent>
@@ -5957,7 +6258,7 @@
             <p:ph idx="1"/>
             <p:extLst>
               <p:ext uri="{D42A27DB-BD31-4B8C-83A1-F6EECF244321}">
-                <p14:modId xmlns:p14="http://schemas.microsoft.com/office/powerpoint/2010/main" val="3873330081"/>
+                <p14:modId xmlns:p14="http://schemas.microsoft.com/office/powerpoint/2010/main" val="1831999463"/>
               </p:ext>
             </p:extLst>
           </p:nvPr>
@@ -6071,7 +6372,7 @@
             <a:pPr algn="ctr"/>
             <a:r>
               <a:rPr lang="ru-RU" dirty="0"/>
-              <a:t>Рост требований и активное развитие</a:t>
+              <a:t>Рост требований и активное развитие сферы безопасности</a:t>
             </a:r>
           </a:p>
         </p:txBody>
@@ -6121,7 +6422,10 @@
           <a:lstStyle/>
           <a:p>
             <a:pPr algn="ctr"/>
-            <a:endParaRPr lang="ru-RU" dirty="0"/>
+            <a:r>
+              <a:rPr lang="ru-RU" dirty="0"/>
+              <a:t>Постоянный рост потребности в внедрении ограничения доступа</a:t>
+            </a:r>
           </a:p>
         </p:txBody>
       </p:sp>
@@ -6451,9 +6755,12 @@
           <a:prstGeom prst="roundRect">
             <a:avLst/>
           </a:prstGeom>
-          <a:solidFill>
-            <a:srgbClr val="FF0000"/>
-          </a:solidFill>
+          <a:noFill/>
+          <a:ln w="76200">
+            <a:solidFill>
+              <a:srgbClr val="C00000"/>
+            </a:solidFill>
+          </a:ln>
         </p:spPr>
         <p:style>
           <a:lnRef idx="2">
@@ -6503,9 +6810,12 @@
           <a:prstGeom prst="roundRect">
             <a:avLst/>
           </a:prstGeom>
-          <a:solidFill>
-            <a:srgbClr val="FF0000"/>
-          </a:solidFill>
+          <a:noFill/>
+          <a:ln w="76200">
+            <a:solidFill>
+              <a:srgbClr val="C00000"/>
+            </a:solidFill>
+          </a:ln>
         </p:spPr>
         <p:style>
           <a:lnRef idx="2">
@@ -6555,9 +6865,12 @@
           <a:prstGeom prst="roundRect">
             <a:avLst/>
           </a:prstGeom>
-          <a:solidFill>
-            <a:srgbClr val="FF0000"/>
-          </a:solidFill>
+          <a:noFill/>
+          <a:ln w="76200">
+            <a:solidFill>
+              <a:srgbClr val="C00000"/>
+            </a:solidFill>
+          </a:ln>
         </p:spPr>
         <p:style>
           <a:lnRef idx="2">
@@ -6607,9 +6920,12 @@
           <a:prstGeom prst="roundRect">
             <a:avLst/>
           </a:prstGeom>
-          <a:solidFill>
-            <a:srgbClr val="FF0000"/>
-          </a:solidFill>
+          <a:noFill/>
+          <a:ln w="76200">
+            <a:solidFill>
+              <a:srgbClr val="C00000"/>
+            </a:solidFill>
+          </a:ln>
         </p:spPr>
         <p:style>
           <a:lnRef idx="2">
@@ -6659,9 +6975,12 @@
           <a:prstGeom prst="roundRect">
             <a:avLst/>
           </a:prstGeom>
-          <a:solidFill>
-            <a:srgbClr val="FF0000"/>
-          </a:solidFill>
+          <a:noFill/>
+          <a:ln w="76200">
+            <a:solidFill>
+              <a:srgbClr val="C00000"/>
+            </a:solidFill>
+          </a:ln>
         </p:spPr>
         <p:style>
           <a:lnRef idx="2">
@@ -7129,8 +7448,13 @@
             <a:avLst/>
           </a:prstGeom>
           <a:solidFill>
-            <a:srgbClr val="FF0000"/>
+            <a:schemeClr val="tx1"/>
           </a:solidFill>
+          <a:ln w="76200">
+            <a:solidFill>
+              <a:srgbClr val="FF0000"/>
+            </a:solidFill>
+          </a:ln>
         </p:spPr>
         <p:style>
           <a:lnRef idx="2">
@@ -7154,7 +7478,11 @@
           <a:p>
             <a:pPr algn="ctr"/>
             <a:r>
-              <a:rPr lang="ru-RU" dirty="0"/>
+              <a:rPr lang="ru-RU" dirty="0">
+                <a:solidFill>
+                  <a:schemeClr val="bg1"/>
+                </a:solidFill>
+              </a:rPr>
               <a:t>Разработка принципиальной схемы</a:t>
             </a:r>
           </a:p>
@@ -7181,8 +7509,13 @@
             <a:avLst/>
           </a:prstGeom>
           <a:solidFill>
-            <a:srgbClr val="FF0000"/>
+            <a:schemeClr val="tx1"/>
           </a:solidFill>
+          <a:ln w="76200">
+            <a:solidFill>
+              <a:srgbClr val="FF0000"/>
+            </a:solidFill>
+          </a:ln>
         </p:spPr>
         <p:style>
           <a:lnRef idx="2">
@@ -7206,7 +7539,11 @@
           <a:p>
             <a:pPr algn="ctr"/>
             <a:r>
-              <a:rPr lang="ru-RU" dirty="0"/>
+              <a:rPr lang="ru-RU" dirty="0">
+                <a:solidFill>
+                  <a:schemeClr val="bg1"/>
+                </a:solidFill>
+              </a:rPr>
               <a:t>Проектирование ППМ</a:t>
             </a:r>
           </a:p>
@@ -7233,8 +7570,13 @@
             <a:avLst/>
           </a:prstGeom>
           <a:solidFill>
-            <a:srgbClr val="FF0000"/>
+            <a:schemeClr val="tx1"/>
           </a:solidFill>
+          <a:ln w="76200">
+            <a:solidFill>
+              <a:srgbClr val="FF0000"/>
+            </a:solidFill>
+          </a:ln>
         </p:spPr>
         <p:style>
           <a:lnRef idx="2">
@@ -7258,7 +7600,11 @@
           <a:p>
             <a:pPr algn="ctr"/>
             <a:r>
-              <a:rPr lang="ru-RU" dirty="0"/>
+              <a:rPr lang="ru-RU" dirty="0">
+                <a:solidFill>
+                  <a:schemeClr val="bg1"/>
+                </a:solidFill>
+              </a:rPr>
               <a:t>Выбор САПР</a:t>
             </a:r>
           </a:p>
@@ -7285,8 +7631,13 @@
             <a:avLst/>
           </a:prstGeom>
           <a:solidFill>
-            <a:srgbClr val="FF0000"/>
+            <a:schemeClr val="tx1"/>
           </a:solidFill>
+          <a:ln w="76200">
+            <a:solidFill>
+              <a:srgbClr val="FF0000"/>
+            </a:solidFill>
+          </a:ln>
         </p:spPr>
         <p:style>
           <a:lnRef idx="2">
@@ -7310,14 +7661,26 @@
           <a:p>
             <a:pPr algn="ctr"/>
             <a:r>
-              <a:rPr lang="ru-RU" dirty="0"/>
+              <a:rPr lang="ru-RU" dirty="0">
+                <a:solidFill>
+                  <a:schemeClr val="bg1"/>
+                </a:solidFill>
+              </a:rPr>
               <a:t>Разработка</a:t>
             </a:r>
             <a:br>
-              <a:rPr lang="ru-RU" dirty="0"/>
+              <a:rPr lang="ru-RU" dirty="0">
+                <a:solidFill>
+                  <a:schemeClr val="bg1"/>
+                </a:solidFill>
+              </a:rPr>
             </a:br>
             <a:r>
-              <a:rPr lang="ru-RU" dirty="0"/>
+              <a:rPr lang="ru-RU" dirty="0">
+                <a:solidFill>
+                  <a:schemeClr val="bg1"/>
+                </a:solidFill>
+              </a:rPr>
               <a:t> структурной схемы</a:t>
             </a:r>
           </a:p>
@@ -7344,8 +7707,13 @@
             <a:avLst/>
           </a:prstGeom>
           <a:solidFill>
-            <a:srgbClr val="FF0000"/>
+            <a:schemeClr val="tx1"/>
           </a:solidFill>
+          <a:ln w="76200">
+            <a:solidFill>
+              <a:srgbClr val="FF0000"/>
+            </a:solidFill>
+          </a:ln>
         </p:spPr>
         <p:style>
           <a:lnRef idx="2">
@@ -7369,7 +7737,11 @@
           <a:p>
             <a:pPr algn="ctr"/>
             <a:r>
-              <a:rPr lang="ru-RU" dirty="0"/>
+              <a:rPr lang="ru-RU" dirty="0">
+                <a:solidFill>
+                  <a:schemeClr val="bg1"/>
+                </a:solidFill>
+              </a:rPr>
               <a:t>Разработка функциональной схемы</a:t>
             </a:r>
           </a:p>
@@ -7396,8 +7768,13 @@
             <a:avLst/>
           </a:prstGeom>
           <a:solidFill>
-            <a:srgbClr val="FF0000"/>
+            <a:schemeClr val="tx1"/>
           </a:solidFill>
+          <a:ln w="76200">
+            <a:solidFill>
+              <a:srgbClr val="FF0000"/>
+            </a:solidFill>
+          </a:ln>
         </p:spPr>
         <p:style>
           <a:lnRef idx="2">
@@ -7421,7 +7798,11 @@
           <a:p>
             <a:pPr algn="ctr"/>
             <a:r>
-              <a:rPr lang="ru-RU" dirty="0"/>
+              <a:rPr lang="ru-RU" dirty="0">
+                <a:solidFill>
+                  <a:schemeClr val="bg1"/>
+                </a:solidFill>
+              </a:rPr>
               <a:t>Настройка правил</a:t>
             </a:r>
           </a:p>
@@ -7457,7 +7838,11 @@
           <a:p>
             <a:pPr algn="ctr"/>
             <a:r>
-              <a:rPr lang="ru-RU" sz="4000" dirty="0"/>
+              <a:rPr lang="ru-RU" sz="4000" dirty="0">
+                <a:solidFill>
+                  <a:schemeClr val="bg1"/>
+                </a:solidFill>
+              </a:rPr>
               <a:t>1</a:t>
             </a:r>
           </a:p>
@@ -7493,7 +7878,11 @@
           <a:p>
             <a:pPr algn="ctr"/>
             <a:r>
-              <a:rPr lang="ru-RU" sz="4000" dirty="0"/>
+              <a:rPr lang="ru-RU" sz="4000" dirty="0">
+                <a:solidFill>
+                  <a:schemeClr val="bg1"/>
+                </a:solidFill>
+              </a:rPr>
               <a:t>2</a:t>
             </a:r>
           </a:p>
@@ -7529,7 +7918,11 @@
           <a:p>
             <a:pPr algn="ctr"/>
             <a:r>
-              <a:rPr lang="ru-RU" sz="4000" dirty="0"/>
+              <a:rPr lang="ru-RU" sz="4000" dirty="0">
+                <a:solidFill>
+                  <a:schemeClr val="bg1"/>
+                </a:solidFill>
+              </a:rPr>
               <a:t>3</a:t>
             </a:r>
           </a:p>
@@ -7565,7 +7958,11 @@
           <a:p>
             <a:pPr algn="ctr"/>
             <a:r>
-              <a:rPr lang="ru-RU" sz="4000" dirty="0"/>
+              <a:rPr lang="ru-RU" sz="4000" dirty="0">
+                <a:solidFill>
+                  <a:schemeClr val="bg1"/>
+                </a:solidFill>
+              </a:rPr>
               <a:t>6</a:t>
             </a:r>
           </a:p>
@@ -7601,7 +7998,11 @@
           <a:p>
             <a:pPr algn="ctr"/>
             <a:r>
-              <a:rPr lang="ru-RU" sz="4000" dirty="0"/>
+              <a:rPr lang="ru-RU" sz="4000" dirty="0">
+                <a:solidFill>
+                  <a:schemeClr val="bg1"/>
+                </a:solidFill>
+              </a:rPr>
               <a:t>5</a:t>
             </a:r>
           </a:p>
@@ -7637,7 +8038,11 @@
           <a:p>
             <a:pPr algn="ctr"/>
             <a:r>
-              <a:rPr lang="ru-RU" sz="4000" dirty="0"/>
+              <a:rPr lang="ru-RU" sz="4000" dirty="0">
+                <a:solidFill>
+                  <a:schemeClr val="bg1"/>
+                </a:solidFill>
+              </a:rPr>
               <a:t>4</a:t>
             </a:r>
           </a:p>
@@ -7877,6 +8282,540 @@
   <p:transition spd="slow">
     <p:push dir="u"/>
   </p:transition>
+  <p:timing>
+    <p:tnLst>
+      <p:par>
+        <p:cTn id="1" dur="indefinite" restart="never" nodeType="tmRoot">
+          <p:childTnLst>
+            <p:seq concurrent="1" nextAc="seek">
+              <p:cTn id="2" dur="indefinite" nodeType="mainSeq">
+                <p:childTnLst>
+                  <p:par>
+                    <p:cTn id="3" fill="hold">
+                      <p:stCondLst>
+                        <p:cond delay="indefinite"/>
+                        <p:cond evt="onBegin" delay="0">
+                          <p:tn val="2"/>
+                        </p:cond>
+                      </p:stCondLst>
+                      <p:childTnLst>
+                        <p:par>
+                          <p:cTn id="4" fill="hold">
+                            <p:stCondLst>
+                              <p:cond delay="0"/>
+                            </p:stCondLst>
+                            <p:childTnLst>
+                              <p:par>
+                                <p:cTn id="5" presetID="22" presetClass="entr" presetSubtype="8" fill="hold" grpId="0" nodeType="afterEffect">
+                                  <p:stCondLst>
+                                    <p:cond delay="0"/>
+                                  </p:stCondLst>
+                                  <p:childTnLst>
+                                    <p:set>
+                                      <p:cBhvr>
+                                        <p:cTn id="6" dur="1" fill="hold">
+                                          <p:stCondLst>
+                                            <p:cond delay="0"/>
+                                          </p:stCondLst>
+                                        </p:cTn>
+                                        <p:tgtEl>
+                                          <p:spTgt spid="12"/>
+                                        </p:tgtEl>
+                                        <p:attrNameLst>
+                                          <p:attrName>style.visibility</p:attrName>
+                                        </p:attrNameLst>
+                                      </p:cBhvr>
+                                      <p:to>
+                                        <p:strVal val="visible"/>
+                                      </p:to>
+                                    </p:set>
+                                    <p:animEffect transition="in" filter="wipe(left)">
+                                      <p:cBhvr>
+                                        <p:cTn id="7" dur="100"/>
+                                        <p:tgtEl>
+                                          <p:spTgt spid="12"/>
+                                        </p:tgtEl>
+                                      </p:cBhvr>
+                                    </p:animEffect>
+                                  </p:childTnLst>
+                                </p:cTn>
+                              </p:par>
+                            </p:childTnLst>
+                          </p:cTn>
+                        </p:par>
+                        <p:par>
+                          <p:cTn id="8" fill="hold">
+                            <p:stCondLst>
+                              <p:cond delay="100"/>
+                            </p:stCondLst>
+                            <p:childTnLst>
+                              <p:par>
+                                <p:cTn id="9" presetID="22" presetClass="entr" presetSubtype="8" fill="hold" nodeType="afterEffect">
+                                  <p:stCondLst>
+                                    <p:cond delay="20"/>
+                                  </p:stCondLst>
+                                  <p:childTnLst>
+                                    <p:set>
+                                      <p:cBhvr>
+                                        <p:cTn id="10" dur="1" fill="hold">
+                                          <p:stCondLst>
+                                            <p:cond delay="0"/>
+                                          </p:stCondLst>
+                                        </p:cTn>
+                                        <p:tgtEl>
+                                          <p:spTgt spid="22"/>
+                                        </p:tgtEl>
+                                        <p:attrNameLst>
+                                          <p:attrName>style.visibility</p:attrName>
+                                        </p:attrNameLst>
+                                      </p:cBhvr>
+                                      <p:to>
+                                        <p:strVal val="visible"/>
+                                      </p:to>
+                                    </p:set>
+                                    <p:animEffect transition="in" filter="wipe(left)">
+                                      <p:cBhvr>
+                                        <p:cTn id="11" dur="100"/>
+                                        <p:tgtEl>
+                                          <p:spTgt spid="22"/>
+                                        </p:tgtEl>
+                                      </p:cBhvr>
+                                    </p:animEffect>
+                                  </p:childTnLst>
+                                </p:cTn>
+                              </p:par>
+                            </p:childTnLst>
+                          </p:cTn>
+                        </p:par>
+                        <p:par>
+                          <p:cTn id="12" fill="hold">
+                            <p:stCondLst>
+                              <p:cond delay="220"/>
+                            </p:stCondLst>
+                            <p:childTnLst>
+                              <p:par>
+                                <p:cTn id="13" presetID="22" presetClass="entr" presetSubtype="8" fill="hold" grpId="0" nodeType="afterEffect">
+                                  <p:stCondLst>
+                                    <p:cond delay="40"/>
+                                  </p:stCondLst>
+                                  <p:childTnLst>
+                                    <p:set>
+                                      <p:cBhvr>
+                                        <p:cTn id="14" dur="1" fill="hold">
+                                          <p:stCondLst>
+                                            <p:cond delay="0"/>
+                                          </p:stCondLst>
+                                        </p:cTn>
+                                        <p:tgtEl>
+                                          <p:spTgt spid="13"/>
+                                        </p:tgtEl>
+                                        <p:attrNameLst>
+                                          <p:attrName>style.visibility</p:attrName>
+                                        </p:attrNameLst>
+                                      </p:cBhvr>
+                                      <p:to>
+                                        <p:strVal val="visible"/>
+                                      </p:to>
+                                    </p:set>
+                                    <p:animEffect transition="in" filter="wipe(left)">
+                                      <p:cBhvr>
+                                        <p:cTn id="15" dur="100"/>
+                                        <p:tgtEl>
+                                          <p:spTgt spid="13"/>
+                                        </p:tgtEl>
+                                      </p:cBhvr>
+                                    </p:animEffect>
+                                  </p:childTnLst>
+                                </p:cTn>
+                              </p:par>
+                            </p:childTnLst>
+                          </p:cTn>
+                        </p:par>
+                        <p:par>
+                          <p:cTn id="16" fill="hold">
+                            <p:stCondLst>
+                              <p:cond delay="360"/>
+                            </p:stCondLst>
+                            <p:childTnLst>
+                              <p:par>
+                                <p:cTn id="17" presetID="22" presetClass="entr" presetSubtype="8" fill="hold" nodeType="afterEffect">
+                                  <p:stCondLst>
+                                    <p:cond delay="60"/>
+                                  </p:stCondLst>
+                                  <p:childTnLst>
+                                    <p:set>
+                                      <p:cBhvr>
+                                        <p:cTn id="18" dur="1" fill="hold">
+                                          <p:stCondLst>
+                                            <p:cond delay="0"/>
+                                          </p:stCondLst>
+                                        </p:cTn>
+                                        <p:tgtEl>
+                                          <p:spTgt spid="23"/>
+                                        </p:tgtEl>
+                                        <p:attrNameLst>
+                                          <p:attrName>style.visibility</p:attrName>
+                                        </p:attrNameLst>
+                                      </p:cBhvr>
+                                      <p:to>
+                                        <p:strVal val="visible"/>
+                                      </p:to>
+                                    </p:set>
+                                    <p:animEffect transition="in" filter="wipe(left)">
+                                      <p:cBhvr>
+                                        <p:cTn id="19" dur="100"/>
+                                        <p:tgtEl>
+                                          <p:spTgt spid="23"/>
+                                        </p:tgtEl>
+                                      </p:cBhvr>
+                                    </p:animEffect>
+                                  </p:childTnLst>
+                                </p:cTn>
+                              </p:par>
+                            </p:childTnLst>
+                          </p:cTn>
+                        </p:par>
+                        <p:par>
+                          <p:cTn id="20" fill="hold">
+                            <p:stCondLst>
+                              <p:cond delay="520"/>
+                            </p:stCondLst>
+                            <p:childTnLst>
+                              <p:par>
+                                <p:cTn id="21" presetID="22" presetClass="entr" presetSubtype="1" fill="hold" grpId="0" nodeType="afterEffect">
+                                  <p:stCondLst>
+                                    <p:cond delay="80"/>
+                                  </p:stCondLst>
+                                  <p:childTnLst>
+                                    <p:set>
+                                      <p:cBhvr>
+                                        <p:cTn id="22" dur="1" fill="hold">
+                                          <p:stCondLst>
+                                            <p:cond delay="0"/>
+                                          </p:stCondLst>
+                                        </p:cTn>
+                                        <p:tgtEl>
+                                          <p:spTgt spid="9"/>
+                                        </p:tgtEl>
+                                        <p:attrNameLst>
+                                          <p:attrName>style.visibility</p:attrName>
+                                        </p:attrNameLst>
+                                      </p:cBhvr>
+                                      <p:to>
+                                        <p:strVal val="visible"/>
+                                      </p:to>
+                                    </p:set>
+                                    <p:animEffect transition="in" filter="wipe(up)">
+                                      <p:cBhvr>
+                                        <p:cTn id="23" dur="100"/>
+                                        <p:tgtEl>
+                                          <p:spTgt spid="9"/>
+                                        </p:tgtEl>
+                                      </p:cBhvr>
+                                    </p:animEffect>
+                                  </p:childTnLst>
+                                </p:cTn>
+                              </p:par>
+                            </p:childTnLst>
+                          </p:cTn>
+                        </p:par>
+                        <p:par>
+                          <p:cTn id="24" fill="hold">
+                            <p:stCondLst>
+                              <p:cond delay="700"/>
+                            </p:stCondLst>
+                            <p:childTnLst>
+                              <p:par>
+                                <p:cTn id="25" presetID="22" presetClass="entr" presetSubtype="1" fill="hold" nodeType="afterEffect">
+                                  <p:stCondLst>
+                                    <p:cond delay="100"/>
+                                  </p:stCondLst>
+                                  <p:childTnLst>
+                                    <p:set>
+                                      <p:cBhvr>
+                                        <p:cTn id="26" dur="1" fill="hold">
+                                          <p:stCondLst>
+                                            <p:cond delay="0"/>
+                                          </p:stCondLst>
+                                        </p:cTn>
+                                        <p:tgtEl>
+                                          <p:spTgt spid="24"/>
+                                        </p:tgtEl>
+                                        <p:attrNameLst>
+                                          <p:attrName>style.visibility</p:attrName>
+                                        </p:attrNameLst>
+                                      </p:cBhvr>
+                                      <p:to>
+                                        <p:strVal val="visible"/>
+                                      </p:to>
+                                    </p:set>
+                                    <p:animEffect transition="in" filter="wipe(up)">
+                                      <p:cBhvr>
+                                        <p:cTn id="27" dur="100"/>
+                                        <p:tgtEl>
+                                          <p:spTgt spid="24"/>
+                                        </p:tgtEl>
+                                      </p:cBhvr>
+                                    </p:animEffect>
+                                  </p:childTnLst>
+                                </p:cTn>
+                              </p:par>
+                            </p:childTnLst>
+                          </p:cTn>
+                        </p:par>
+                        <p:par>
+                          <p:cTn id="28" fill="hold">
+                            <p:stCondLst>
+                              <p:cond delay="900"/>
+                            </p:stCondLst>
+                            <p:childTnLst>
+                              <p:par>
+                                <p:cTn id="29" presetID="22" presetClass="entr" presetSubtype="1" fill="hold" grpId="0" nodeType="afterEffect">
+                                  <p:stCondLst>
+                                    <p:cond delay="120"/>
+                                  </p:stCondLst>
+                                  <p:childTnLst>
+                                    <p:set>
+                                      <p:cBhvr>
+                                        <p:cTn id="30" dur="1" fill="hold">
+                                          <p:stCondLst>
+                                            <p:cond delay="0"/>
+                                          </p:stCondLst>
+                                        </p:cTn>
+                                        <p:tgtEl>
+                                          <p:spTgt spid="6"/>
+                                        </p:tgtEl>
+                                        <p:attrNameLst>
+                                          <p:attrName>style.visibility</p:attrName>
+                                        </p:attrNameLst>
+                                      </p:cBhvr>
+                                      <p:to>
+                                        <p:strVal val="visible"/>
+                                      </p:to>
+                                    </p:set>
+                                    <p:animEffect transition="in" filter="wipe(up)">
+                                      <p:cBhvr>
+                                        <p:cTn id="31" dur="100"/>
+                                        <p:tgtEl>
+                                          <p:spTgt spid="6"/>
+                                        </p:tgtEl>
+                                      </p:cBhvr>
+                                    </p:animEffect>
+                                  </p:childTnLst>
+                                </p:cTn>
+                              </p:par>
+                            </p:childTnLst>
+                          </p:cTn>
+                        </p:par>
+                        <p:par>
+                          <p:cTn id="32" fill="hold">
+                            <p:stCondLst>
+                              <p:cond delay="1120"/>
+                            </p:stCondLst>
+                            <p:childTnLst>
+                              <p:par>
+                                <p:cTn id="33" presetID="22" presetClass="entr" presetSubtype="2" fill="hold" nodeType="afterEffect">
+                                  <p:stCondLst>
+                                    <p:cond delay="0"/>
+                                  </p:stCondLst>
+                                  <p:childTnLst>
+                                    <p:set>
+                                      <p:cBhvr>
+                                        <p:cTn id="34" dur="1" fill="hold">
+                                          <p:stCondLst>
+                                            <p:cond delay="0"/>
+                                          </p:stCondLst>
+                                        </p:cTn>
+                                        <p:tgtEl>
+                                          <p:spTgt spid="25"/>
+                                        </p:tgtEl>
+                                        <p:attrNameLst>
+                                          <p:attrName>style.visibility</p:attrName>
+                                        </p:attrNameLst>
+                                      </p:cBhvr>
+                                      <p:to>
+                                        <p:strVal val="visible"/>
+                                      </p:to>
+                                    </p:set>
+                                    <p:animEffect transition="in" filter="wipe(right)">
+                                      <p:cBhvr>
+                                        <p:cTn id="35" dur="100"/>
+                                        <p:tgtEl>
+                                          <p:spTgt spid="25"/>
+                                        </p:tgtEl>
+                                      </p:cBhvr>
+                                    </p:animEffect>
+                                  </p:childTnLst>
+                                </p:cTn>
+                              </p:par>
+                            </p:childTnLst>
+                          </p:cTn>
+                        </p:par>
+                        <p:par>
+                          <p:cTn id="36" fill="hold">
+                            <p:stCondLst>
+                              <p:cond delay="1220"/>
+                            </p:stCondLst>
+                            <p:childTnLst>
+                              <p:par>
+                                <p:cTn id="37" presetID="22" presetClass="entr" presetSubtype="2" fill="hold" grpId="0" nodeType="afterEffect">
+                                  <p:stCondLst>
+                                    <p:cond delay="160"/>
+                                  </p:stCondLst>
+                                  <p:childTnLst>
+                                    <p:set>
+                                      <p:cBhvr>
+                                        <p:cTn id="38" dur="1" fill="hold">
+                                          <p:stCondLst>
+                                            <p:cond delay="0"/>
+                                          </p:stCondLst>
+                                        </p:cTn>
+                                        <p:tgtEl>
+                                          <p:spTgt spid="14"/>
+                                        </p:tgtEl>
+                                        <p:attrNameLst>
+                                          <p:attrName>style.visibility</p:attrName>
+                                        </p:attrNameLst>
+                                      </p:cBhvr>
+                                      <p:to>
+                                        <p:strVal val="visible"/>
+                                      </p:to>
+                                    </p:set>
+                                    <p:animEffect transition="in" filter="wipe(right)">
+                                      <p:cBhvr>
+                                        <p:cTn id="39" dur="100"/>
+                                        <p:tgtEl>
+                                          <p:spTgt spid="14"/>
+                                        </p:tgtEl>
+                                      </p:cBhvr>
+                                    </p:animEffect>
+                                  </p:childTnLst>
+                                </p:cTn>
+                              </p:par>
+                            </p:childTnLst>
+                          </p:cTn>
+                        </p:par>
+                        <p:par>
+                          <p:cTn id="40" fill="hold">
+                            <p:stCondLst>
+                              <p:cond delay="1480"/>
+                            </p:stCondLst>
+                            <p:childTnLst>
+                              <p:par>
+                                <p:cTn id="41" presetID="22" presetClass="entr" presetSubtype="2" fill="hold" nodeType="afterEffect">
+                                  <p:stCondLst>
+                                    <p:cond delay="180"/>
+                                  </p:stCondLst>
+                                  <p:childTnLst>
+                                    <p:set>
+                                      <p:cBhvr>
+                                        <p:cTn id="42" dur="1" fill="hold">
+                                          <p:stCondLst>
+                                            <p:cond delay="0"/>
+                                          </p:stCondLst>
+                                        </p:cTn>
+                                        <p:tgtEl>
+                                          <p:spTgt spid="26"/>
+                                        </p:tgtEl>
+                                        <p:attrNameLst>
+                                          <p:attrName>style.visibility</p:attrName>
+                                        </p:attrNameLst>
+                                      </p:cBhvr>
+                                      <p:to>
+                                        <p:strVal val="visible"/>
+                                      </p:to>
+                                    </p:set>
+                                    <p:animEffect transition="in" filter="wipe(right)">
+                                      <p:cBhvr>
+                                        <p:cTn id="43" dur="100"/>
+                                        <p:tgtEl>
+                                          <p:spTgt spid="26"/>
+                                        </p:tgtEl>
+                                      </p:cBhvr>
+                                    </p:animEffect>
+                                  </p:childTnLst>
+                                </p:cTn>
+                              </p:par>
+                            </p:childTnLst>
+                          </p:cTn>
+                        </p:par>
+                        <p:par>
+                          <p:cTn id="44" fill="hold">
+                            <p:stCondLst>
+                              <p:cond delay="1760"/>
+                            </p:stCondLst>
+                            <p:childTnLst>
+                              <p:par>
+                                <p:cTn id="45" presetID="22" presetClass="entr" presetSubtype="2" fill="hold" grpId="0" nodeType="afterEffect">
+                                  <p:stCondLst>
+                                    <p:cond delay="200"/>
+                                  </p:stCondLst>
+                                  <p:childTnLst>
+                                    <p:set>
+                                      <p:cBhvr>
+                                        <p:cTn id="46" dur="1" fill="hold">
+                                          <p:stCondLst>
+                                            <p:cond delay="0"/>
+                                          </p:stCondLst>
+                                        </p:cTn>
+                                        <p:tgtEl>
+                                          <p:spTgt spid="7"/>
+                                        </p:tgtEl>
+                                        <p:attrNameLst>
+                                          <p:attrName>style.visibility</p:attrName>
+                                        </p:attrNameLst>
+                                      </p:cBhvr>
+                                      <p:to>
+                                        <p:strVal val="visible"/>
+                                      </p:to>
+                                    </p:set>
+                                    <p:animEffect transition="in" filter="wipe(right)">
+                                      <p:cBhvr>
+                                        <p:cTn id="47" dur="100"/>
+                                        <p:tgtEl>
+                                          <p:spTgt spid="7"/>
+                                        </p:tgtEl>
+                                      </p:cBhvr>
+                                    </p:animEffect>
+                                  </p:childTnLst>
+                                </p:cTn>
+                              </p:par>
+                            </p:childTnLst>
+                          </p:cTn>
+                        </p:par>
+                      </p:childTnLst>
+                    </p:cTn>
+                  </p:par>
+                </p:childTnLst>
+              </p:cTn>
+              <p:prevCondLst>
+                <p:cond evt="onPrev" delay="0">
+                  <p:tgtEl>
+                    <p:sldTgt/>
+                  </p:tgtEl>
+                </p:cond>
+              </p:prevCondLst>
+              <p:nextCondLst>
+                <p:cond evt="onNext" delay="0">
+                  <p:tgtEl>
+                    <p:sldTgt/>
+                  </p:tgtEl>
+                </p:cond>
+              </p:nextCondLst>
+            </p:seq>
+          </p:childTnLst>
+        </p:cTn>
+      </p:par>
+    </p:tnLst>
+    <p:bldLst>
+      <p:bldP spid="6" grpId="0" animBg="1"/>
+      <p:bldP spid="7" grpId="0" animBg="1"/>
+      <p:bldP spid="9" grpId="0" animBg="1"/>
+      <p:bldP spid="12" grpId="0" animBg="1"/>
+      <p:bldP spid="13" grpId="0" animBg="1"/>
+      <p:bldP spid="14" grpId="0" animBg="1"/>
+    </p:bldLst>
+  </p:timing>
 </p:sld>
 </file>
 
@@ -7995,7 +8934,7 @@
         <p:spPr>
           <a:xfrm>
             <a:off x="838200" y="1825625"/>
-            <a:ext cx="2847109" cy="1780454"/>
+            <a:ext cx="3850405" cy="1780454"/>
           </a:xfrm>
           <a:prstGeom prst="roundRect">
             <a:avLst/>
@@ -8309,8 +9248,8 @@
         </p:nvSpPr>
         <p:spPr>
           <a:xfrm>
-            <a:off x="8506694" y="1820635"/>
-            <a:ext cx="2847109" cy="1780454"/>
+            <a:off x="7503398" y="1820635"/>
+            <a:ext cx="3850406" cy="1780454"/>
           </a:xfrm>
           <a:prstGeom prst="roundRect">
             <a:avLst/>
@@ -8361,7 +9300,7 @@
         </p:nvSpPr>
         <p:spPr>
           <a:xfrm>
-            <a:off x="8506693" y="1820635"/>
+            <a:off x="7518400" y="1820635"/>
             <a:ext cx="519545" cy="707886"/>
           </a:xfrm>
           <a:prstGeom prst="rect">
@@ -8646,6 +9585,665 @@
           <p:cNvPr id="2" name="Заголовок 1">
             <a:extLst>
               <a:ext uri="{FF2B5EF4-FFF2-40B4-BE49-F238E27FC236}">
+                <a16:creationId xmlns:a16="http://schemas.microsoft.com/office/drawing/2014/main" id="{4536DE0F-6E6D-4241-AE4D-C3ED6879C62F}"/>
+              </a:ext>
+            </a:extLst>
+          </p:cNvPr>
+          <p:cNvSpPr>
+            <a:spLocks noGrp="1"/>
+          </p:cNvSpPr>
+          <p:nvPr>
+            <p:ph type="title"/>
+          </p:nvPr>
+        </p:nvSpPr>
+        <p:spPr/>
+        <p:txBody>
+          <a:bodyPr/>
+          <a:lstStyle/>
+          <a:p>
+            <a:r>
+              <a:rPr lang="ru-RU" dirty="0"/>
+              <a:t>Функционал устройства</a:t>
+            </a:r>
+          </a:p>
+        </p:txBody>
+      </p:sp>
+      <p:sp>
+        <p:nvSpPr>
+          <p:cNvPr id="4" name="Прямоугольник 3">
+            <a:extLst>
+              <a:ext uri="{FF2B5EF4-FFF2-40B4-BE49-F238E27FC236}">
+                <a16:creationId xmlns:a16="http://schemas.microsoft.com/office/drawing/2014/main" id="{471B1761-979C-4985-B470-A9E82BC9FAF2}"/>
+              </a:ext>
+            </a:extLst>
+          </p:cNvPr>
+          <p:cNvSpPr/>
+          <p:nvPr/>
+        </p:nvSpPr>
+        <p:spPr>
+          <a:xfrm>
+            <a:off x="1042988" y="2043113"/>
+            <a:ext cx="2414587" cy="1385887"/>
+          </a:xfrm>
+          <a:prstGeom prst="rect">
+            <a:avLst/>
+          </a:prstGeom>
+          <a:solidFill>
+            <a:srgbClr val="FF0000"/>
+          </a:solidFill>
+          <a:ln w="57150">
+            <a:solidFill>
+              <a:srgbClr val="C00000"/>
+            </a:solidFill>
+          </a:ln>
+        </p:spPr>
+        <p:style>
+          <a:lnRef idx="2">
+            <a:schemeClr val="accent1">
+              <a:shade val="50000"/>
+            </a:schemeClr>
+          </a:lnRef>
+          <a:fillRef idx="1">
+            <a:schemeClr val="accent1"/>
+          </a:fillRef>
+          <a:effectRef idx="0">
+            <a:schemeClr val="accent1"/>
+          </a:effectRef>
+          <a:fontRef idx="minor">
+            <a:schemeClr val="lt1"/>
+          </a:fontRef>
+        </p:style>
+        <p:txBody>
+          <a:bodyPr rtlCol="0" anchor="ctr"/>
+          <a:lstStyle/>
+          <a:p>
+            <a:pPr algn="ctr"/>
+            <a:r>
+              <a:rPr lang="ru-RU" sz="2000" dirty="0"/>
+              <a:t>Идентификация пользователя</a:t>
+            </a:r>
+          </a:p>
+        </p:txBody>
+      </p:sp>
+      <p:sp>
+        <p:nvSpPr>
+          <p:cNvPr id="5" name="Прямоугольник 4">
+            <a:extLst>
+              <a:ext uri="{FF2B5EF4-FFF2-40B4-BE49-F238E27FC236}">
+                <a16:creationId xmlns:a16="http://schemas.microsoft.com/office/drawing/2014/main" id="{6E5EEC58-7077-4F5A-A386-A9F348C902C7}"/>
+              </a:ext>
+            </a:extLst>
+          </p:cNvPr>
+          <p:cNvSpPr/>
+          <p:nvPr/>
+        </p:nvSpPr>
+        <p:spPr>
+          <a:xfrm>
+            <a:off x="1042988" y="4108499"/>
+            <a:ext cx="2414587" cy="1385887"/>
+          </a:xfrm>
+          <a:prstGeom prst="rect">
+            <a:avLst/>
+          </a:prstGeom>
+          <a:solidFill>
+            <a:srgbClr val="FF0000"/>
+          </a:solidFill>
+          <a:ln w="57150">
+            <a:solidFill>
+              <a:srgbClr val="C00000"/>
+            </a:solidFill>
+          </a:ln>
+        </p:spPr>
+        <p:style>
+          <a:lnRef idx="2">
+            <a:schemeClr val="accent1">
+              <a:shade val="50000"/>
+            </a:schemeClr>
+          </a:lnRef>
+          <a:fillRef idx="1">
+            <a:schemeClr val="accent1"/>
+          </a:fillRef>
+          <a:effectRef idx="0">
+            <a:schemeClr val="accent1"/>
+          </a:effectRef>
+          <a:fontRef idx="minor">
+            <a:schemeClr val="lt1"/>
+          </a:fontRef>
+        </p:style>
+        <p:txBody>
+          <a:bodyPr rtlCol="0" anchor="ctr"/>
+          <a:lstStyle/>
+          <a:p>
+            <a:pPr algn="ctr"/>
+            <a:r>
+              <a:rPr lang="en-US" sz="3200" dirty="0"/>
+              <a:t>PIN-</a:t>
+            </a:r>
+            <a:r>
+              <a:rPr lang="ru-RU" sz="3200" dirty="0"/>
+              <a:t>код</a:t>
+            </a:r>
+          </a:p>
+        </p:txBody>
+      </p:sp>
+      <p:sp>
+        <p:nvSpPr>
+          <p:cNvPr id="6" name="Прямоугольник 5">
+            <a:extLst>
+              <a:ext uri="{FF2B5EF4-FFF2-40B4-BE49-F238E27FC236}">
+                <a16:creationId xmlns:a16="http://schemas.microsoft.com/office/drawing/2014/main" id="{8D656520-F5BF-429B-AF81-C89EBB96E2FB}"/>
+              </a:ext>
+            </a:extLst>
+          </p:cNvPr>
+          <p:cNvSpPr/>
+          <p:nvPr/>
+        </p:nvSpPr>
+        <p:spPr>
+          <a:xfrm>
+            <a:off x="4248078" y="2043112"/>
+            <a:ext cx="2414587" cy="1385887"/>
+          </a:xfrm>
+          <a:prstGeom prst="rect">
+            <a:avLst/>
+          </a:prstGeom>
+          <a:solidFill>
+            <a:srgbClr val="FF0000"/>
+          </a:solidFill>
+          <a:ln w="57150">
+            <a:solidFill>
+              <a:srgbClr val="C00000"/>
+            </a:solidFill>
+          </a:ln>
+        </p:spPr>
+        <p:style>
+          <a:lnRef idx="2">
+            <a:schemeClr val="accent1">
+              <a:shade val="50000"/>
+            </a:schemeClr>
+          </a:lnRef>
+          <a:fillRef idx="1">
+            <a:schemeClr val="accent1"/>
+          </a:fillRef>
+          <a:effectRef idx="0">
+            <a:schemeClr val="accent1"/>
+          </a:effectRef>
+          <a:fontRef idx="minor">
+            <a:schemeClr val="lt1"/>
+          </a:fontRef>
+        </p:style>
+        <p:txBody>
+          <a:bodyPr rtlCol="0" anchor="ctr"/>
+          <a:lstStyle/>
+          <a:p>
+            <a:pPr algn="ctr"/>
+            <a:r>
+              <a:rPr lang="en-US" sz="3200" dirty="0"/>
+              <a:t>RFID</a:t>
+            </a:r>
+            <a:r>
+              <a:rPr lang="ru-RU" sz="3200" dirty="0"/>
+              <a:t> карт</a:t>
+            </a:r>
+          </a:p>
+        </p:txBody>
+      </p:sp>
+      <p:sp>
+        <p:nvSpPr>
+          <p:cNvPr id="7" name="Прямоугольник 6">
+            <a:extLst>
+              <a:ext uri="{FF2B5EF4-FFF2-40B4-BE49-F238E27FC236}">
+                <a16:creationId xmlns:a16="http://schemas.microsoft.com/office/drawing/2014/main" id="{98959F4F-A1A4-4D48-B915-6A3E4DB90571}"/>
+              </a:ext>
+            </a:extLst>
+          </p:cNvPr>
+          <p:cNvSpPr/>
+          <p:nvPr/>
+        </p:nvSpPr>
+        <p:spPr>
+          <a:xfrm>
+            <a:off x="4248077" y="4108499"/>
+            <a:ext cx="2414587" cy="1385887"/>
+          </a:xfrm>
+          <a:prstGeom prst="rect">
+            <a:avLst/>
+          </a:prstGeom>
+          <a:solidFill>
+            <a:srgbClr val="FF0000"/>
+          </a:solidFill>
+          <a:ln w="57150">
+            <a:solidFill>
+              <a:srgbClr val="C00000"/>
+            </a:solidFill>
+          </a:ln>
+        </p:spPr>
+        <p:style>
+          <a:lnRef idx="2">
+            <a:schemeClr val="accent1">
+              <a:shade val="50000"/>
+            </a:schemeClr>
+          </a:lnRef>
+          <a:fillRef idx="1">
+            <a:schemeClr val="accent1"/>
+          </a:fillRef>
+          <a:effectRef idx="0">
+            <a:schemeClr val="accent1"/>
+          </a:effectRef>
+          <a:fontRef idx="minor">
+            <a:schemeClr val="lt1"/>
+          </a:fontRef>
+        </p:style>
+        <p:txBody>
+          <a:bodyPr rtlCol="0" anchor="ctr"/>
+          <a:lstStyle/>
+          <a:p>
+            <a:pPr algn="ctr"/>
+            <a:r>
+              <a:rPr lang="ru-RU" sz="2400" dirty="0"/>
+              <a:t>Скана отпечатка пальцев</a:t>
+            </a:r>
+          </a:p>
+        </p:txBody>
+      </p:sp>
+      <p:sp>
+        <p:nvSpPr>
+          <p:cNvPr id="8" name="Прямоугольник 7">
+            <a:extLst>
+              <a:ext uri="{FF2B5EF4-FFF2-40B4-BE49-F238E27FC236}">
+                <a16:creationId xmlns:a16="http://schemas.microsoft.com/office/drawing/2014/main" id="{AFB996BC-CBB7-4FDE-A7AD-9D9C5CF9D010}"/>
+              </a:ext>
+            </a:extLst>
+          </p:cNvPr>
+          <p:cNvSpPr/>
+          <p:nvPr/>
+        </p:nvSpPr>
+        <p:spPr>
+          <a:xfrm>
+            <a:off x="7527133" y="2043111"/>
+            <a:ext cx="3826667" cy="1385887"/>
+          </a:xfrm>
+          <a:prstGeom prst="rect">
+            <a:avLst/>
+          </a:prstGeom>
+          <a:solidFill>
+            <a:srgbClr val="FF0000"/>
+          </a:solidFill>
+          <a:ln w="57150">
+            <a:solidFill>
+              <a:srgbClr val="C00000"/>
+            </a:solidFill>
+          </a:ln>
+        </p:spPr>
+        <p:style>
+          <a:lnRef idx="2">
+            <a:schemeClr val="accent1">
+              <a:shade val="50000"/>
+            </a:schemeClr>
+          </a:lnRef>
+          <a:fillRef idx="1">
+            <a:schemeClr val="accent1"/>
+          </a:fillRef>
+          <a:effectRef idx="0">
+            <a:schemeClr val="accent1"/>
+          </a:effectRef>
+          <a:fontRef idx="minor">
+            <a:schemeClr val="lt1"/>
+          </a:fontRef>
+        </p:style>
+        <p:txBody>
+          <a:bodyPr rtlCol="0" anchor="ctr"/>
+          <a:lstStyle/>
+          <a:p>
+            <a:pPr algn="ctr"/>
+            <a:r>
+              <a:rPr lang="ru-RU" sz="2000" dirty="0"/>
+              <a:t>Введение журнала и списка разращённых пользователей</a:t>
+            </a:r>
+          </a:p>
+        </p:txBody>
+      </p:sp>
+      <p:sp>
+        <p:nvSpPr>
+          <p:cNvPr id="9" name="Прямоугольник 8">
+            <a:extLst>
+              <a:ext uri="{FF2B5EF4-FFF2-40B4-BE49-F238E27FC236}">
+                <a16:creationId xmlns:a16="http://schemas.microsoft.com/office/drawing/2014/main" id="{770CEC0F-E572-4B91-ACFF-338CFA07C7F4}"/>
+              </a:ext>
+            </a:extLst>
+          </p:cNvPr>
+          <p:cNvSpPr/>
+          <p:nvPr/>
+        </p:nvSpPr>
+        <p:spPr>
+          <a:xfrm>
+            <a:off x="7527132" y="4108498"/>
+            <a:ext cx="3826667" cy="1385887"/>
+          </a:xfrm>
+          <a:prstGeom prst="rect">
+            <a:avLst/>
+          </a:prstGeom>
+          <a:solidFill>
+            <a:srgbClr val="FF0000"/>
+          </a:solidFill>
+          <a:ln w="57150">
+            <a:solidFill>
+              <a:srgbClr val="C00000"/>
+            </a:solidFill>
+          </a:ln>
+        </p:spPr>
+        <p:style>
+          <a:lnRef idx="2">
+            <a:schemeClr val="accent1">
+              <a:shade val="50000"/>
+            </a:schemeClr>
+          </a:lnRef>
+          <a:fillRef idx="1">
+            <a:schemeClr val="accent1"/>
+          </a:fillRef>
+          <a:effectRef idx="0">
+            <a:schemeClr val="accent1"/>
+          </a:effectRef>
+          <a:fontRef idx="minor">
+            <a:schemeClr val="lt1"/>
+          </a:fontRef>
+        </p:style>
+        <p:txBody>
+          <a:bodyPr rtlCol="0" anchor="ctr"/>
+          <a:lstStyle/>
+          <a:p>
+            <a:pPr algn="ctr"/>
+            <a:r>
+              <a:rPr lang="ru-RU" sz="3200" dirty="0"/>
+              <a:t>Веб-сервер</a:t>
+            </a:r>
+          </a:p>
+        </p:txBody>
+      </p:sp>
+    </p:spTree>
+    <p:extLst>
+      <p:ext uri="{BB962C8B-B14F-4D97-AF65-F5344CB8AC3E}">
+        <p14:creationId xmlns:p14="http://schemas.microsoft.com/office/powerpoint/2010/main" val="1345057888"/>
+      </p:ext>
+    </p:extLst>
+  </p:cSld>
+  <p:clrMapOvr>
+    <a:masterClrMapping/>
+  </p:clrMapOvr>
+  <p:transition spd="slow">
+    <p:push dir="u"/>
+  </p:transition>
+  <p:timing>
+    <p:tnLst>
+      <p:par>
+        <p:cTn id="1" dur="indefinite" restart="never" nodeType="tmRoot">
+          <p:childTnLst>
+            <p:seq concurrent="1" nextAc="seek">
+              <p:cTn id="2" dur="indefinite" nodeType="mainSeq">
+                <p:childTnLst>
+                  <p:par>
+                    <p:cTn id="3" fill="hold">
+                      <p:stCondLst>
+                        <p:cond delay="indefinite"/>
+                      </p:stCondLst>
+                      <p:childTnLst>
+                        <p:par>
+                          <p:cTn id="4" fill="hold">
+                            <p:stCondLst>
+                              <p:cond delay="0"/>
+                            </p:stCondLst>
+                            <p:childTnLst>
+                              <p:par>
+                                <p:cTn id="5" presetID="22" presetClass="entr" presetSubtype="4" fill="hold" grpId="0" nodeType="clickEffect">
+                                  <p:stCondLst>
+                                    <p:cond delay="0"/>
+                                  </p:stCondLst>
+                                  <p:childTnLst>
+                                    <p:set>
+                                      <p:cBhvr>
+                                        <p:cTn id="6" dur="1" fill="hold">
+                                          <p:stCondLst>
+                                            <p:cond delay="0"/>
+                                          </p:stCondLst>
+                                        </p:cTn>
+                                        <p:tgtEl>
+                                          <p:spTgt spid="6"/>
+                                        </p:tgtEl>
+                                        <p:attrNameLst>
+                                          <p:attrName>style.visibility</p:attrName>
+                                        </p:attrNameLst>
+                                      </p:cBhvr>
+                                      <p:to>
+                                        <p:strVal val="visible"/>
+                                      </p:to>
+                                    </p:set>
+                                    <p:animEffect transition="in" filter="wipe(down)">
+                                      <p:cBhvr>
+                                        <p:cTn id="7" dur="250"/>
+                                        <p:tgtEl>
+                                          <p:spTgt spid="6"/>
+                                        </p:tgtEl>
+                                      </p:cBhvr>
+                                    </p:animEffect>
+                                  </p:childTnLst>
+                                </p:cTn>
+                              </p:par>
+                              <p:par>
+                                <p:cTn id="8" presetID="22" presetClass="entr" presetSubtype="4" fill="hold" grpId="0" nodeType="withEffect">
+                                  <p:stCondLst>
+                                    <p:cond delay="0"/>
+                                  </p:stCondLst>
+                                  <p:childTnLst>
+                                    <p:set>
+                                      <p:cBhvr>
+                                        <p:cTn id="9" dur="1" fill="hold">
+                                          <p:stCondLst>
+                                            <p:cond delay="0"/>
+                                          </p:stCondLst>
+                                        </p:cTn>
+                                        <p:tgtEl>
+                                          <p:spTgt spid="7"/>
+                                        </p:tgtEl>
+                                        <p:attrNameLst>
+                                          <p:attrName>style.visibility</p:attrName>
+                                        </p:attrNameLst>
+                                      </p:cBhvr>
+                                      <p:to>
+                                        <p:strVal val="visible"/>
+                                      </p:to>
+                                    </p:set>
+                                    <p:animEffect transition="in" filter="wipe(down)">
+                                      <p:cBhvr>
+                                        <p:cTn id="10" dur="250"/>
+                                        <p:tgtEl>
+                                          <p:spTgt spid="7"/>
+                                        </p:tgtEl>
+                                      </p:cBhvr>
+                                    </p:animEffect>
+                                  </p:childTnLst>
+                                </p:cTn>
+                              </p:par>
+                              <p:par>
+                                <p:cTn id="11" presetID="22" presetClass="entr" presetSubtype="4" fill="hold" grpId="0" nodeType="withEffect">
+                                  <p:stCondLst>
+                                    <p:cond delay="0"/>
+                                  </p:stCondLst>
+                                  <p:childTnLst>
+                                    <p:set>
+                                      <p:cBhvr>
+                                        <p:cTn id="12" dur="1" fill="hold">
+                                          <p:stCondLst>
+                                            <p:cond delay="0"/>
+                                          </p:stCondLst>
+                                        </p:cTn>
+                                        <p:tgtEl>
+                                          <p:spTgt spid="5"/>
+                                        </p:tgtEl>
+                                        <p:attrNameLst>
+                                          <p:attrName>style.visibility</p:attrName>
+                                        </p:attrNameLst>
+                                      </p:cBhvr>
+                                      <p:to>
+                                        <p:strVal val="visible"/>
+                                      </p:to>
+                                    </p:set>
+                                    <p:animEffect transition="in" filter="wipe(down)">
+                                      <p:cBhvr>
+                                        <p:cTn id="13" dur="250"/>
+                                        <p:tgtEl>
+                                          <p:spTgt spid="5"/>
+                                        </p:tgtEl>
+                                      </p:cBhvr>
+                                    </p:animEffect>
+                                  </p:childTnLst>
+                                </p:cTn>
+                              </p:par>
+                            </p:childTnLst>
+                          </p:cTn>
+                        </p:par>
+                      </p:childTnLst>
+                    </p:cTn>
+                  </p:par>
+                  <p:par>
+                    <p:cTn id="14" fill="hold">
+                      <p:stCondLst>
+                        <p:cond delay="indefinite"/>
+                      </p:stCondLst>
+                      <p:childTnLst>
+                        <p:par>
+                          <p:cTn id="15" fill="hold">
+                            <p:stCondLst>
+                              <p:cond delay="0"/>
+                            </p:stCondLst>
+                            <p:childTnLst>
+                              <p:par>
+                                <p:cTn id="16" presetID="22" presetClass="entr" presetSubtype="4" fill="hold" grpId="0" nodeType="clickEffect">
+                                  <p:stCondLst>
+                                    <p:cond delay="0"/>
+                                  </p:stCondLst>
+                                  <p:childTnLst>
+                                    <p:set>
+                                      <p:cBhvr>
+                                        <p:cTn id="17" dur="1" fill="hold">
+                                          <p:stCondLst>
+                                            <p:cond delay="0"/>
+                                          </p:stCondLst>
+                                        </p:cTn>
+                                        <p:tgtEl>
+                                          <p:spTgt spid="8"/>
+                                        </p:tgtEl>
+                                        <p:attrNameLst>
+                                          <p:attrName>style.visibility</p:attrName>
+                                        </p:attrNameLst>
+                                      </p:cBhvr>
+                                      <p:to>
+                                        <p:strVal val="visible"/>
+                                      </p:to>
+                                    </p:set>
+                                    <p:animEffect transition="in" filter="wipe(down)">
+                                      <p:cBhvr>
+                                        <p:cTn id="18" dur="250"/>
+                                        <p:tgtEl>
+                                          <p:spTgt spid="8"/>
+                                        </p:tgtEl>
+                                      </p:cBhvr>
+                                    </p:animEffect>
+                                  </p:childTnLst>
+                                </p:cTn>
+                              </p:par>
+                              <p:par>
+                                <p:cTn id="19" presetID="22" presetClass="entr" presetSubtype="4" fill="hold" grpId="0" nodeType="withEffect">
+                                  <p:stCondLst>
+                                    <p:cond delay="0"/>
+                                  </p:stCondLst>
+                                  <p:childTnLst>
+                                    <p:set>
+                                      <p:cBhvr>
+                                        <p:cTn id="20" dur="1" fill="hold">
+                                          <p:stCondLst>
+                                            <p:cond delay="0"/>
+                                          </p:stCondLst>
+                                        </p:cTn>
+                                        <p:tgtEl>
+                                          <p:spTgt spid="9"/>
+                                        </p:tgtEl>
+                                        <p:attrNameLst>
+                                          <p:attrName>style.visibility</p:attrName>
+                                        </p:attrNameLst>
+                                      </p:cBhvr>
+                                      <p:to>
+                                        <p:strVal val="visible"/>
+                                      </p:to>
+                                    </p:set>
+                                    <p:animEffect transition="in" filter="wipe(down)">
+                                      <p:cBhvr>
+                                        <p:cTn id="21" dur="250"/>
+                                        <p:tgtEl>
+                                          <p:spTgt spid="9"/>
+                                        </p:tgtEl>
+                                      </p:cBhvr>
+                                    </p:animEffect>
+                                  </p:childTnLst>
+                                </p:cTn>
+                              </p:par>
+                            </p:childTnLst>
+                          </p:cTn>
+                        </p:par>
+                      </p:childTnLst>
+                    </p:cTn>
+                  </p:par>
+                </p:childTnLst>
+              </p:cTn>
+              <p:prevCondLst>
+                <p:cond evt="onPrev" delay="0">
+                  <p:tgtEl>
+                    <p:sldTgt/>
+                  </p:tgtEl>
+                </p:cond>
+              </p:prevCondLst>
+              <p:nextCondLst>
+                <p:cond evt="onNext" delay="0">
+                  <p:tgtEl>
+                    <p:sldTgt/>
+                  </p:tgtEl>
+                </p:cond>
+              </p:nextCondLst>
+            </p:seq>
+          </p:childTnLst>
+        </p:cTn>
+      </p:par>
+    </p:tnLst>
+    <p:bldLst>
+      <p:bldP spid="5" grpId="0" animBg="1"/>
+      <p:bldP spid="6" grpId="0" animBg="1"/>
+      <p:bldP spid="7" grpId="0" animBg="1"/>
+      <p:bldP spid="8" grpId="0" animBg="1"/>
+      <p:bldP spid="9" grpId="0" animBg="1"/>
+    </p:bldLst>
+  </p:timing>
+</p:sld>
+</file>
+
+<file path=ppt/slides/slide7.xml><?xml version="1.0" encoding="utf-8"?>
+<p:sld xmlns:a="http://schemas.openxmlformats.org/drawingml/2006/main" xmlns:r="http://schemas.openxmlformats.org/officeDocument/2006/relationships" xmlns:p="http://schemas.openxmlformats.org/presentationml/2006/main">
+  <p:cSld>
+    <p:spTree>
+      <p:nvGrpSpPr>
+        <p:cNvPr id="1" name=""/>
+        <p:cNvGrpSpPr/>
+        <p:nvPr/>
+      </p:nvGrpSpPr>
+      <p:grpSpPr>
+        <a:xfrm>
+          <a:off x="0" y="0"/>
+          <a:ext cx="0" cy="0"/>
+          <a:chOff x="0" y="0"/>
+          <a:chExt cx="0" cy="0"/>
+        </a:xfrm>
+      </p:grpSpPr>
+      <p:sp>
+        <p:nvSpPr>
+          <p:cNvPr id="2" name="Заголовок 1">
+            <a:extLst>
+              <a:ext uri="{FF2B5EF4-FFF2-40B4-BE49-F238E27FC236}">
                 <a16:creationId xmlns:a16="http://schemas.microsoft.com/office/drawing/2014/main" id="{CBECEEEF-912E-46D5-861B-94ED8709B912}"/>
               </a:ext>
             </a:extLst>
@@ -8665,64 +10263,6 @@
             <a:r>
               <a:rPr lang="ru-RU" dirty="0"/>
               <a:t>Работа устройства</a:t>
-            </a:r>
-          </a:p>
-        </p:txBody>
-      </p:sp>
-      <p:sp>
-        <p:nvSpPr>
-          <p:cNvPr id="4" name="Объект 3">
-            <a:extLst>
-              <a:ext uri="{FF2B5EF4-FFF2-40B4-BE49-F238E27FC236}">
-                <a16:creationId xmlns:a16="http://schemas.microsoft.com/office/drawing/2014/main" id="{4A01A517-A17C-4A20-8590-A4A680EAABED}"/>
-              </a:ext>
-            </a:extLst>
-          </p:cNvPr>
-          <p:cNvSpPr>
-            <a:spLocks noGrp="1"/>
-          </p:cNvSpPr>
-          <p:nvPr>
-            <p:ph idx="1"/>
-          </p:nvPr>
-        </p:nvSpPr>
-        <p:spPr>
-          <a:xfrm>
-            <a:off x="838200" y="1825625"/>
-            <a:ext cx="10515600" cy="4351338"/>
-          </a:xfrm>
-          <a:prstGeom prst="roundRect">
-            <a:avLst/>
-          </a:prstGeom>
-          <a:solidFill>
-            <a:srgbClr val="FF0000"/>
-          </a:solidFill>
-        </p:spPr>
-        <p:style>
-          <a:lnRef idx="2">
-            <a:schemeClr val="accent5">
-              <a:shade val="50000"/>
-            </a:schemeClr>
-          </a:lnRef>
-          <a:fillRef idx="1">
-            <a:schemeClr val="accent5"/>
-          </a:fillRef>
-          <a:effectRef idx="0">
-            <a:schemeClr val="accent5"/>
-          </a:effectRef>
-          <a:fontRef idx="minor">
-            <a:schemeClr val="lt1"/>
-          </a:fontRef>
-        </p:style>
-        <p:txBody>
-          <a:bodyPr rtlCol="0" anchor="ctr"/>
-          <a:lstStyle/>
-          <a:p>
-            <a:pPr marL="0" indent="0" algn="ctr">
-              <a:buNone/>
-            </a:pPr>
-            <a:r>
-              <a:rPr lang="ru-RU" dirty="0"/>
-              <a:t>ВИДЕО</a:t>
             </a:r>
           </a:p>
         </p:txBody>
@@ -8743,7 +10283,7 @@
 </p:sld>
 </file>
 
-<file path=ppt/slides/slide7.xml><?xml version="1.0" encoding="utf-8"?>
+<file path=ppt/slides/slide8.xml><?xml version="1.0" encoding="utf-8"?>
 <p:sld xmlns:a="http://schemas.openxmlformats.org/drawingml/2006/main" xmlns:r="http://schemas.openxmlformats.org/officeDocument/2006/relationships" xmlns:p="http://schemas.openxmlformats.org/presentationml/2006/main">
   <p:cSld>
     <p:spTree>

--- a/Text/Дипломная работа/Презентация.pptx
+++ b/Text/Дипломная работа/Презентация.pptx
@@ -134,16 +134,1423 @@
 </p:presentation>
 </file>
 
-<file path=ppt/revisionInfo.xml><?xml version="1.0" encoding="utf-8"?>
-<p1510:revInfo xmlns:a="http://schemas.openxmlformats.org/drawingml/2006/main" xmlns:r="http://schemas.openxmlformats.org/officeDocument/2006/relationships" xmlns:p1510="http://schemas.microsoft.com/office/powerpoint/2015/10/main">
-  <p1510:revLst>
-    <p1510:client id="{36F89D56-44A6-45FF-A89B-CD896B16A71C}" v="547" dt="2020-06-13T19:37:23.233"/>
-  </p1510:revLst>
-</p1510:revInfo>
-</file>
-
 <file path=ppt/changesInfos/changesInfo1.xml><?xml version="1.0" encoding="utf-8"?>
 <pc:chgInfo xmlns:a="http://schemas.openxmlformats.org/drawingml/2006/main" xmlns:r="http://schemas.openxmlformats.org/officeDocument/2006/relationships" xmlns:ac="http://schemas.microsoft.com/office/drawing/2013/main/command" xmlns:pc="http://schemas.microsoft.com/office/powerpoint/2013/main/command">
+  <pc:docChgLst>
+    <pc:chgData name="Максим Кулаков" userId="04e6ebed4306f91a" providerId="LiveId" clId="{5F6422F0-1994-4B49-9D1F-36403F19BC9F}"/>
+    <pc:docChg chg="undo custSel addSld modSld">
+      <pc:chgData name="Максим Кулаков" userId="04e6ebed4306f91a" providerId="LiveId" clId="{5F6422F0-1994-4B49-9D1F-36403F19BC9F}" dt="2020-06-18T06:32:32.746" v="6562" actId="20577"/>
+      <pc:docMkLst>
+        <pc:docMk/>
+      </pc:docMkLst>
+      <pc:sldChg chg="modSp modNotesTx">
+        <pc:chgData name="Максим Кулаков" userId="04e6ebed4306f91a" providerId="LiveId" clId="{5F6422F0-1994-4B49-9D1F-36403F19BC9F}" dt="2020-06-18T05:10:20.223" v="4343" actId="20577"/>
+        <pc:sldMkLst>
+          <pc:docMk/>
+          <pc:sldMk cId="2656794804" sldId="256"/>
+        </pc:sldMkLst>
+        <pc:spChg chg="mod">
+          <ac:chgData name="Максим Кулаков" userId="04e6ebed4306f91a" providerId="LiveId" clId="{5F6422F0-1994-4B49-9D1F-36403F19BC9F}" dt="2020-06-09T06:34:04.341" v="197" actId="207"/>
+          <ac:spMkLst>
+            <pc:docMk/>
+            <pc:sldMk cId="2656794804" sldId="256"/>
+            <ac:spMk id="2" creationId="{C6B397D0-E3B7-468F-89EA-5A24F238934B}"/>
+          </ac:spMkLst>
+        </pc:spChg>
+        <pc:spChg chg="mod">
+          <ac:chgData name="Максим Кулаков" userId="04e6ebed4306f91a" providerId="LiveId" clId="{5F6422F0-1994-4B49-9D1F-36403F19BC9F}" dt="2020-06-09T06:34:24.450" v="199" actId="207"/>
+          <ac:spMkLst>
+            <pc:docMk/>
+            <pc:sldMk cId="2656794804" sldId="256"/>
+            <ac:spMk id="3" creationId="{665EB16D-E780-468D-96CF-6BEBC7CB1785}"/>
+          </ac:spMkLst>
+        </pc:spChg>
+      </pc:sldChg>
+      <pc:sldChg chg="modSp mod modNotesTx">
+        <pc:chgData name="Максим Кулаков" userId="04e6ebed4306f91a" providerId="LiveId" clId="{5F6422F0-1994-4B49-9D1F-36403F19BC9F}" dt="2020-06-18T05:11:30.301" v="4357" actId="20577"/>
+        <pc:sldMkLst>
+          <pc:docMk/>
+          <pc:sldMk cId="3226652925" sldId="257"/>
+        </pc:sldMkLst>
+        <pc:spChg chg="mod">
+          <ac:chgData name="Максим Кулаков" userId="04e6ebed4306f91a" providerId="LiveId" clId="{5F6422F0-1994-4B49-9D1F-36403F19BC9F}" dt="2020-06-09T06:23:02.803" v="42" actId="20577"/>
+          <ac:spMkLst>
+            <pc:docMk/>
+            <pc:sldMk cId="3226652925" sldId="257"/>
+            <ac:spMk id="7" creationId="{58A1A06F-2727-4AAE-8AEB-6519F16D129F}"/>
+          </ac:spMkLst>
+        </pc:spChg>
+        <pc:spChg chg="mod">
+          <ac:chgData name="Максим Кулаков" userId="04e6ebed4306f91a" providerId="LiveId" clId="{5F6422F0-1994-4B49-9D1F-36403F19BC9F}" dt="2020-06-09T06:24:00.443" v="114" actId="20577"/>
+          <ac:spMkLst>
+            <pc:docMk/>
+            <pc:sldMk cId="3226652925" sldId="257"/>
+            <ac:spMk id="8" creationId="{DE0E8B06-A302-4D75-AD2D-8B85D78DD42C}"/>
+          </ac:spMkLst>
+        </pc:spChg>
+        <pc:graphicFrameChg chg="mod">
+          <ac:chgData name="Максим Кулаков" userId="04e6ebed4306f91a" providerId="LiveId" clId="{5F6422F0-1994-4B49-9D1F-36403F19BC9F}" dt="2020-06-09T06:33:49.262" v="196"/>
+          <ac:graphicFrameMkLst>
+            <pc:docMk/>
+            <pc:sldMk cId="3226652925" sldId="257"/>
+            <ac:graphicFrameMk id="6" creationId="{813DCE52-06E5-4A98-A927-0D0D30D346FD}"/>
+          </ac:graphicFrameMkLst>
+        </pc:graphicFrameChg>
+      </pc:sldChg>
+      <pc:sldChg chg="modSp mod modNotesTx">
+        <pc:chgData name="Максим Кулаков" userId="04e6ebed4306f91a" providerId="LiveId" clId="{5F6422F0-1994-4B49-9D1F-36403F19BC9F}" dt="2020-06-18T05:17:20.630" v="4389" actId="20577"/>
+        <pc:sldMkLst>
+          <pc:docMk/>
+          <pc:sldMk cId="3825080715" sldId="258"/>
+        </pc:sldMkLst>
+        <pc:spChg chg="mod">
+          <ac:chgData name="Максим Кулаков" userId="04e6ebed4306f91a" providerId="LiveId" clId="{5F6422F0-1994-4B49-9D1F-36403F19BC9F}" dt="2020-06-09T06:32:12.024" v="165" actId="208"/>
+          <ac:spMkLst>
+            <pc:docMk/>
+            <pc:sldMk cId="3825080715" sldId="258"/>
+            <ac:spMk id="6" creationId="{2F08A4DC-E195-43C4-A918-56AC672FA987}"/>
+          </ac:spMkLst>
+        </pc:spChg>
+        <pc:spChg chg="mod">
+          <ac:chgData name="Максим Кулаков" userId="04e6ebed4306f91a" providerId="LiveId" clId="{5F6422F0-1994-4B49-9D1F-36403F19BC9F}" dt="2020-06-09T06:32:12.024" v="165" actId="208"/>
+          <ac:spMkLst>
+            <pc:docMk/>
+            <pc:sldMk cId="3825080715" sldId="258"/>
+            <ac:spMk id="13" creationId="{4A3C10EB-3636-436D-A7B4-856FBA159605}"/>
+          </ac:spMkLst>
+        </pc:spChg>
+        <pc:spChg chg="mod">
+          <ac:chgData name="Максим Кулаков" userId="04e6ebed4306f91a" providerId="LiveId" clId="{5F6422F0-1994-4B49-9D1F-36403F19BC9F}" dt="2020-06-09T06:32:12.024" v="165" actId="208"/>
+          <ac:spMkLst>
+            <pc:docMk/>
+            <pc:sldMk cId="3825080715" sldId="258"/>
+            <ac:spMk id="14" creationId="{0B3840C3-A848-4927-B8D9-22F2617534CB}"/>
+          </ac:spMkLst>
+        </pc:spChg>
+        <pc:spChg chg="mod">
+          <ac:chgData name="Максим Кулаков" userId="04e6ebed4306f91a" providerId="LiveId" clId="{5F6422F0-1994-4B49-9D1F-36403F19BC9F}" dt="2020-06-09T06:32:12.024" v="165" actId="208"/>
+          <ac:spMkLst>
+            <pc:docMk/>
+            <pc:sldMk cId="3825080715" sldId="258"/>
+            <ac:spMk id="15" creationId="{76CAEB2D-9639-4DB0-9D9D-2E9A7A8C5F2B}"/>
+          </ac:spMkLst>
+        </pc:spChg>
+        <pc:spChg chg="mod">
+          <ac:chgData name="Максим Кулаков" userId="04e6ebed4306f91a" providerId="LiveId" clId="{5F6422F0-1994-4B49-9D1F-36403F19BC9F}" dt="2020-06-09T06:32:12.024" v="165" actId="208"/>
+          <ac:spMkLst>
+            <pc:docMk/>
+            <pc:sldMk cId="3825080715" sldId="258"/>
+            <ac:spMk id="16" creationId="{CD73DCDD-431F-4409-8B6E-A7967A74F631}"/>
+          </ac:spMkLst>
+        </pc:spChg>
+      </pc:sldChg>
+      <pc:sldChg chg="modSp mod modAnim modNotesTx">
+        <pc:chgData name="Максим Кулаков" userId="04e6ebed4306f91a" providerId="LiveId" clId="{5F6422F0-1994-4B49-9D1F-36403F19BC9F}" dt="2020-06-18T05:17:35.495" v="4405" actId="20577"/>
+        <pc:sldMkLst>
+          <pc:docMk/>
+          <pc:sldMk cId="1279104608" sldId="259"/>
+        </pc:sldMkLst>
+        <pc:spChg chg="mod">
+          <ac:chgData name="Максим Кулаков" userId="04e6ebed4306f91a" providerId="LiveId" clId="{5F6422F0-1994-4B49-9D1F-36403F19BC9F}" dt="2020-06-09T06:31:47.337" v="162" actId="207"/>
+          <ac:spMkLst>
+            <pc:docMk/>
+            <pc:sldMk cId="1279104608" sldId="259"/>
+            <ac:spMk id="6" creationId="{B2C932AF-F434-43DF-8EF4-26777FBD94A7}"/>
+          </ac:spMkLst>
+        </pc:spChg>
+        <pc:spChg chg="mod">
+          <ac:chgData name="Максим Кулаков" userId="04e6ebed4306f91a" providerId="LiveId" clId="{5F6422F0-1994-4B49-9D1F-36403F19BC9F}" dt="2020-06-09T06:31:47.337" v="162" actId="207"/>
+          <ac:spMkLst>
+            <pc:docMk/>
+            <pc:sldMk cId="1279104608" sldId="259"/>
+            <ac:spMk id="7" creationId="{99175E69-34D1-42E7-9611-598A50F2A2A7}"/>
+          </ac:spMkLst>
+        </pc:spChg>
+        <pc:spChg chg="mod">
+          <ac:chgData name="Максим Кулаков" userId="04e6ebed4306f91a" providerId="LiveId" clId="{5F6422F0-1994-4B49-9D1F-36403F19BC9F}" dt="2020-06-09T06:31:47.337" v="162" actId="207"/>
+          <ac:spMkLst>
+            <pc:docMk/>
+            <pc:sldMk cId="1279104608" sldId="259"/>
+            <ac:spMk id="9" creationId="{737E8A4B-64B9-44D7-B11C-E87371FA8664}"/>
+          </ac:spMkLst>
+        </pc:spChg>
+        <pc:spChg chg="mod">
+          <ac:chgData name="Максим Кулаков" userId="04e6ebed4306f91a" providerId="LiveId" clId="{5F6422F0-1994-4B49-9D1F-36403F19BC9F}" dt="2020-06-09T06:31:47.337" v="162" actId="207"/>
+          <ac:spMkLst>
+            <pc:docMk/>
+            <pc:sldMk cId="1279104608" sldId="259"/>
+            <ac:spMk id="12" creationId="{6C8ED7A4-5C34-4A94-9382-38FAE9266125}"/>
+          </ac:spMkLst>
+        </pc:spChg>
+        <pc:spChg chg="mod">
+          <ac:chgData name="Максим Кулаков" userId="04e6ebed4306f91a" providerId="LiveId" clId="{5F6422F0-1994-4B49-9D1F-36403F19BC9F}" dt="2020-06-09T06:31:47.337" v="162" actId="207"/>
+          <ac:spMkLst>
+            <pc:docMk/>
+            <pc:sldMk cId="1279104608" sldId="259"/>
+            <ac:spMk id="13" creationId="{9E31AAA0-3805-4E50-99BD-ED6A96DE4096}"/>
+          </ac:spMkLst>
+        </pc:spChg>
+        <pc:spChg chg="mod">
+          <ac:chgData name="Максим Кулаков" userId="04e6ebed4306f91a" providerId="LiveId" clId="{5F6422F0-1994-4B49-9D1F-36403F19BC9F}" dt="2020-06-09T06:31:47.337" v="162" actId="207"/>
+          <ac:spMkLst>
+            <pc:docMk/>
+            <pc:sldMk cId="1279104608" sldId="259"/>
+            <ac:spMk id="14" creationId="{F40B1D05-0B0F-49AC-9BE0-670607F25A8A}"/>
+          </ac:spMkLst>
+        </pc:spChg>
+        <pc:spChg chg="mod">
+          <ac:chgData name="Максим Кулаков" userId="04e6ebed4306f91a" providerId="LiveId" clId="{5F6422F0-1994-4B49-9D1F-36403F19BC9F}" dt="2020-06-09T06:31:36.133" v="160" actId="207"/>
+          <ac:spMkLst>
+            <pc:docMk/>
+            <pc:sldMk cId="1279104608" sldId="259"/>
+            <ac:spMk id="15" creationId="{9B9BCD36-F5E5-4CB0-B8F4-4EA5DF7F9568}"/>
+          </ac:spMkLst>
+        </pc:spChg>
+        <pc:spChg chg="mod">
+          <ac:chgData name="Максим Кулаков" userId="04e6ebed4306f91a" providerId="LiveId" clId="{5F6422F0-1994-4B49-9D1F-36403F19BC9F}" dt="2020-06-09T06:31:36.133" v="160" actId="207"/>
+          <ac:spMkLst>
+            <pc:docMk/>
+            <pc:sldMk cId="1279104608" sldId="259"/>
+            <ac:spMk id="16" creationId="{63A45A5A-E70B-42B8-9C50-055B5EA7EDB6}"/>
+          </ac:spMkLst>
+        </pc:spChg>
+        <pc:spChg chg="mod">
+          <ac:chgData name="Максим Кулаков" userId="04e6ebed4306f91a" providerId="LiveId" clId="{5F6422F0-1994-4B49-9D1F-36403F19BC9F}" dt="2020-06-09T06:31:36.133" v="160" actId="207"/>
+          <ac:spMkLst>
+            <pc:docMk/>
+            <pc:sldMk cId="1279104608" sldId="259"/>
+            <ac:spMk id="17" creationId="{27F5792A-D5E1-4C7C-A488-65EB9DBADD22}"/>
+          </ac:spMkLst>
+        </pc:spChg>
+        <pc:spChg chg="mod">
+          <ac:chgData name="Максим Кулаков" userId="04e6ebed4306f91a" providerId="LiveId" clId="{5F6422F0-1994-4B49-9D1F-36403F19BC9F}" dt="2020-06-09T06:31:36.133" v="160" actId="207"/>
+          <ac:spMkLst>
+            <pc:docMk/>
+            <pc:sldMk cId="1279104608" sldId="259"/>
+            <ac:spMk id="18" creationId="{594C4549-EE00-46F9-9159-FB9487A4BC2A}"/>
+          </ac:spMkLst>
+        </pc:spChg>
+        <pc:spChg chg="mod">
+          <ac:chgData name="Максим Кулаков" userId="04e6ebed4306f91a" providerId="LiveId" clId="{5F6422F0-1994-4B49-9D1F-36403F19BC9F}" dt="2020-06-09T06:31:36.133" v="160" actId="207"/>
+          <ac:spMkLst>
+            <pc:docMk/>
+            <pc:sldMk cId="1279104608" sldId="259"/>
+            <ac:spMk id="19" creationId="{D04C2DCA-523F-4B58-AB29-E67507748A17}"/>
+          </ac:spMkLst>
+        </pc:spChg>
+        <pc:spChg chg="mod">
+          <ac:chgData name="Максим Кулаков" userId="04e6ebed4306f91a" providerId="LiveId" clId="{5F6422F0-1994-4B49-9D1F-36403F19BC9F}" dt="2020-06-09T06:31:36.133" v="160" actId="207"/>
+          <ac:spMkLst>
+            <pc:docMk/>
+            <pc:sldMk cId="1279104608" sldId="259"/>
+            <ac:spMk id="20" creationId="{BFFB029F-133A-4E07-A411-F1CE6250B19A}"/>
+          </ac:spMkLst>
+        </pc:spChg>
+      </pc:sldChg>
+      <pc:sldChg chg="addSp delSp modSp mod modNotesTx">
+        <pc:chgData name="Максим Кулаков" userId="04e6ebed4306f91a" providerId="LiveId" clId="{5F6422F0-1994-4B49-9D1F-36403F19BC9F}" dt="2020-06-18T06:31:14.089" v="6376" actId="313"/>
+        <pc:sldMkLst>
+          <pc:docMk/>
+          <pc:sldMk cId="3523556248" sldId="260"/>
+        </pc:sldMkLst>
+        <pc:spChg chg="del">
+          <ac:chgData name="Максим Кулаков" userId="04e6ebed4306f91a" providerId="LiveId" clId="{5F6422F0-1994-4B49-9D1F-36403F19BC9F}" dt="2020-06-09T06:32:52.192" v="166" actId="478"/>
+          <ac:spMkLst>
+            <pc:docMk/>
+            <pc:sldMk cId="3523556248" sldId="260"/>
+            <ac:spMk id="4" creationId="{4A01A517-A17C-4A20-8590-A4A680EAABED}"/>
+          </ac:spMkLst>
+        </pc:spChg>
+        <pc:spChg chg="add del mod">
+          <ac:chgData name="Максим Кулаков" userId="04e6ebed4306f91a" providerId="LiveId" clId="{5F6422F0-1994-4B49-9D1F-36403F19BC9F}" dt="2020-06-09T06:32:54.365" v="167" actId="478"/>
+          <ac:spMkLst>
+            <pc:docMk/>
+            <pc:sldMk cId="3523556248" sldId="260"/>
+            <ac:spMk id="5" creationId="{AA21A03D-F102-45A0-8A7B-543DB58BA5BA}"/>
+          </ac:spMkLst>
+        </pc:spChg>
+      </pc:sldChg>
+      <pc:sldChg chg="modNotesTx">
+        <pc:chgData name="Максим Кулаков" userId="04e6ebed4306f91a" providerId="LiveId" clId="{5F6422F0-1994-4B49-9D1F-36403F19BC9F}" dt="2020-06-18T06:32:32.746" v="6562" actId="20577"/>
+        <pc:sldMkLst>
+          <pc:docMk/>
+          <pc:sldMk cId="4170250133" sldId="261"/>
+        </pc:sldMkLst>
+      </pc:sldChg>
+      <pc:sldChg chg="modSp mod modNotesTx">
+        <pc:chgData name="Максим Кулаков" userId="04e6ebed4306f91a" providerId="LiveId" clId="{5F6422F0-1994-4B49-9D1F-36403F19BC9F}" dt="2020-06-18T05:18:55.005" v="4417" actId="20577"/>
+        <pc:sldMkLst>
+          <pc:docMk/>
+          <pc:sldMk cId="3043985443" sldId="262"/>
+        </pc:sldMkLst>
+        <pc:spChg chg="mod">
+          <ac:chgData name="Максим Кулаков" userId="04e6ebed4306f91a" providerId="LiveId" clId="{5F6422F0-1994-4B49-9D1F-36403F19BC9F}" dt="2020-06-09T06:30:28.196" v="152" actId="14100"/>
+          <ac:spMkLst>
+            <pc:docMk/>
+            <pc:sldMk cId="3043985443" sldId="262"/>
+            <ac:spMk id="5" creationId="{34253F25-F55E-485A-84AE-4DCABDD86114}"/>
+          </ac:spMkLst>
+        </pc:spChg>
+        <pc:spChg chg="mod">
+          <ac:chgData name="Максим Кулаков" userId="04e6ebed4306f91a" providerId="LiveId" clId="{5F6422F0-1994-4B49-9D1F-36403F19BC9F}" dt="2020-06-09T06:30:30.977" v="153" actId="14100"/>
+          <ac:spMkLst>
+            <pc:docMk/>
+            <pc:sldMk cId="3043985443" sldId="262"/>
+            <ac:spMk id="13" creationId="{366F08B5-B21F-4F5C-81DB-456F5CB15BBD}"/>
+          </ac:spMkLst>
+        </pc:spChg>
+        <pc:spChg chg="mod">
+          <ac:chgData name="Максим Кулаков" userId="04e6ebed4306f91a" providerId="LiveId" clId="{5F6422F0-1994-4B49-9D1F-36403F19BC9F}" dt="2020-06-09T06:39:52.231" v="328" actId="1076"/>
+          <ac:spMkLst>
+            <pc:docMk/>
+            <pc:sldMk cId="3043985443" sldId="262"/>
+            <ac:spMk id="14" creationId="{3F3E1167-AC02-4457-AC96-C8D839EE7CD9}"/>
+          </ac:spMkLst>
+        </pc:spChg>
+      </pc:sldChg>
+      <pc:sldChg chg="addSp delSp modSp new mod modAnim modNotesTx">
+        <pc:chgData name="Максим Кулаков" userId="04e6ebed4306f91a" providerId="LiveId" clId="{5F6422F0-1994-4B49-9D1F-36403F19BC9F}" dt="2020-06-18T05:20:14.019" v="4430" actId="20577"/>
+        <pc:sldMkLst>
+          <pc:docMk/>
+          <pc:sldMk cId="1345057888" sldId="263"/>
+        </pc:sldMkLst>
+        <pc:spChg chg="mod">
+          <ac:chgData name="Максим Кулаков" userId="04e6ebed4306f91a" providerId="LiveId" clId="{5F6422F0-1994-4B49-9D1F-36403F19BC9F}" dt="2020-06-09T06:33:11.169" v="195" actId="20577"/>
+          <ac:spMkLst>
+            <pc:docMk/>
+            <pc:sldMk cId="1345057888" sldId="263"/>
+            <ac:spMk id="2" creationId="{4536DE0F-6E6D-4241-AE4D-C3ED6879C62F}"/>
+          </ac:spMkLst>
+        </pc:spChg>
+        <pc:spChg chg="del">
+          <ac:chgData name="Максим Кулаков" userId="04e6ebed4306f91a" providerId="LiveId" clId="{5F6422F0-1994-4B49-9D1F-36403F19BC9F}" dt="2020-06-09T06:35:58.934" v="205" actId="478"/>
+          <ac:spMkLst>
+            <pc:docMk/>
+            <pc:sldMk cId="1345057888" sldId="263"/>
+            <ac:spMk id="3" creationId="{E557CAB9-ED0F-48C3-9613-3DDC122C94EA}"/>
+          </ac:spMkLst>
+        </pc:spChg>
+        <pc:spChg chg="add mod">
+          <ac:chgData name="Максим Кулаков" userId="04e6ebed4306f91a" providerId="LiveId" clId="{5F6422F0-1994-4B49-9D1F-36403F19BC9F}" dt="2020-06-09T06:38:09.372" v="276" actId="404"/>
+          <ac:spMkLst>
+            <pc:docMk/>
+            <pc:sldMk cId="1345057888" sldId="263"/>
+            <ac:spMk id="4" creationId="{471B1761-979C-4985-B470-A9E82BC9FAF2}"/>
+          </ac:spMkLst>
+        </pc:spChg>
+        <pc:spChg chg="add mod">
+          <ac:chgData name="Максим Кулаков" userId="04e6ebed4306f91a" providerId="LiveId" clId="{5F6422F0-1994-4B49-9D1F-36403F19BC9F}" dt="2020-06-09T06:38:06.262" v="273" actId="403"/>
+          <ac:spMkLst>
+            <pc:docMk/>
+            <pc:sldMk cId="1345057888" sldId="263"/>
+            <ac:spMk id="5" creationId="{6E5EEC58-7077-4F5A-A386-A9F348C902C7}"/>
+          </ac:spMkLst>
+        </pc:spChg>
+        <pc:spChg chg="add mod">
+          <ac:chgData name="Максим Кулаков" userId="04e6ebed4306f91a" providerId="LiveId" clId="{5F6422F0-1994-4B49-9D1F-36403F19BC9F}" dt="2020-06-09T06:38:30.497" v="295" actId="20577"/>
+          <ac:spMkLst>
+            <pc:docMk/>
+            <pc:sldMk cId="1345057888" sldId="263"/>
+            <ac:spMk id="6" creationId="{8D656520-F5BF-429B-AF81-C89EBB96E2FB}"/>
+          </ac:spMkLst>
+        </pc:spChg>
+        <pc:spChg chg="add mod">
+          <ac:chgData name="Максим Кулаков" userId="04e6ebed4306f91a" providerId="LiveId" clId="{5F6422F0-1994-4B49-9D1F-36403F19BC9F}" dt="2020-06-09T06:38:58.216" v="323" actId="404"/>
+          <ac:spMkLst>
+            <pc:docMk/>
+            <pc:sldMk cId="1345057888" sldId="263"/>
+            <ac:spMk id="7" creationId="{98959F4F-A1A4-4D48-B915-6A3E4DB90571}"/>
+          </ac:spMkLst>
+        </pc:spChg>
+        <pc:spChg chg="add mod">
+          <ac:chgData name="Максим Кулаков" userId="04e6ebed4306f91a" providerId="LiveId" clId="{5F6422F0-1994-4B49-9D1F-36403F19BC9F}" dt="2020-06-09T06:40:45.794" v="408" actId="6549"/>
+          <ac:spMkLst>
+            <pc:docMk/>
+            <pc:sldMk cId="1345057888" sldId="263"/>
+            <ac:spMk id="8" creationId="{AFB996BC-CBB7-4FDE-A7AD-9D9C5CF9D010}"/>
+          </ac:spMkLst>
+        </pc:spChg>
+        <pc:spChg chg="add mod">
+          <ac:chgData name="Максим Кулаков" userId="04e6ebed4306f91a" providerId="LiveId" clId="{5F6422F0-1994-4B49-9D1F-36403F19BC9F}" dt="2020-06-09T06:41:16.419" v="427" actId="404"/>
+          <ac:spMkLst>
+            <pc:docMk/>
+            <pc:sldMk cId="1345057888" sldId="263"/>
+            <ac:spMk id="9" creationId="{770CEC0F-E572-4B91-ACFF-338CFA07C7F4}"/>
+          </ac:spMkLst>
+        </pc:spChg>
+      </pc:sldChg>
+      <pc:sldChg chg="modNotesTx">
+        <pc:chgData name="Максим Кулаков" userId="04e6ebed4306f91a" providerId="LiveId" clId="{5F6422F0-1994-4B49-9D1F-36403F19BC9F}" dt="2020-06-18T05:22:05.825" v="4442" actId="20577"/>
+        <pc:sldMkLst>
+          <pc:docMk/>
+          <pc:sldMk cId="3972692555" sldId="264"/>
+        </pc:sldMkLst>
+      </pc:sldChg>
+    </pc:docChg>
+  </pc:docChgLst>
+  <pc:docChgLst>
+    <pc:chgData name="Кулаков Максим" userId="04e6ebed4306f91a" providerId="Windows Live" clId="Web-{036408C9-74B7-4066-89D4-9DC3CC9FCA67}"/>
+    <pc:docChg chg="modSld">
+      <pc:chgData name="Кулаков Максим" userId="04e6ebed4306f91a" providerId="Windows Live" clId="Web-{036408C9-74B7-4066-89D4-9DC3CC9FCA67}" dt="2020-06-18T07:31:37.061" v="2"/>
+      <pc:docMkLst>
+        <pc:docMk/>
+      </pc:docMkLst>
+      <pc:sldChg chg="modNotes">
+        <pc:chgData name="Кулаков Максим" userId="04e6ebed4306f91a" providerId="Windows Live" clId="Web-{036408C9-74B7-4066-89D4-9DC3CC9FCA67}" dt="2020-06-18T07:31:37.061" v="2"/>
+        <pc:sldMkLst>
+          <pc:docMk/>
+          <pc:sldMk cId="4170250133" sldId="261"/>
+        </pc:sldMkLst>
+      </pc:sldChg>
+    </pc:docChg>
+  </pc:docChgLst>
+  <pc:docChgLst>
+    <pc:chgData name="Максим Кулаков" userId="04e6ebed4306f91a" providerId="LiveId" clId="{36F89D56-44A6-45FF-A89B-CD896B16A71C}"/>
+    <pc:docChg chg="undo redo custSel addSld delSld modSld">
+      <pc:chgData name="Максим Кулаков" userId="04e6ebed4306f91a" providerId="LiveId" clId="{36F89D56-44A6-45FF-A89B-CD896B16A71C}" dt="2020-06-16T07:09:04.326" v="1556" actId="20577"/>
+      <pc:docMkLst>
+        <pc:docMk/>
+      </pc:docMkLst>
+      <pc:sldChg chg="addSp delSp modSp mod setBg chgLayout modNotesTx">
+        <pc:chgData name="Максим Кулаков" userId="04e6ebed4306f91a" providerId="LiveId" clId="{36F89D56-44A6-45FF-A89B-CD896B16A71C}" dt="2020-06-16T07:09:04.326" v="1556" actId="20577"/>
+        <pc:sldMkLst>
+          <pc:docMk/>
+          <pc:sldMk cId="2656794804" sldId="256"/>
+        </pc:sldMkLst>
+        <pc:spChg chg="mod ord">
+          <ac:chgData name="Максим Кулаков" userId="04e6ebed4306f91a" providerId="LiveId" clId="{36F89D56-44A6-45FF-A89B-CD896B16A71C}" dt="2020-06-13T15:14:36.892" v="312" actId="6264"/>
+          <ac:spMkLst>
+            <pc:docMk/>
+            <pc:sldMk cId="2656794804" sldId="256"/>
+            <ac:spMk id="2" creationId="{C6B397D0-E3B7-468F-89EA-5A24F238934B}"/>
+          </ac:spMkLst>
+        </pc:spChg>
+        <pc:spChg chg="mod ord">
+          <ac:chgData name="Максим Кулаков" userId="04e6ebed4306f91a" providerId="LiveId" clId="{36F89D56-44A6-45FF-A89B-CD896B16A71C}" dt="2020-06-13T15:14:36.892" v="312" actId="6264"/>
+          <ac:spMkLst>
+            <pc:docMk/>
+            <pc:sldMk cId="2656794804" sldId="256"/>
+            <ac:spMk id="3" creationId="{665EB16D-E780-468D-96CF-6BEBC7CB1785}"/>
+          </ac:spMkLst>
+        </pc:spChg>
+        <pc:spChg chg="add del mod">
+          <ac:chgData name="Максим Кулаков" userId="04e6ebed4306f91a" providerId="LiveId" clId="{36F89D56-44A6-45FF-A89B-CD896B16A71C}" dt="2020-06-13T15:13:57.894" v="307" actId="478"/>
+          <ac:spMkLst>
+            <pc:docMk/>
+            <pc:sldMk cId="2656794804" sldId="256"/>
+            <ac:spMk id="5" creationId="{B53045E4-C68B-46C2-AE9A-CC654D5C9368}"/>
+          </ac:spMkLst>
+        </pc:spChg>
+        <pc:spChg chg="add del mod ord">
+          <ac:chgData name="Максим Кулаков" userId="04e6ebed4306f91a" providerId="LiveId" clId="{36F89D56-44A6-45FF-A89B-CD896B16A71C}" dt="2020-06-13T18:51:11.789" v="1074" actId="21"/>
+          <ac:spMkLst>
+            <pc:docMk/>
+            <pc:sldMk cId="2656794804" sldId="256"/>
+            <ac:spMk id="5" creationId="{C912F2DF-8F7F-4E37-B200-E104CAEDCC51}"/>
+          </ac:spMkLst>
+        </pc:spChg>
+        <pc:spChg chg="add del mod ord">
+          <ac:chgData name="Максим Кулаков" userId="04e6ebed4306f91a" providerId="LiveId" clId="{36F89D56-44A6-45FF-A89B-CD896B16A71C}" dt="2020-06-13T18:51:11.789" v="1074" actId="21"/>
+          <ac:spMkLst>
+            <pc:docMk/>
+            <pc:sldMk cId="2656794804" sldId="256"/>
+            <ac:spMk id="6" creationId="{297CE52D-A828-4A79-8428-8D15A1563F01}"/>
+          </ac:spMkLst>
+        </pc:spChg>
+        <pc:spChg chg="add del mod">
+          <ac:chgData name="Максим Кулаков" userId="04e6ebed4306f91a" providerId="LiveId" clId="{36F89D56-44A6-45FF-A89B-CD896B16A71C}" dt="2020-06-13T15:14:36.892" v="312" actId="6264"/>
+          <ac:spMkLst>
+            <pc:docMk/>
+            <pc:sldMk cId="2656794804" sldId="256"/>
+            <ac:spMk id="6" creationId="{A25028E2-03AE-40BA-9062-364D13468A6C}"/>
+          </ac:spMkLst>
+        </pc:spChg>
+        <pc:spChg chg="add del mod ord">
+          <ac:chgData name="Максим Кулаков" userId="04e6ebed4306f91a" providerId="LiveId" clId="{36F89D56-44A6-45FF-A89B-CD896B16A71C}" dt="2020-06-13T18:51:11.789" v="1074" actId="21"/>
+          <ac:spMkLst>
+            <pc:docMk/>
+            <pc:sldMk cId="2656794804" sldId="256"/>
+            <ac:spMk id="7" creationId="{594F1C03-2882-4C01-8B6A-F51E1D21A322}"/>
+          </ac:spMkLst>
+        </pc:spChg>
+        <pc:spChg chg="add del mod">
+          <ac:chgData name="Максим Кулаков" userId="04e6ebed4306f91a" providerId="LiveId" clId="{36F89D56-44A6-45FF-A89B-CD896B16A71C}" dt="2020-06-13T15:14:36.892" v="312" actId="6264"/>
+          <ac:spMkLst>
+            <pc:docMk/>
+            <pc:sldMk cId="2656794804" sldId="256"/>
+            <ac:spMk id="7" creationId="{A3CFB450-7372-445B-9B61-E152702E3112}"/>
+          </ac:spMkLst>
+        </pc:spChg>
+        <pc:spChg chg="add del mod">
+          <ac:chgData name="Максим Кулаков" userId="04e6ebed4306f91a" providerId="LiveId" clId="{36F89D56-44A6-45FF-A89B-CD896B16A71C}" dt="2020-06-13T15:19:33.174" v="403" actId="478"/>
+          <ac:spMkLst>
+            <pc:docMk/>
+            <pc:sldMk cId="2656794804" sldId="256"/>
+            <ac:spMk id="8" creationId="{29A1DD3D-7C58-4660-9E43-1B52EAAE8F60}"/>
+          </ac:spMkLst>
+        </pc:spChg>
+        <pc:spChg chg="add del mod">
+          <ac:chgData name="Максим Кулаков" userId="04e6ebed4306f91a" providerId="LiveId" clId="{36F89D56-44A6-45FF-A89B-CD896B16A71C}" dt="2020-06-13T15:17:23.210" v="333" actId="478"/>
+          <ac:spMkLst>
+            <pc:docMk/>
+            <pc:sldMk cId="2656794804" sldId="256"/>
+            <ac:spMk id="9" creationId="{7ADAA65C-B423-4880-B190-8E44CE3A35A1}"/>
+          </ac:spMkLst>
+        </pc:spChg>
+        <pc:spChg chg="add del mod">
+          <ac:chgData name="Максим Кулаков" userId="04e6ebed4306f91a" providerId="LiveId" clId="{36F89D56-44A6-45FF-A89B-CD896B16A71C}" dt="2020-06-13T15:19:32.100" v="402" actId="478"/>
+          <ac:spMkLst>
+            <pc:docMk/>
+            <pc:sldMk cId="2656794804" sldId="256"/>
+            <ac:spMk id="10" creationId="{2E3D6F22-6FCF-492A-A10B-FE9E5DF0E882}"/>
+          </ac:spMkLst>
+        </pc:spChg>
+        <pc:spChg chg="add del mod">
+          <ac:chgData name="Максим Кулаков" userId="04e6ebed4306f91a" providerId="LiveId" clId="{36F89D56-44A6-45FF-A89B-CD896B16A71C}" dt="2020-06-13T15:18:53.740" v="391" actId="478"/>
+          <ac:spMkLst>
+            <pc:docMk/>
+            <pc:sldMk cId="2656794804" sldId="256"/>
+            <ac:spMk id="12" creationId="{85CDA812-1651-4E03-B1D2-DE235FBEB231}"/>
+          </ac:spMkLst>
+        </pc:spChg>
+        <pc:spChg chg="add del mod">
+          <ac:chgData name="Максим Кулаков" userId="04e6ebed4306f91a" providerId="LiveId" clId="{36F89D56-44A6-45FF-A89B-CD896B16A71C}" dt="2020-06-13T15:19:31.356" v="401" actId="478"/>
+          <ac:spMkLst>
+            <pc:docMk/>
+            <pc:sldMk cId="2656794804" sldId="256"/>
+            <ac:spMk id="14" creationId="{F03F5B49-D3E8-49C2-BA48-821A826E819D}"/>
+          </ac:spMkLst>
+        </pc:spChg>
+        <pc:spChg chg="add del mod">
+          <ac:chgData name="Максим Кулаков" userId="04e6ebed4306f91a" providerId="LiveId" clId="{36F89D56-44A6-45FF-A89B-CD896B16A71C}" dt="2020-06-13T15:37:03.562" v="405" actId="478"/>
+          <ac:spMkLst>
+            <pc:docMk/>
+            <pc:sldMk cId="2656794804" sldId="256"/>
+            <ac:spMk id="16" creationId="{D97D17BF-100C-46C7-8DDE-7CBBE22F6998}"/>
+          </ac:spMkLst>
+        </pc:spChg>
+        <pc:spChg chg="add mod">
+          <ac:chgData name="Максим Кулаков" userId="04e6ebed4306f91a" providerId="LiveId" clId="{36F89D56-44A6-45FF-A89B-CD896B16A71C}" dt="2020-06-13T19:13:03.995" v="1324" actId="164"/>
+          <ac:spMkLst>
+            <pc:docMk/>
+            <pc:sldMk cId="2656794804" sldId="256"/>
+            <ac:spMk id="17" creationId="{D8F616FC-EE32-4B4F-B1A7-E1C0E4B2C87E}"/>
+          </ac:spMkLst>
+        </pc:spChg>
+        <pc:spChg chg="add mod">
+          <ac:chgData name="Максим Кулаков" userId="04e6ebed4306f91a" providerId="LiveId" clId="{36F89D56-44A6-45FF-A89B-CD896B16A71C}" dt="2020-06-13T19:13:03.995" v="1324" actId="164"/>
+          <ac:spMkLst>
+            <pc:docMk/>
+            <pc:sldMk cId="2656794804" sldId="256"/>
+            <ac:spMk id="18" creationId="{6D077CE7-195E-42F0-985C-4B6FF355A21F}"/>
+          </ac:spMkLst>
+        </pc:spChg>
+        <pc:spChg chg="add mod">
+          <ac:chgData name="Максим Кулаков" userId="04e6ebed4306f91a" providerId="LiveId" clId="{36F89D56-44A6-45FF-A89B-CD896B16A71C}" dt="2020-06-13T19:13:03.995" v="1324" actId="164"/>
+          <ac:spMkLst>
+            <pc:docMk/>
+            <pc:sldMk cId="2656794804" sldId="256"/>
+            <ac:spMk id="20" creationId="{2C00E1F1-C7AA-4AC5-966C-C3AEC62F0B7B}"/>
+          </ac:spMkLst>
+        </pc:spChg>
+        <pc:spChg chg="add mod">
+          <ac:chgData name="Максим Кулаков" userId="04e6ebed4306f91a" providerId="LiveId" clId="{36F89D56-44A6-45FF-A89B-CD896B16A71C}" dt="2020-06-13T19:13:03.995" v="1324" actId="164"/>
+          <ac:spMkLst>
+            <pc:docMk/>
+            <pc:sldMk cId="2656794804" sldId="256"/>
+            <ac:spMk id="22" creationId="{F4A84823-9120-41BE-8A51-34946E93B14E}"/>
+          </ac:spMkLst>
+        </pc:spChg>
+        <pc:grpChg chg="add mod">
+          <ac:chgData name="Максим Кулаков" userId="04e6ebed4306f91a" providerId="LiveId" clId="{36F89D56-44A6-45FF-A89B-CD896B16A71C}" dt="2020-06-13T19:13:03.995" v="1324" actId="164"/>
+          <ac:grpSpMkLst>
+            <pc:docMk/>
+            <pc:sldMk cId="2656794804" sldId="256"/>
+            <ac:grpSpMk id="8" creationId="{06AA5904-6B2F-44A7-B9B1-C84B78473C5F}"/>
+          </ac:grpSpMkLst>
+        </pc:grpChg>
+      </pc:sldChg>
+      <pc:sldChg chg="addSp modSp mod modAnim">
+        <pc:chgData name="Максим Кулаков" userId="04e6ebed4306f91a" providerId="LiveId" clId="{36F89D56-44A6-45FF-A89B-CD896B16A71C}" dt="2020-06-13T19:13:19.045" v="1333" actId="1035"/>
+        <pc:sldMkLst>
+          <pc:docMk/>
+          <pc:sldMk cId="3226652925" sldId="257"/>
+        </pc:sldMkLst>
+        <pc:spChg chg="add mod">
+          <ac:chgData name="Максим Кулаков" userId="04e6ebed4306f91a" providerId="LiveId" clId="{36F89D56-44A6-45FF-A89B-CD896B16A71C}" dt="2020-06-13T18:54:43.641" v="1087" actId="1582"/>
+          <ac:spMkLst>
+            <pc:docMk/>
+            <pc:sldMk cId="3226652925" sldId="257"/>
+            <ac:spMk id="3" creationId="{F244C3FD-9CC3-4D4D-A883-025922CE5AE5}"/>
+          </ac:spMkLst>
+        </pc:spChg>
+        <pc:spChg chg="mod">
+          <ac:chgData name="Максим Кулаков" userId="04e6ebed4306f91a" providerId="LiveId" clId="{36F89D56-44A6-45FF-A89B-CD896B16A71C}" dt="2020-06-13T18:54:43.641" v="1087" actId="1582"/>
+          <ac:spMkLst>
+            <pc:docMk/>
+            <pc:sldMk cId="3226652925" sldId="257"/>
+            <ac:spMk id="4" creationId="{EF7EABEB-D8EA-4ECB-A7A5-C43E52EE9BFE}"/>
+          </ac:spMkLst>
+        </pc:spChg>
+        <pc:spChg chg="add mod">
+          <ac:chgData name="Максим Кулаков" userId="04e6ebed4306f91a" providerId="LiveId" clId="{36F89D56-44A6-45FF-A89B-CD896B16A71C}" dt="2020-06-13T19:12:51.149" v="1322" actId="164"/>
+          <ac:spMkLst>
+            <pc:docMk/>
+            <pc:sldMk cId="3226652925" sldId="257"/>
+            <ac:spMk id="5" creationId="{D471AD39-F922-45DE-AF32-9AC52E2FB25D}"/>
+          </ac:spMkLst>
+        </pc:spChg>
+        <pc:spChg chg="mod">
+          <ac:chgData name="Максим Кулаков" userId="04e6ebed4306f91a" providerId="LiveId" clId="{36F89D56-44A6-45FF-A89B-CD896B16A71C}" dt="2020-06-13T18:54:43.641" v="1087" actId="1582"/>
+          <ac:spMkLst>
+            <pc:docMk/>
+            <pc:sldMk cId="3226652925" sldId="257"/>
+            <ac:spMk id="7" creationId="{58A1A06F-2727-4AAE-8AEB-6519F16D129F}"/>
+          </ac:spMkLst>
+        </pc:spChg>
+        <pc:spChg chg="mod">
+          <ac:chgData name="Максим Кулаков" userId="04e6ebed4306f91a" providerId="LiveId" clId="{36F89D56-44A6-45FF-A89B-CD896B16A71C}" dt="2020-06-13T18:54:43.641" v="1087" actId="1582"/>
+          <ac:spMkLst>
+            <pc:docMk/>
+            <pc:sldMk cId="3226652925" sldId="257"/>
+            <ac:spMk id="8" creationId="{DE0E8B06-A302-4D75-AD2D-8B85D78DD42C}"/>
+          </ac:spMkLst>
+        </pc:spChg>
+        <pc:spChg chg="add mod">
+          <ac:chgData name="Максим Кулаков" userId="04e6ebed4306f91a" providerId="LiveId" clId="{36F89D56-44A6-45FF-A89B-CD896B16A71C}" dt="2020-06-13T15:52:26.142" v="504" actId="122"/>
+          <ac:spMkLst>
+            <pc:docMk/>
+            <pc:sldMk cId="3226652925" sldId="257"/>
+            <ac:spMk id="10" creationId="{8DB5C105-11C8-4AC5-B2A9-9D261EDDA584}"/>
+          </ac:spMkLst>
+        </pc:spChg>
+        <pc:spChg chg="add mod">
+          <ac:chgData name="Максим Кулаков" userId="04e6ebed4306f91a" providerId="LiveId" clId="{36F89D56-44A6-45FF-A89B-CD896B16A71C}" dt="2020-06-13T19:12:51.149" v="1322" actId="164"/>
+          <ac:spMkLst>
+            <pc:docMk/>
+            <pc:sldMk cId="3226652925" sldId="257"/>
+            <ac:spMk id="12" creationId="{2896288C-F2B9-46F2-B8AA-C37E9542D99A}"/>
+          </ac:spMkLst>
+        </pc:spChg>
+        <pc:spChg chg="add mod ord">
+          <ac:chgData name="Максим Кулаков" userId="04e6ebed4306f91a" providerId="LiveId" clId="{36F89D56-44A6-45FF-A89B-CD896B16A71C}" dt="2020-06-13T19:12:51.149" v="1322" actId="164"/>
+          <ac:spMkLst>
+            <pc:docMk/>
+            <pc:sldMk cId="3226652925" sldId="257"/>
+            <ac:spMk id="14" creationId="{E521651B-D563-41F4-BA3A-EA86EEE644F4}"/>
+          </ac:spMkLst>
+        </pc:spChg>
+        <pc:grpChg chg="add mod">
+          <ac:chgData name="Максим Кулаков" userId="04e6ebed4306f91a" providerId="LiveId" clId="{36F89D56-44A6-45FF-A89B-CD896B16A71C}" dt="2020-06-13T19:13:19.045" v="1333" actId="1035"/>
+          <ac:grpSpMkLst>
+            <pc:docMk/>
+            <pc:sldMk cId="3226652925" sldId="257"/>
+            <ac:grpSpMk id="15" creationId="{BCDA6E76-42F1-4414-9B94-0DC97CD18008}"/>
+          </ac:grpSpMkLst>
+        </pc:grpChg>
+      </pc:sldChg>
+      <pc:sldChg chg="addSp delSp modSp mod modAnim modNotesTx">
+        <pc:chgData name="Максим Кулаков" userId="04e6ebed4306f91a" providerId="LiveId" clId="{36F89D56-44A6-45FF-A89B-CD896B16A71C}" dt="2020-06-16T07:05:32.920" v="1554" actId="313"/>
+        <pc:sldMkLst>
+          <pc:docMk/>
+          <pc:sldMk cId="3825080715" sldId="258"/>
+        </pc:sldMkLst>
+        <pc:spChg chg="add mod topLvl">
+          <ac:chgData name="Максим Кулаков" userId="04e6ebed4306f91a" providerId="LiveId" clId="{36F89D56-44A6-45FF-A89B-CD896B16A71C}" dt="2020-06-13T19:37:23.233" v="1538" actId="164"/>
+          <ac:spMkLst>
+            <pc:docMk/>
+            <pc:sldMk cId="3825080715" sldId="258"/>
+            <ac:spMk id="3" creationId="{12711B61-35E7-4BF6-861A-F71E391ADA76}"/>
+          </ac:spMkLst>
+        </pc:spChg>
+        <pc:spChg chg="add mod topLvl">
+          <ac:chgData name="Максим Кулаков" userId="04e6ebed4306f91a" providerId="LiveId" clId="{36F89D56-44A6-45FF-A89B-CD896B16A71C}" dt="2020-06-13T19:37:23.233" v="1538" actId="164"/>
+          <ac:spMkLst>
+            <pc:docMk/>
+            <pc:sldMk cId="3825080715" sldId="258"/>
+            <ac:spMk id="4" creationId="{EBCC44E2-7165-4D22-9609-0DEFF20A565B}"/>
+          </ac:spMkLst>
+        </pc:spChg>
+        <pc:spChg chg="mod">
+          <ac:chgData name="Максим Кулаков" userId="04e6ebed4306f91a" providerId="LiveId" clId="{36F89D56-44A6-45FF-A89B-CD896B16A71C}" dt="2020-06-13T14:30:18.948" v="270" actId="120"/>
+          <ac:spMkLst>
+            <pc:docMk/>
+            <pc:sldMk cId="3825080715" sldId="258"/>
+            <ac:spMk id="6" creationId="{2F08A4DC-E195-43C4-A918-56AC672FA987}"/>
+          </ac:spMkLst>
+        </pc:spChg>
+        <pc:spChg chg="add mod topLvl">
+          <ac:chgData name="Максим Кулаков" userId="04e6ebed4306f91a" providerId="LiveId" clId="{36F89D56-44A6-45FF-A89B-CD896B16A71C}" dt="2020-06-13T19:37:23.233" v="1538" actId="164"/>
+          <ac:spMkLst>
+            <pc:docMk/>
+            <pc:sldMk cId="3825080715" sldId="258"/>
+            <ac:spMk id="7" creationId="{51BF639E-8C50-45B5-A97B-67C40C5FF510}"/>
+          </ac:spMkLst>
+        </pc:spChg>
+        <pc:spChg chg="mod">
+          <ac:chgData name="Максим Кулаков" userId="04e6ebed4306f91a" providerId="LiveId" clId="{36F89D56-44A6-45FF-A89B-CD896B16A71C}" dt="2020-06-13T14:10:19.789" v="200" actId="6549"/>
+          <ac:spMkLst>
+            <pc:docMk/>
+            <pc:sldMk cId="3825080715" sldId="258"/>
+            <ac:spMk id="13" creationId="{4A3C10EB-3636-436D-A7B4-856FBA159605}"/>
+          </ac:spMkLst>
+        </pc:spChg>
+        <pc:spChg chg="mod">
+          <ac:chgData name="Максим Кулаков" userId="04e6ebed4306f91a" providerId="LiveId" clId="{36F89D56-44A6-45FF-A89B-CD896B16A71C}" dt="2020-06-13T14:08:57.600" v="178" actId="121"/>
+          <ac:spMkLst>
+            <pc:docMk/>
+            <pc:sldMk cId="3825080715" sldId="258"/>
+            <ac:spMk id="14" creationId="{0B3840C3-A848-4927-B8D9-22F2617534CB}"/>
+          </ac:spMkLst>
+        </pc:spChg>
+        <pc:spChg chg="mod">
+          <ac:chgData name="Максим Кулаков" userId="04e6ebed4306f91a" providerId="LiveId" clId="{36F89D56-44A6-45FF-A89B-CD896B16A71C}" dt="2020-06-13T14:08:55.045" v="177" actId="121"/>
+          <ac:spMkLst>
+            <pc:docMk/>
+            <pc:sldMk cId="3825080715" sldId="258"/>
+            <ac:spMk id="15" creationId="{76CAEB2D-9639-4DB0-9D9D-2E9A7A8C5F2B}"/>
+          </ac:spMkLst>
+        </pc:spChg>
+        <pc:spChg chg="mod">
+          <ac:chgData name="Максим Кулаков" userId="04e6ebed4306f91a" providerId="LiveId" clId="{36F89D56-44A6-45FF-A89B-CD896B16A71C}" dt="2020-06-13T14:11:53.900" v="215" actId="121"/>
+          <ac:spMkLst>
+            <pc:docMk/>
+            <pc:sldMk cId="3825080715" sldId="258"/>
+            <ac:spMk id="16" creationId="{CD73DCDD-431F-4409-8B6E-A7967A74F631}"/>
+          </ac:spMkLst>
+        </pc:spChg>
+        <pc:spChg chg="add del mod">
+          <ac:chgData name="Максим Кулаков" userId="04e6ebed4306f91a" providerId="LiveId" clId="{36F89D56-44A6-45FF-A89B-CD896B16A71C}" dt="2020-06-13T14:05:12.448" v="94"/>
+          <ac:spMkLst>
+            <pc:docMk/>
+            <pc:sldMk cId="3825080715" sldId="258"/>
+            <ac:spMk id="17" creationId="{EF37A305-376A-4347-90EF-384B7BA5460F}"/>
+          </ac:spMkLst>
+        </pc:spChg>
+        <pc:spChg chg="add mod">
+          <ac:chgData name="Максим Кулаков" userId="04e6ebed4306f91a" providerId="LiveId" clId="{36F89D56-44A6-45FF-A89B-CD896B16A71C}" dt="2020-06-13T14:05:34.429" v="103" actId="20577"/>
+          <ac:spMkLst>
+            <pc:docMk/>
+            <pc:sldMk cId="3825080715" sldId="258"/>
+            <ac:spMk id="18" creationId="{A11CC828-DDD7-43B1-8E15-8771F335D978}"/>
+          </ac:spMkLst>
+        </pc:spChg>
+        <pc:grpChg chg="add del mod">
+          <ac:chgData name="Максим Кулаков" userId="04e6ebed4306f91a" providerId="LiveId" clId="{36F89D56-44A6-45FF-A89B-CD896B16A71C}" dt="2020-06-13T19:35:02.528" v="1492" actId="165"/>
+          <ac:grpSpMkLst>
+            <pc:docMk/>
+            <pc:sldMk cId="3825080715" sldId="258"/>
+            <ac:grpSpMk id="11" creationId="{2C1F2228-7CDD-420B-B480-163BA564E678}"/>
+          </ac:grpSpMkLst>
+        </pc:grpChg>
+        <pc:grpChg chg="add mod">
+          <ac:chgData name="Максим Кулаков" userId="04e6ebed4306f91a" providerId="LiveId" clId="{36F89D56-44A6-45FF-A89B-CD896B16A71C}" dt="2020-06-13T19:37:23.233" v="1538" actId="164"/>
+          <ac:grpSpMkLst>
+            <pc:docMk/>
+            <pc:sldMk cId="3825080715" sldId="258"/>
+            <ac:grpSpMk id="23" creationId="{7553EB65-ADBF-4FD0-8B35-8800AFEA4B9D}"/>
+          </ac:grpSpMkLst>
+        </pc:grpChg>
+        <pc:picChg chg="add del mod">
+          <ac:chgData name="Максим Кулаков" userId="04e6ebed4306f91a" providerId="LiveId" clId="{36F89D56-44A6-45FF-A89B-CD896B16A71C}" dt="2020-06-13T14:07:44.841" v="124" actId="478"/>
+          <ac:picMkLst>
+            <pc:docMk/>
+            <pc:sldMk cId="3825080715" sldId="258"/>
+            <ac:picMk id="4" creationId="{EE957252-D281-480C-92F1-78564E6A8479}"/>
+          </ac:picMkLst>
+        </pc:picChg>
+        <pc:picChg chg="add mod">
+          <ac:chgData name="Максим Кулаков" userId="04e6ebed4306f91a" providerId="LiveId" clId="{36F89D56-44A6-45FF-A89B-CD896B16A71C}" dt="2020-06-13T14:10:24.441" v="201" actId="1076"/>
+          <ac:picMkLst>
+            <pc:docMk/>
+            <pc:sldMk cId="3825080715" sldId="258"/>
+            <ac:picMk id="10" creationId="{7CB916E0-0319-48E8-84D1-F5FC1F3970CA}"/>
+          </ac:picMkLst>
+        </pc:picChg>
+        <pc:picChg chg="add del mod">
+          <ac:chgData name="Максим Кулаков" userId="04e6ebed4306f91a" providerId="LiveId" clId="{36F89D56-44A6-45FF-A89B-CD896B16A71C}" dt="2020-06-13T14:09:27.611" v="184" actId="1035"/>
+          <ac:picMkLst>
+            <pc:docMk/>
+            <pc:sldMk cId="3825080715" sldId="258"/>
+            <ac:picMk id="12" creationId="{569A0638-2818-4340-8A4F-79C14143485E}"/>
+          </ac:picMkLst>
+        </pc:picChg>
+        <pc:picChg chg="add mod">
+          <ac:chgData name="Максим Кулаков" userId="04e6ebed4306f91a" providerId="LiveId" clId="{36F89D56-44A6-45FF-A89B-CD896B16A71C}" dt="2020-06-13T14:11:46.447" v="214" actId="1035"/>
+          <ac:picMkLst>
+            <pc:docMk/>
+            <pc:sldMk cId="3825080715" sldId="258"/>
+            <ac:picMk id="20" creationId="{41F25543-69F1-4562-A2D8-445801083670}"/>
+          </ac:picMkLst>
+        </pc:picChg>
+        <pc:picChg chg="add mod">
+          <ac:chgData name="Максим Кулаков" userId="04e6ebed4306f91a" providerId="LiveId" clId="{36F89D56-44A6-45FF-A89B-CD896B16A71C}" dt="2020-06-13T14:22:07.108" v="247" actId="1038"/>
+          <ac:picMkLst>
+            <pc:docMk/>
+            <pc:sldMk cId="3825080715" sldId="258"/>
+            <ac:picMk id="22" creationId="{FB41BD46-2DDA-4843-9BE4-29DF7FCC6CF3}"/>
+          </ac:picMkLst>
+        </pc:picChg>
+        <pc:picChg chg="add mod">
+          <ac:chgData name="Максим Кулаков" userId="04e6ebed4306f91a" providerId="LiveId" clId="{36F89D56-44A6-45FF-A89B-CD896B16A71C}" dt="2020-06-13T14:30:36.497" v="273" actId="1076"/>
+          <ac:picMkLst>
+            <pc:docMk/>
+            <pc:sldMk cId="3825080715" sldId="258"/>
+            <ac:picMk id="24" creationId="{25A1AFDC-B60E-417A-8BF0-2B783600FACA}"/>
+          </ac:picMkLst>
+        </pc:picChg>
+      </pc:sldChg>
+      <pc:sldChg chg="addSp delSp modSp mod modAnim">
+        <pc:chgData name="Максим Кулаков" userId="04e6ebed4306f91a" providerId="LiveId" clId="{36F89D56-44A6-45FF-A89B-CD896B16A71C}" dt="2020-06-13T19:28:01.359" v="1472" actId="1582"/>
+        <pc:sldMkLst>
+          <pc:docMk/>
+          <pc:sldMk cId="1279104608" sldId="259"/>
+        </pc:sldMkLst>
+        <pc:spChg chg="add del mod">
+          <ac:chgData name="Максим Кулаков" userId="04e6ebed4306f91a" providerId="LiveId" clId="{36F89D56-44A6-45FF-A89B-CD896B16A71C}" dt="2020-06-13T19:25:28.533" v="1440" actId="478"/>
+          <ac:spMkLst>
+            <pc:docMk/>
+            <pc:sldMk cId="1279104608" sldId="259"/>
+            <ac:spMk id="3" creationId="{03C42158-A1F2-4F1E-942B-75DEC4CCDC1F}"/>
+          </ac:spMkLst>
+        </pc:spChg>
+        <pc:spChg chg="add del">
+          <ac:chgData name="Максим Кулаков" userId="04e6ebed4306f91a" providerId="LiveId" clId="{36F89D56-44A6-45FF-A89B-CD896B16A71C}" dt="2020-06-13T19:25:48.197" v="1442" actId="11529"/>
+          <ac:spMkLst>
+            <pc:docMk/>
+            <pc:sldMk cId="1279104608" sldId="259"/>
+            <ac:spMk id="5" creationId="{A23D103E-0497-4FB7-9BC6-BA553E25FF1B}"/>
+          </ac:spMkLst>
+        </pc:spChg>
+        <pc:spChg chg="mod">
+          <ac:chgData name="Максим Кулаков" userId="04e6ebed4306f91a" providerId="LiveId" clId="{36F89D56-44A6-45FF-A89B-CD896B16A71C}" dt="2020-06-13T18:57:34.186" v="1123" actId="20577"/>
+          <ac:spMkLst>
+            <pc:docMk/>
+            <pc:sldMk cId="1279104608" sldId="259"/>
+            <ac:spMk id="6" creationId="{B2C932AF-F434-43DF-8EF4-26777FBD94A7}"/>
+          </ac:spMkLst>
+        </pc:spChg>
+        <pc:spChg chg="mod">
+          <ac:chgData name="Максим Кулаков" userId="04e6ebed4306f91a" providerId="LiveId" clId="{36F89D56-44A6-45FF-A89B-CD896B16A71C}" dt="2020-06-13T18:56:25.311" v="1092" actId="207"/>
+          <ac:spMkLst>
+            <pc:docMk/>
+            <pc:sldMk cId="1279104608" sldId="259"/>
+            <ac:spMk id="7" creationId="{99175E69-34D1-42E7-9611-598A50F2A2A7}"/>
+          </ac:spMkLst>
+        </pc:spChg>
+        <pc:spChg chg="add mod">
+          <ac:chgData name="Максим Кулаков" userId="04e6ebed4306f91a" providerId="LiveId" clId="{36F89D56-44A6-45FF-A89B-CD896B16A71C}" dt="2020-06-13T19:28:01.359" v="1472" actId="1582"/>
+          <ac:spMkLst>
+            <pc:docMk/>
+            <pc:sldMk cId="1279104608" sldId="259"/>
+            <ac:spMk id="8" creationId="{F2EE2873-AAC0-4AD3-9F22-F0F851A29755}"/>
+          </ac:spMkLst>
+        </pc:spChg>
+        <pc:spChg chg="mod">
+          <ac:chgData name="Максим Кулаков" userId="04e6ebed4306f91a" providerId="LiveId" clId="{36F89D56-44A6-45FF-A89B-CD896B16A71C}" dt="2020-06-13T18:56:17.681" v="1091" actId="207"/>
+          <ac:spMkLst>
+            <pc:docMk/>
+            <pc:sldMk cId="1279104608" sldId="259"/>
+            <ac:spMk id="9" creationId="{737E8A4B-64B9-44D7-B11C-E87371FA8664}"/>
+          </ac:spMkLst>
+        </pc:spChg>
+        <pc:spChg chg="add mod">
+          <ac:chgData name="Максим Кулаков" userId="04e6ebed4306f91a" providerId="LiveId" clId="{36F89D56-44A6-45FF-A89B-CD896B16A71C}" dt="2020-06-13T19:28:01.359" v="1472" actId="1582"/>
+          <ac:spMkLst>
+            <pc:docMk/>
+            <pc:sldMk cId="1279104608" sldId="259"/>
+            <ac:spMk id="10" creationId="{0C54B240-A2ED-43EF-A22C-C5B556EF6385}"/>
+          </ac:spMkLst>
+        </pc:spChg>
+        <pc:spChg chg="add mod">
+          <ac:chgData name="Максим Кулаков" userId="04e6ebed4306f91a" providerId="LiveId" clId="{36F89D56-44A6-45FF-A89B-CD896B16A71C}" dt="2020-06-13T19:28:01.359" v="1472" actId="1582"/>
+          <ac:spMkLst>
+            <pc:docMk/>
+            <pc:sldMk cId="1279104608" sldId="259"/>
+            <ac:spMk id="11" creationId="{EAC9C63C-757E-477A-90C7-7A9CFCF1E707}"/>
+          </ac:spMkLst>
+        </pc:spChg>
+        <pc:spChg chg="mod">
+          <ac:chgData name="Максим Кулаков" userId="04e6ebed4306f91a" providerId="LiveId" clId="{36F89D56-44A6-45FF-A89B-CD896B16A71C}" dt="2020-06-13T18:57:06.745" v="1105" actId="20577"/>
+          <ac:spMkLst>
+            <pc:docMk/>
+            <pc:sldMk cId="1279104608" sldId="259"/>
+            <ac:spMk id="12" creationId="{6C8ED7A4-5C34-4A94-9382-38FAE9266125}"/>
+          </ac:spMkLst>
+        </pc:spChg>
+        <pc:spChg chg="mod">
+          <ac:chgData name="Максим Кулаков" userId="04e6ebed4306f91a" providerId="LiveId" clId="{36F89D56-44A6-45FF-A89B-CD896B16A71C}" dt="2020-06-13T18:57:21.913" v="1114" actId="20577"/>
+          <ac:spMkLst>
+            <pc:docMk/>
+            <pc:sldMk cId="1279104608" sldId="259"/>
+            <ac:spMk id="13" creationId="{9E31AAA0-3805-4E50-99BD-ED6A96DE4096}"/>
+          </ac:spMkLst>
+        </pc:spChg>
+        <pc:spChg chg="mod">
+          <ac:chgData name="Максим Кулаков" userId="04e6ebed4306f91a" providerId="LiveId" clId="{36F89D56-44A6-45FF-A89B-CD896B16A71C}" dt="2020-06-13T18:56:29.846" v="1093" actId="207"/>
+          <ac:spMkLst>
+            <pc:docMk/>
+            <pc:sldMk cId="1279104608" sldId="259"/>
+            <ac:spMk id="14" creationId="{F40B1D05-0B0F-49AC-9BE0-670607F25A8A}"/>
+          </ac:spMkLst>
+        </pc:spChg>
+        <pc:spChg chg="mod">
+          <ac:chgData name="Максим Кулаков" userId="04e6ebed4306f91a" providerId="LiveId" clId="{36F89D56-44A6-45FF-A89B-CD896B16A71C}" dt="2020-06-13T18:52:47.287" v="1077" actId="207"/>
+          <ac:spMkLst>
+            <pc:docMk/>
+            <pc:sldMk cId="1279104608" sldId="259"/>
+            <ac:spMk id="15" creationId="{9B9BCD36-F5E5-4CB0-B8F4-4EA5DF7F9568}"/>
+          </ac:spMkLst>
+        </pc:spChg>
+        <pc:spChg chg="mod">
+          <ac:chgData name="Максим Кулаков" userId="04e6ebed4306f91a" providerId="LiveId" clId="{36F89D56-44A6-45FF-A89B-CD896B16A71C}" dt="2020-06-13T18:52:47.287" v="1077" actId="207"/>
+          <ac:spMkLst>
+            <pc:docMk/>
+            <pc:sldMk cId="1279104608" sldId="259"/>
+            <ac:spMk id="16" creationId="{63A45A5A-E70B-42B8-9C50-055B5EA7EDB6}"/>
+          </ac:spMkLst>
+        </pc:spChg>
+        <pc:spChg chg="mod">
+          <ac:chgData name="Максим Кулаков" userId="04e6ebed4306f91a" providerId="LiveId" clId="{36F89D56-44A6-45FF-A89B-CD896B16A71C}" dt="2020-06-13T18:52:47.287" v="1077" actId="207"/>
+          <ac:spMkLst>
+            <pc:docMk/>
+            <pc:sldMk cId="1279104608" sldId="259"/>
+            <ac:spMk id="17" creationId="{27F5792A-D5E1-4C7C-A488-65EB9DBADD22}"/>
+          </ac:spMkLst>
+        </pc:spChg>
+        <pc:spChg chg="mod">
+          <ac:chgData name="Максим Кулаков" userId="04e6ebed4306f91a" providerId="LiveId" clId="{36F89D56-44A6-45FF-A89B-CD896B16A71C}" dt="2020-06-13T18:52:47.287" v="1077" actId="207"/>
+          <ac:spMkLst>
+            <pc:docMk/>
+            <pc:sldMk cId="1279104608" sldId="259"/>
+            <ac:spMk id="18" creationId="{594C4549-EE00-46F9-9159-FB9487A4BC2A}"/>
+          </ac:spMkLst>
+        </pc:spChg>
+        <pc:spChg chg="mod">
+          <ac:chgData name="Максим Кулаков" userId="04e6ebed4306f91a" providerId="LiveId" clId="{36F89D56-44A6-45FF-A89B-CD896B16A71C}" dt="2020-06-13T18:52:47.287" v="1077" actId="207"/>
+          <ac:spMkLst>
+            <pc:docMk/>
+            <pc:sldMk cId="1279104608" sldId="259"/>
+            <ac:spMk id="19" creationId="{D04C2DCA-523F-4B58-AB29-E67507748A17}"/>
+          </ac:spMkLst>
+        </pc:spChg>
+        <pc:spChg chg="mod">
+          <ac:chgData name="Максим Кулаков" userId="04e6ebed4306f91a" providerId="LiveId" clId="{36F89D56-44A6-45FF-A89B-CD896B16A71C}" dt="2020-06-13T18:52:47.287" v="1077" actId="207"/>
+          <ac:spMkLst>
+            <pc:docMk/>
+            <pc:sldMk cId="1279104608" sldId="259"/>
+            <ac:spMk id="20" creationId="{BFFB029F-133A-4E07-A411-F1CE6250B19A}"/>
+          </ac:spMkLst>
+        </pc:spChg>
+        <pc:spChg chg="add mod">
+          <ac:chgData name="Максим Кулаков" userId="04e6ebed4306f91a" providerId="LiveId" clId="{36F89D56-44A6-45FF-A89B-CD896B16A71C}" dt="2020-06-13T19:28:01.359" v="1472" actId="1582"/>
+          <ac:spMkLst>
+            <pc:docMk/>
+            <pc:sldMk cId="1279104608" sldId="259"/>
+            <ac:spMk id="21" creationId="{61F26B88-06FA-4BC6-8617-348DE6987339}"/>
+          </ac:spMkLst>
+        </pc:spChg>
+        <pc:picChg chg="add del mod">
+          <ac:chgData name="Максим Кулаков" userId="04e6ebed4306f91a" providerId="LiveId" clId="{36F89D56-44A6-45FF-A89B-CD896B16A71C}" dt="2020-06-13T14:30:01.804" v="264" actId="21"/>
+          <ac:picMkLst>
+            <pc:docMk/>
+            <pc:sldMk cId="1279104608" sldId="259"/>
+            <ac:picMk id="5" creationId="{61080D03-0051-43D7-A98A-7F8C96503517}"/>
+          </ac:picMkLst>
+        </pc:picChg>
+        <pc:picChg chg="add del mod">
+          <ac:chgData name="Максим Кулаков" userId="04e6ebed4306f91a" providerId="LiveId" clId="{36F89D56-44A6-45FF-A89B-CD896B16A71C}" dt="2020-06-13T16:01:48.819" v="531" actId="21"/>
+          <ac:picMkLst>
+            <pc:docMk/>
+            <pc:sldMk cId="1279104608" sldId="259"/>
+            <ac:picMk id="10" creationId="{D3656C82-EB2D-4231-9873-1347C01A23D1}"/>
+          </ac:picMkLst>
+        </pc:picChg>
+      </pc:sldChg>
+      <pc:sldChg chg="addSp delSp modSp mod delAnim modAnim">
+        <pc:chgData name="Максим Кулаков" userId="04e6ebed4306f91a" providerId="LiveId" clId="{36F89D56-44A6-45FF-A89B-CD896B16A71C}" dt="2020-06-16T07:00:25.668" v="1543" actId="478"/>
+        <pc:sldMkLst>
+          <pc:docMk/>
+          <pc:sldMk cId="3523556248" sldId="260"/>
+        </pc:sldMkLst>
+        <pc:picChg chg="add del mod">
+          <ac:chgData name="Максим Кулаков" userId="04e6ebed4306f91a" providerId="LiveId" clId="{36F89D56-44A6-45FF-A89B-CD896B16A71C}" dt="2020-06-16T07:00:25.668" v="1543" actId="478"/>
+          <ac:picMkLst>
+            <pc:docMk/>
+            <pc:sldMk cId="3523556248" sldId="260"/>
+            <ac:picMk id="3" creationId="{5CCF6605-D2A0-40FC-B413-624755FCED2D}"/>
+          </ac:picMkLst>
+        </pc:picChg>
+      </pc:sldChg>
+      <pc:sldChg chg="addSp modSp mod">
+        <pc:chgData name="Максим Кулаков" userId="04e6ebed4306f91a" providerId="LiveId" clId="{36F89D56-44A6-45FF-A89B-CD896B16A71C}" dt="2020-06-13T19:22:47.660" v="1422" actId="1582"/>
+        <pc:sldMkLst>
+          <pc:docMk/>
+          <pc:sldMk cId="4170250133" sldId="261"/>
+        </pc:sldMkLst>
+        <pc:spChg chg="mod">
+          <ac:chgData name="Максим Кулаков" userId="04e6ebed4306f91a" providerId="LiveId" clId="{36F89D56-44A6-45FF-A89B-CD896B16A71C}" dt="2020-06-13T16:37:36.396" v="766" actId="207"/>
+          <ac:spMkLst>
+            <pc:docMk/>
+            <pc:sldMk cId="4170250133" sldId="261"/>
+            <ac:spMk id="2" creationId="{B5E38839-2BF1-4337-B068-458AD2C563A5}"/>
+          </ac:spMkLst>
+        </pc:spChg>
+        <pc:cxnChg chg="add mod">
+          <ac:chgData name="Максим Кулаков" userId="04e6ebed4306f91a" providerId="LiveId" clId="{36F89D56-44A6-45FF-A89B-CD896B16A71C}" dt="2020-06-13T19:22:47.660" v="1422" actId="1582"/>
+          <ac:cxnSpMkLst>
+            <pc:docMk/>
+            <pc:sldMk cId="4170250133" sldId="261"/>
+            <ac:cxnSpMk id="4" creationId="{1725183E-DA5A-4215-9797-1F1F54884A1E}"/>
+          </ac:cxnSpMkLst>
+        </pc:cxnChg>
+      </pc:sldChg>
+      <pc:sldChg chg="addSp">
+        <pc:chgData name="Максим Кулаков" userId="04e6ebed4306f91a" providerId="LiveId" clId="{36F89D56-44A6-45FF-A89B-CD896B16A71C}" dt="2020-06-13T19:14:35.596" v="1338"/>
+        <pc:sldMkLst>
+          <pc:docMk/>
+          <pc:sldMk cId="148764517" sldId="262"/>
+        </pc:sldMkLst>
+        <pc:picChg chg="add">
+          <ac:chgData name="Максим Кулаков" userId="04e6ebed4306f91a" providerId="LiveId" clId="{36F89D56-44A6-45FF-A89B-CD896B16A71C}" dt="2020-06-13T19:14:35.596" v="1338"/>
+          <ac:picMkLst>
+            <pc:docMk/>
+            <pc:sldMk cId="148764517" sldId="262"/>
+            <ac:picMk id="3074" creationId="{950BBEE3-E70B-4A11-80B3-EDEFF0958B35}"/>
+          </ac:picMkLst>
+        </pc:picChg>
+      </pc:sldChg>
+      <pc:sldChg chg="addSp delSp modSp add del mod">
+        <pc:chgData name="Максим Кулаков" userId="04e6ebed4306f91a" providerId="LiveId" clId="{36F89D56-44A6-45FF-A89B-CD896B16A71C}" dt="2020-06-13T19:32:28.006" v="1479" actId="478"/>
+        <pc:sldMkLst>
+          <pc:docMk/>
+          <pc:sldMk cId="3043985443" sldId="262"/>
+        </pc:sldMkLst>
+        <pc:spChg chg="mod">
+          <ac:chgData name="Максим Кулаков" userId="04e6ebed4306f91a" providerId="LiveId" clId="{36F89D56-44A6-45FF-A89B-CD896B16A71C}" dt="2020-06-13T19:31:03.138" v="1475" actId="207"/>
+          <ac:spMkLst>
+            <pc:docMk/>
+            <pc:sldMk cId="3043985443" sldId="262"/>
+            <ac:spMk id="5" creationId="{34253F25-F55E-485A-84AE-4DCABDD86114}"/>
+          </ac:spMkLst>
+        </pc:spChg>
+        <pc:spChg chg="mod">
+          <ac:chgData name="Максим Кулаков" userId="04e6ebed4306f91a" providerId="LiveId" clId="{36F89D56-44A6-45FF-A89B-CD896B16A71C}" dt="2020-06-13T19:21:33.081" v="1417" actId="14861"/>
+          <ac:spMkLst>
+            <pc:docMk/>
+            <pc:sldMk cId="3043985443" sldId="262"/>
+            <ac:spMk id="6" creationId="{08CED4B7-937B-4BD8-BB62-CF1973863792}"/>
+          </ac:spMkLst>
+        </pc:spChg>
+        <pc:spChg chg="mod">
+          <ac:chgData name="Максим Кулаков" userId="04e6ebed4306f91a" providerId="LiveId" clId="{36F89D56-44A6-45FF-A89B-CD896B16A71C}" dt="2020-06-13T19:31:03.138" v="1475" actId="207"/>
+          <ac:spMkLst>
+            <pc:docMk/>
+            <pc:sldMk cId="3043985443" sldId="262"/>
+            <ac:spMk id="8" creationId="{3710F289-A01A-4B46-9AFE-EFE6F6D7F76F}"/>
+          </ac:spMkLst>
+        </pc:spChg>
+        <pc:spChg chg="mod">
+          <ac:chgData name="Максим Кулаков" userId="04e6ebed4306f91a" providerId="LiveId" clId="{36F89D56-44A6-45FF-A89B-CD896B16A71C}" dt="2020-06-13T19:21:33.081" v="1417" actId="14861"/>
+          <ac:spMkLst>
+            <pc:docMk/>
+            <pc:sldMk cId="3043985443" sldId="262"/>
+            <ac:spMk id="9" creationId="{7CEB8480-21A6-462D-A2FB-CF83E2D6DC2B}"/>
+          </ac:spMkLst>
+        </pc:spChg>
+        <pc:spChg chg="mod">
+          <ac:chgData name="Максим Кулаков" userId="04e6ebed4306f91a" providerId="LiveId" clId="{36F89D56-44A6-45FF-A89B-CD896B16A71C}" dt="2020-06-13T19:31:03.138" v="1475" actId="207"/>
+          <ac:spMkLst>
+            <pc:docMk/>
+            <pc:sldMk cId="3043985443" sldId="262"/>
+            <ac:spMk id="11" creationId="{9831C15B-5537-432B-A73A-39DF9CC31AC5}"/>
+          </ac:spMkLst>
+        </pc:spChg>
+        <pc:spChg chg="mod">
+          <ac:chgData name="Максим Кулаков" userId="04e6ebed4306f91a" providerId="LiveId" clId="{36F89D56-44A6-45FF-A89B-CD896B16A71C}" dt="2020-06-13T19:21:33.081" v="1417" actId="14861"/>
+          <ac:spMkLst>
+            <pc:docMk/>
+            <pc:sldMk cId="3043985443" sldId="262"/>
+            <ac:spMk id="12" creationId="{EF694C95-0FA8-4258-B64E-D26B7FF8A77E}"/>
+          </ac:spMkLst>
+        </pc:spChg>
+        <pc:spChg chg="mod">
+          <ac:chgData name="Максим Кулаков" userId="04e6ebed4306f91a" providerId="LiveId" clId="{36F89D56-44A6-45FF-A89B-CD896B16A71C}" dt="2020-06-13T19:31:03.138" v="1475" actId="207"/>
+          <ac:spMkLst>
+            <pc:docMk/>
+            <pc:sldMk cId="3043985443" sldId="262"/>
+            <ac:spMk id="13" creationId="{366F08B5-B21F-4F5C-81DB-456F5CB15BBD}"/>
+          </ac:spMkLst>
+        </pc:spChg>
+        <pc:spChg chg="mod">
+          <ac:chgData name="Максим Кулаков" userId="04e6ebed4306f91a" providerId="LiveId" clId="{36F89D56-44A6-45FF-A89B-CD896B16A71C}" dt="2020-06-13T19:21:33.081" v="1417" actId="14861"/>
+          <ac:spMkLst>
+            <pc:docMk/>
+            <pc:sldMk cId="3043985443" sldId="262"/>
+            <ac:spMk id="14" creationId="{3F3E1167-AC02-4457-AC96-C8D839EE7CD9}"/>
+          </ac:spMkLst>
+        </pc:spChg>
+        <pc:spChg chg="add del">
+          <ac:chgData name="Максим Кулаков" userId="04e6ebed4306f91a" providerId="LiveId" clId="{36F89D56-44A6-45FF-A89B-CD896B16A71C}" dt="2020-06-13T19:30:45.219" v="1474" actId="478"/>
+          <ac:spMkLst>
+            <pc:docMk/>
+            <pc:sldMk cId="3043985443" sldId="262"/>
+            <ac:spMk id="16" creationId="{00565F0B-8112-4883-8805-CE24D991482A}"/>
+          </ac:spMkLst>
+        </pc:spChg>
+        <pc:spChg chg="add del mod">
+          <ac:chgData name="Максим Кулаков" userId="04e6ebed4306f91a" providerId="LiveId" clId="{36F89D56-44A6-45FF-A89B-CD896B16A71C}" dt="2020-06-13T19:32:28.006" v="1479" actId="478"/>
+          <ac:spMkLst>
+            <pc:docMk/>
+            <pc:sldMk cId="3043985443" sldId="262"/>
+            <ac:spMk id="17" creationId="{D8F24E98-C585-4B24-B425-7E74FA2DA0B3}"/>
+          </ac:spMkLst>
+        </pc:spChg>
+        <pc:spChg chg="mod">
+          <ac:chgData name="Максим Кулаков" userId="04e6ebed4306f91a" providerId="LiveId" clId="{36F89D56-44A6-45FF-A89B-CD896B16A71C}" dt="2020-06-13T19:31:03.138" v="1475" actId="207"/>
+          <ac:spMkLst>
+            <pc:docMk/>
+            <pc:sldMk cId="3043985443" sldId="262"/>
+            <ac:spMk id="20" creationId="{AB8B2D8E-E86C-463C-B539-0C8ACE643A0F}"/>
+          </ac:spMkLst>
+        </pc:spChg>
+        <pc:spChg chg="mod">
+          <ac:chgData name="Максим Кулаков" userId="04e6ebed4306f91a" providerId="LiveId" clId="{36F89D56-44A6-45FF-A89B-CD896B16A71C}" dt="2020-06-13T19:21:33.081" v="1417" actId="14861"/>
+          <ac:spMkLst>
+            <pc:docMk/>
+            <pc:sldMk cId="3043985443" sldId="262"/>
+            <ac:spMk id="25" creationId="{5FC62086-1502-4BC5-B6C6-21F699AE00AF}"/>
+          </ac:spMkLst>
+        </pc:spChg>
+        <pc:picChg chg="add del mod">
+          <ac:chgData name="Максим Кулаков" userId="04e6ebed4306f91a" providerId="LiveId" clId="{36F89D56-44A6-45FF-A89B-CD896B16A71C}" dt="2020-06-13T16:02:26.082" v="538" actId="478"/>
+          <ac:picMkLst>
+            <pc:docMk/>
+            <pc:sldMk cId="3043985443" sldId="262"/>
+            <ac:picMk id="3" creationId="{33705654-3EC7-417D-9C5C-369429563C2E}"/>
+          </ac:picMkLst>
+        </pc:picChg>
+        <pc:picChg chg="add mod modCrop">
+          <ac:chgData name="Максим Кулаков" userId="04e6ebed4306f91a" providerId="LiveId" clId="{36F89D56-44A6-45FF-A89B-CD896B16A71C}" dt="2020-06-13T19:19:39.749" v="1392" actId="1038"/>
+          <ac:picMkLst>
+            <pc:docMk/>
+            <pc:sldMk cId="3043985443" sldId="262"/>
+            <ac:picMk id="10" creationId="{889A9616-8537-44A2-8A70-59CCDF8E4746}"/>
+          </ac:picMkLst>
+        </pc:picChg>
+        <pc:picChg chg="add del mod">
+          <ac:chgData name="Максим Кулаков" userId="04e6ebed4306f91a" providerId="LiveId" clId="{36F89D56-44A6-45FF-A89B-CD896B16A71C}" dt="2020-06-13T16:04:39.056" v="540" actId="478"/>
+          <ac:picMkLst>
+            <pc:docMk/>
+            <pc:sldMk cId="3043985443" sldId="262"/>
+            <ac:picMk id="15" creationId="{26DAE8BD-B110-44DD-8B5E-D326FD98ABA3}"/>
+          </ac:picMkLst>
+        </pc:picChg>
+        <pc:picChg chg="add mod">
+          <ac:chgData name="Максим Кулаков" userId="04e6ebed4306f91a" providerId="LiveId" clId="{36F89D56-44A6-45FF-A89B-CD896B16A71C}" dt="2020-06-13T19:19:57.173" v="1415" actId="1038"/>
+          <ac:picMkLst>
+            <pc:docMk/>
+            <pc:sldMk cId="3043985443" sldId="262"/>
+            <ac:picMk id="2050" creationId="{279015D6-6596-4288-887F-4748D922BC30}"/>
+          </ac:picMkLst>
+        </pc:picChg>
+        <pc:picChg chg="mod">
+          <ac:chgData name="Максим Кулаков" userId="04e6ebed4306f91a" providerId="LiveId" clId="{36F89D56-44A6-45FF-A89B-CD896B16A71C}" dt="2020-06-13T19:19:57.173" v="1415" actId="1038"/>
+          <ac:picMkLst>
+            <pc:docMk/>
+            <pc:sldMk cId="3043985443" sldId="262"/>
+            <ac:picMk id="3074" creationId="{950BBEE3-E70B-4A11-80B3-EDEFF0958B35}"/>
+          </ac:picMkLst>
+        </pc:picChg>
+        <pc:cxnChg chg="mod">
+          <ac:chgData name="Максим Кулаков" userId="04e6ebed4306f91a" providerId="LiveId" clId="{36F89D56-44A6-45FF-A89B-CD896B16A71C}" dt="2020-06-13T19:19:51.782" v="1395" actId="1076"/>
+          <ac:cxnSpMkLst>
+            <pc:docMk/>
+            <pc:sldMk cId="3043985443" sldId="262"/>
+            <ac:cxnSpMk id="7" creationId="{2BF17C09-FF88-4C53-AB84-A9431D74E1CD}"/>
+          </ac:cxnSpMkLst>
+        </pc:cxnChg>
+      </pc:sldChg>
+      <pc:sldChg chg="addSp delSp modSp mod delAnim modAnim">
+        <pc:chgData name="Максим Кулаков" userId="04e6ebed4306f91a" providerId="LiveId" clId="{36F89D56-44A6-45FF-A89B-CD896B16A71C}" dt="2020-06-13T19:33:56.171" v="1480" actId="688"/>
+        <pc:sldMkLst>
+          <pc:docMk/>
+          <pc:sldMk cId="1345057888" sldId="263"/>
+        </pc:sldMkLst>
+        <pc:spChg chg="mod">
+          <ac:chgData name="Максим Кулаков" userId="04e6ebed4306f91a" providerId="LiveId" clId="{36F89D56-44A6-45FF-A89B-CD896B16A71C}" dt="2020-06-13T19:23:19.406" v="1432" actId="1037"/>
+          <ac:spMkLst>
+            <pc:docMk/>
+            <pc:sldMk cId="1345057888" sldId="263"/>
+            <ac:spMk id="4" creationId="{471B1761-979C-4985-B470-A9E82BC9FAF2}"/>
+          </ac:spMkLst>
+        </pc:spChg>
+        <pc:spChg chg="mod">
+          <ac:chgData name="Максим Кулаков" userId="04e6ebed4306f91a" providerId="LiveId" clId="{36F89D56-44A6-45FF-A89B-CD896B16A71C}" dt="2020-06-13T19:23:19.406" v="1432" actId="1037"/>
+          <ac:spMkLst>
+            <pc:docMk/>
+            <pc:sldMk cId="1345057888" sldId="263"/>
+            <ac:spMk id="5" creationId="{6E5EEC58-7077-4F5A-A386-A9F348C902C7}"/>
+          </ac:spMkLst>
+        </pc:spChg>
+        <pc:spChg chg="mod">
+          <ac:chgData name="Максим Кулаков" userId="04e6ebed4306f91a" providerId="LiveId" clId="{36F89D56-44A6-45FF-A89B-CD896B16A71C}" dt="2020-06-13T19:23:19.406" v="1432" actId="1037"/>
+          <ac:spMkLst>
+            <pc:docMk/>
+            <pc:sldMk cId="1345057888" sldId="263"/>
+            <ac:spMk id="6" creationId="{8D656520-F5BF-429B-AF81-C89EBB96E2FB}"/>
+          </ac:spMkLst>
+        </pc:spChg>
+        <pc:spChg chg="mod">
+          <ac:chgData name="Максим Кулаков" userId="04e6ebed4306f91a" providerId="LiveId" clId="{36F89D56-44A6-45FF-A89B-CD896B16A71C}" dt="2020-06-13T19:23:19.406" v="1432" actId="1037"/>
+          <ac:spMkLst>
+            <pc:docMk/>
+            <pc:sldMk cId="1345057888" sldId="263"/>
+            <ac:spMk id="7" creationId="{98959F4F-A1A4-4D48-B915-6A3E4DB90571}"/>
+          </ac:spMkLst>
+        </pc:spChg>
+        <pc:spChg chg="mod">
+          <ac:chgData name="Максим Кулаков" userId="04e6ebed4306f91a" providerId="LiveId" clId="{36F89D56-44A6-45FF-A89B-CD896B16A71C}" dt="2020-06-13T19:23:19.406" v="1432" actId="1037"/>
+          <ac:spMkLst>
+            <pc:docMk/>
+            <pc:sldMk cId="1345057888" sldId="263"/>
+            <ac:spMk id="8" creationId="{AFB996BC-CBB7-4FDE-A7AD-9D9C5CF9D010}"/>
+          </ac:spMkLst>
+        </pc:spChg>
+        <pc:spChg chg="mod">
+          <ac:chgData name="Максим Кулаков" userId="04e6ebed4306f91a" providerId="LiveId" clId="{36F89D56-44A6-45FF-A89B-CD896B16A71C}" dt="2020-06-13T19:23:19.406" v="1432" actId="1037"/>
+          <ac:spMkLst>
+            <pc:docMk/>
+            <pc:sldMk cId="1345057888" sldId="263"/>
+            <ac:spMk id="9" creationId="{770CEC0F-E572-4B91-ACFF-338CFA07C7F4}"/>
+          </ac:spMkLst>
+        </pc:spChg>
+        <pc:spChg chg="add mod">
+          <ac:chgData name="Максим Кулаков" userId="04e6ebed4306f91a" providerId="LiveId" clId="{36F89D56-44A6-45FF-A89B-CD896B16A71C}" dt="2020-06-13T19:23:19.406" v="1432" actId="1037"/>
+          <ac:spMkLst>
+            <pc:docMk/>
+            <pc:sldMk cId="1345057888" sldId="263"/>
+            <ac:spMk id="10" creationId="{5526C4BC-0A66-4B91-A7B0-A22742C9B41E}"/>
+          </ac:spMkLst>
+        </pc:spChg>
+        <pc:spChg chg="add del mod">
+          <ac:chgData name="Максим Кулаков" userId="04e6ebed4306f91a" providerId="LiveId" clId="{36F89D56-44A6-45FF-A89B-CD896B16A71C}" dt="2020-06-13T16:27:58.148" v="714" actId="478"/>
+          <ac:spMkLst>
+            <pc:docMk/>
+            <pc:sldMk cId="1345057888" sldId="263"/>
+            <ac:spMk id="11" creationId="{770FF987-BD5F-4EBC-8E5D-EB4C7C76C053}"/>
+          </ac:spMkLst>
+        </pc:spChg>
+        <pc:spChg chg="add del mod">
+          <ac:chgData name="Максим Кулаков" userId="04e6ebed4306f91a" providerId="LiveId" clId="{36F89D56-44A6-45FF-A89B-CD896B16A71C}" dt="2020-06-13T16:43:48.777" v="785" actId="478"/>
+          <ac:spMkLst>
+            <pc:docMk/>
+            <pc:sldMk cId="1345057888" sldId="263"/>
+            <ac:spMk id="13" creationId="{06813595-E773-43FE-A80E-75E8A9D05666}"/>
+          </ac:spMkLst>
+        </pc:spChg>
+        <pc:spChg chg="add del">
+          <ac:chgData name="Максим Кулаков" userId="04e6ebed4306f91a" providerId="LiveId" clId="{36F89D56-44A6-45FF-A89B-CD896B16A71C}" dt="2020-06-13T16:21:22.890" v="578" actId="478"/>
+          <ac:spMkLst>
+            <pc:docMk/>
+            <pc:sldMk cId="1345057888" sldId="263"/>
+            <ac:spMk id="15" creationId="{18343B29-0B46-468C-9D40-7316F4456E4D}"/>
+          </ac:spMkLst>
+        </pc:spChg>
+        <pc:spChg chg="add del mod">
+          <ac:chgData name="Максим Кулаков" userId="04e6ebed4306f91a" providerId="LiveId" clId="{36F89D56-44A6-45FF-A89B-CD896B16A71C}" dt="2020-06-13T16:18:37.071" v="569" actId="478"/>
+          <ac:spMkLst>
+            <pc:docMk/>
+            <pc:sldMk cId="1345057888" sldId="263"/>
+            <ac:spMk id="17" creationId="{95487159-B36F-44A7-B603-2B4EC7A386ED}"/>
+          </ac:spMkLst>
+        </pc:spChg>
+        <pc:spChg chg="add del mod">
+          <ac:chgData name="Максим Кулаков" userId="04e6ebed4306f91a" providerId="LiveId" clId="{36F89D56-44A6-45FF-A89B-CD896B16A71C}" dt="2020-06-13T16:42:30.645" v="775" actId="478"/>
+          <ac:spMkLst>
+            <pc:docMk/>
+            <pc:sldMk cId="1345057888" sldId="263"/>
+            <ac:spMk id="19" creationId="{95EFF972-ED21-45CE-9EED-E22FEEB89CC9}"/>
+          </ac:spMkLst>
+        </pc:spChg>
+        <pc:spChg chg="add mod">
+          <ac:chgData name="Максим Кулаков" userId="04e6ebed4306f91a" providerId="LiveId" clId="{36F89D56-44A6-45FF-A89B-CD896B16A71C}" dt="2020-06-13T16:18:42.216" v="571" actId="571"/>
+          <ac:spMkLst>
+            <pc:docMk/>
+            <pc:sldMk cId="1345057888" sldId="263"/>
+            <ac:spMk id="20" creationId="{8838AFAB-811F-4C28-A2EA-1F3D6DD1066A}"/>
+          </ac:spMkLst>
+        </pc:spChg>
+        <pc:spChg chg="add del mod">
+          <ac:chgData name="Максим Кулаков" userId="04e6ebed4306f91a" providerId="LiveId" clId="{36F89D56-44A6-45FF-A89B-CD896B16A71C}" dt="2020-06-13T16:27:59.475" v="715" actId="478"/>
+          <ac:spMkLst>
+            <pc:docMk/>
+            <pc:sldMk cId="1345057888" sldId="263"/>
+            <ac:spMk id="22" creationId="{E3A7FA5D-AC1F-41D2-BEF5-2E63F73CE056}"/>
+          </ac:spMkLst>
+        </pc:spChg>
+        <pc:spChg chg="add mod">
+          <ac:chgData name="Максим Кулаков" userId="04e6ebed4306f91a" providerId="LiveId" clId="{36F89D56-44A6-45FF-A89B-CD896B16A71C}" dt="2020-06-13T19:23:19.406" v="1432" actId="1037"/>
+          <ac:spMkLst>
+            <pc:docMk/>
+            <pc:sldMk cId="1345057888" sldId="263"/>
+            <ac:spMk id="24" creationId="{02E41569-4515-48F6-BF6A-9B35DD4B9315}"/>
+          </ac:spMkLst>
+        </pc:spChg>
+        <pc:spChg chg="add mod">
+          <ac:chgData name="Максим Кулаков" userId="04e6ebed4306f91a" providerId="LiveId" clId="{36F89D56-44A6-45FF-A89B-CD896B16A71C}" dt="2020-06-13T19:23:19.406" v="1432" actId="1037"/>
+          <ac:spMkLst>
+            <pc:docMk/>
+            <pc:sldMk cId="1345057888" sldId="263"/>
+            <ac:spMk id="26" creationId="{4CC1FE43-B7EB-4DA9-B2EA-A66AE3903AF8}"/>
+          </ac:spMkLst>
+        </pc:spChg>
+        <pc:spChg chg="add mod">
+          <ac:chgData name="Максим Кулаков" userId="04e6ebed4306f91a" providerId="LiveId" clId="{36F89D56-44A6-45FF-A89B-CD896B16A71C}" dt="2020-06-13T19:23:19.406" v="1432" actId="1037"/>
+          <ac:spMkLst>
+            <pc:docMk/>
+            <pc:sldMk cId="1345057888" sldId="263"/>
+            <ac:spMk id="28" creationId="{66941056-B7B7-4A3F-9F4B-85AA48840834}"/>
+          </ac:spMkLst>
+        </pc:spChg>
+        <pc:spChg chg="add mod">
+          <ac:chgData name="Максим Кулаков" userId="04e6ebed4306f91a" providerId="LiveId" clId="{36F89D56-44A6-45FF-A89B-CD896B16A71C}" dt="2020-06-13T19:23:19.406" v="1432" actId="1037"/>
+          <ac:spMkLst>
+            <pc:docMk/>
+            <pc:sldMk cId="1345057888" sldId="263"/>
+            <ac:spMk id="29" creationId="{48B586DA-3EEB-4A47-9E0A-9FA97B488A9D}"/>
+          </ac:spMkLst>
+        </pc:spChg>
+        <pc:spChg chg="add mod">
+          <ac:chgData name="Максим Кулаков" userId="04e6ebed4306f91a" providerId="LiveId" clId="{36F89D56-44A6-45FF-A89B-CD896B16A71C}" dt="2020-06-13T19:23:19.406" v="1432" actId="1037"/>
+          <ac:spMkLst>
+            <pc:docMk/>
+            <pc:sldMk cId="1345057888" sldId="263"/>
+            <ac:spMk id="31" creationId="{773325CE-B34E-4976-A68B-30C1AB3BD79F}"/>
+          </ac:spMkLst>
+        </pc:spChg>
+        <pc:spChg chg="add del mod">
+          <ac:chgData name="Максим Кулаков" userId="04e6ebed4306f91a" providerId="LiveId" clId="{36F89D56-44A6-45FF-A89B-CD896B16A71C}" dt="2020-06-13T16:46:02.467" v="810" actId="478"/>
+          <ac:spMkLst>
+            <pc:docMk/>
+            <pc:sldMk cId="1345057888" sldId="263"/>
+            <ac:spMk id="33" creationId="{66D2D685-71E4-4830-9302-C958DECE87A4}"/>
+          </ac:spMkLst>
+        </pc:spChg>
+        <pc:picChg chg="add mod">
+          <ac:chgData name="Максим Кулаков" userId="04e6ebed4306f91a" providerId="LiveId" clId="{36F89D56-44A6-45FF-A89B-CD896B16A71C}" dt="2020-06-13T19:33:56.171" v="1480" actId="688"/>
+          <ac:picMkLst>
+            <pc:docMk/>
+            <pc:sldMk cId="1345057888" sldId="263"/>
+            <ac:picMk id="35" creationId="{7373CFAD-ED06-44AF-A062-F949AD60E922}"/>
+          </ac:picMkLst>
+        </pc:picChg>
+        <pc:picChg chg="add del mod">
+          <ac:chgData name="Максим Кулаков" userId="04e6ebed4306f91a" providerId="LiveId" clId="{36F89D56-44A6-45FF-A89B-CD896B16A71C}" dt="2020-06-13T16:43:40.277" v="782" actId="478"/>
+          <ac:picMkLst>
+            <pc:docMk/>
+            <pc:sldMk cId="1345057888" sldId="263"/>
+            <ac:picMk id="37" creationId="{8FE56AAE-80A9-4928-AB60-C68FB61F1B36}"/>
+          </ac:picMkLst>
+        </pc:picChg>
+        <pc:picChg chg="add mod">
+          <ac:chgData name="Максим Кулаков" userId="04e6ebed4306f91a" providerId="LiveId" clId="{36F89D56-44A6-45FF-A89B-CD896B16A71C}" dt="2020-06-13T19:23:19.406" v="1432" actId="1037"/>
+          <ac:picMkLst>
+            <pc:docMk/>
+            <pc:sldMk cId="1345057888" sldId="263"/>
+            <ac:picMk id="39" creationId="{62247E7D-3FE8-4976-80C0-203A503470C9}"/>
+          </ac:picMkLst>
+        </pc:picChg>
+        <pc:picChg chg="add mod">
+          <ac:chgData name="Максим Кулаков" userId="04e6ebed4306f91a" providerId="LiveId" clId="{36F89D56-44A6-45FF-A89B-CD896B16A71C}" dt="2020-06-13T19:23:19.406" v="1432" actId="1037"/>
+          <ac:picMkLst>
+            <pc:docMk/>
+            <pc:sldMk cId="1345057888" sldId="263"/>
+            <ac:picMk id="41" creationId="{C3567826-7CE5-4CEE-81A2-0A06BF53D226}"/>
+          </ac:picMkLst>
+        </pc:picChg>
+        <pc:picChg chg="add mod">
+          <ac:chgData name="Максим Кулаков" userId="04e6ebed4306f91a" providerId="LiveId" clId="{36F89D56-44A6-45FF-A89B-CD896B16A71C}" dt="2020-06-13T19:23:19.406" v="1432" actId="1037"/>
+          <ac:picMkLst>
+            <pc:docMk/>
+            <pc:sldMk cId="1345057888" sldId="263"/>
+            <ac:picMk id="43" creationId="{3A09D881-461E-4BD9-9652-2C1431C0DBF4}"/>
+          </ac:picMkLst>
+        </pc:picChg>
+      </pc:sldChg>
+      <pc:sldChg chg="addSp delSp modSp new add del mod modAnim">
+        <pc:chgData name="Максим Кулаков" userId="04e6ebed4306f91a" providerId="LiveId" clId="{36F89D56-44A6-45FF-A89B-CD896B16A71C}" dt="2020-06-13T18:47:13.013" v="1042"/>
+        <pc:sldMkLst>
+          <pc:docMk/>
+          <pc:sldMk cId="3972692555" sldId="264"/>
+        </pc:sldMkLst>
+        <pc:spChg chg="add del mod">
+          <ac:chgData name="Максим Кулаков" userId="04e6ebed4306f91a" providerId="LiveId" clId="{36F89D56-44A6-45FF-A89B-CD896B16A71C}" dt="2020-06-13T17:01:38.698" v="957" actId="478"/>
+          <ac:spMkLst>
+            <pc:docMk/>
+            <pc:sldMk cId="3972692555" sldId="264"/>
+            <ac:spMk id="2" creationId="{2ADE108F-5C42-476D-A244-0BB4FFAEA950}"/>
+          </ac:spMkLst>
+        </pc:spChg>
+        <pc:spChg chg="del">
+          <ac:chgData name="Максим Кулаков" userId="04e6ebed4306f91a" providerId="LiveId" clId="{36F89D56-44A6-45FF-A89B-CD896B16A71C}" dt="2020-06-13T16:55:10.806" v="892" actId="478"/>
+          <ac:spMkLst>
+            <pc:docMk/>
+            <pc:sldMk cId="3972692555" sldId="264"/>
+            <ac:spMk id="3" creationId="{64743FF7-FAED-4FA5-8303-CDE51E3E774C}"/>
+          </ac:spMkLst>
+        </pc:spChg>
+        <pc:spChg chg="add del mod">
+          <ac:chgData name="Максим Кулаков" userId="04e6ebed4306f91a" providerId="LiveId" clId="{36F89D56-44A6-45FF-A89B-CD896B16A71C}" dt="2020-06-13T17:01:36.734" v="956" actId="478"/>
+          <ac:spMkLst>
+            <pc:docMk/>
+            <pc:sldMk cId="3972692555" sldId="264"/>
+            <ac:spMk id="5" creationId="{D79381E8-BDA8-4E6B-AF1F-E59EEF7287BF}"/>
+          </ac:spMkLst>
+        </pc:spChg>
+        <pc:spChg chg="add del mod">
+          <ac:chgData name="Максим Кулаков" userId="04e6ebed4306f91a" providerId="LiveId" clId="{36F89D56-44A6-45FF-A89B-CD896B16A71C}" dt="2020-06-13T17:01:32.727" v="954" actId="478"/>
+          <ac:spMkLst>
+            <pc:docMk/>
+            <pc:sldMk cId="3972692555" sldId="264"/>
+            <ac:spMk id="6" creationId="{1BCC1332-331A-4A65-995F-77A62154147C}"/>
+          </ac:spMkLst>
+        </pc:spChg>
+        <pc:spChg chg="add mod">
+          <ac:chgData name="Максим Кулаков" userId="04e6ebed4306f91a" providerId="LiveId" clId="{36F89D56-44A6-45FF-A89B-CD896B16A71C}" dt="2020-06-13T17:01:41.723" v="961" actId="27636"/>
+          <ac:spMkLst>
+            <pc:docMk/>
+            <pc:sldMk cId="3972692555" sldId="264"/>
+            <ac:spMk id="8" creationId="{1C533292-8EBE-41CA-96FE-4753A14B218A}"/>
+          </ac:spMkLst>
+        </pc:spChg>
+        <pc:graphicFrameChg chg="mod modGraphic">
+          <ac:chgData name="Максим Кулаков" userId="04e6ebed4306f91a" providerId="LiveId" clId="{36F89D56-44A6-45FF-A89B-CD896B16A71C}" dt="2020-06-13T18:42:22.154" v="1015" actId="207"/>
+          <ac:graphicFrameMkLst>
+            <pc:docMk/>
+            <pc:sldMk cId="3972692555" sldId="264"/>
+            <ac:graphicFrameMk id="4" creationId="{226702EE-0419-47AC-A401-3F80A5F11D11}"/>
+          </ac:graphicFrameMkLst>
+        </pc:graphicFrameChg>
+        <pc:graphicFrameChg chg="add mod">
+          <ac:chgData name="Максим Кулаков" userId="04e6ebed4306f91a" providerId="LiveId" clId="{36F89D56-44A6-45FF-A89B-CD896B16A71C}" dt="2020-06-13T18:45:15.318" v="1028" actId="692"/>
+          <ac:graphicFrameMkLst>
+            <pc:docMk/>
+            <pc:sldMk cId="3972692555" sldId="264"/>
+            <ac:graphicFrameMk id="11" creationId="{893A79E4-EA58-411A-A28D-128EB38CE5F7}"/>
+          </ac:graphicFrameMkLst>
+        </pc:graphicFrameChg>
+        <pc:graphicFrameChg chg="add mod">
+          <ac:chgData name="Максим Кулаков" userId="04e6ebed4306f91a" providerId="LiveId" clId="{36F89D56-44A6-45FF-A89B-CD896B16A71C}" dt="2020-06-13T18:42:12.307" v="1014" actId="571"/>
+          <ac:graphicFrameMkLst>
+            <pc:docMk/>
+            <pc:sldMk cId="3972692555" sldId="264"/>
+            <ac:graphicFrameMk id="12" creationId="{C4225010-8110-4CC0-AB3C-DB8396581F6E}"/>
+          </ac:graphicFrameMkLst>
+        </pc:graphicFrameChg>
+      </pc:sldChg>
+    </pc:docChg>
+  </pc:docChgLst>
   <pc:docChgLst>
     <pc:chgData name="Максим Кулаков" userId="04e6ebed4306f91a" providerId="LiveId" clId="{F88AC418-1FA4-4664-94E1-074E5A67EC7A}"/>
     <pc:docChg chg="undo custSel addSld modSld modMainMaster">
@@ -761,1383 +2168,13 @@
       </pc:sldMasterChg>
     </pc:docChg>
   </pc:docChgLst>
-  <pc:docChgLst>
-    <pc:chgData name="Максим Кулаков" userId="04e6ebed4306f91a" providerId="LiveId" clId="{5F6422F0-1994-4B49-9D1F-36403F19BC9F}"/>
-    <pc:docChg chg="undo custSel addSld modSld">
-      <pc:chgData name="Максим Кулаков" userId="04e6ebed4306f91a" providerId="LiveId" clId="{5F6422F0-1994-4B49-9D1F-36403F19BC9F}" dt="2020-06-09T06:41:28.591" v="429"/>
-      <pc:docMkLst>
-        <pc:docMk/>
-      </pc:docMkLst>
-      <pc:sldChg chg="modSp">
-        <pc:chgData name="Максим Кулаков" userId="04e6ebed4306f91a" providerId="LiveId" clId="{5F6422F0-1994-4B49-9D1F-36403F19BC9F}" dt="2020-06-09T06:34:24.450" v="199" actId="207"/>
-        <pc:sldMkLst>
-          <pc:docMk/>
-          <pc:sldMk cId="2656794804" sldId="256"/>
-        </pc:sldMkLst>
-        <pc:spChg chg="mod">
-          <ac:chgData name="Максим Кулаков" userId="04e6ebed4306f91a" providerId="LiveId" clId="{5F6422F0-1994-4B49-9D1F-36403F19BC9F}" dt="2020-06-09T06:34:04.341" v="197" actId="207"/>
-          <ac:spMkLst>
-            <pc:docMk/>
-            <pc:sldMk cId="2656794804" sldId="256"/>
-            <ac:spMk id="2" creationId="{C6B397D0-E3B7-468F-89EA-5A24F238934B}"/>
-          </ac:spMkLst>
-        </pc:spChg>
-        <pc:spChg chg="mod">
-          <ac:chgData name="Максим Кулаков" userId="04e6ebed4306f91a" providerId="LiveId" clId="{5F6422F0-1994-4B49-9D1F-36403F19BC9F}" dt="2020-06-09T06:34:24.450" v="199" actId="207"/>
-          <ac:spMkLst>
-            <pc:docMk/>
-            <pc:sldMk cId="2656794804" sldId="256"/>
-            <ac:spMk id="3" creationId="{665EB16D-E780-468D-96CF-6BEBC7CB1785}"/>
-          </ac:spMkLst>
-        </pc:spChg>
-      </pc:sldChg>
-      <pc:sldChg chg="modSp mod">
-        <pc:chgData name="Максим Кулаков" userId="04e6ebed4306f91a" providerId="LiveId" clId="{5F6422F0-1994-4B49-9D1F-36403F19BC9F}" dt="2020-06-09T06:33:49.262" v="196"/>
-        <pc:sldMkLst>
-          <pc:docMk/>
-          <pc:sldMk cId="3226652925" sldId="257"/>
-        </pc:sldMkLst>
-        <pc:spChg chg="mod">
-          <ac:chgData name="Максим Кулаков" userId="04e6ebed4306f91a" providerId="LiveId" clId="{5F6422F0-1994-4B49-9D1F-36403F19BC9F}" dt="2020-06-09T06:23:02.803" v="42" actId="20577"/>
-          <ac:spMkLst>
-            <pc:docMk/>
-            <pc:sldMk cId="3226652925" sldId="257"/>
-            <ac:spMk id="7" creationId="{58A1A06F-2727-4AAE-8AEB-6519F16D129F}"/>
-          </ac:spMkLst>
-        </pc:spChg>
-        <pc:spChg chg="mod">
-          <ac:chgData name="Максим Кулаков" userId="04e6ebed4306f91a" providerId="LiveId" clId="{5F6422F0-1994-4B49-9D1F-36403F19BC9F}" dt="2020-06-09T06:24:00.443" v="114" actId="20577"/>
-          <ac:spMkLst>
-            <pc:docMk/>
-            <pc:sldMk cId="3226652925" sldId="257"/>
-            <ac:spMk id="8" creationId="{DE0E8B06-A302-4D75-AD2D-8B85D78DD42C}"/>
-          </ac:spMkLst>
-        </pc:spChg>
-        <pc:graphicFrameChg chg="mod">
-          <ac:chgData name="Максим Кулаков" userId="04e6ebed4306f91a" providerId="LiveId" clId="{5F6422F0-1994-4B49-9D1F-36403F19BC9F}" dt="2020-06-09T06:33:49.262" v="196"/>
-          <ac:graphicFrameMkLst>
-            <pc:docMk/>
-            <pc:sldMk cId="3226652925" sldId="257"/>
-            <ac:graphicFrameMk id="6" creationId="{813DCE52-06E5-4A98-A927-0D0D30D346FD}"/>
-          </ac:graphicFrameMkLst>
-        </pc:graphicFrameChg>
-      </pc:sldChg>
-      <pc:sldChg chg="modSp mod">
-        <pc:chgData name="Максим Кулаков" userId="04e6ebed4306f91a" providerId="LiveId" clId="{5F6422F0-1994-4B49-9D1F-36403F19BC9F}" dt="2020-06-09T06:32:12.024" v="165" actId="208"/>
-        <pc:sldMkLst>
-          <pc:docMk/>
-          <pc:sldMk cId="3825080715" sldId="258"/>
-        </pc:sldMkLst>
-        <pc:spChg chg="mod">
-          <ac:chgData name="Максим Кулаков" userId="04e6ebed4306f91a" providerId="LiveId" clId="{5F6422F0-1994-4B49-9D1F-36403F19BC9F}" dt="2020-06-09T06:32:12.024" v="165" actId="208"/>
-          <ac:spMkLst>
-            <pc:docMk/>
-            <pc:sldMk cId="3825080715" sldId="258"/>
-            <ac:spMk id="6" creationId="{2F08A4DC-E195-43C4-A918-56AC672FA987}"/>
-          </ac:spMkLst>
-        </pc:spChg>
-        <pc:spChg chg="mod">
-          <ac:chgData name="Максим Кулаков" userId="04e6ebed4306f91a" providerId="LiveId" clId="{5F6422F0-1994-4B49-9D1F-36403F19BC9F}" dt="2020-06-09T06:32:12.024" v="165" actId="208"/>
-          <ac:spMkLst>
-            <pc:docMk/>
-            <pc:sldMk cId="3825080715" sldId="258"/>
-            <ac:spMk id="13" creationId="{4A3C10EB-3636-436D-A7B4-856FBA159605}"/>
-          </ac:spMkLst>
-        </pc:spChg>
-        <pc:spChg chg="mod">
-          <ac:chgData name="Максим Кулаков" userId="04e6ebed4306f91a" providerId="LiveId" clId="{5F6422F0-1994-4B49-9D1F-36403F19BC9F}" dt="2020-06-09T06:32:12.024" v="165" actId="208"/>
-          <ac:spMkLst>
-            <pc:docMk/>
-            <pc:sldMk cId="3825080715" sldId="258"/>
-            <ac:spMk id="14" creationId="{0B3840C3-A848-4927-B8D9-22F2617534CB}"/>
-          </ac:spMkLst>
-        </pc:spChg>
-        <pc:spChg chg="mod">
-          <ac:chgData name="Максим Кулаков" userId="04e6ebed4306f91a" providerId="LiveId" clId="{5F6422F0-1994-4B49-9D1F-36403F19BC9F}" dt="2020-06-09T06:32:12.024" v="165" actId="208"/>
-          <ac:spMkLst>
-            <pc:docMk/>
-            <pc:sldMk cId="3825080715" sldId="258"/>
-            <ac:spMk id="15" creationId="{76CAEB2D-9639-4DB0-9D9D-2E9A7A8C5F2B}"/>
-          </ac:spMkLst>
-        </pc:spChg>
-        <pc:spChg chg="mod">
-          <ac:chgData name="Максим Кулаков" userId="04e6ebed4306f91a" providerId="LiveId" clId="{5F6422F0-1994-4B49-9D1F-36403F19BC9F}" dt="2020-06-09T06:32:12.024" v="165" actId="208"/>
-          <ac:spMkLst>
-            <pc:docMk/>
-            <pc:sldMk cId="3825080715" sldId="258"/>
-            <ac:spMk id="16" creationId="{CD73DCDD-431F-4409-8B6E-A7967A74F631}"/>
-          </ac:spMkLst>
-        </pc:spChg>
-      </pc:sldChg>
-      <pc:sldChg chg="modSp mod modAnim">
-        <pc:chgData name="Максим Кулаков" userId="04e6ebed4306f91a" providerId="LiveId" clId="{5F6422F0-1994-4B49-9D1F-36403F19BC9F}" dt="2020-06-09T06:35:39.528" v="204"/>
-        <pc:sldMkLst>
-          <pc:docMk/>
-          <pc:sldMk cId="1279104608" sldId="259"/>
-        </pc:sldMkLst>
-        <pc:spChg chg="mod">
-          <ac:chgData name="Максим Кулаков" userId="04e6ebed4306f91a" providerId="LiveId" clId="{5F6422F0-1994-4B49-9D1F-36403F19BC9F}" dt="2020-06-09T06:31:47.337" v="162" actId="207"/>
-          <ac:spMkLst>
-            <pc:docMk/>
-            <pc:sldMk cId="1279104608" sldId="259"/>
-            <ac:spMk id="6" creationId="{B2C932AF-F434-43DF-8EF4-26777FBD94A7}"/>
-          </ac:spMkLst>
-        </pc:spChg>
-        <pc:spChg chg="mod">
-          <ac:chgData name="Максим Кулаков" userId="04e6ebed4306f91a" providerId="LiveId" clId="{5F6422F0-1994-4B49-9D1F-36403F19BC9F}" dt="2020-06-09T06:31:47.337" v="162" actId="207"/>
-          <ac:spMkLst>
-            <pc:docMk/>
-            <pc:sldMk cId="1279104608" sldId="259"/>
-            <ac:spMk id="7" creationId="{99175E69-34D1-42E7-9611-598A50F2A2A7}"/>
-          </ac:spMkLst>
-        </pc:spChg>
-        <pc:spChg chg="mod">
-          <ac:chgData name="Максим Кулаков" userId="04e6ebed4306f91a" providerId="LiveId" clId="{5F6422F0-1994-4B49-9D1F-36403F19BC9F}" dt="2020-06-09T06:31:47.337" v="162" actId="207"/>
-          <ac:spMkLst>
-            <pc:docMk/>
-            <pc:sldMk cId="1279104608" sldId="259"/>
-            <ac:spMk id="9" creationId="{737E8A4B-64B9-44D7-B11C-E87371FA8664}"/>
-          </ac:spMkLst>
-        </pc:spChg>
-        <pc:spChg chg="mod">
-          <ac:chgData name="Максим Кулаков" userId="04e6ebed4306f91a" providerId="LiveId" clId="{5F6422F0-1994-4B49-9D1F-36403F19BC9F}" dt="2020-06-09T06:31:47.337" v="162" actId="207"/>
-          <ac:spMkLst>
-            <pc:docMk/>
-            <pc:sldMk cId="1279104608" sldId="259"/>
-            <ac:spMk id="12" creationId="{6C8ED7A4-5C34-4A94-9382-38FAE9266125}"/>
-          </ac:spMkLst>
-        </pc:spChg>
-        <pc:spChg chg="mod">
-          <ac:chgData name="Максим Кулаков" userId="04e6ebed4306f91a" providerId="LiveId" clId="{5F6422F0-1994-4B49-9D1F-36403F19BC9F}" dt="2020-06-09T06:31:47.337" v="162" actId="207"/>
-          <ac:spMkLst>
-            <pc:docMk/>
-            <pc:sldMk cId="1279104608" sldId="259"/>
-            <ac:spMk id="13" creationId="{9E31AAA0-3805-4E50-99BD-ED6A96DE4096}"/>
-          </ac:spMkLst>
-        </pc:spChg>
-        <pc:spChg chg="mod">
-          <ac:chgData name="Максим Кулаков" userId="04e6ebed4306f91a" providerId="LiveId" clId="{5F6422F0-1994-4B49-9D1F-36403F19BC9F}" dt="2020-06-09T06:31:47.337" v="162" actId="207"/>
-          <ac:spMkLst>
-            <pc:docMk/>
-            <pc:sldMk cId="1279104608" sldId="259"/>
-            <ac:spMk id="14" creationId="{F40B1D05-0B0F-49AC-9BE0-670607F25A8A}"/>
-          </ac:spMkLst>
-        </pc:spChg>
-        <pc:spChg chg="mod">
-          <ac:chgData name="Максим Кулаков" userId="04e6ebed4306f91a" providerId="LiveId" clId="{5F6422F0-1994-4B49-9D1F-36403F19BC9F}" dt="2020-06-09T06:31:36.133" v="160" actId="207"/>
-          <ac:spMkLst>
-            <pc:docMk/>
-            <pc:sldMk cId="1279104608" sldId="259"/>
-            <ac:spMk id="15" creationId="{9B9BCD36-F5E5-4CB0-B8F4-4EA5DF7F9568}"/>
-          </ac:spMkLst>
-        </pc:spChg>
-        <pc:spChg chg="mod">
-          <ac:chgData name="Максим Кулаков" userId="04e6ebed4306f91a" providerId="LiveId" clId="{5F6422F0-1994-4B49-9D1F-36403F19BC9F}" dt="2020-06-09T06:31:36.133" v="160" actId="207"/>
-          <ac:spMkLst>
-            <pc:docMk/>
-            <pc:sldMk cId="1279104608" sldId="259"/>
-            <ac:spMk id="16" creationId="{63A45A5A-E70B-42B8-9C50-055B5EA7EDB6}"/>
-          </ac:spMkLst>
-        </pc:spChg>
-        <pc:spChg chg="mod">
-          <ac:chgData name="Максим Кулаков" userId="04e6ebed4306f91a" providerId="LiveId" clId="{5F6422F0-1994-4B49-9D1F-36403F19BC9F}" dt="2020-06-09T06:31:36.133" v="160" actId="207"/>
-          <ac:spMkLst>
-            <pc:docMk/>
-            <pc:sldMk cId="1279104608" sldId="259"/>
-            <ac:spMk id="17" creationId="{27F5792A-D5E1-4C7C-A488-65EB9DBADD22}"/>
-          </ac:spMkLst>
-        </pc:spChg>
-        <pc:spChg chg="mod">
-          <ac:chgData name="Максим Кулаков" userId="04e6ebed4306f91a" providerId="LiveId" clId="{5F6422F0-1994-4B49-9D1F-36403F19BC9F}" dt="2020-06-09T06:31:36.133" v="160" actId="207"/>
-          <ac:spMkLst>
-            <pc:docMk/>
-            <pc:sldMk cId="1279104608" sldId="259"/>
-            <ac:spMk id="18" creationId="{594C4549-EE00-46F9-9159-FB9487A4BC2A}"/>
-          </ac:spMkLst>
-        </pc:spChg>
-        <pc:spChg chg="mod">
-          <ac:chgData name="Максим Кулаков" userId="04e6ebed4306f91a" providerId="LiveId" clId="{5F6422F0-1994-4B49-9D1F-36403F19BC9F}" dt="2020-06-09T06:31:36.133" v="160" actId="207"/>
-          <ac:spMkLst>
-            <pc:docMk/>
-            <pc:sldMk cId="1279104608" sldId="259"/>
-            <ac:spMk id="19" creationId="{D04C2DCA-523F-4B58-AB29-E67507748A17}"/>
-          </ac:spMkLst>
-        </pc:spChg>
-        <pc:spChg chg="mod">
-          <ac:chgData name="Максим Кулаков" userId="04e6ebed4306f91a" providerId="LiveId" clId="{5F6422F0-1994-4B49-9D1F-36403F19BC9F}" dt="2020-06-09T06:31:36.133" v="160" actId="207"/>
-          <ac:spMkLst>
-            <pc:docMk/>
-            <pc:sldMk cId="1279104608" sldId="259"/>
-            <ac:spMk id="20" creationId="{BFFB029F-133A-4E07-A411-F1CE6250B19A}"/>
-          </ac:spMkLst>
-        </pc:spChg>
-      </pc:sldChg>
-      <pc:sldChg chg="addSp delSp modSp mod">
-        <pc:chgData name="Максим Кулаков" userId="04e6ebed4306f91a" providerId="LiveId" clId="{5F6422F0-1994-4B49-9D1F-36403F19BC9F}" dt="2020-06-09T06:32:54.365" v="167" actId="478"/>
-        <pc:sldMkLst>
-          <pc:docMk/>
-          <pc:sldMk cId="3523556248" sldId="260"/>
-        </pc:sldMkLst>
-        <pc:spChg chg="del">
-          <ac:chgData name="Максим Кулаков" userId="04e6ebed4306f91a" providerId="LiveId" clId="{5F6422F0-1994-4B49-9D1F-36403F19BC9F}" dt="2020-06-09T06:32:52.192" v="166" actId="478"/>
-          <ac:spMkLst>
-            <pc:docMk/>
-            <pc:sldMk cId="3523556248" sldId="260"/>
-            <ac:spMk id="4" creationId="{4A01A517-A17C-4A20-8590-A4A680EAABED}"/>
-          </ac:spMkLst>
-        </pc:spChg>
-        <pc:spChg chg="add del mod">
-          <ac:chgData name="Максим Кулаков" userId="04e6ebed4306f91a" providerId="LiveId" clId="{5F6422F0-1994-4B49-9D1F-36403F19BC9F}" dt="2020-06-09T06:32:54.365" v="167" actId="478"/>
-          <ac:spMkLst>
-            <pc:docMk/>
-            <pc:sldMk cId="3523556248" sldId="260"/>
-            <ac:spMk id="5" creationId="{AA21A03D-F102-45A0-8A7B-543DB58BA5BA}"/>
-          </ac:spMkLst>
-        </pc:spChg>
-      </pc:sldChg>
-      <pc:sldChg chg="modSp mod">
-        <pc:chgData name="Максим Кулаков" userId="04e6ebed4306f91a" providerId="LiveId" clId="{5F6422F0-1994-4B49-9D1F-36403F19BC9F}" dt="2020-06-09T06:39:52.231" v="328" actId="1076"/>
-        <pc:sldMkLst>
-          <pc:docMk/>
-          <pc:sldMk cId="3043985443" sldId="262"/>
-        </pc:sldMkLst>
-        <pc:spChg chg="mod">
-          <ac:chgData name="Максим Кулаков" userId="04e6ebed4306f91a" providerId="LiveId" clId="{5F6422F0-1994-4B49-9D1F-36403F19BC9F}" dt="2020-06-09T06:30:28.196" v="152" actId="14100"/>
-          <ac:spMkLst>
-            <pc:docMk/>
-            <pc:sldMk cId="3043985443" sldId="262"/>
-            <ac:spMk id="5" creationId="{34253F25-F55E-485A-84AE-4DCABDD86114}"/>
-          </ac:spMkLst>
-        </pc:spChg>
-        <pc:spChg chg="mod">
-          <ac:chgData name="Максим Кулаков" userId="04e6ebed4306f91a" providerId="LiveId" clId="{5F6422F0-1994-4B49-9D1F-36403F19BC9F}" dt="2020-06-09T06:30:30.977" v="153" actId="14100"/>
-          <ac:spMkLst>
-            <pc:docMk/>
-            <pc:sldMk cId="3043985443" sldId="262"/>
-            <ac:spMk id="13" creationId="{366F08B5-B21F-4F5C-81DB-456F5CB15BBD}"/>
-          </ac:spMkLst>
-        </pc:spChg>
-        <pc:spChg chg="mod">
-          <ac:chgData name="Максим Кулаков" userId="04e6ebed4306f91a" providerId="LiveId" clId="{5F6422F0-1994-4B49-9D1F-36403F19BC9F}" dt="2020-06-09T06:39:52.231" v="328" actId="1076"/>
-          <ac:spMkLst>
-            <pc:docMk/>
-            <pc:sldMk cId="3043985443" sldId="262"/>
-            <ac:spMk id="14" creationId="{3F3E1167-AC02-4457-AC96-C8D839EE7CD9}"/>
-          </ac:spMkLst>
-        </pc:spChg>
-      </pc:sldChg>
-      <pc:sldChg chg="addSp delSp modSp new mod modAnim">
-        <pc:chgData name="Максим Кулаков" userId="04e6ebed4306f91a" providerId="LiveId" clId="{5F6422F0-1994-4B49-9D1F-36403F19BC9F}" dt="2020-06-09T06:41:28.591" v="429"/>
-        <pc:sldMkLst>
-          <pc:docMk/>
-          <pc:sldMk cId="1345057888" sldId="263"/>
-        </pc:sldMkLst>
-        <pc:spChg chg="mod">
-          <ac:chgData name="Максим Кулаков" userId="04e6ebed4306f91a" providerId="LiveId" clId="{5F6422F0-1994-4B49-9D1F-36403F19BC9F}" dt="2020-06-09T06:33:11.169" v="195" actId="20577"/>
-          <ac:spMkLst>
-            <pc:docMk/>
-            <pc:sldMk cId="1345057888" sldId="263"/>
-            <ac:spMk id="2" creationId="{4536DE0F-6E6D-4241-AE4D-C3ED6879C62F}"/>
-          </ac:spMkLst>
-        </pc:spChg>
-        <pc:spChg chg="del">
-          <ac:chgData name="Максим Кулаков" userId="04e6ebed4306f91a" providerId="LiveId" clId="{5F6422F0-1994-4B49-9D1F-36403F19BC9F}" dt="2020-06-09T06:35:58.934" v="205" actId="478"/>
-          <ac:spMkLst>
-            <pc:docMk/>
-            <pc:sldMk cId="1345057888" sldId="263"/>
-            <ac:spMk id="3" creationId="{E557CAB9-ED0F-48C3-9613-3DDC122C94EA}"/>
-          </ac:spMkLst>
-        </pc:spChg>
-        <pc:spChg chg="add mod">
-          <ac:chgData name="Максим Кулаков" userId="04e6ebed4306f91a" providerId="LiveId" clId="{5F6422F0-1994-4B49-9D1F-36403F19BC9F}" dt="2020-06-09T06:38:09.372" v="276" actId="404"/>
-          <ac:spMkLst>
-            <pc:docMk/>
-            <pc:sldMk cId="1345057888" sldId="263"/>
-            <ac:spMk id="4" creationId="{471B1761-979C-4985-B470-A9E82BC9FAF2}"/>
-          </ac:spMkLst>
-        </pc:spChg>
-        <pc:spChg chg="add mod">
-          <ac:chgData name="Максим Кулаков" userId="04e6ebed4306f91a" providerId="LiveId" clId="{5F6422F0-1994-4B49-9D1F-36403F19BC9F}" dt="2020-06-09T06:38:06.262" v="273" actId="403"/>
-          <ac:spMkLst>
-            <pc:docMk/>
-            <pc:sldMk cId="1345057888" sldId="263"/>
-            <ac:spMk id="5" creationId="{6E5EEC58-7077-4F5A-A386-A9F348C902C7}"/>
-          </ac:spMkLst>
-        </pc:spChg>
-        <pc:spChg chg="add mod">
-          <ac:chgData name="Максим Кулаков" userId="04e6ebed4306f91a" providerId="LiveId" clId="{5F6422F0-1994-4B49-9D1F-36403F19BC9F}" dt="2020-06-09T06:38:30.497" v="295" actId="20577"/>
-          <ac:spMkLst>
-            <pc:docMk/>
-            <pc:sldMk cId="1345057888" sldId="263"/>
-            <ac:spMk id="6" creationId="{8D656520-F5BF-429B-AF81-C89EBB96E2FB}"/>
-          </ac:spMkLst>
-        </pc:spChg>
-        <pc:spChg chg="add mod">
-          <ac:chgData name="Максим Кулаков" userId="04e6ebed4306f91a" providerId="LiveId" clId="{5F6422F0-1994-4B49-9D1F-36403F19BC9F}" dt="2020-06-09T06:38:58.216" v="323" actId="404"/>
-          <ac:spMkLst>
-            <pc:docMk/>
-            <pc:sldMk cId="1345057888" sldId="263"/>
-            <ac:spMk id="7" creationId="{98959F4F-A1A4-4D48-B915-6A3E4DB90571}"/>
-          </ac:spMkLst>
-        </pc:spChg>
-        <pc:spChg chg="add mod">
-          <ac:chgData name="Максим Кулаков" userId="04e6ebed4306f91a" providerId="LiveId" clId="{5F6422F0-1994-4B49-9D1F-36403F19BC9F}" dt="2020-06-09T06:40:45.794" v="408" actId="6549"/>
-          <ac:spMkLst>
-            <pc:docMk/>
-            <pc:sldMk cId="1345057888" sldId="263"/>
-            <ac:spMk id="8" creationId="{AFB996BC-CBB7-4FDE-A7AD-9D9C5CF9D010}"/>
-          </ac:spMkLst>
-        </pc:spChg>
-        <pc:spChg chg="add mod">
-          <ac:chgData name="Максим Кулаков" userId="04e6ebed4306f91a" providerId="LiveId" clId="{5F6422F0-1994-4B49-9D1F-36403F19BC9F}" dt="2020-06-09T06:41:16.419" v="427" actId="404"/>
-          <ac:spMkLst>
-            <pc:docMk/>
-            <pc:sldMk cId="1345057888" sldId="263"/>
-            <ac:spMk id="9" creationId="{770CEC0F-E572-4B91-ACFF-338CFA07C7F4}"/>
-          </ac:spMkLst>
-        </pc:spChg>
-      </pc:sldChg>
-    </pc:docChg>
-  </pc:docChgLst>
-  <pc:docChgLst>
-    <pc:chgData name="Максим Кулаков" userId="04e6ebed4306f91a" providerId="LiveId" clId="{36F89D56-44A6-45FF-A89B-CD896B16A71C}"/>
-    <pc:docChg chg="undo redo custSel addSld delSld modSld">
-      <pc:chgData name="Максим Кулаков" userId="04e6ebed4306f91a" providerId="LiveId" clId="{36F89D56-44A6-45FF-A89B-CD896B16A71C}" dt="2020-06-13T19:37:23.233" v="1538" actId="164"/>
-      <pc:docMkLst>
-        <pc:docMk/>
-      </pc:docMkLst>
-      <pc:sldChg chg="addSp delSp modSp mod setBg chgLayout">
-        <pc:chgData name="Максим Кулаков" userId="04e6ebed4306f91a" providerId="LiveId" clId="{36F89D56-44A6-45FF-A89B-CD896B16A71C}" dt="2020-06-13T19:13:03.995" v="1324" actId="164"/>
-        <pc:sldMkLst>
-          <pc:docMk/>
-          <pc:sldMk cId="2656794804" sldId="256"/>
-        </pc:sldMkLst>
-        <pc:spChg chg="mod ord">
-          <ac:chgData name="Максим Кулаков" userId="04e6ebed4306f91a" providerId="LiveId" clId="{36F89D56-44A6-45FF-A89B-CD896B16A71C}" dt="2020-06-13T15:14:36.892" v="312" actId="6264"/>
-          <ac:spMkLst>
-            <pc:docMk/>
-            <pc:sldMk cId="2656794804" sldId="256"/>
-            <ac:spMk id="2" creationId="{C6B397D0-E3B7-468F-89EA-5A24F238934B}"/>
-          </ac:spMkLst>
-        </pc:spChg>
-        <pc:spChg chg="mod ord">
-          <ac:chgData name="Максим Кулаков" userId="04e6ebed4306f91a" providerId="LiveId" clId="{36F89D56-44A6-45FF-A89B-CD896B16A71C}" dt="2020-06-13T15:14:36.892" v="312" actId="6264"/>
-          <ac:spMkLst>
-            <pc:docMk/>
-            <pc:sldMk cId="2656794804" sldId="256"/>
-            <ac:spMk id="3" creationId="{665EB16D-E780-468D-96CF-6BEBC7CB1785}"/>
-          </ac:spMkLst>
-        </pc:spChg>
-        <pc:spChg chg="add del mod">
-          <ac:chgData name="Максим Кулаков" userId="04e6ebed4306f91a" providerId="LiveId" clId="{36F89D56-44A6-45FF-A89B-CD896B16A71C}" dt="2020-06-13T15:13:57.894" v="307" actId="478"/>
-          <ac:spMkLst>
-            <pc:docMk/>
-            <pc:sldMk cId="2656794804" sldId="256"/>
-            <ac:spMk id="5" creationId="{B53045E4-C68B-46C2-AE9A-CC654D5C9368}"/>
-          </ac:spMkLst>
-        </pc:spChg>
-        <pc:spChg chg="add del mod ord">
-          <ac:chgData name="Максим Кулаков" userId="04e6ebed4306f91a" providerId="LiveId" clId="{36F89D56-44A6-45FF-A89B-CD896B16A71C}" dt="2020-06-13T18:51:11.789" v="1074" actId="21"/>
-          <ac:spMkLst>
-            <pc:docMk/>
-            <pc:sldMk cId="2656794804" sldId="256"/>
-            <ac:spMk id="5" creationId="{C912F2DF-8F7F-4E37-B200-E104CAEDCC51}"/>
-          </ac:spMkLst>
-        </pc:spChg>
-        <pc:spChg chg="add del mod ord">
-          <ac:chgData name="Максим Кулаков" userId="04e6ebed4306f91a" providerId="LiveId" clId="{36F89D56-44A6-45FF-A89B-CD896B16A71C}" dt="2020-06-13T18:51:11.789" v="1074" actId="21"/>
-          <ac:spMkLst>
-            <pc:docMk/>
-            <pc:sldMk cId="2656794804" sldId="256"/>
-            <ac:spMk id="6" creationId="{297CE52D-A828-4A79-8428-8D15A1563F01}"/>
-          </ac:spMkLst>
-        </pc:spChg>
-        <pc:spChg chg="add del mod">
-          <ac:chgData name="Максим Кулаков" userId="04e6ebed4306f91a" providerId="LiveId" clId="{36F89D56-44A6-45FF-A89B-CD896B16A71C}" dt="2020-06-13T15:14:36.892" v="312" actId="6264"/>
-          <ac:spMkLst>
-            <pc:docMk/>
-            <pc:sldMk cId="2656794804" sldId="256"/>
-            <ac:spMk id="6" creationId="{A25028E2-03AE-40BA-9062-364D13468A6C}"/>
-          </ac:spMkLst>
-        </pc:spChg>
-        <pc:spChg chg="add del mod ord">
-          <ac:chgData name="Максим Кулаков" userId="04e6ebed4306f91a" providerId="LiveId" clId="{36F89D56-44A6-45FF-A89B-CD896B16A71C}" dt="2020-06-13T18:51:11.789" v="1074" actId="21"/>
-          <ac:spMkLst>
-            <pc:docMk/>
-            <pc:sldMk cId="2656794804" sldId="256"/>
-            <ac:spMk id="7" creationId="{594F1C03-2882-4C01-8B6A-F51E1D21A322}"/>
-          </ac:spMkLst>
-        </pc:spChg>
-        <pc:spChg chg="add del mod">
-          <ac:chgData name="Максим Кулаков" userId="04e6ebed4306f91a" providerId="LiveId" clId="{36F89D56-44A6-45FF-A89B-CD896B16A71C}" dt="2020-06-13T15:14:36.892" v="312" actId="6264"/>
-          <ac:spMkLst>
-            <pc:docMk/>
-            <pc:sldMk cId="2656794804" sldId="256"/>
-            <ac:spMk id="7" creationId="{A3CFB450-7372-445B-9B61-E152702E3112}"/>
-          </ac:spMkLst>
-        </pc:spChg>
-        <pc:spChg chg="add del mod">
-          <ac:chgData name="Максим Кулаков" userId="04e6ebed4306f91a" providerId="LiveId" clId="{36F89D56-44A6-45FF-A89B-CD896B16A71C}" dt="2020-06-13T15:19:33.174" v="403" actId="478"/>
-          <ac:spMkLst>
-            <pc:docMk/>
-            <pc:sldMk cId="2656794804" sldId="256"/>
-            <ac:spMk id="8" creationId="{29A1DD3D-7C58-4660-9E43-1B52EAAE8F60}"/>
-          </ac:spMkLst>
-        </pc:spChg>
-        <pc:spChg chg="add del mod">
-          <ac:chgData name="Максим Кулаков" userId="04e6ebed4306f91a" providerId="LiveId" clId="{36F89D56-44A6-45FF-A89B-CD896B16A71C}" dt="2020-06-13T15:17:23.210" v="333" actId="478"/>
-          <ac:spMkLst>
-            <pc:docMk/>
-            <pc:sldMk cId="2656794804" sldId="256"/>
-            <ac:spMk id="9" creationId="{7ADAA65C-B423-4880-B190-8E44CE3A35A1}"/>
-          </ac:spMkLst>
-        </pc:spChg>
-        <pc:spChg chg="add del mod">
-          <ac:chgData name="Максим Кулаков" userId="04e6ebed4306f91a" providerId="LiveId" clId="{36F89D56-44A6-45FF-A89B-CD896B16A71C}" dt="2020-06-13T15:19:32.100" v="402" actId="478"/>
-          <ac:spMkLst>
-            <pc:docMk/>
-            <pc:sldMk cId="2656794804" sldId="256"/>
-            <ac:spMk id="10" creationId="{2E3D6F22-6FCF-492A-A10B-FE9E5DF0E882}"/>
-          </ac:spMkLst>
-        </pc:spChg>
-        <pc:spChg chg="add del mod">
-          <ac:chgData name="Максим Кулаков" userId="04e6ebed4306f91a" providerId="LiveId" clId="{36F89D56-44A6-45FF-A89B-CD896B16A71C}" dt="2020-06-13T15:18:53.740" v="391" actId="478"/>
-          <ac:spMkLst>
-            <pc:docMk/>
-            <pc:sldMk cId="2656794804" sldId="256"/>
-            <ac:spMk id="12" creationId="{85CDA812-1651-4E03-B1D2-DE235FBEB231}"/>
-          </ac:spMkLst>
-        </pc:spChg>
-        <pc:spChg chg="add del mod">
-          <ac:chgData name="Максим Кулаков" userId="04e6ebed4306f91a" providerId="LiveId" clId="{36F89D56-44A6-45FF-A89B-CD896B16A71C}" dt="2020-06-13T15:19:31.356" v="401" actId="478"/>
-          <ac:spMkLst>
-            <pc:docMk/>
-            <pc:sldMk cId="2656794804" sldId="256"/>
-            <ac:spMk id="14" creationId="{F03F5B49-D3E8-49C2-BA48-821A826E819D}"/>
-          </ac:spMkLst>
-        </pc:spChg>
-        <pc:spChg chg="add del mod">
-          <ac:chgData name="Максим Кулаков" userId="04e6ebed4306f91a" providerId="LiveId" clId="{36F89D56-44A6-45FF-A89B-CD896B16A71C}" dt="2020-06-13T15:37:03.562" v="405" actId="478"/>
-          <ac:spMkLst>
-            <pc:docMk/>
-            <pc:sldMk cId="2656794804" sldId="256"/>
-            <ac:spMk id="16" creationId="{D97D17BF-100C-46C7-8DDE-7CBBE22F6998}"/>
-          </ac:spMkLst>
-        </pc:spChg>
-        <pc:spChg chg="add mod">
-          <ac:chgData name="Максим Кулаков" userId="04e6ebed4306f91a" providerId="LiveId" clId="{36F89D56-44A6-45FF-A89B-CD896B16A71C}" dt="2020-06-13T19:13:03.995" v="1324" actId="164"/>
-          <ac:spMkLst>
-            <pc:docMk/>
-            <pc:sldMk cId="2656794804" sldId="256"/>
-            <ac:spMk id="17" creationId="{D8F616FC-EE32-4B4F-B1A7-E1C0E4B2C87E}"/>
-          </ac:spMkLst>
-        </pc:spChg>
-        <pc:spChg chg="add mod">
-          <ac:chgData name="Максим Кулаков" userId="04e6ebed4306f91a" providerId="LiveId" clId="{36F89D56-44A6-45FF-A89B-CD896B16A71C}" dt="2020-06-13T19:13:03.995" v="1324" actId="164"/>
-          <ac:spMkLst>
-            <pc:docMk/>
-            <pc:sldMk cId="2656794804" sldId="256"/>
-            <ac:spMk id="18" creationId="{6D077CE7-195E-42F0-985C-4B6FF355A21F}"/>
-          </ac:spMkLst>
-        </pc:spChg>
-        <pc:spChg chg="add mod">
-          <ac:chgData name="Максим Кулаков" userId="04e6ebed4306f91a" providerId="LiveId" clId="{36F89D56-44A6-45FF-A89B-CD896B16A71C}" dt="2020-06-13T19:13:03.995" v="1324" actId="164"/>
-          <ac:spMkLst>
-            <pc:docMk/>
-            <pc:sldMk cId="2656794804" sldId="256"/>
-            <ac:spMk id="20" creationId="{2C00E1F1-C7AA-4AC5-966C-C3AEC62F0B7B}"/>
-          </ac:spMkLst>
-        </pc:spChg>
-        <pc:spChg chg="add mod">
-          <ac:chgData name="Максим Кулаков" userId="04e6ebed4306f91a" providerId="LiveId" clId="{36F89D56-44A6-45FF-A89B-CD896B16A71C}" dt="2020-06-13T19:13:03.995" v="1324" actId="164"/>
-          <ac:spMkLst>
-            <pc:docMk/>
-            <pc:sldMk cId="2656794804" sldId="256"/>
-            <ac:spMk id="22" creationId="{F4A84823-9120-41BE-8A51-34946E93B14E}"/>
-          </ac:spMkLst>
-        </pc:spChg>
-        <pc:grpChg chg="add mod">
-          <ac:chgData name="Максим Кулаков" userId="04e6ebed4306f91a" providerId="LiveId" clId="{36F89D56-44A6-45FF-A89B-CD896B16A71C}" dt="2020-06-13T19:13:03.995" v="1324" actId="164"/>
-          <ac:grpSpMkLst>
-            <pc:docMk/>
-            <pc:sldMk cId="2656794804" sldId="256"/>
-            <ac:grpSpMk id="8" creationId="{06AA5904-6B2F-44A7-B9B1-C84B78473C5F}"/>
-          </ac:grpSpMkLst>
-        </pc:grpChg>
-      </pc:sldChg>
-      <pc:sldChg chg="addSp modSp mod modAnim">
-        <pc:chgData name="Максим Кулаков" userId="04e6ebed4306f91a" providerId="LiveId" clId="{36F89D56-44A6-45FF-A89B-CD896B16A71C}" dt="2020-06-13T19:13:19.045" v="1333" actId="1035"/>
-        <pc:sldMkLst>
-          <pc:docMk/>
-          <pc:sldMk cId="3226652925" sldId="257"/>
-        </pc:sldMkLst>
-        <pc:spChg chg="add mod">
-          <ac:chgData name="Максим Кулаков" userId="04e6ebed4306f91a" providerId="LiveId" clId="{36F89D56-44A6-45FF-A89B-CD896B16A71C}" dt="2020-06-13T18:54:43.641" v="1087" actId="1582"/>
-          <ac:spMkLst>
-            <pc:docMk/>
-            <pc:sldMk cId="3226652925" sldId="257"/>
-            <ac:spMk id="3" creationId="{F244C3FD-9CC3-4D4D-A883-025922CE5AE5}"/>
-          </ac:spMkLst>
-        </pc:spChg>
-        <pc:spChg chg="mod">
-          <ac:chgData name="Максим Кулаков" userId="04e6ebed4306f91a" providerId="LiveId" clId="{36F89D56-44A6-45FF-A89B-CD896B16A71C}" dt="2020-06-13T18:54:43.641" v="1087" actId="1582"/>
-          <ac:spMkLst>
-            <pc:docMk/>
-            <pc:sldMk cId="3226652925" sldId="257"/>
-            <ac:spMk id="4" creationId="{EF7EABEB-D8EA-4ECB-A7A5-C43E52EE9BFE}"/>
-          </ac:spMkLst>
-        </pc:spChg>
-        <pc:spChg chg="add mod">
-          <ac:chgData name="Максим Кулаков" userId="04e6ebed4306f91a" providerId="LiveId" clId="{36F89D56-44A6-45FF-A89B-CD896B16A71C}" dt="2020-06-13T19:12:51.149" v="1322" actId="164"/>
-          <ac:spMkLst>
-            <pc:docMk/>
-            <pc:sldMk cId="3226652925" sldId="257"/>
-            <ac:spMk id="5" creationId="{D471AD39-F922-45DE-AF32-9AC52E2FB25D}"/>
-          </ac:spMkLst>
-        </pc:spChg>
-        <pc:spChg chg="mod">
-          <ac:chgData name="Максим Кулаков" userId="04e6ebed4306f91a" providerId="LiveId" clId="{36F89D56-44A6-45FF-A89B-CD896B16A71C}" dt="2020-06-13T18:54:43.641" v="1087" actId="1582"/>
-          <ac:spMkLst>
-            <pc:docMk/>
-            <pc:sldMk cId="3226652925" sldId="257"/>
-            <ac:spMk id="7" creationId="{58A1A06F-2727-4AAE-8AEB-6519F16D129F}"/>
-          </ac:spMkLst>
-        </pc:spChg>
-        <pc:spChg chg="mod">
-          <ac:chgData name="Максим Кулаков" userId="04e6ebed4306f91a" providerId="LiveId" clId="{36F89D56-44A6-45FF-A89B-CD896B16A71C}" dt="2020-06-13T18:54:43.641" v="1087" actId="1582"/>
-          <ac:spMkLst>
-            <pc:docMk/>
-            <pc:sldMk cId="3226652925" sldId="257"/>
-            <ac:spMk id="8" creationId="{DE0E8B06-A302-4D75-AD2D-8B85D78DD42C}"/>
-          </ac:spMkLst>
-        </pc:spChg>
-        <pc:spChg chg="add mod">
-          <ac:chgData name="Максим Кулаков" userId="04e6ebed4306f91a" providerId="LiveId" clId="{36F89D56-44A6-45FF-A89B-CD896B16A71C}" dt="2020-06-13T15:52:26.142" v="504" actId="122"/>
-          <ac:spMkLst>
-            <pc:docMk/>
-            <pc:sldMk cId="3226652925" sldId="257"/>
-            <ac:spMk id="10" creationId="{8DB5C105-11C8-4AC5-B2A9-9D261EDDA584}"/>
-          </ac:spMkLst>
-        </pc:spChg>
-        <pc:spChg chg="add mod">
-          <ac:chgData name="Максим Кулаков" userId="04e6ebed4306f91a" providerId="LiveId" clId="{36F89D56-44A6-45FF-A89B-CD896B16A71C}" dt="2020-06-13T19:12:51.149" v="1322" actId="164"/>
-          <ac:spMkLst>
-            <pc:docMk/>
-            <pc:sldMk cId="3226652925" sldId="257"/>
-            <ac:spMk id="12" creationId="{2896288C-F2B9-46F2-B8AA-C37E9542D99A}"/>
-          </ac:spMkLst>
-        </pc:spChg>
-        <pc:spChg chg="add mod ord">
-          <ac:chgData name="Максим Кулаков" userId="04e6ebed4306f91a" providerId="LiveId" clId="{36F89D56-44A6-45FF-A89B-CD896B16A71C}" dt="2020-06-13T19:12:51.149" v="1322" actId="164"/>
-          <ac:spMkLst>
-            <pc:docMk/>
-            <pc:sldMk cId="3226652925" sldId="257"/>
-            <ac:spMk id="14" creationId="{E521651B-D563-41F4-BA3A-EA86EEE644F4}"/>
-          </ac:spMkLst>
-        </pc:spChg>
-        <pc:grpChg chg="add mod">
-          <ac:chgData name="Максим Кулаков" userId="04e6ebed4306f91a" providerId="LiveId" clId="{36F89D56-44A6-45FF-A89B-CD896B16A71C}" dt="2020-06-13T19:13:19.045" v="1333" actId="1035"/>
-          <ac:grpSpMkLst>
-            <pc:docMk/>
-            <pc:sldMk cId="3226652925" sldId="257"/>
-            <ac:grpSpMk id="15" creationId="{BCDA6E76-42F1-4414-9B94-0DC97CD18008}"/>
-          </ac:grpSpMkLst>
-        </pc:grpChg>
-      </pc:sldChg>
-      <pc:sldChg chg="addSp delSp modSp mod modAnim">
-        <pc:chgData name="Максим Кулаков" userId="04e6ebed4306f91a" providerId="LiveId" clId="{36F89D56-44A6-45FF-A89B-CD896B16A71C}" dt="2020-06-13T19:37:23.233" v="1538" actId="164"/>
-        <pc:sldMkLst>
-          <pc:docMk/>
-          <pc:sldMk cId="3825080715" sldId="258"/>
-        </pc:sldMkLst>
-        <pc:spChg chg="add mod topLvl">
-          <ac:chgData name="Максим Кулаков" userId="04e6ebed4306f91a" providerId="LiveId" clId="{36F89D56-44A6-45FF-A89B-CD896B16A71C}" dt="2020-06-13T19:37:23.233" v="1538" actId="164"/>
-          <ac:spMkLst>
-            <pc:docMk/>
-            <pc:sldMk cId="3825080715" sldId="258"/>
-            <ac:spMk id="3" creationId="{12711B61-35E7-4BF6-861A-F71E391ADA76}"/>
-          </ac:spMkLst>
-        </pc:spChg>
-        <pc:spChg chg="add mod topLvl">
-          <ac:chgData name="Максим Кулаков" userId="04e6ebed4306f91a" providerId="LiveId" clId="{36F89D56-44A6-45FF-A89B-CD896B16A71C}" dt="2020-06-13T19:37:23.233" v="1538" actId="164"/>
-          <ac:spMkLst>
-            <pc:docMk/>
-            <pc:sldMk cId="3825080715" sldId="258"/>
-            <ac:spMk id="4" creationId="{EBCC44E2-7165-4D22-9609-0DEFF20A565B}"/>
-          </ac:spMkLst>
-        </pc:spChg>
-        <pc:spChg chg="mod">
-          <ac:chgData name="Максим Кулаков" userId="04e6ebed4306f91a" providerId="LiveId" clId="{36F89D56-44A6-45FF-A89B-CD896B16A71C}" dt="2020-06-13T14:30:18.948" v="270" actId="120"/>
-          <ac:spMkLst>
-            <pc:docMk/>
-            <pc:sldMk cId="3825080715" sldId="258"/>
-            <ac:spMk id="6" creationId="{2F08A4DC-E195-43C4-A918-56AC672FA987}"/>
-          </ac:spMkLst>
-        </pc:spChg>
-        <pc:spChg chg="add mod topLvl">
-          <ac:chgData name="Максим Кулаков" userId="04e6ebed4306f91a" providerId="LiveId" clId="{36F89D56-44A6-45FF-A89B-CD896B16A71C}" dt="2020-06-13T19:37:23.233" v="1538" actId="164"/>
-          <ac:spMkLst>
-            <pc:docMk/>
-            <pc:sldMk cId="3825080715" sldId="258"/>
-            <ac:spMk id="7" creationId="{51BF639E-8C50-45B5-A97B-67C40C5FF510}"/>
-          </ac:spMkLst>
-        </pc:spChg>
-        <pc:spChg chg="mod">
-          <ac:chgData name="Максим Кулаков" userId="04e6ebed4306f91a" providerId="LiveId" clId="{36F89D56-44A6-45FF-A89B-CD896B16A71C}" dt="2020-06-13T14:10:19.789" v="200" actId="6549"/>
-          <ac:spMkLst>
-            <pc:docMk/>
-            <pc:sldMk cId="3825080715" sldId="258"/>
-            <ac:spMk id="13" creationId="{4A3C10EB-3636-436D-A7B4-856FBA159605}"/>
-          </ac:spMkLst>
-        </pc:spChg>
-        <pc:spChg chg="mod">
-          <ac:chgData name="Максим Кулаков" userId="04e6ebed4306f91a" providerId="LiveId" clId="{36F89D56-44A6-45FF-A89B-CD896B16A71C}" dt="2020-06-13T14:08:57.600" v="178" actId="121"/>
-          <ac:spMkLst>
-            <pc:docMk/>
-            <pc:sldMk cId="3825080715" sldId="258"/>
-            <ac:spMk id="14" creationId="{0B3840C3-A848-4927-B8D9-22F2617534CB}"/>
-          </ac:spMkLst>
-        </pc:spChg>
-        <pc:spChg chg="mod">
-          <ac:chgData name="Максим Кулаков" userId="04e6ebed4306f91a" providerId="LiveId" clId="{36F89D56-44A6-45FF-A89B-CD896B16A71C}" dt="2020-06-13T14:08:55.045" v="177" actId="121"/>
-          <ac:spMkLst>
-            <pc:docMk/>
-            <pc:sldMk cId="3825080715" sldId="258"/>
-            <ac:spMk id="15" creationId="{76CAEB2D-9639-4DB0-9D9D-2E9A7A8C5F2B}"/>
-          </ac:spMkLst>
-        </pc:spChg>
-        <pc:spChg chg="mod">
-          <ac:chgData name="Максим Кулаков" userId="04e6ebed4306f91a" providerId="LiveId" clId="{36F89D56-44A6-45FF-A89B-CD896B16A71C}" dt="2020-06-13T14:11:53.900" v="215" actId="121"/>
-          <ac:spMkLst>
-            <pc:docMk/>
-            <pc:sldMk cId="3825080715" sldId="258"/>
-            <ac:spMk id="16" creationId="{CD73DCDD-431F-4409-8B6E-A7967A74F631}"/>
-          </ac:spMkLst>
-        </pc:spChg>
-        <pc:spChg chg="add del mod">
-          <ac:chgData name="Максим Кулаков" userId="04e6ebed4306f91a" providerId="LiveId" clId="{36F89D56-44A6-45FF-A89B-CD896B16A71C}" dt="2020-06-13T14:05:12.448" v="94"/>
-          <ac:spMkLst>
-            <pc:docMk/>
-            <pc:sldMk cId="3825080715" sldId="258"/>
-            <ac:spMk id="17" creationId="{EF37A305-376A-4347-90EF-384B7BA5460F}"/>
-          </ac:spMkLst>
-        </pc:spChg>
-        <pc:spChg chg="add mod">
-          <ac:chgData name="Максим Кулаков" userId="04e6ebed4306f91a" providerId="LiveId" clId="{36F89D56-44A6-45FF-A89B-CD896B16A71C}" dt="2020-06-13T14:05:34.429" v="103" actId="20577"/>
-          <ac:spMkLst>
-            <pc:docMk/>
-            <pc:sldMk cId="3825080715" sldId="258"/>
-            <ac:spMk id="18" creationId="{A11CC828-DDD7-43B1-8E15-8771F335D978}"/>
-          </ac:spMkLst>
-        </pc:spChg>
-        <pc:grpChg chg="add del mod">
-          <ac:chgData name="Максим Кулаков" userId="04e6ebed4306f91a" providerId="LiveId" clId="{36F89D56-44A6-45FF-A89B-CD896B16A71C}" dt="2020-06-13T19:35:02.528" v="1492" actId="165"/>
-          <ac:grpSpMkLst>
-            <pc:docMk/>
-            <pc:sldMk cId="3825080715" sldId="258"/>
-            <ac:grpSpMk id="11" creationId="{2C1F2228-7CDD-420B-B480-163BA564E678}"/>
-          </ac:grpSpMkLst>
-        </pc:grpChg>
-        <pc:grpChg chg="add mod">
-          <ac:chgData name="Максим Кулаков" userId="04e6ebed4306f91a" providerId="LiveId" clId="{36F89D56-44A6-45FF-A89B-CD896B16A71C}" dt="2020-06-13T19:37:23.233" v="1538" actId="164"/>
-          <ac:grpSpMkLst>
-            <pc:docMk/>
-            <pc:sldMk cId="3825080715" sldId="258"/>
-            <ac:grpSpMk id="23" creationId="{7553EB65-ADBF-4FD0-8B35-8800AFEA4B9D}"/>
-          </ac:grpSpMkLst>
-        </pc:grpChg>
-        <pc:picChg chg="add del mod">
-          <ac:chgData name="Максим Кулаков" userId="04e6ebed4306f91a" providerId="LiveId" clId="{36F89D56-44A6-45FF-A89B-CD896B16A71C}" dt="2020-06-13T14:07:44.841" v="124" actId="478"/>
-          <ac:picMkLst>
-            <pc:docMk/>
-            <pc:sldMk cId="3825080715" sldId="258"/>
-            <ac:picMk id="4" creationId="{EE957252-D281-480C-92F1-78564E6A8479}"/>
-          </ac:picMkLst>
-        </pc:picChg>
-        <pc:picChg chg="add mod">
-          <ac:chgData name="Максим Кулаков" userId="04e6ebed4306f91a" providerId="LiveId" clId="{36F89D56-44A6-45FF-A89B-CD896B16A71C}" dt="2020-06-13T14:10:24.441" v="201" actId="1076"/>
-          <ac:picMkLst>
-            <pc:docMk/>
-            <pc:sldMk cId="3825080715" sldId="258"/>
-            <ac:picMk id="10" creationId="{7CB916E0-0319-48E8-84D1-F5FC1F3970CA}"/>
-          </ac:picMkLst>
-        </pc:picChg>
-        <pc:picChg chg="add del mod">
-          <ac:chgData name="Максим Кулаков" userId="04e6ebed4306f91a" providerId="LiveId" clId="{36F89D56-44A6-45FF-A89B-CD896B16A71C}" dt="2020-06-13T14:09:27.611" v="184" actId="1035"/>
-          <ac:picMkLst>
-            <pc:docMk/>
-            <pc:sldMk cId="3825080715" sldId="258"/>
-            <ac:picMk id="12" creationId="{569A0638-2818-4340-8A4F-79C14143485E}"/>
-          </ac:picMkLst>
-        </pc:picChg>
-        <pc:picChg chg="add mod">
-          <ac:chgData name="Максим Кулаков" userId="04e6ebed4306f91a" providerId="LiveId" clId="{36F89D56-44A6-45FF-A89B-CD896B16A71C}" dt="2020-06-13T14:11:46.447" v="214" actId="1035"/>
-          <ac:picMkLst>
-            <pc:docMk/>
-            <pc:sldMk cId="3825080715" sldId="258"/>
-            <ac:picMk id="20" creationId="{41F25543-69F1-4562-A2D8-445801083670}"/>
-          </ac:picMkLst>
-        </pc:picChg>
-        <pc:picChg chg="add mod">
-          <ac:chgData name="Максим Кулаков" userId="04e6ebed4306f91a" providerId="LiveId" clId="{36F89D56-44A6-45FF-A89B-CD896B16A71C}" dt="2020-06-13T14:22:07.108" v="247" actId="1038"/>
-          <ac:picMkLst>
-            <pc:docMk/>
-            <pc:sldMk cId="3825080715" sldId="258"/>
-            <ac:picMk id="22" creationId="{FB41BD46-2DDA-4843-9BE4-29DF7FCC6CF3}"/>
-          </ac:picMkLst>
-        </pc:picChg>
-        <pc:picChg chg="add mod">
-          <ac:chgData name="Максим Кулаков" userId="04e6ebed4306f91a" providerId="LiveId" clId="{36F89D56-44A6-45FF-A89B-CD896B16A71C}" dt="2020-06-13T14:30:36.497" v="273" actId="1076"/>
-          <ac:picMkLst>
-            <pc:docMk/>
-            <pc:sldMk cId="3825080715" sldId="258"/>
-            <ac:picMk id="24" creationId="{25A1AFDC-B60E-417A-8BF0-2B783600FACA}"/>
-          </ac:picMkLst>
-        </pc:picChg>
-      </pc:sldChg>
-      <pc:sldChg chg="addSp delSp modSp mod modAnim">
-        <pc:chgData name="Максим Кулаков" userId="04e6ebed4306f91a" providerId="LiveId" clId="{36F89D56-44A6-45FF-A89B-CD896B16A71C}" dt="2020-06-13T19:28:01.359" v="1472" actId="1582"/>
-        <pc:sldMkLst>
-          <pc:docMk/>
-          <pc:sldMk cId="1279104608" sldId="259"/>
-        </pc:sldMkLst>
-        <pc:spChg chg="add del mod">
-          <ac:chgData name="Максим Кулаков" userId="04e6ebed4306f91a" providerId="LiveId" clId="{36F89D56-44A6-45FF-A89B-CD896B16A71C}" dt="2020-06-13T19:25:28.533" v="1440" actId="478"/>
-          <ac:spMkLst>
-            <pc:docMk/>
-            <pc:sldMk cId="1279104608" sldId="259"/>
-            <ac:spMk id="3" creationId="{03C42158-A1F2-4F1E-942B-75DEC4CCDC1F}"/>
-          </ac:spMkLst>
-        </pc:spChg>
-        <pc:spChg chg="add del">
-          <ac:chgData name="Максим Кулаков" userId="04e6ebed4306f91a" providerId="LiveId" clId="{36F89D56-44A6-45FF-A89B-CD896B16A71C}" dt="2020-06-13T19:25:48.197" v="1442" actId="11529"/>
-          <ac:spMkLst>
-            <pc:docMk/>
-            <pc:sldMk cId="1279104608" sldId="259"/>
-            <ac:spMk id="5" creationId="{A23D103E-0497-4FB7-9BC6-BA553E25FF1B}"/>
-          </ac:spMkLst>
-        </pc:spChg>
-        <pc:spChg chg="mod">
-          <ac:chgData name="Максим Кулаков" userId="04e6ebed4306f91a" providerId="LiveId" clId="{36F89D56-44A6-45FF-A89B-CD896B16A71C}" dt="2020-06-13T18:57:34.186" v="1123" actId="20577"/>
-          <ac:spMkLst>
-            <pc:docMk/>
-            <pc:sldMk cId="1279104608" sldId="259"/>
-            <ac:spMk id="6" creationId="{B2C932AF-F434-43DF-8EF4-26777FBD94A7}"/>
-          </ac:spMkLst>
-        </pc:spChg>
-        <pc:spChg chg="mod">
-          <ac:chgData name="Максим Кулаков" userId="04e6ebed4306f91a" providerId="LiveId" clId="{36F89D56-44A6-45FF-A89B-CD896B16A71C}" dt="2020-06-13T18:56:25.311" v="1092" actId="207"/>
-          <ac:spMkLst>
-            <pc:docMk/>
-            <pc:sldMk cId="1279104608" sldId="259"/>
-            <ac:spMk id="7" creationId="{99175E69-34D1-42E7-9611-598A50F2A2A7}"/>
-          </ac:spMkLst>
-        </pc:spChg>
-        <pc:spChg chg="add mod">
-          <ac:chgData name="Максим Кулаков" userId="04e6ebed4306f91a" providerId="LiveId" clId="{36F89D56-44A6-45FF-A89B-CD896B16A71C}" dt="2020-06-13T19:28:01.359" v="1472" actId="1582"/>
-          <ac:spMkLst>
-            <pc:docMk/>
-            <pc:sldMk cId="1279104608" sldId="259"/>
-            <ac:spMk id="8" creationId="{F2EE2873-AAC0-4AD3-9F22-F0F851A29755}"/>
-          </ac:spMkLst>
-        </pc:spChg>
-        <pc:spChg chg="mod">
-          <ac:chgData name="Максим Кулаков" userId="04e6ebed4306f91a" providerId="LiveId" clId="{36F89D56-44A6-45FF-A89B-CD896B16A71C}" dt="2020-06-13T18:56:17.681" v="1091" actId="207"/>
-          <ac:spMkLst>
-            <pc:docMk/>
-            <pc:sldMk cId="1279104608" sldId="259"/>
-            <ac:spMk id="9" creationId="{737E8A4B-64B9-44D7-B11C-E87371FA8664}"/>
-          </ac:spMkLst>
-        </pc:spChg>
-        <pc:spChg chg="add mod">
-          <ac:chgData name="Максим Кулаков" userId="04e6ebed4306f91a" providerId="LiveId" clId="{36F89D56-44A6-45FF-A89B-CD896B16A71C}" dt="2020-06-13T19:28:01.359" v="1472" actId="1582"/>
-          <ac:spMkLst>
-            <pc:docMk/>
-            <pc:sldMk cId="1279104608" sldId="259"/>
-            <ac:spMk id="10" creationId="{0C54B240-A2ED-43EF-A22C-C5B556EF6385}"/>
-          </ac:spMkLst>
-        </pc:spChg>
-        <pc:spChg chg="add mod">
-          <ac:chgData name="Максим Кулаков" userId="04e6ebed4306f91a" providerId="LiveId" clId="{36F89D56-44A6-45FF-A89B-CD896B16A71C}" dt="2020-06-13T19:28:01.359" v="1472" actId="1582"/>
-          <ac:spMkLst>
-            <pc:docMk/>
-            <pc:sldMk cId="1279104608" sldId="259"/>
-            <ac:spMk id="11" creationId="{EAC9C63C-757E-477A-90C7-7A9CFCF1E707}"/>
-          </ac:spMkLst>
-        </pc:spChg>
-        <pc:spChg chg="mod">
-          <ac:chgData name="Максим Кулаков" userId="04e6ebed4306f91a" providerId="LiveId" clId="{36F89D56-44A6-45FF-A89B-CD896B16A71C}" dt="2020-06-13T18:57:06.745" v="1105" actId="20577"/>
-          <ac:spMkLst>
-            <pc:docMk/>
-            <pc:sldMk cId="1279104608" sldId="259"/>
-            <ac:spMk id="12" creationId="{6C8ED7A4-5C34-4A94-9382-38FAE9266125}"/>
-          </ac:spMkLst>
-        </pc:spChg>
-        <pc:spChg chg="mod">
-          <ac:chgData name="Максим Кулаков" userId="04e6ebed4306f91a" providerId="LiveId" clId="{36F89D56-44A6-45FF-A89B-CD896B16A71C}" dt="2020-06-13T18:57:21.913" v="1114" actId="20577"/>
-          <ac:spMkLst>
-            <pc:docMk/>
-            <pc:sldMk cId="1279104608" sldId="259"/>
-            <ac:spMk id="13" creationId="{9E31AAA0-3805-4E50-99BD-ED6A96DE4096}"/>
-          </ac:spMkLst>
-        </pc:spChg>
-        <pc:spChg chg="mod">
-          <ac:chgData name="Максим Кулаков" userId="04e6ebed4306f91a" providerId="LiveId" clId="{36F89D56-44A6-45FF-A89B-CD896B16A71C}" dt="2020-06-13T18:56:29.846" v="1093" actId="207"/>
-          <ac:spMkLst>
-            <pc:docMk/>
-            <pc:sldMk cId="1279104608" sldId="259"/>
-            <ac:spMk id="14" creationId="{F40B1D05-0B0F-49AC-9BE0-670607F25A8A}"/>
-          </ac:spMkLst>
-        </pc:spChg>
-        <pc:spChg chg="mod">
-          <ac:chgData name="Максим Кулаков" userId="04e6ebed4306f91a" providerId="LiveId" clId="{36F89D56-44A6-45FF-A89B-CD896B16A71C}" dt="2020-06-13T18:52:47.287" v="1077" actId="207"/>
-          <ac:spMkLst>
-            <pc:docMk/>
-            <pc:sldMk cId="1279104608" sldId="259"/>
-            <ac:spMk id="15" creationId="{9B9BCD36-F5E5-4CB0-B8F4-4EA5DF7F9568}"/>
-          </ac:spMkLst>
-        </pc:spChg>
-        <pc:spChg chg="mod">
-          <ac:chgData name="Максим Кулаков" userId="04e6ebed4306f91a" providerId="LiveId" clId="{36F89D56-44A6-45FF-A89B-CD896B16A71C}" dt="2020-06-13T18:52:47.287" v="1077" actId="207"/>
-          <ac:spMkLst>
-            <pc:docMk/>
-            <pc:sldMk cId="1279104608" sldId="259"/>
-            <ac:spMk id="16" creationId="{63A45A5A-E70B-42B8-9C50-055B5EA7EDB6}"/>
-          </ac:spMkLst>
-        </pc:spChg>
-        <pc:spChg chg="mod">
-          <ac:chgData name="Максим Кулаков" userId="04e6ebed4306f91a" providerId="LiveId" clId="{36F89D56-44A6-45FF-A89B-CD896B16A71C}" dt="2020-06-13T18:52:47.287" v="1077" actId="207"/>
-          <ac:spMkLst>
-            <pc:docMk/>
-            <pc:sldMk cId="1279104608" sldId="259"/>
-            <ac:spMk id="17" creationId="{27F5792A-D5E1-4C7C-A488-65EB9DBADD22}"/>
-          </ac:spMkLst>
-        </pc:spChg>
-        <pc:spChg chg="mod">
-          <ac:chgData name="Максим Кулаков" userId="04e6ebed4306f91a" providerId="LiveId" clId="{36F89D56-44A6-45FF-A89B-CD896B16A71C}" dt="2020-06-13T18:52:47.287" v="1077" actId="207"/>
-          <ac:spMkLst>
-            <pc:docMk/>
-            <pc:sldMk cId="1279104608" sldId="259"/>
-            <ac:spMk id="18" creationId="{594C4549-EE00-46F9-9159-FB9487A4BC2A}"/>
-          </ac:spMkLst>
-        </pc:spChg>
-        <pc:spChg chg="mod">
-          <ac:chgData name="Максим Кулаков" userId="04e6ebed4306f91a" providerId="LiveId" clId="{36F89D56-44A6-45FF-A89B-CD896B16A71C}" dt="2020-06-13T18:52:47.287" v="1077" actId="207"/>
-          <ac:spMkLst>
-            <pc:docMk/>
-            <pc:sldMk cId="1279104608" sldId="259"/>
-            <ac:spMk id="19" creationId="{D04C2DCA-523F-4B58-AB29-E67507748A17}"/>
-          </ac:spMkLst>
-        </pc:spChg>
-        <pc:spChg chg="mod">
-          <ac:chgData name="Максим Кулаков" userId="04e6ebed4306f91a" providerId="LiveId" clId="{36F89D56-44A6-45FF-A89B-CD896B16A71C}" dt="2020-06-13T18:52:47.287" v="1077" actId="207"/>
-          <ac:spMkLst>
-            <pc:docMk/>
-            <pc:sldMk cId="1279104608" sldId="259"/>
-            <ac:spMk id="20" creationId="{BFFB029F-133A-4E07-A411-F1CE6250B19A}"/>
-          </ac:spMkLst>
-        </pc:spChg>
-        <pc:spChg chg="add mod">
-          <ac:chgData name="Максим Кулаков" userId="04e6ebed4306f91a" providerId="LiveId" clId="{36F89D56-44A6-45FF-A89B-CD896B16A71C}" dt="2020-06-13T19:28:01.359" v="1472" actId="1582"/>
-          <ac:spMkLst>
-            <pc:docMk/>
-            <pc:sldMk cId="1279104608" sldId="259"/>
-            <ac:spMk id="21" creationId="{61F26B88-06FA-4BC6-8617-348DE6987339}"/>
-          </ac:spMkLst>
-        </pc:spChg>
-        <pc:picChg chg="add del mod">
-          <ac:chgData name="Максим Кулаков" userId="04e6ebed4306f91a" providerId="LiveId" clId="{36F89D56-44A6-45FF-A89B-CD896B16A71C}" dt="2020-06-13T14:30:01.804" v="264" actId="21"/>
-          <ac:picMkLst>
-            <pc:docMk/>
-            <pc:sldMk cId="1279104608" sldId="259"/>
-            <ac:picMk id="5" creationId="{61080D03-0051-43D7-A98A-7F8C96503517}"/>
-          </ac:picMkLst>
-        </pc:picChg>
-        <pc:picChg chg="add del mod">
-          <ac:chgData name="Максим Кулаков" userId="04e6ebed4306f91a" providerId="LiveId" clId="{36F89D56-44A6-45FF-A89B-CD896B16A71C}" dt="2020-06-13T16:01:48.819" v="531" actId="21"/>
-          <ac:picMkLst>
-            <pc:docMk/>
-            <pc:sldMk cId="1279104608" sldId="259"/>
-            <ac:picMk id="10" creationId="{D3656C82-EB2D-4231-9873-1347C01A23D1}"/>
-          </ac:picMkLst>
-        </pc:picChg>
-      </pc:sldChg>
-      <pc:sldChg chg="addSp modSp mod">
-        <pc:chgData name="Максим Кулаков" userId="04e6ebed4306f91a" providerId="LiveId" clId="{36F89D56-44A6-45FF-A89B-CD896B16A71C}" dt="2020-06-13T19:22:47.660" v="1422" actId="1582"/>
-        <pc:sldMkLst>
-          <pc:docMk/>
-          <pc:sldMk cId="4170250133" sldId="261"/>
-        </pc:sldMkLst>
-        <pc:spChg chg="mod">
-          <ac:chgData name="Максим Кулаков" userId="04e6ebed4306f91a" providerId="LiveId" clId="{36F89D56-44A6-45FF-A89B-CD896B16A71C}" dt="2020-06-13T16:37:36.396" v="766" actId="207"/>
-          <ac:spMkLst>
-            <pc:docMk/>
-            <pc:sldMk cId="4170250133" sldId="261"/>
-            <ac:spMk id="2" creationId="{B5E38839-2BF1-4337-B068-458AD2C563A5}"/>
-          </ac:spMkLst>
-        </pc:spChg>
-        <pc:cxnChg chg="add mod">
-          <ac:chgData name="Максим Кулаков" userId="04e6ebed4306f91a" providerId="LiveId" clId="{36F89D56-44A6-45FF-A89B-CD896B16A71C}" dt="2020-06-13T19:22:47.660" v="1422" actId="1582"/>
-          <ac:cxnSpMkLst>
-            <pc:docMk/>
-            <pc:sldMk cId="4170250133" sldId="261"/>
-            <ac:cxnSpMk id="4" creationId="{1725183E-DA5A-4215-9797-1F1F54884A1E}"/>
-          </ac:cxnSpMkLst>
-        </pc:cxnChg>
-      </pc:sldChg>
-      <pc:sldChg chg="addSp">
-        <pc:chgData name="Максим Кулаков" userId="04e6ebed4306f91a" providerId="LiveId" clId="{36F89D56-44A6-45FF-A89B-CD896B16A71C}" dt="2020-06-13T19:14:35.596" v="1338"/>
-        <pc:sldMkLst>
-          <pc:docMk/>
-          <pc:sldMk cId="148764517" sldId="262"/>
-        </pc:sldMkLst>
-        <pc:picChg chg="add">
-          <ac:chgData name="Максим Кулаков" userId="04e6ebed4306f91a" providerId="LiveId" clId="{36F89D56-44A6-45FF-A89B-CD896B16A71C}" dt="2020-06-13T19:14:35.596" v="1338"/>
-          <ac:picMkLst>
-            <pc:docMk/>
-            <pc:sldMk cId="148764517" sldId="262"/>
-            <ac:picMk id="3074" creationId="{950BBEE3-E70B-4A11-80B3-EDEFF0958B35}"/>
-          </ac:picMkLst>
-        </pc:picChg>
-      </pc:sldChg>
-      <pc:sldChg chg="addSp delSp modSp add del mod">
-        <pc:chgData name="Максим Кулаков" userId="04e6ebed4306f91a" providerId="LiveId" clId="{36F89D56-44A6-45FF-A89B-CD896B16A71C}" dt="2020-06-13T19:32:28.006" v="1479" actId="478"/>
-        <pc:sldMkLst>
-          <pc:docMk/>
-          <pc:sldMk cId="3043985443" sldId="262"/>
-        </pc:sldMkLst>
-        <pc:spChg chg="mod">
-          <ac:chgData name="Максим Кулаков" userId="04e6ebed4306f91a" providerId="LiveId" clId="{36F89D56-44A6-45FF-A89B-CD896B16A71C}" dt="2020-06-13T19:31:03.138" v="1475" actId="207"/>
-          <ac:spMkLst>
-            <pc:docMk/>
-            <pc:sldMk cId="3043985443" sldId="262"/>
-            <ac:spMk id="5" creationId="{34253F25-F55E-485A-84AE-4DCABDD86114}"/>
-          </ac:spMkLst>
-        </pc:spChg>
-        <pc:spChg chg="mod">
-          <ac:chgData name="Максим Кулаков" userId="04e6ebed4306f91a" providerId="LiveId" clId="{36F89D56-44A6-45FF-A89B-CD896B16A71C}" dt="2020-06-13T19:21:33.081" v="1417" actId="14861"/>
-          <ac:spMkLst>
-            <pc:docMk/>
-            <pc:sldMk cId="3043985443" sldId="262"/>
-            <ac:spMk id="6" creationId="{08CED4B7-937B-4BD8-BB62-CF1973863792}"/>
-          </ac:spMkLst>
-        </pc:spChg>
-        <pc:spChg chg="mod">
-          <ac:chgData name="Максим Кулаков" userId="04e6ebed4306f91a" providerId="LiveId" clId="{36F89D56-44A6-45FF-A89B-CD896B16A71C}" dt="2020-06-13T19:31:03.138" v="1475" actId="207"/>
-          <ac:spMkLst>
-            <pc:docMk/>
-            <pc:sldMk cId="3043985443" sldId="262"/>
-            <ac:spMk id="8" creationId="{3710F289-A01A-4B46-9AFE-EFE6F6D7F76F}"/>
-          </ac:spMkLst>
-        </pc:spChg>
-        <pc:spChg chg="mod">
-          <ac:chgData name="Максим Кулаков" userId="04e6ebed4306f91a" providerId="LiveId" clId="{36F89D56-44A6-45FF-A89B-CD896B16A71C}" dt="2020-06-13T19:21:33.081" v="1417" actId="14861"/>
-          <ac:spMkLst>
-            <pc:docMk/>
-            <pc:sldMk cId="3043985443" sldId="262"/>
-            <ac:spMk id="9" creationId="{7CEB8480-21A6-462D-A2FB-CF83E2D6DC2B}"/>
-          </ac:spMkLst>
-        </pc:spChg>
-        <pc:spChg chg="mod">
-          <ac:chgData name="Максим Кулаков" userId="04e6ebed4306f91a" providerId="LiveId" clId="{36F89D56-44A6-45FF-A89B-CD896B16A71C}" dt="2020-06-13T19:31:03.138" v="1475" actId="207"/>
-          <ac:spMkLst>
-            <pc:docMk/>
-            <pc:sldMk cId="3043985443" sldId="262"/>
-            <ac:spMk id="11" creationId="{9831C15B-5537-432B-A73A-39DF9CC31AC5}"/>
-          </ac:spMkLst>
-        </pc:spChg>
-        <pc:spChg chg="mod">
-          <ac:chgData name="Максим Кулаков" userId="04e6ebed4306f91a" providerId="LiveId" clId="{36F89D56-44A6-45FF-A89B-CD896B16A71C}" dt="2020-06-13T19:21:33.081" v="1417" actId="14861"/>
-          <ac:spMkLst>
-            <pc:docMk/>
-            <pc:sldMk cId="3043985443" sldId="262"/>
-            <ac:spMk id="12" creationId="{EF694C95-0FA8-4258-B64E-D26B7FF8A77E}"/>
-          </ac:spMkLst>
-        </pc:spChg>
-        <pc:spChg chg="mod">
-          <ac:chgData name="Максим Кулаков" userId="04e6ebed4306f91a" providerId="LiveId" clId="{36F89D56-44A6-45FF-A89B-CD896B16A71C}" dt="2020-06-13T19:31:03.138" v="1475" actId="207"/>
-          <ac:spMkLst>
-            <pc:docMk/>
-            <pc:sldMk cId="3043985443" sldId="262"/>
-            <ac:spMk id="13" creationId="{366F08B5-B21F-4F5C-81DB-456F5CB15BBD}"/>
-          </ac:spMkLst>
-        </pc:spChg>
-        <pc:spChg chg="mod">
-          <ac:chgData name="Максим Кулаков" userId="04e6ebed4306f91a" providerId="LiveId" clId="{36F89D56-44A6-45FF-A89B-CD896B16A71C}" dt="2020-06-13T19:21:33.081" v="1417" actId="14861"/>
-          <ac:spMkLst>
-            <pc:docMk/>
-            <pc:sldMk cId="3043985443" sldId="262"/>
-            <ac:spMk id="14" creationId="{3F3E1167-AC02-4457-AC96-C8D839EE7CD9}"/>
-          </ac:spMkLst>
-        </pc:spChg>
-        <pc:spChg chg="add del">
-          <ac:chgData name="Максим Кулаков" userId="04e6ebed4306f91a" providerId="LiveId" clId="{36F89D56-44A6-45FF-A89B-CD896B16A71C}" dt="2020-06-13T19:30:45.219" v="1474" actId="478"/>
-          <ac:spMkLst>
-            <pc:docMk/>
-            <pc:sldMk cId="3043985443" sldId="262"/>
-            <ac:spMk id="16" creationId="{00565F0B-8112-4883-8805-CE24D991482A}"/>
-          </ac:spMkLst>
-        </pc:spChg>
-        <pc:spChg chg="add del mod">
-          <ac:chgData name="Максим Кулаков" userId="04e6ebed4306f91a" providerId="LiveId" clId="{36F89D56-44A6-45FF-A89B-CD896B16A71C}" dt="2020-06-13T19:32:28.006" v="1479" actId="478"/>
-          <ac:spMkLst>
-            <pc:docMk/>
-            <pc:sldMk cId="3043985443" sldId="262"/>
-            <ac:spMk id="17" creationId="{D8F24E98-C585-4B24-B425-7E74FA2DA0B3}"/>
-          </ac:spMkLst>
-        </pc:spChg>
-        <pc:spChg chg="mod">
-          <ac:chgData name="Максим Кулаков" userId="04e6ebed4306f91a" providerId="LiveId" clId="{36F89D56-44A6-45FF-A89B-CD896B16A71C}" dt="2020-06-13T19:31:03.138" v="1475" actId="207"/>
-          <ac:spMkLst>
-            <pc:docMk/>
-            <pc:sldMk cId="3043985443" sldId="262"/>
-            <ac:spMk id="20" creationId="{AB8B2D8E-E86C-463C-B539-0C8ACE643A0F}"/>
-          </ac:spMkLst>
-        </pc:spChg>
-        <pc:spChg chg="mod">
-          <ac:chgData name="Максим Кулаков" userId="04e6ebed4306f91a" providerId="LiveId" clId="{36F89D56-44A6-45FF-A89B-CD896B16A71C}" dt="2020-06-13T19:21:33.081" v="1417" actId="14861"/>
-          <ac:spMkLst>
-            <pc:docMk/>
-            <pc:sldMk cId="3043985443" sldId="262"/>
-            <ac:spMk id="25" creationId="{5FC62086-1502-4BC5-B6C6-21F699AE00AF}"/>
-          </ac:spMkLst>
-        </pc:spChg>
-        <pc:picChg chg="add del mod">
-          <ac:chgData name="Максим Кулаков" userId="04e6ebed4306f91a" providerId="LiveId" clId="{36F89D56-44A6-45FF-A89B-CD896B16A71C}" dt="2020-06-13T16:02:26.082" v="538" actId="478"/>
-          <ac:picMkLst>
-            <pc:docMk/>
-            <pc:sldMk cId="3043985443" sldId="262"/>
-            <ac:picMk id="3" creationId="{33705654-3EC7-417D-9C5C-369429563C2E}"/>
-          </ac:picMkLst>
-        </pc:picChg>
-        <pc:picChg chg="add mod modCrop">
-          <ac:chgData name="Максим Кулаков" userId="04e6ebed4306f91a" providerId="LiveId" clId="{36F89D56-44A6-45FF-A89B-CD896B16A71C}" dt="2020-06-13T19:19:39.749" v="1392" actId="1038"/>
-          <ac:picMkLst>
-            <pc:docMk/>
-            <pc:sldMk cId="3043985443" sldId="262"/>
-            <ac:picMk id="10" creationId="{889A9616-8537-44A2-8A70-59CCDF8E4746}"/>
-          </ac:picMkLst>
-        </pc:picChg>
-        <pc:picChg chg="add del mod">
-          <ac:chgData name="Максим Кулаков" userId="04e6ebed4306f91a" providerId="LiveId" clId="{36F89D56-44A6-45FF-A89B-CD896B16A71C}" dt="2020-06-13T16:04:39.056" v="540" actId="478"/>
-          <ac:picMkLst>
-            <pc:docMk/>
-            <pc:sldMk cId="3043985443" sldId="262"/>
-            <ac:picMk id="15" creationId="{26DAE8BD-B110-44DD-8B5E-D326FD98ABA3}"/>
-          </ac:picMkLst>
-        </pc:picChg>
-        <pc:picChg chg="add mod">
-          <ac:chgData name="Максим Кулаков" userId="04e6ebed4306f91a" providerId="LiveId" clId="{36F89D56-44A6-45FF-A89B-CD896B16A71C}" dt="2020-06-13T19:19:57.173" v="1415" actId="1038"/>
-          <ac:picMkLst>
-            <pc:docMk/>
-            <pc:sldMk cId="3043985443" sldId="262"/>
-            <ac:picMk id="2050" creationId="{279015D6-6596-4288-887F-4748D922BC30}"/>
-          </ac:picMkLst>
-        </pc:picChg>
-        <pc:picChg chg="mod">
-          <ac:chgData name="Максим Кулаков" userId="04e6ebed4306f91a" providerId="LiveId" clId="{36F89D56-44A6-45FF-A89B-CD896B16A71C}" dt="2020-06-13T19:19:57.173" v="1415" actId="1038"/>
-          <ac:picMkLst>
-            <pc:docMk/>
-            <pc:sldMk cId="3043985443" sldId="262"/>
-            <ac:picMk id="3074" creationId="{950BBEE3-E70B-4A11-80B3-EDEFF0958B35}"/>
-          </ac:picMkLst>
-        </pc:picChg>
-        <pc:cxnChg chg="mod">
-          <ac:chgData name="Максим Кулаков" userId="04e6ebed4306f91a" providerId="LiveId" clId="{36F89D56-44A6-45FF-A89B-CD896B16A71C}" dt="2020-06-13T19:19:51.782" v="1395" actId="1076"/>
-          <ac:cxnSpMkLst>
-            <pc:docMk/>
-            <pc:sldMk cId="3043985443" sldId="262"/>
-            <ac:cxnSpMk id="7" creationId="{2BF17C09-FF88-4C53-AB84-A9431D74E1CD}"/>
-          </ac:cxnSpMkLst>
-        </pc:cxnChg>
-      </pc:sldChg>
-      <pc:sldChg chg="addSp delSp modSp mod delAnim modAnim">
-        <pc:chgData name="Максим Кулаков" userId="04e6ebed4306f91a" providerId="LiveId" clId="{36F89D56-44A6-45FF-A89B-CD896B16A71C}" dt="2020-06-13T19:33:56.171" v="1480" actId="688"/>
-        <pc:sldMkLst>
-          <pc:docMk/>
-          <pc:sldMk cId="1345057888" sldId="263"/>
-        </pc:sldMkLst>
-        <pc:spChg chg="mod">
-          <ac:chgData name="Максим Кулаков" userId="04e6ebed4306f91a" providerId="LiveId" clId="{36F89D56-44A6-45FF-A89B-CD896B16A71C}" dt="2020-06-13T19:23:19.406" v="1432" actId="1037"/>
-          <ac:spMkLst>
-            <pc:docMk/>
-            <pc:sldMk cId="1345057888" sldId="263"/>
-            <ac:spMk id="4" creationId="{471B1761-979C-4985-B470-A9E82BC9FAF2}"/>
-          </ac:spMkLst>
-        </pc:spChg>
-        <pc:spChg chg="mod">
-          <ac:chgData name="Максим Кулаков" userId="04e6ebed4306f91a" providerId="LiveId" clId="{36F89D56-44A6-45FF-A89B-CD896B16A71C}" dt="2020-06-13T19:23:19.406" v="1432" actId="1037"/>
-          <ac:spMkLst>
-            <pc:docMk/>
-            <pc:sldMk cId="1345057888" sldId="263"/>
-            <ac:spMk id="5" creationId="{6E5EEC58-7077-4F5A-A386-A9F348C902C7}"/>
-          </ac:spMkLst>
-        </pc:spChg>
-        <pc:spChg chg="mod">
-          <ac:chgData name="Максим Кулаков" userId="04e6ebed4306f91a" providerId="LiveId" clId="{36F89D56-44A6-45FF-A89B-CD896B16A71C}" dt="2020-06-13T19:23:19.406" v="1432" actId="1037"/>
-          <ac:spMkLst>
-            <pc:docMk/>
-            <pc:sldMk cId="1345057888" sldId="263"/>
-            <ac:spMk id="6" creationId="{8D656520-F5BF-429B-AF81-C89EBB96E2FB}"/>
-          </ac:spMkLst>
-        </pc:spChg>
-        <pc:spChg chg="mod">
-          <ac:chgData name="Максим Кулаков" userId="04e6ebed4306f91a" providerId="LiveId" clId="{36F89D56-44A6-45FF-A89B-CD896B16A71C}" dt="2020-06-13T19:23:19.406" v="1432" actId="1037"/>
-          <ac:spMkLst>
-            <pc:docMk/>
-            <pc:sldMk cId="1345057888" sldId="263"/>
-            <ac:spMk id="7" creationId="{98959F4F-A1A4-4D48-B915-6A3E4DB90571}"/>
-          </ac:spMkLst>
-        </pc:spChg>
-        <pc:spChg chg="mod">
-          <ac:chgData name="Максим Кулаков" userId="04e6ebed4306f91a" providerId="LiveId" clId="{36F89D56-44A6-45FF-A89B-CD896B16A71C}" dt="2020-06-13T19:23:19.406" v="1432" actId="1037"/>
-          <ac:spMkLst>
-            <pc:docMk/>
-            <pc:sldMk cId="1345057888" sldId="263"/>
-            <ac:spMk id="8" creationId="{AFB996BC-CBB7-4FDE-A7AD-9D9C5CF9D010}"/>
-          </ac:spMkLst>
-        </pc:spChg>
-        <pc:spChg chg="mod">
-          <ac:chgData name="Максим Кулаков" userId="04e6ebed4306f91a" providerId="LiveId" clId="{36F89D56-44A6-45FF-A89B-CD896B16A71C}" dt="2020-06-13T19:23:19.406" v="1432" actId="1037"/>
-          <ac:spMkLst>
-            <pc:docMk/>
-            <pc:sldMk cId="1345057888" sldId="263"/>
-            <ac:spMk id="9" creationId="{770CEC0F-E572-4B91-ACFF-338CFA07C7F4}"/>
-          </ac:spMkLst>
-        </pc:spChg>
-        <pc:spChg chg="add mod">
-          <ac:chgData name="Максим Кулаков" userId="04e6ebed4306f91a" providerId="LiveId" clId="{36F89D56-44A6-45FF-A89B-CD896B16A71C}" dt="2020-06-13T19:23:19.406" v="1432" actId="1037"/>
-          <ac:spMkLst>
-            <pc:docMk/>
-            <pc:sldMk cId="1345057888" sldId="263"/>
-            <ac:spMk id="10" creationId="{5526C4BC-0A66-4B91-A7B0-A22742C9B41E}"/>
-          </ac:spMkLst>
-        </pc:spChg>
-        <pc:spChg chg="add del mod">
-          <ac:chgData name="Максим Кулаков" userId="04e6ebed4306f91a" providerId="LiveId" clId="{36F89D56-44A6-45FF-A89B-CD896B16A71C}" dt="2020-06-13T16:27:58.148" v="714" actId="478"/>
-          <ac:spMkLst>
-            <pc:docMk/>
-            <pc:sldMk cId="1345057888" sldId="263"/>
-            <ac:spMk id="11" creationId="{770FF987-BD5F-4EBC-8E5D-EB4C7C76C053}"/>
-          </ac:spMkLst>
-        </pc:spChg>
-        <pc:spChg chg="add del mod">
-          <ac:chgData name="Максим Кулаков" userId="04e6ebed4306f91a" providerId="LiveId" clId="{36F89D56-44A6-45FF-A89B-CD896B16A71C}" dt="2020-06-13T16:43:48.777" v="785" actId="478"/>
-          <ac:spMkLst>
-            <pc:docMk/>
-            <pc:sldMk cId="1345057888" sldId="263"/>
-            <ac:spMk id="13" creationId="{06813595-E773-43FE-A80E-75E8A9D05666}"/>
-          </ac:spMkLst>
-        </pc:spChg>
-        <pc:spChg chg="add del">
-          <ac:chgData name="Максим Кулаков" userId="04e6ebed4306f91a" providerId="LiveId" clId="{36F89D56-44A6-45FF-A89B-CD896B16A71C}" dt="2020-06-13T16:21:22.890" v="578" actId="478"/>
-          <ac:spMkLst>
-            <pc:docMk/>
-            <pc:sldMk cId="1345057888" sldId="263"/>
-            <ac:spMk id="15" creationId="{18343B29-0B46-468C-9D40-7316F4456E4D}"/>
-          </ac:spMkLst>
-        </pc:spChg>
-        <pc:spChg chg="add del mod">
-          <ac:chgData name="Максим Кулаков" userId="04e6ebed4306f91a" providerId="LiveId" clId="{36F89D56-44A6-45FF-A89B-CD896B16A71C}" dt="2020-06-13T16:18:37.071" v="569" actId="478"/>
-          <ac:spMkLst>
-            <pc:docMk/>
-            <pc:sldMk cId="1345057888" sldId="263"/>
-            <ac:spMk id="17" creationId="{95487159-B36F-44A7-B603-2B4EC7A386ED}"/>
-          </ac:spMkLst>
-        </pc:spChg>
-        <pc:spChg chg="add del mod">
-          <ac:chgData name="Максим Кулаков" userId="04e6ebed4306f91a" providerId="LiveId" clId="{36F89D56-44A6-45FF-A89B-CD896B16A71C}" dt="2020-06-13T16:42:30.645" v="775" actId="478"/>
-          <ac:spMkLst>
-            <pc:docMk/>
-            <pc:sldMk cId="1345057888" sldId="263"/>
-            <ac:spMk id="19" creationId="{95EFF972-ED21-45CE-9EED-E22FEEB89CC9}"/>
-          </ac:spMkLst>
-        </pc:spChg>
-        <pc:spChg chg="add mod">
-          <ac:chgData name="Максим Кулаков" userId="04e6ebed4306f91a" providerId="LiveId" clId="{36F89D56-44A6-45FF-A89B-CD896B16A71C}" dt="2020-06-13T16:18:42.216" v="571" actId="571"/>
-          <ac:spMkLst>
-            <pc:docMk/>
-            <pc:sldMk cId="1345057888" sldId="263"/>
-            <ac:spMk id="20" creationId="{8838AFAB-811F-4C28-A2EA-1F3D6DD1066A}"/>
-          </ac:spMkLst>
-        </pc:spChg>
-        <pc:spChg chg="add del mod">
-          <ac:chgData name="Максим Кулаков" userId="04e6ebed4306f91a" providerId="LiveId" clId="{36F89D56-44A6-45FF-A89B-CD896B16A71C}" dt="2020-06-13T16:27:59.475" v="715" actId="478"/>
-          <ac:spMkLst>
-            <pc:docMk/>
-            <pc:sldMk cId="1345057888" sldId="263"/>
-            <ac:spMk id="22" creationId="{E3A7FA5D-AC1F-41D2-BEF5-2E63F73CE056}"/>
-          </ac:spMkLst>
-        </pc:spChg>
-        <pc:spChg chg="add mod">
-          <ac:chgData name="Максим Кулаков" userId="04e6ebed4306f91a" providerId="LiveId" clId="{36F89D56-44A6-45FF-A89B-CD896B16A71C}" dt="2020-06-13T19:23:19.406" v="1432" actId="1037"/>
-          <ac:spMkLst>
-            <pc:docMk/>
-            <pc:sldMk cId="1345057888" sldId="263"/>
-            <ac:spMk id="24" creationId="{02E41569-4515-48F6-BF6A-9B35DD4B9315}"/>
-          </ac:spMkLst>
-        </pc:spChg>
-        <pc:spChg chg="add mod">
-          <ac:chgData name="Максим Кулаков" userId="04e6ebed4306f91a" providerId="LiveId" clId="{36F89D56-44A6-45FF-A89B-CD896B16A71C}" dt="2020-06-13T19:23:19.406" v="1432" actId="1037"/>
-          <ac:spMkLst>
-            <pc:docMk/>
-            <pc:sldMk cId="1345057888" sldId="263"/>
-            <ac:spMk id="26" creationId="{4CC1FE43-B7EB-4DA9-B2EA-A66AE3903AF8}"/>
-          </ac:spMkLst>
-        </pc:spChg>
-        <pc:spChg chg="add mod">
-          <ac:chgData name="Максим Кулаков" userId="04e6ebed4306f91a" providerId="LiveId" clId="{36F89D56-44A6-45FF-A89B-CD896B16A71C}" dt="2020-06-13T19:23:19.406" v="1432" actId="1037"/>
-          <ac:spMkLst>
-            <pc:docMk/>
-            <pc:sldMk cId="1345057888" sldId="263"/>
-            <ac:spMk id="28" creationId="{66941056-B7B7-4A3F-9F4B-85AA48840834}"/>
-          </ac:spMkLst>
-        </pc:spChg>
-        <pc:spChg chg="add mod">
-          <ac:chgData name="Максим Кулаков" userId="04e6ebed4306f91a" providerId="LiveId" clId="{36F89D56-44A6-45FF-A89B-CD896B16A71C}" dt="2020-06-13T19:23:19.406" v="1432" actId="1037"/>
-          <ac:spMkLst>
-            <pc:docMk/>
-            <pc:sldMk cId="1345057888" sldId="263"/>
-            <ac:spMk id="29" creationId="{48B586DA-3EEB-4A47-9E0A-9FA97B488A9D}"/>
-          </ac:spMkLst>
-        </pc:spChg>
-        <pc:spChg chg="add mod">
-          <ac:chgData name="Максим Кулаков" userId="04e6ebed4306f91a" providerId="LiveId" clId="{36F89D56-44A6-45FF-A89B-CD896B16A71C}" dt="2020-06-13T19:23:19.406" v="1432" actId="1037"/>
-          <ac:spMkLst>
-            <pc:docMk/>
-            <pc:sldMk cId="1345057888" sldId="263"/>
-            <ac:spMk id="31" creationId="{773325CE-B34E-4976-A68B-30C1AB3BD79F}"/>
-          </ac:spMkLst>
-        </pc:spChg>
-        <pc:spChg chg="add del mod">
-          <ac:chgData name="Максим Кулаков" userId="04e6ebed4306f91a" providerId="LiveId" clId="{36F89D56-44A6-45FF-A89B-CD896B16A71C}" dt="2020-06-13T16:46:02.467" v="810" actId="478"/>
-          <ac:spMkLst>
-            <pc:docMk/>
-            <pc:sldMk cId="1345057888" sldId="263"/>
-            <ac:spMk id="33" creationId="{66D2D685-71E4-4830-9302-C958DECE87A4}"/>
-          </ac:spMkLst>
-        </pc:spChg>
-        <pc:picChg chg="add mod">
-          <ac:chgData name="Максим Кулаков" userId="04e6ebed4306f91a" providerId="LiveId" clId="{36F89D56-44A6-45FF-A89B-CD896B16A71C}" dt="2020-06-13T19:33:56.171" v="1480" actId="688"/>
-          <ac:picMkLst>
-            <pc:docMk/>
-            <pc:sldMk cId="1345057888" sldId="263"/>
-            <ac:picMk id="35" creationId="{7373CFAD-ED06-44AF-A062-F949AD60E922}"/>
-          </ac:picMkLst>
-        </pc:picChg>
-        <pc:picChg chg="add del mod">
-          <ac:chgData name="Максим Кулаков" userId="04e6ebed4306f91a" providerId="LiveId" clId="{36F89D56-44A6-45FF-A89B-CD896B16A71C}" dt="2020-06-13T16:43:40.277" v="782" actId="478"/>
-          <ac:picMkLst>
-            <pc:docMk/>
-            <pc:sldMk cId="1345057888" sldId="263"/>
-            <ac:picMk id="37" creationId="{8FE56AAE-80A9-4928-AB60-C68FB61F1B36}"/>
-          </ac:picMkLst>
-        </pc:picChg>
-        <pc:picChg chg="add mod">
-          <ac:chgData name="Максим Кулаков" userId="04e6ebed4306f91a" providerId="LiveId" clId="{36F89D56-44A6-45FF-A89B-CD896B16A71C}" dt="2020-06-13T19:23:19.406" v="1432" actId="1037"/>
-          <ac:picMkLst>
-            <pc:docMk/>
-            <pc:sldMk cId="1345057888" sldId="263"/>
-            <ac:picMk id="39" creationId="{62247E7D-3FE8-4976-80C0-203A503470C9}"/>
-          </ac:picMkLst>
-        </pc:picChg>
-        <pc:picChg chg="add mod">
-          <ac:chgData name="Максим Кулаков" userId="04e6ebed4306f91a" providerId="LiveId" clId="{36F89D56-44A6-45FF-A89B-CD896B16A71C}" dt="2020-06-13T19:23:19.406" v="1432" actId="1037"/>
-          <ac:picMkLst>
-            <pc:docMk/>
-            <pc:sldMk cId="1345057888" sldId="263"/>
-            <ac:picMk id="41" creationId="{C3567826-7CE5-4CEE-81A2-0A06BF53D226}"/>
-          </ac:picMkLst>
-        </pc:picChg>
-        <pc:picChg chg="add mod">
-          <ac:chgData name="Максим Кулаков" userId="04e6ebed4306f91a" providerId="LiveId" clId="{36F89D56-44A6-45FF-A89B-CD896B16A71C}" dt="2020-06-13T19:23:19.406" v="1432" actId="1037"/>
-          <ac:picMkLst>
-            <pc:docMk/>
-            <pc:sldMk cId="1345057888" sldId="263"/>
-            <ac:picMk id="43" creationId="{3A09D881-461E-4BD9-9652-2C1431C0DBF4}"/>
-          </ac:picMkLst>
-        </pc:picChg>
-      </pc:sldChg>
-      <pc:sldChg chg="addSp delSp modSp new add del mod modAnim">
-        <pc:chgData name="Максим Кулаков" userId="04e6ebed4306f91a" providerId="LiveId" clId="{36F89D56-44A6-45FF-A89B-CD896B16A71C}" dt="2020-06-13T18:47:13.013" v="1042"/>
-        <pc:sldMkLst>
-          <pc:docMk/>
-          <pc:sldMk cId="3972692555" sldId="264"/>
-        </pc:sldMkLst>
-        <pc:spChg chg="add del mod">
-          <ac:chgData name="Максим Кулаков" userId="04e6ebed4306f91a" providerId="LiveId" clId="{36F89D56-44A6-45FF-A89B-CD896B16A71C}" dt="2020-06-13T17:01:38.698" v="957" actId="478"/>
-          <ac:spMkLst>
-            <pc:docMk/>
-            <pc:sldMk cId="3972692555" sldId="264"/>
-            <ac:spMk id="2" creationId="{2ADE108F-5C42-476D-A244-0BB4FFAEA950}"/>
-          </ac:spMkLst>
-        </pc:spChg>
-        <pc:spChg chg="del">
-          <ac:chgData name="Максим Кулаков" userId="04e6ebed4306f91a" providerId="LiveId" clId="{36F89D56-44A6-45FF-A89B-CD896B16A71C}" dt="2020-06-13T16:55:10.806" v="892" actId="478"/>
-          <ac:spMkLst>
-            <pc:docMk/>
-            <pc:sldMk cId="3972692555" sldId="264"/>
-            <ac:spMk id="3" creationId="{64743FF7-FAED-4FA5-8303-CDE51E3E774C}"/>
-          </ac:spMkLst>
-        </pc:spChg>
-        <pc:spChg chg="add del mod">
-          <ac:chgData name="Максим Кулаков" userId="04e6ebed4306f91a" providerId="LiveId" clId="{36F89D56-44A6-45FF-A89B-CD896B16A71C}" dt="2020-06-13T17:01:36.734" v="956" actId="478"/>
-          <ac:spMkLst>
-            <pc:docMk/>
-            <pc:sldMk cId="3972692555" sldId="264"/>
-            <ac:spMk id="5" creationId="{D79381E8-BDA8-4E6B-AF1F-E59EEF7287BF}"/>
-          </ac:spMkLst>
-        </pc:spChg>
-        <pc:spChg chg="add del mod">
-          <ac:chgData name="Максим Кулаков" userId="04e6ebed4306f91a" providerId="LiveId" clId="{36F89D56-44A6-45FF-A89B-CD896B16A71C}" dt="2020-06-13T17:01:32.727" v="954" actId="478"/>
-          <ac:spMkLst>
-            <pc:docMk/>
-            <pc:sldMk cId="3972692555" sldId="264"/>
-            <ac:spMk id="6" creationId="{1BCC1332-331A-4A65-995F-77A62154147C}"/>
-          </ac:spMkLst>
-        </pc:spChg>
-        <pc:spChg chg="add mod">
-          <ac:chgData name="Максим Кулаков" userId="04e6ebed4306f91a" providerId="LiveId" clId="{36F89D56-44A6-45FF-A89B-CD896B16A71C}" dt="2020-06-13T17:01:41.723" v="961" actId="27636"/>
-          <ac:spMkLst>
-            <pc:docMk/>
-            <pc:sldMk cId="3972692555" sldId="264"/>
-            <ac:spMk id="8" creationId="{1C533292-8EBE-41CA-96FE-4753A14B218A}"/>
-          </ac:spMkLst>
-        </pc:spChg>
-        <pc:graphicFrameChg chg="mod modGraphic">
-          <ac:chgData name="Максим Кулаков" userId="04e6ebed4306f91a" providerId="LiveId" clId="{36F89D56-44A6-45FF-A89B-CD896B16A71C}" dt="2020-06-13T18:42:22.154" v="1015" actId="207"/>
-          <ac:graphicFrameMkLst>
-            <pc:docMk/>
-            <pc:sldMk cId="3972692555" sldId="264"/>
-            <ac:graphicFrameMk id="4" creationId="{226702EE-0419-47AC-A401-3F80A5F11D11}"/>
-          </ac:graphicFrameMkLst>
-        </pc:graphicFrameChg>
-        <pc:graphicFrameChg chg="add mod">
-          <ac:chgData name="Максим Кулаков" userId="04e6ebed4306f91a" providerId="LiveId" clId="{36F89D56-44A6-45FF-A89B-CD896B16A71C}" dt="2020-06-13T18:45:15.318" v="1028" actId="692"/>
-          <ac:graphicFrameMkLst>
-            <pc:docMk/>
-            <pc:sldMk cId="3972692555" sldId="264"/>
-            <ac:graphicFrameMk id="11" creationId="{893A79E4-EA58-411A-A28D-128EB38CE5F7}"/>
-          </ac:graphicFrameMkLst>
-        </pc:graphicFrameChg>
-        <pc:graphicFrameChg chg="add mod">
-          <ac:chgData name="Максим Кулаков" userId="04e6ebed4306f91a" providerId="LiveId" clId="{36F89D56-44A6-45FF-A89B-CD896B16A71C}" dt="2020-06-13T18:42:12.307" v="1014" actId="571"/>
-          <ac:graphicFrameMkLst>
-            <pc:docMk/>
-            <pc:sldMk cId="3972692555" sldId="264"/>
-            <ac:graphicFrameMk id="12" creationId="{C4225010-8110-4CC0-AB3C-DB8396581F6E}"/>
-          </ac:graphicFrameMkLst>
-        </pc:graphicFrameChg>
-      </pc:sldChg>
-    </pc:docChg>
-  </pc:docChgLst>
 </pc:chgInfo>
 </file>
 
 <file path=ppt/charts/chart1.xml><?xml version="1.0" encoding="utf-8"?>
 <c:chartSpace xmlns:c="http://schemas.openxmlformats.org/drawingml/2006/chart" xmlns:a="http://schemas.openxmlformats.org/drawingml/2006/main" xmlns:r="http://schemas.openxmlformats.org/officeDocument/2006/relationships" xmlns:c16r2="http://schemas.microsoft.com/office/drawing/2015/06/chart">
   <c:date1904 val="0"/>
-  <c:lang val="ru-RU"/>
+  <c:lang val="en-US"/>
   <c:roundedCorners val="0"/>
   <mc:AlternateContent xmlns:mc="http://schemas.openxmlformats.org/markup-compatibility/2006">
     <mc:Choice xmlns:c14="http://schemas.microsoft.com/office/drawing/2007/8/2/chart" Requires="c14">
@@ -2268,7 +2305,7 @@
                     <a:cs typeface="+mn-cs"/>
                   </a:defRPr>
                 </a:pPr>
-                <a:endParaRPr lang="ru-RU"/>
+                <a:endParaRPr lang="en-US"/>
               </a:p>
             </c:txPr>
             <c:showLegendKey val="0"/>
@@ -2384,7 +2421,7 @@
               <a:cs typeface="+mn-cs"/>
             </a:defRPr>
           </a:pPr>
-          <a:endParaRPr lang="ru-RU"/>
+          <a:endParaRPr lang="en-US"/>
         </a:p>
       </c:txPr>
     </c:legend>
@@ -2413,7 +2450,7 @@
       <a:pPr>
         <a:defRPr/>
       </a:pPr>
-      <a:endParaRPr lang="ru-RU"/>
+      <a:endParaRPr lang="en-US"/>
     </a:p>
   </c:txPr>
   <c:externalData r:id="rId3">
@@ -2426,7 +2463,7 @@
 <file path=ppt/charts/chart2.xml><?xml version="1.0" encoding="utf-8"?>
 <c:chartSpace xmlns:c="http://schemas.openxmlformats.org/drawingml/2006/chart" xmlns:a="http://schemas.openxmlformats.org/drawingml/2006/main" xmlns:r="http://schemas.openxmlformats.org/officeDocument/2006/relationships" xmlns:c16r2="http://schemas.microsoft.com/office/drawing/2015/06/chart">
   <c:date1904 val="0"/>
-  <c:lang val="ru-RU"/>
+  <c:lang val="en-US"/>
   <c:roundedCorners val="0"/>
   <mc:AlternateContent xmlns:mc="http://schemas.openxmlformats.org/markup-compatibility/2006">
     <mc:Choice xmlns:c14="http://schemas.microsoft.com/office/drawing/2007/8/2/chart" Requires="c14">
@@ -2775,7 +2812,7 @@
                 <a:cs typeface="+mn-cs"/>
               </a:defRPr>
             </a:pPr>
-            <a:endParaRPr lang="ru-RU"/>
+            <a:endParaRPr lang="en-US"/>
           </a:p>
         </c:txPr>
         <c:crossAx val="1133507487"/>
@@ -2822,7 +2859,7 @@
                 <a:cs typeface="+mn-cs"/>
               </a:defRPr>
             </a:pPr>
-            <a:endParaRPr lang="ru-RU"/>
+            <a:endParaRPr lang="en-US"/>
           </a:p>
         </c:txPr>
         <c:crossAx val="1680534383"/>
@@ -2862,7 +2899,7 @@
       <a:pPr>
         <a:defRPr/>
       </a:pPr>
-      <a:endParaRPr lang="ru-RU"/>
+      <a:endParaRPr lang="en-US"/>
     </a:p>
   </c:txPr>
   <c:externalData r:id="rId3">
@@ -4017,7 +4054,7 @@
             </a:lvl1pPr>
           </a:lstStyle>
           <a:p>
-            <a:endParaRPr lang="ru-RU" dirty="0"/>
+            <a:endParaRPr lang="ru-RU"/>
           </a:p>
         </p:txBody>
       </p:sp>
@@ -4050,9 +4087,9 @@
           <a:p>
             <a:fld id="{35ED7692-1254-415D-9D6A-1D2A893B2F70}" type="datetimeFigureOut">
               <a:rPr lang="ru-RU" smtClean="0"/>
-              <a:t>13.06.2020</a:t>
+              <a:t>18.06.2020</a:t>
             </a:fld>
-            <a:endParaRPr lang="ru-RU" dirty="0"/>
+            <a:endParaRPr lang="ru-RU"/>
           </a:p>
         </p:txBody>
       </p:sp>
@@ -4085,7 +4122,7 @@
           <a:bodyPr vert="horz" lIns="91440" tIns="45720" rIns="91440" bIns="45720" rtlCol="0" anchor="ctr"/>
           <a:lstStyle/>
           <a:p>
-            <a:endParaRPr lang="ru-RU" dirty="0"/>
+            <a:endParaRPr lang="ru-RU"/>
           </a:p>
         </p:txBody>
       </p:sp>
@@ -4175,7 +4212,7 @@
             </a:lvl1pPr>
           </a:lstStyle>
           <a:p>
-            <a:endParaRPr lang="ru-RU" dirty="0"/>
+            <a:endParaRPr lang="ru-RU"/>
           </a:p>
         </p:txBody>
       </p:sp>
@@ -4210,7 +4247,7 @@
               <a:rPr lang="ru-RU" smtClean="0"/>
               <a:t>‹#›</a:t>
             </a:fld>
-            <a:endParaRPr lang="ru-RU" dirty="0"/>
+            <a:endParaRPr lang="ru-RU"/>
           </a:p>
         </p:txBody>
       </p:sp>
@@ -4362,24 +4399,48 @@
           <a:lstStyle/>
           <a:p>
             <a:r>
-              <a:rPr lang="ru-RU" dirty="0"/>
+              <a:rPr lang="ru-RU"/>
               <a:t>Время слайда</a:t>
             </a:r>
             <a:r>
-              <a:rPr lang="en-US" dirty="0"/>
-              <a:t>: 00:00</a:t>
-            </a:r>
+              <a:rPr lang="en-US"/>
+              <a:t>: 00:</a:t>
+            </a:r>
+            <a:r>
+              <a:rPr lang="ru-RU"/>
+              <a:t>13</a:t>
+            </a:r>
+            <a:endParaRPr lang="en-US"/>
           </a:p>
           <a:p>
             <a:r>
-              <a:rPr lang="ru-RU" dirty="0"/>
+              <a:rPr lang="ru-RU"/>
               <a:t>Текст</a:t>
             </a:r>
             <a:r>
-              <a:rPr lang="en-US" dirty="0"/>
+              <a:rPr lang="en-US"/>
               <a:t>: </a:t>
             </a:r>
-            <a:endParaRPr lang="ru-RU" dirty="0"/>
+            <a:r>
+              <a:rPr lang="ru-RU"/>
+              <a:t>Здравствуйте, уважаемая комиссия. Я Кулаков Максим Иванович, студент группы КСт-16-9-2 хочу представить вам свою дипломную работу на тему </a:t>
+            </a:r>
+            <a:r>
+              <a:rPr lang="en-US"/>
+              <a:t>“</a:t>
+            </a:r>
+            <a:r>
+              <a:rPr lang="ru-RU"/>
+              <a:t>Разработка интеллектуальной системы контроля и управления доступом</a:t>
+            </a:r>
+            <a:r>
+              <a:rPr lang="en-US"/>
+              <a:t>”</a:t>
+            </a:r>
+            <a:r>
+              <a:rPr lang="ru-RU"/>
+              <a:t>.</a:t>
+            </a:r>
           </a:p>
         </p:txBody>
       </p:sp>
@@ -4402,7 +4463,7 @@
               <a:rPr lang="ru-RU" smtClean="0"/>
               <a:t>1</a:t>
             </a:fld>
-            <a:endParaRPr lang="ru-RU" dirty="0"/>
+            <a:endParaRPr lang="ru-RU"/>
           </a:p>
         </p:txBody>
       </p:sp>
@@ -4464,12 +4525,28 @@
           <a:lstStyle/>
           <a:p>
             <a:r>
-              <a:rPr lang="ru-RU" dirty="0"/>
+              <a:rPr lang="ru-RU"/>
               <a:t>Время слайда</a:t>
             </a:r>
             <a:r>
-              <a:rPr lang="en-US" dirty="0"/>
+              <a:rPr lang="en-US"/>
               <a:t>: </a:t>
+            </a:r>
+            <a:r>
+              <a:rPr lang="ru-RU"/>
+              <a:t>00</a:t>
+            </a:r>
+            <a:r>
+              <a:rPr lang="en-US"/>
+              <a:t>:</a:t>
+            </a:r>
+            <a:r>
+              <a:rPr lang="ru-RU"/>
+              <a:t>35 (00</a:t>
+            </a:r>
+            <a:r>
+              <a:rPr lang="en-US"/>
+              <a:t>:48)</a:t>
             </a:r>
           </a:p>
           <a:p>
@@ -4491,14 +4568,17 @@
               <a:defRPr/>
             </a:pPr>
             <a:r>
-              <a:rPr lang="ru-RU" dirty="0"/>
+              <a:rPr lang="ru-RU"/>
               <a:t>Текст</a:t>
             </a:r>
             <a:r>
-              <a:rPr lang="en-US" dirty="0"/>
+              <a:rPr lang="en-US"/>
               <a:t>: </a:t>
             </a:r>
-            <a:endParaRPr lang="ru-RU" dirty="0"/>
+            <a:r>
+              <a:rPr lang="ru-RU"/>
+              <a:t>На данный момент разработка системы контроля и управления доступом является актуальной по ряду причин. Одной из таких причин является развитие и появление новых технологий идентификации пользователей. Кроме этого актуальность разработки повышает активное развитие сферы безопасности. В связи с этим наблюдается рост потребностей и требований к современным системам безопасности. Доказательством актуальности является анализ рынка сферы безопасности за 2017 года , денежный объём которого равен 17 миллиардов рублей, среди которых 20% это стоимость реализованных СКУД.</a:t>
+            </a:r>
           </a:p>
         </p:txBody>
       </p:sp>
@@ -4521,7 +4601,7 @@
               <a:rPr lang="ru-RU" smtClean="0"/>
               <a:t>2</a:t>
             </a:fld>
-            <a:endParaRPr lang="ru-RU" dirty="0"/>
+            <a:endParaRPr lang="ru-RU"/>
           </a:p>
         </p:txBody>
       </p:sp>
@@ -4583,12 +4663,12 @@
           <a:lstStyle/>
           <a:p>
             <a:r>
-              <a:rPr lang="ru-RU" dirty="0"/>
+              <a:rPr lang="ru-RU"/>
               <a:t>Время слайда</a:t>
             </a:r>
             <a:r>
-              <a:rPr lang="en-US" dirty="0"/>
-              <a:t>: </a:t>
+              <a:rPr lang="en-US"/>
+              <a:t>: 0:18 (01:06)</a:t>
             </a:r>
           </a:p>
           <a:p>
@@ -4610,14 +4690,33 @@
               <a:defRPr/>
             </a:pPr>
             <a:r>
-              <a:rPr lang="ru-RU" dirty="0"/>
+              <a:rPr lang="ru-RU"/>
               <a:t>Текст</a:t>
             </a:r>
             <a:r>
-              <a:rPr lang="en-US" dirty="0"/>
-              <a:t>: </a:t>
-            </a:r>
-            <a:endParaRPr lang="ru-RU" dirty="0"/>
+              <a:rPr lang="en-US"/>
+              <a:t>:</a:t>
+            </a:r>
+            <a:r>
+              <a:rPr lang="ru-RU"/>
+              <a:t> Целью работы является разработка устройства. Разработка включает в себя множество этапов. Эти этапы и формируют задачи проекта. Основными задачами проекта является анализ различной документации,</a:t>
+            </a:r>
+            <a:r>
+              <a:rPr lang="en-US"/>
+              <a:t> </a:t>
+            </a:r>
+            <a:r>
+              <a:rPr lang="ru-RU"/>
+              <a:t>разработка аппаратной и программной части</a:t>
+            </a:r>
+            <a:r>
+              <a:rPr lang="en-US"/>
+              <a:t> </a:t>
+            </a:r>
+            <a:r>
+              <a:rPr lang="ru-RU"/>
+              <a:t>и оформление документации в соответствии с ГОСТами.</a:t>
+            </a:r>
           </a:p>
         </p:txBody>
       </p:sp>
@@ -4640,7 +4739,7 @@
               <a:rPr lang="ru-RU" smtClean="0"/>
               <a:t>3</a:t>
             </a:fld>
-            <a:endParaRPr lang="ru-RU" dirty="0"/>
+            <a:endParaRPr lang="ru-RU"/>
           </a:p>
         </p:txBody>
       </p:sp>
@@ -4702,12 +4801,12 @@
           <a:lstStyle/>
           <a:p>
             <a:r>
-              <a:rPr lang="ru-RU" dirty="0"/>
+              <a:rPr lang="ru-RU"/>
               <a:t>Время слайда</a:t>
             </a:r>
             <a:r>
-              <a:rPr lang="en-US" dirty="0"/>
-              <a:t>: </a:t>
+              <a:rPr lang="en-US"/>
+              <a:t>: 00:18 (01:24)</a:t>
             </a:r>
           </a:p>
           <a:p>
@@ -4729,14 +4828,46 @@
               <a:defRPr/>
             </a:pPr>
             <a:r>
-              <a:rPr lang="ru-RU" dirty="0"/>
+              <a:rPr lang="ru-RU"/>
               <a:t>Текст</a:t>
             </a:r>
             <a:r>
-              <a:rPr lang="en-US" dirty="0"/>
+              <a:rPr lang="en-US"/>
               <a:t>: </a:t>
             </a:r>
-            <a:endParaRPr lang="ru-RU" dirty="0"/>
+            <a:r>
+              <a:rPr lang="ru-RU"/>
+              <a:t>Основные этапы разработки аппаратной части указаны на слайде. В основном это выбор и настройка необходимых программных средств, а также разработка ряда схем.</a:t>
+            </a:r>
+            <a:r>
+              <a:rPr lang="en-US"/>
+              <a:t> </a:t>
+            </a:r>
+            <a:r>
+              <a:rPr lang="ru-RU"/>
+              <a:t>Самой главной частью устройства является микроконтроллер </a:t>
+            </a:r>
+            <a:r>
+              <a:rPr lang="en-US"/>
+              <a:t>ESP32.</a:t>
+            </a:r>
+            <a:r>
+              <a:rPr lang="ru-RU"/>
+              <a:t> Также была разработана двухстороння плата печатного монтажа в </a:t>
+            </a:r>
+            <a:r>
+              <a:rPr lang="en-US"/>
+              <a:t> </a:t>
+            </a:r>
+            <a:r>
+              <a:rPr lang="ru-RU"/>
+              <a:t>САПР </a:t>
+            </a:r>
+            <a:r>
+              <a:rPr lang="en-US"/>
+              <a:t>Altium Designer.</a:t>
+            </a:r>
+            <a:endParaRPr lang="ru-RU"/>
           </a:p>
         </p:txBody>
       </p:sp>
@@ -4759,7 +4890,7 @@
               <a:rPr lang="ru-RU" smtClean="0"/>
               <a:t>4</a:t>
             </a:fld>
-            <a:endParaRPr lang="ru-RU" dirty="0"/>
+            <a:endParaRPr lang="ru-RU"/>
           </a:p>
         </p:txBody>
       </p:sp>
@@ -4821,12 +4952,12 @@
           <a:lstStyle/>
           <a:p>
             <a:r>
-              <a:rPr lang="ru-RU" dirty="0"/>
+              <a:rPr lang="ru-RU"/>
               <a:t>Время слайда</a:t>
             </a:r>
             <a:r>
-              <a:rPr lang="en-US" dirty="0"/>
-              <a:t>: </a:t>
+              <a:rPr lang="en-US"/>
+              <a:t>: 0:12 (01:36)</a:t>
             </a:r>
           </a:p>
           <a:p>
@@ -4848,14 +4979,54 @@
               <a:defRPr/>
             </a:pPr>
             <a:r>
-              <a:rPr lang="ru-RU" dirty="0"/>
+              <a:rPr lang="ru-RU"/>
               <a:t>Текст</a:t>
             </a:r>
             <a:r>
-              <a:rPr lang="en-US" dirty="0"/>
+              <a:rPr lang="en-US"/>
               <a:t>: </a:t>
             </a:r>
-            <a:endParaRPr lang="ru-RU" dirty="0"/>
+            <a:r>
+              <a:rPr lang="ru-RU"/>
+              <a:t>Разработка программной части включает в себя выбор </a:t>
+            </a:r>
+            <a:r>
+              <a:rPr lang="en-US"/>
+              <a:t>IDE</a:t>
+            </a:r>
+            <a:r>
+              <a:rPr lang="ru-RU"/>
+              <a:t>,</a:t>
+            </a:r>
+            <a:r>
+              <a:rPr lang="en-US"/>
+              <a:t> </a:t>
+            </a:r>
+            <a:r>
+              <a:rPr lang="ru-RU"/>
+              <a:t>разработку алгоритма, его реализацию и тестирование. В качестве </a:t>
+            </a:r>
+            <a:r>
+              <a:rPr lang="en-US"/>
+              <a:t>IDE </a:t>
+            </a:r>
+            <a:r>
+              <a:rPr lang="ru-RU"/>
+              <a:t>была выбрана </a:t>
+            </a:r>
+            <a:r>
+              <a:rPr lang="en-US"/>
+              <a:t>PlatformIO</a:t>
+            </a:r>
+            <a:r>
+              <a:rPr lang="ru-RU"/>
+              <a:t>, на основе </a:t>
+            </a:r>
+            <a:r>
+              <a:rPr lang="en-US"/>
+              <a:t>Visual Studio Code.</a:t>
+            </a:r>
+            <a:endParaRPr lang="ru-RU"/>
           </a:p>
         </p:txBody>
       </p:sp>
@@ -4878,7 +5049,7 @@
               <a:rPr lang="ru-RU" smtClean="0"/>
               <a:t>5</a:t>
             </a:fld>
-            <a:endParaRPr lang="ru-RU" dirty="0"/>
+            <a:endParaRPr lang="ru-RU"/>
           </a:p>
         </p:txBody>
       </p:sp>
@@ -4940,12 +5111,12 @@
           <a:lstStyle/>
           <a:p>
             <a:r>
-              <a:rPr lang="ru-RU" dirty="0"/>
+              <a:rPr lang="ru-RU"/>
               <a:t>Время слайда</a:t>
             </a:r>
             <a:r>
-              <a:rPr lang="en-US" dirty="0"/>
-              <a:t>: </a:t>
+              <a:rPr lang="en-US"/>
+              <a:t> 0:18 (01:54)</a:t>
             </a:r>
           </a:p>
           <a:p>
@@ -4967,14 +5138,629 @@
               <a:defRPr/>
             </a:pPr>
             <a:r>
-              <a:rPr lang="ru-RU" dirty="0"/>
+              <a:rPr lang="ru-RU"/>
               <a:t>Текст</a:t>
             </a:r>
             <a:r>
-              <a:rPr lang="en-US" dirty="0"/>
+              <a:rPr lang="en-US"/>
               <a:t>: </a:t>
             </a:r>
-            <a:endParaRPr lang="ru-RU" dirty="0"/>
+            <a:r>
+              <a:rPr lang="ru-RU"/>
+              <a:t>Основной функцией устройства является идентификация пользователя. Разработанное устройство поддерживает идентификацию по ПИН-коду, </a:t>
+            </a:r>
+            <a:r>
+              <a:rPr lang="en-US"/>
+              <a:t>RFID</a:t>
+            </a:r>
+            <a:r>
+              <a:rPr lang="ru-RU"/>
+              <a:t> карте и с помощью отпечатка пальца. Также устройство имеет базу данных пользователей, журнал авторизаций, веб-</a:t>
+            </a:r>
+            <a:r>
+              <a:rPr lang="ru-RU" err="1"/>
+              <a:t>итерфейс</a:t>
+            </a:r>
+            <a:r>
+              <a:rPr lang="ru-RU"/>
+              <a:t> для управления и резервный источник питания.</a:t>
+            </a:r>
+          </a:p>
+        </p:txBody>
+      </p:sp>
+      <p:sp>
+        <p:nvSpPr>
+          <p:cNvPr id="4" name="Номер слайда 3"/>
+          <p:cNvSpPr>
+            <a:spLocks noGrp="1"/>
+          </p:cNvSpPr>
+          <p:nvPr>
+            <p:ph type="sldNum" sz="quarter" idx="5"/>
+          </p:nvPr>
+        </p:nvSpPr>
+        <p:spPr/>
+        <p:txBody>
+          <a:bodyPr/>
+          <a:lstStyle/>
+          <a:p>
+            <a:fld id="{1EC651AD-414D-4A4A-8885-5623C2E78D1F}" type="slidenum">
+              <a:rPr lang="ru-RU" smtClean="0"/>
+              <a:t>6</a:t>
+            </a:fld>
+            <a:endParaRPr lang="ru-RU"/>
+          </a:p>
+        </p:txBody>
+      </p:sp>
+    </p:spTree>
+    <p:extLst>
+      <p:ext uri="{BB962C8B-B14F-4D97-AF65-F5344CB8AC3E}">
+        <p14:creationId xmlns:p14="http://schemas.microsoft.com/office/powerpoint/2010/main" val="2827641450"/>
+      </p:ext>
+    </p:extLst>
+  </p:cSld>
+  <p:clrMapOvr>
+    <a:masterClrMapping/>
+  </p:clrMapOvr>
+</p:notes>
+</file>
+
+<file path=ppt/notesSlides/notesSlide7.xml><?xml version="1.0" encoding="utf-8"?>
+<p:notes xmlns:a="http://schemas.openxmlformats.org/drawingml/2006/main" xmlns:r="http://schemas.openxmlformats.org/officeDocument/2006/relationships" xmlns:p="http://schemas.openxmlformats.org/presentationml/2006/main">
+  <p:cSld>
+    <p:spTree>
+      <p:nvGrpSpPr>
+        <p:cNvPr id="1" name=""/>
+        <p:cNvGrpSpPr/>
+        <p:nvPr/>
+      </p:nvGrpSpPr>
+      <p:grpSpPr>
+        <a:xfrm>
+          <a:off x="0" y="0"/>
+          <a:ext cx="0" cy="0"/>
+          <a:chOff x="0" y="0"/>
+          <a:chExt cx="0" cy="0"/>
+        </a:xfrm>
+      </p:grpSpPr>
+      <p:sp>
+        <p:nvSpPr>
+          <p:cNvPr id="2" name="Образ слайда 1"/>
+          <p:cNvSpPr>
+            <a:spLocks noGrp="1" noRot="1" noChangeAspect="1"/>
+          </p:cNvSpPr>
+          <p:nvPr>
+            <p:ph type="sldImg"/>
+          </p:nvPr>
+        </p:nvSpPr>
+        <p:spPr/>
+      </p:sp>
+      <p:sp>
+        <p:nvSpPr>
+          <p:cNvPr id="3" name="Заметки 2"/>
+          <p:cNvSpPr>
+            <a:spLocks noGrp="1"/>
+          </p:cNvSpPr>
+          <p:nvPr>
+            <p:ph type="body" idx="1"/>
+          </p:nvPr>
+        </p:nvSpPr>
+        <p:spPr/>
+        <p:txBody>
+          <a:bodyPr/>
+          <a:lstStyle/>
+          <a:p>
+            <a:r>
+              <a:rPr lang="ru-RU"/>
+              <a:t>Время слайда</a:t>
+            </a:r>
+            <a:r>
+              <a:rPr lang="en-US"/>
+              <a:t>: 0:27 (02:21)</a:t>
+            </a:r>
+          </a:p>
+          <a:p>
+            <a:pPr marL="0" marR="0" lvl="0" indent="0" algn="l" defTabSz="914400" rtl="0" eaLnBrk="1" fontAlgn="auto" latinLnBrk="0" hangingPunct="1">
+              <a:lnSpc>
+                <a:spcPct val="100000"/>
+              </a:lnSpc>
+              <a:spcBef>
+                <a:spcPts val="0"/>
+              </a:spcBef>
+              <a:spcAft>
+                <a:spcPts val="0"/>
+              </a:spcAft>
+              <a:buClrTx/>
+              <a:buSzTx/>
+              <a:buFontTx/>
+              <a:buNone/>
+              <a:tabLst/>
+              <a:defRPr/>
+            </a:pPr>
+            <a:r>
+              <a:rPr lang="ru-RU"/>
+              <a:t>Текст</a:t>
+            </a:r>
+            <a:r>
+              <a:rPr lang="en-US"/>
+              <a:t>: </a:t>
+            </a:r>
+            <a:r>
+              <a:rPr lang="ru-RU"/>
+              <a:t>По окончанию разработки был рассчитан минимальный необходимый тираж и срок окупаемости. Себестоимость устройства равна 3 100 </a:t>
+            </a:r>
+            <a:r>
+              <a:rPr lang="ru-RU" sz="1800">
+                <a:effectLst/>
+                <a:latin typeface="Times New Roman" panose="02020603050405020304" pitchFamily="18" charset="0"/>
+                <a:ea typeface="Calibri" panose="020F0502020204030204" pitchFamily="34" charset="0"/>
+              </a:rPr>
+              <a:t> ₽. </a:t>
+            </a:r>
+            <a:r>
+              <a:rPr lang="ru-RU"/>
+              <a:t>Было рассчитано 4 возможных способа реализации</a:t>
+            </a:r>
+            <a:r>
+              <a:rPr lang="en-US"/>
+              <a:t>: </a:t>
+            </a:r>
+            <a:r>
+              <a:rPr lang="ru-RU"/>
+              <a:t>при ежемесячном производстве с наценкой +25% и +50%, а также при предварительном полном производстве с наценкой +25% и +50%.  Результаты расчётов показаны на слайде.</a:t>
+            </a:r>
+          </a:p>
+        </p:txBody>
+      </p:sp>
+      <p:sp>
+        <p:nvSpPr>
+          <p:cNvPr id="4" name="Номер слайда 3"/>
+          <p:cNvSpPr>
+            <a:spLocks noGrp="1"/>
+          </p:cNvSpPr>
+          <p:nvPr>
+            <p:ph type="sldNum" sz="quarter" idx="5"/>
+          </p:nvPr>
+        </p:nvSpPr>
+        <p:spPr/>
+        <p:txBody>
+          <a:bodyPr/>
+          <a:lstStyle/>
+          <a:p>
+            <a:fld id="{1EC651AD-414D-4A4A-8885-5623C2E78D1F}" type="slidenum">
+              <a:rPr lang="ru-RU" smtClean="0"/>
+              <a:t>7</a:t>
+            </a:fld>
+            <a:endParaRPr lang="ru-RU"/>
+          </a:p>
+        </p:txBody>
+      </p:sp>
+    </p:spTree>
+    <p:extLst>
+      <p:ext uri="{BB962C8B-B14F-4D97-AF65-F5344CB8AC3E}">
+        <p14:creationId xmlns:p14="http://schemas.microsoft.com/office/powerpoint/2010/main" val="2800035687"/>
+      </p:ext>
+    </p:extLst>
+  </p:cSld>
+  <p:clrMapOvr>
+    <a:masterClrMapping/>
+  </p:clrMapOvr>
+</p:notes>
+</file>
+
+<file path=ppt/notesSlides/notesSlide8.xml><?xml version="1.0" encoding="utf-8"?>
+<p:notes xmlns:a="http://schemas.openxmlformats.org/drawingml/2006/main" xmlns:r="http://schemas.openxmlformats.org/officeDocument/2006/relationships" xmlns:p="http://schemas.openxmlformats.org/presentationml/2006/main">
+  <p:cSld>
+    <p:spTree>
+      <p:nvGrpSpPr>
+        <p:cNvPr id="1" name=""/>
+        <p:cNvGrpSpPr/>
+        <p:nvPr/>
+      </p:nvGrpSpPr>
+      <p:grpSpPr>
+        <a:xfrm>
+          <a:off x="0" y="0"/>
+          <a:ext cx="0" cy="0"/>
+          <a:chOff x="0" y="0"/>
+          <a:chExt cx="0" cy="0"/>
+        </a:xfrm>
+      </p:grpSpPr>
+      <p:sp>
+        <p:nvSpPr>
+          <p:cNvPr id="2" name="Образ слайда 1"/>
+          <p:cNvSpPr>
+            <a:spLocks noGrp="1" noRot="1" noChangeAspect="1"/>
+          </p:cNvSpPr>
+          <p:nvPr>
+            <p:ph type="sldImg"/>
+          </p:nvPr>
+        </p:nvSpPr>
+        <p:spPr/>
+      </p:sp>
+      <p:sp>
+        <p:nvSpPr>
+          <p:cNvPr id="3" name="Заметки 2"/>
+          <p:cNvSpPr>
+            <a:spLocks noGrp="1"/>
+          </p:cNvSpPr>
+          <p:nvPr>
+            <p:ph type="body" idx="1"/>
+          </p:nvPr>
+        </p:nvSpPr>
+        <p:spPr/>
+        <p:txBody>
+          <a:bodyPr/>
+          <a:lstStyle/>
+          <a:p>
+            <a:r>
+              <a:rPr lang="ru-RU"/>
+              <a:t>Время слайда</a:t>
+            </a:r>
+            <a:r>
+              <a:rPr lang="en-US"/>
+              <a:t>: 00:13 (02:34)</a:t>
+            </a:r>
+          </a:p>
+          <a:p>
+            <a:pPr marL="0" marR="0" lvl="0" indent="0" algn="l" defTabSz="914400" rtl="0" eaLnBrk="1" fontAlgn="auto" latinLnBrk="0" hangingPunct="1">
+              <a:lnSpc>
+                <a:spcPct val="100000"/>
+              </a:lnSpc>
+              <a:spcBef>
+                <a:spcPts val="0"/>
+              </a:spcBef>
+              <a:spcAft>
+                <a:spcPts val="0"/>
+              </a:spcAft>
+              <a:buClrTx/>
+              <a:buSzTx/>
+              <a:buFontTx/>
+              <a:buNone/>
+              <a:tabLst/>
+              <a:defRPr/>
+            </a:pPr>
+            <a:r>
+              <a:rPr lang="ru-RU"/>
+              <a:t>Текст</a:t>
+            </a:r>
+            <a:r>
+              <a:rPr lang="en-US"/>
+              <a:t>: </a:t>
+            </a:r>
+            <a:r>
+              <a:rPr lang="ru-RU"/>
+              <a:t>Теперь я хочу показать вам видео демонстрации работы устройства. Из-за ситуации с </a:t>
+            </a:r>
+            <a:r>
+              <a:rPr lang="ru-RU" err="1"/>
+              <a:t>короновирусом</a:t>
+            </a:r>
+            <a:r>
+              <a:rPr lang="ru-RU"/>
+              <a:t> не получилось собрать печатную плату, поэтому в демонстрации используется полностью рабочий прототип на </a:t>
+            </a:r>
+            <a:r>
+              <a:rPr lang="ru-RU" err="1"/>
+              <a:t>беспаечной</a:t>
+            </a:r>
+            <a:r>
+              <a:rPr lang="ru-RU"/>
+              <a:t> макетной плате.</a:t>
+            </a:r>
+            <a:endParaRPr lang="en-US"/>
+          </a:p>
+          <a:p>
+            <a:pPr marL="0" marR="0" lvl="0" indent="0" algn="l" defTabSz="914400" rtl="0" eaLnBrk="1" fontAlgn="auto" latinLnBrk="0" hangingPunct="1">
+              <a:lnSpc>
+                <a:spcPct val="100000"/>
+              </a:lnSpc>
+              <a:spcBef>
+                <a:spcPts val="0"/>
+              </a:spcBef>
+              <a:spcAft>
+                <a:spcPts val="0"/>
+              </a:spcAft>
+              <a:buClrTx/>
+              <a:buSzTx/>
+              <a:buFontTx/>
+              <a:buNone/>
+              <a:tabLst/>
+              <a:defRPr/>
+            </a:pPr>
+            <a:endParaRPr lang="en-US"/>
+          </a:p>
+          <a:p>
+            <a:pPr marL="0" marR="0" lvl="0" indent="0" algn="l" defTabSz="914400" rtl="0" eaLnBrk="1" fontAlgn="auto" latinLnBrk="0" hangingPunct="1">
+              <a:lnSpc>
+                <a:spcPct val="100000"/>
+              </a:lnSpc>
+              <a:spcBef>
+                <a:spcPts val="0"/>
+              </a:spcBef>
+              <a:spcAft>
+                <a:spcPts val="0"/>
+              </a:spcAft>
+              <a:buClrTx/>
+              <a:buSzTx/>
+              <a:buFontTx/>
+              <a:buNone/>
+              <a:tabLst/>
+              <a:defRPr/>
+            </a:pPr>
+            <a:r>
+              <a:rPr lang="en-US"/>
+              <a:t>[</a:t>
+            </a:r>
+            <a:r>
+              <a:rPr lang="ru-RU"/>
+              <a:t>НАЧАЛО ВИДЕО</a:t>
+            </a:r>
+            <a:r>
+              <a:rPr lang="en-US"/>
+              <a:t>]</a:t>
+            </a:r>
+            <a:r>
+              <a:rPr lang="ru-RU"/>
+              <a:t> </a:t>
+            </a:r>
+          </a:p>
+          <a:p>
+            <a:pPr marL="0" marR="0" lvl="0" indent="0" algn="l" defTabSz="914400" rtl="0" eaLnBrk="1" fontAlgn="auto" latinLnBrk="0" hangingPunct="1">
+              <a:lnSpc>
+                <a:spcPct val="100000"/>
+              </a:lnSpc>
+              <a:spcBef>
+                <a:spcPts val="0"/>
+              </a:spcBef>
+              <a:spcAft>
+                <a:spcPts val="0"/>
+              </a:spcAft>
+              <a:buClrTx/>
+              <a:buSzTx/>
+              <a:buFontTx/>
+              <a:buNone/>
+              <a:tabLst/>
+              <a:defRPr/>
+            </a:pPr>
+            <a:r>
+              <a:rPr lang="ru-RU"/>
+              <a:t>Разработанное устройство может работать,  как от аккумулятора , так и от зарядного устройства. </a:t>
+            </a:r>
+            <a:r>
+              <a:rPr lang="en-US"/>
+              <a:t>[0</a:t>
+            </a:r>
+            <a:r>
+              <a:rPr lang="ru-RU"/>
+              <a:t>2</a:t>
+            </a:r>
+            <a:r>
+              <a:rPr lang="en-US"/>
+              <a:t>:</a:t>
+            </a:r>
+            <a:r>
+              <a:rPr lang="ru-RU"/>
+              <a:t>40</a:t>
+            </a:r>
+            <a:r>
+              <a:rPr lang="en-US"/>
+              <a:t>]</a:t>
+            </a:r>
+            <a:br>
+              <a:rPr lang="ru-RU"/>
+            </a:br>
+            <a:r>
+              <a:rPr lang="ru-RU"/>
+              <a:t>При запуске устройство выполняет самодиагностику. Результат выводится на дисплей </a:t>
+            </a:r>
+            <a:r>
+              <a:rPr lang="en-US"/>
+              <a:t>[02:45]</a:t>
+            </a:r>
+            <a:br>
+              <a:rPr lang="ru-RU"/>
+            </a:br>
+            <a:r>
+              <a:rPr lang="ru-RU"/>
+              <a:t>Как говорилось ранее устройство поддерживает 3 способа авторизации</a:t>
+            </a:r>
+            <a:r>
+              <a:rPr lang="en-US"/>
+              <a:t>: </a:t>
+            </a:r>
+            <a:r>
+              <a:rPr lang="ru-RU"/>
+              <a:t>с помощью отпечатка пальцев, карты </a:t>
+            </a:r>
+            <a:r>
+              <a:rPr lang="en-US"/>
+              <a:t>RFID</a:t>
+            </a:r>
+            <a:r>
+              <a:rPr lang="ru-RU"/>
+              <a:t> и</a:t>
+            </a:r>
+            <a:r>
+              <a:rPr lang="en-US"/>
+              <a:t> </a:t>
+            </a:r>
+            <a:r>
+              <a:rPr lang="ru-RU"/>
+              <a:t>ПИН кода. Для одного пользователя можно выбрать несколько способов авторизации. После успешной авторизации выводится звуковое и графическое уведомление. </a:t>
+            </a:r>
+            <a:r>
+              <a:rPr lang="en-US"/>
+              <a:t>[03:04] </a:t>
+            </a:r>
+            <a:endParaRPr lang="ru-RU"/>
+          </a:p>
+          <a:p>
+            <a:pPr marL="0" marR="0" lvl="0" indent="0" algn="l" defTabSz="914400" rtl="0" eaLnBrk="1" fontAlgn="auto" latinLnBrk="0" hangingPunct="1">
+              <a:lnSpc>
+                <a:spcPct val="100000"/>
+              </a:lnSpc>
+              <a:spcBef>
+                <a:spcPts val="0"/>
+              </a:spcBef>
+              <a:spcAft>
+                <a:spcPts val="0"/>
+              </a:spcAft>
+              <a:buClrTx/>
+              <a:buSzTx/>
+              <a:buFontTx/>
+              <a:buNone/>
+              <a:tabLst/>
+              <a:defRPr/>
+            </a:pPr>
+            <a:r>
+              <a:rPr lang="en-US"/>
+              <a:t>[</a:t>
+            </a:r>
+            <a:r>
+              <a:rPr lang="ru-RU"/>
+              <a:t>ПОТЕРЯ ВРЕМЕНИ</a:t>
+            </a:r>
+            <a:r>
+              <a:rPr lang="en-US"/>
+              <a:t>]</a:t>
+            </a:r>
+            <a:r>
+              <a:rPr lang="ru-RU"/>
+              <a:t> </a:t>
+            </a:r>
+            <a:r>
+              <a:rPr lang="en-US"/>
+              <a:t>[03:08]</a:t>
+            </a:r>
+          </a:p>
+          <a:p>
+            <a:pPr marL="0" marR="0" lvl="0" indent="0" algn="l" defTabSz="914400" rtl="0" eaLnBrk="1" fontAlgn="auto" latinLnBrk="0" hangingPunct="1">
+              <a:lnSpc>
+                <a:spcPct val="100000"/>
+              </a:lnSpc>
+              <a:spcBef>
+                <a:spcPts val="0"/>
+              </a:spcBef>
+              <a:spcAft>
+                <a:spcPts val="0"/>
+              </a:spcAft>
+              <a:buClrTx/>
+              <a:buSzTx/>
+              <a:buFontTx/>
+              <a:buNone/>
+              <a:tabLst/>
+              <a:defRPr/>
+            </a:pPr>
+            <a:r>
+              <a:rPr lang="ru-RU"/>
+              <a:t>Также устройство поддерживает ограничение по временному промежутку. При желании для пользователь можно выбрать и один способ авторизации. Устройство поддерживает 2 замка, номер открываемого замка задаётся в базе данных. </a:t>
+            </a:r>
+            <a:r>
+              <a:rPr lang="en-US"/>
+              <a:t>[03:24]</a:t>
+            </a:r>
+            <a:endParaRPr lang="ru-RU"/>
+          </a:p>
+          <a:p>
+            <a:pPr marL="0" marR="0" lvl="0" indent="0" algn="l" defTabSz="914400" rtl="0" eaLnBrk="1" fontAlgn="auto" latinLnBrk="0" hangingPunct="1">
+              <a:lnSpc>
+                <a:spcPct val="100000"/>
+              </a:lnSpc>
+              <a:spcBef>
+                <a:spcPts val="0"/>
+              </a:spcBef>
+              <a:spcAft>
+                <a:spcPts val="0"/>
+              </a:spcAft>
+              <a:buClrTx/>
+              <a:buSzTx/>
+              <a:buFontTx/>
+              <a:buNone/>
+              <a:tabLst/>
+              <a:defRPr/>
+            </a:pPr>
+            <a:r>
+              <a:rPr lang="ru-RU"/>
+              <a:t>Устройству без разницы какой первичный способ авторизации выберет пользователь. Если пользователь не будет идентифицирован по одному из необходимых методов, будет выведена ошибка. Кроме этого устройство имеет кнопку для открытия двери. </a:t>
+            </a:r>
+            <a:r>
+              <a:rPr lang="en-US"/>
+              <a:t>[04:00]</a:t>
+            </a:r>
+          </a:p>
+          <a:p>
+            <a:pPr marL="0" marR="0" lvl="0" indent="0" algn="l" defTabSz="914400" rtl="0" eaLnBrk="1" fontAlgn="auto" latinLnBrk="0" hangingPunct="1">
+              <a:lnSpc>
+                <a:spcPct val="100000"/>
+              </a:lnSpc>
+              <a:spcBef>
+                <a:spcPts val="0"/>
+              </a:spcBef>
+              <a:spcAft>
+                <a:spcPts val="0"/>
+              </a:spcAft>
+              <a:buClrTx/>
+              <a:buSzTx/>
+              <a:buFontTx/>
+              <a:buNone/>
+              <a:tabLst/>
+              <a:defRPr/>
+            </a:pPr>
+            <a:endParaRPr lang="en-US"/>
+          </a:p>
+          <a:p>
+            <a:pPr marL="0" marR="0" lvl="0" indent="0" algn="l" defTabSz="914400" rtl="0" eaLnBrk="1" fontAlgn="auto" latinLnBrk="0" hangingPunct="1">
+              <a:lnSpc>
+                <a:spcPct val="100000"/>
+              </a:lnSpc>
+              <a:spcBef>
+                <a:spcPts val="0"/>
+              </a:spcBef>
+              <a:spcAft>
+                <a:spcPts val="0"/>
+              </a:spcAft>
+              <a:buClrTx/>
+              <a:buSzTx/>
+              <a:buFontTx/>
+              <a:buNone/>
+              <a:tabLst/>
+              <a:defRPr/>
+            </a:pPr>
+            <a:r>
+              <a:rPr lang="en-US"/>
+              <a:t>[</a:t>
+            </a:r>
+            <a:r>
+              <a:rPr lang="ru-RU"/>
+              <a:t>ДЕМОНСТРАЦИЯ ВЕБ-СЕРВЕРА</a:t>
+            </a:r>
+            <a:r>
+              <a:rPr lang="en-US"/>
+              <a:t>]</a:t>
+            </a:r>
+            <a:endParaRPr lang="ru-RU"/>
+          </a:p>
+          <a:p>
+            <a:pPr marL="0" marR="0" lvl="0" indent="0" algn="l" defTabSz="914400" rtl="0" eaLnBrk="1" fontAlgn="auto" latinLnBrk="0" hangingPunct="1">
+              <a:lnSpc>
+                <a:spcPct val="100000"/>
+              </a:lnSpc>
+              <a:spcBef>
+                <a:spcPts val="0"/>
+              </a:spcBef>
+              <a:spcAft>
+                <a:spcPts val="0"/>
+              </a:spcAft>
+              <a:buClrTx/>
+              <a:buSzTx/>
+              <a:buFontTx/>
+              <a:buNone/>
+              <a:tabLst/>
+              <a:defRPr/>
+            </a:pPr>
+            <a:r>
+              <a:rPr lang="ru-RU"/>
+              <a:t>Как упоминалось ранее устройство поддерживает веб-сервер для управления. С его помощью можно посмотреть конфигурацию и состояние устройства, выполнить добавление, удаление и изменение пользователей, а также просмотреть журнал записей и изменить конфигурацию устройства.</a:t>
+            </a:r>
+            <a:endParaRPr lang="en-US"/>
           </a:p>
         </p:txBody>
       </p:sp>
@@ -4997,7 +5783,7 @@
               <a:rPr lang="ru-RU" smtClean="0"/>
               <a:t>8</a:t>
             </a:fld>
-            <a:endParaRPr lang="ru-RU" dirty="0"/>
+            <a:endParaRPr lang="ru-RU"/>
           </a:p>
         </p:txBody>
       </p:sp>
@@ -5005,6 +5791,93 @@
     <p:extLst>
       <p:ext uri="{BB962C8B-B14F-4D97-AF65-F5344CB8AC3E}">
         <p14:creationId xmlns:p14="http://schemas.microsoft.com/office/powerpoint/2010/main" val="2014772356"/>
+      </p:ext>
+    </p:extLst>
+  </p:cSld>
+  <p:clrMapOvr>
+    <a:masterClrMapping/>
+  </p:clrMapOvr>
+</p:notes>
+</file>
+
+<file path=ppt/notesSlides/notesSlide9.xml><?xml version="1.0" encoding="utf-8"?>
+<p:notes xmlns:a="http://schemas.openxmlformats.org/drawingml/2006/main" xmlns:r="http://schemas.openxmlformats.org/officeDocument/2006/relationships" xmlns:p="http://schemas.openxmlformats.org/presentationml/2006/main">
+  <p:cSld>
+    <p:spTree>
+      <p:nvGrpSpPr>
+        <p:cNvPr id="1" name=""/>
+        <p:cNvGrpSpPr/>
+        <p:nvPr/>
+      </p:nvGrpSpPr>
+      <p:grpSpPr>
+        <a:xfrm>
+          <a:off x="0" y="0"/>
+          <a:ext cx="0" cy="0"/>
+          <a:chOff x="0" y="0"/>
+          <a:chExt cx="0" cy="0"/>
+        </a:xfrm>
+      </p:grpSpPr>
+      <p:sp>
+        <p:nvSpPr>
+          <p:cNvPr id="2" name="Образ слайда 1"/>
+          <p:cNvSpPr>
+            <a:spLocks noGrp="1" noRot="1" noChangeAspect="1"/>
+          </p:cNvSpPr>
+          <p:nvPr>
+            <p:ph type="sldImg"/>
+          </p:nvPr>
+        </p:nvSpPr>
+        <p:spPr/>
+      </p:sp>
+      <p:sp>
+        <p:nvSpPr>
+          <p:cNvPr id="3" name="Заметки 2"/>
+          <p:cNvSpPr>
+            <a:spLocks noGrp="1"/>
+          </p:cNvSpPr>
+          <p:nvPr>
+            <p:ph type="body" idx="1"/>
+          </p:nvPr>
+        </p:nvSpPr>
+        <p:spPr/>
+        <p:txBody>
+          <a:bodyPr/>
+          <a:lstStyle/>
+          <a:p>
+            <a:r>
+              <a:rPr lang="ru-RU"/>
+              <a:t>В заключении хотелось бы сказать что цель достигнута и все поставленные задачи выполнены. Результатом работы является разработанное устройство.</a:t>
+            </a:r>
+          </a:p>
+        </p:txBody>
+      </p:sp>
+      <p:sp>
+        <p:nvSpPr>
+          <p:cNvPr id="4" name="Номер слайда 3"/>
+          <p:cNvSpPr>
+            <a:spLocks noGrp="1"/>
+          </p:cNvSpPr>
+          <p:nvPr>
+            <p:ph type="sldNum" sz="quarter" idx="5"/>
+          </p:nvPr>
+        </p:nvSpPr>
+        <p:spPr/>
+        <p:txBody>
+          <a:bodyPr/>
+          <a:lstStyle/>
+          <a:p>
+            <a:fld id="{1EC651AD-414D-4A4A-8885-5623C2E78D1F}" type="slidenum">
+              <a:rPr lang="ru-RU" smtClean="0"/>
+              <a:t>9</a:t>
+            </a:fld>
+            <a:endParaRPr lang="ru-RU"/>
+          </a:p>
+        </p:txBody>
+      </p:sp>
+    </p:spTree>
+    <p:extLst>
+      <p:ext uri="{BB962C8B-B14F-4D97-AF65-F5344CB8AC3E}">
+        <p14:creationId xmlns:p14="http://schemas.microsoft.com/office/powerpoint/2010/main" val="2722623805"/>
       </p:ext>
     </p:extLst>
   </p:cSld>
@@ -5059,7 +5932,7 @@
               <a:rPr lang="ru-RU"/>
               <a:t>Образец заголовка</a:t>
             </a:r>
-            <a:endParaRPr lang="en-US" dirty="0"/>
+            <a:endParaRPr lang="en-US"/>
           </a:p>
         </p:txBody>
       </p:sp>
@@ -5124,7 +5997,7 @@
               <a:rPr lang="ru-RU"/>
               <a:t>Образец подзаголовка</a:t>
             </a:r>
-            <a:endParaRPr lang="en-US" dirty="0"/>
+            <a:endParaRPr lang="en-US"/>
           </a:p>
         </p:txBody>
       </p:sp>
@@ -5145,9 +6018,9 @@
           <a:p>
             <a:fld id="{9DF04FE3-AB61-406F-AE3E-5E3CFB8A6317}" type="datetimeFigureOut">
               <a:rPr lang="ru-RU" smtClean="0"/>
-              <a:t>13.06.2020</a:t>
+              <a:t>18.06.2020</a:t>
             </a:fld>
-            <a:endParaRPr lang="ru-RU" dirty="0"/>
+            <a:endParaRPr lang="ru-RU"/>
           </a:p>
         </p:txBody>
       </p:sp>
@@ -5166,7 +6039,7 @@
           <a:bodyPr/>
           <a:lstStyle/>
           <a:p>
-            <a:endParaRPr lang="ru-RU" dirty="0"/>
+            <a:endParaRPr lang="ru-RU"/>
           </a:p>
         </p:txBody>
       </p:sp>
@@ -5189,7 +6062,7 @@
               <a:rPr lang="ru-RU" smtClean="0"/>
               <a:t>‹#›</a:t>
             </a:fld>
-            <a:endParaRPr lang="ru-RU" dirty="0"/>
+            <a:endParaRPr lang="ru-RU"/>
           </a:p>
         </p:txBody>
       </p:sp>
@@ -5245,7 +6118,7 @@
               <a:rPr lang="ru-RU"/>
               <a:t>Образец заголовка</a:t>
             </a:r>
-            <a:endParaRPr lang="en-US" dirty="0"/>
+            <a:endParaRPr lang="en-US"/>
           </a:p>
         </p:txBody>
       </p:sp>
@@ -5297,7 +6170,7 @@
               <a:rPr lang="ru-RU"/>
               <a:t>Пятый уровень</a:t>
             </a:r>
-            <a:endParaRPr lang="en-US" dirty="0"/>
+            <a:endParaRPr lang="en-US"/>
           </a:p>
         </p:txBody>
       </p:sp>
@@ -5318,9 +6191,9 @@
           <a:p>
             <a:fld id="{9DF04FE3-AB61-406F-AE3E-5E3CFB8A6317}" type="datetimeFigureOut">
               <a:rPr lang="ru-RU" smtClean="0"/>
-              <a:t>13.06.2020</a:t>
+              <a:t>18.06.2020</a:t>
             </a:fld>
-            <a:endParaRPr lang="ru-RU" dirty="0"/>
+            <a:endParaRPr lang="ru-RU"/>
           </a:p>
         </p:txBody>
       </p:sp>
@@ -5339,7 +6212,7 @@
           <a:bodyPr/>
           <a:lstStyle/>
           <a:p>
-            <a:endParaRPr lang="ru-RU" dirty="0"/>
+            <a:endParaRPr lang="ru-RU"/>
           </a:p>
         </p:txBody>
       </p:sp>
@@ -5362,7 +6235,7 @@
               <a:rPr lang="ru-RU" smtClean="0"/>
               <a:t>‹#›</a:t>
             </a:fld>
-            <a:endParaRPr lang="ru-RU" dirty="0"/>
+            <a:endParaRPr lang="ru-RU"/>
           </a:p>
         </p:txBody>
       </p:sp>
@@ -5423,7 +6296,7 @@
               <a:rPr lang="ru-RU"/>
               <a:t>Образец заголовка</a:t>
             </a:r>
-            <a:endParaRPr lang="en-US" dirty="0"/>
+            <a:endParaRPr lang="en-US"/>
           </a:p>
         </p:txBody>
       </p:sp>
@@ -5480,7 +6353,7 @@
               <a:rPr lang="ru-RU"/>
               <a:t>Пятый уровень</a:t>
             </a:r>
-            <a:endParaRPr lang="en-US" dirty="0"/>
+            <a:endParaRPr lang="en-US"/>
           </a:p>
         </p:txBody>
       </p:sp>
@@ -5501,9 +6374,9 @@
           <a:p>
             <a:fld id="{9DF04FE3-AB61-406F-AE3E-5E3CFB8A6317}" type="datetimeFigureOut">
               <a:rPr lang="ru-RU" smtClean="0"/>
-              <a:t>13.06.2020</a:t>
+              <a:t>18.06.2020</a:t>
             </a:fld>
-            <a:endParaRPr lang="ru-RU" dirty="0"/>
+            <a:endParaRPr lang="ru-RU"/>
           </a:p>
         </p:txBody>
       </p:sp>
@@ -5522,7 +6395,7 @@
           <a:bodyPr/>
           <a:lstStyle/>
           <a:p>
-            <a:endParaRPr lang="ru-RU" dirty="0"/>
+            <a:endParaRPr lang="ru-RU"/>
           </a:p>
         </p:txBody>
       </p:sp>
@@ -5545,7 +6418,7 @@
               <a:rPr lang="ru-RU" smtClean="0"/>
               <a:t>‹#›</a:t>
             </a:fld>
-            <a:endParaRPr lang="ru-RU" dirty="0"/>
+            <a:endParaRPr lang="ru-RU"/>
           </a:p>
         </p:txBody>
       </p:sp>
@@ -5601,7 +6474,7 @@
               <a:rPr lang="ru-RU"/>
               <a:t>Образец заголовка</a:t>
             </a:r>
-            <a:endParaRPr lang="en-US" dirty="0"/>
+            <a:endParaRPr lang="en-US"/>
           </a:p>
         </p:txBody>
       </p:sp>
@@ -5653,7 +6526,7 @@
               <a:rPr lang="ru-RU"/>
               <a:t>Пятый уровень</a:t>
             </a:r>
-            <a:endParaRPr lang="en-US" dirty="0"/>
+            <a:endParaRPr lang="en-US"/>
           </a:p>
         </p:txBody>
       </p:sp>
@@ -5674,9 +6547,9 @@
           <a:p>
             <a:fld id="{9DF04FE3-AB61-406F-AE3E-5E3CFB8A6317}" type="datetimeFigureOut">
               <a:rPr lang="ru-RU" smtClean="0"/>
-              <a:t>13.06.2020</a:t>
+              <a:t>18.06.2020</a:t>
             </a:fld>
-            <a:endParaRPr lang="ru-RU" dirty="0"/>
+            <a:endParaRPr lang="ru-RU"/>
           </a:p>
         </p:txBody>
       </p:sp>
@@ -5695,7 +6568,7 @@
           <a:bodyPr/>
           <a:lstStyle/>
           <a:p>
-            <a:endParaRPr lang="ru-RU" dirty="0"/>
+            <a:endParaRPr lang="ru-RU"/>
           </a:p>
         </p:txBody>
       </p:sp>
@@ -5718,7 +6591,7 @@
               <a:rPr lang="ru-RU" smtClean="0"/>
               <a:t>‹#›</a:t>
             </a:fld>
-            <a:endParaRPr lang="ru-RU" dirty="0"/>
+            <a:endParaRPr lang="ru-RU"/>
           </a:p>
         </p:txBody>
       </p:sp>
@@ -5783,7 +6656,7 @@
               <a:rPr lang="ru-RU"/>
               <a:t>Образец заголовка</a:t>
             </a:r>
-            <a:endParaRPr lang="en-US" dirty="0"/>
+            <a:endParaRPr lang="en-US"/>
           </a:p>
         </p:txBody>
       </p:sp>
@@ -5923,9 +6796,9 @@
           <a:p>
             <a:fld id="{9DF04FE3-AB61-406F-AE3E-5E3CFB8A6317}" type="datetimeFigureOut">
               <a:rPr lang="ru-RU" smtClean="0"/>
-              <a:t>13.06.2020</a:t>
+              <a:t>18.06.2020</a:t>
             </a:fld>
-            <a:endParaRPr lang="ru-RU" dirty="0"/>
+            <a:endParaRPr lang="ru-RU"/>
           </a:p>
         </p:txBody>
       </p:sp>
@@ -5944,7 +6817,7 @@
           <a:bodyPr/>
           <a:lstStyle/>
           <a:p>
-            <a:endParaRPr lang="ru-RU" dirty="0"/>
+            <a:endParaRPr lang="ru-RU"/>
           </a:p>
         </p:txBody>
       </p:sp>
@@ -5967,7 +6840,7 @@
               <a:rPr lang="ru-RU" smtClean="0"/>
               <a:t>‹#›</a:t>
             </a:fld>
-            <a:endParaRPr lang="ru-RU" dirty="0"/>
+            <a:endParaRPr lang="ru-RU"/>
           </a:p>
         </p:txBody>
       </p:sp>
@@ -6023,7 +6896,7 @@
               <a:rPr lang="ru-RU"/>
               <a:t>Образец заголовка</a:t>
             </a:r>
-            <a:endParaRPr lang="en-US" dirty="0"/>
+            <a:endParaRPr lang="en-US"/>
           </a:p>
         </p:txBody>
       </p:sp>
@@ -6080,7 +6953,7 @@
               <a:rPr lang="ru-RU"/>
               <a:t>Пятый уровень</a:t>
             </a:r>
-            <a:endParaRPr lang="en-US" dirty="0"/>
+            <a:endParaRPr lang="en-US"/>
           </a:p>
         </p:txBody>
       </p:sp>
@@ -6137,7 +7010,7 @@
               <a:rPr lang="ru-RU"/>
               <a:t>Пятый уровень</a:t>
             </a:r>
-            <a:endParaRPr lang="en-US" dirty="0"/>
+            <a:endParaRPr lang="en-US"/>
           </a:p>
         </p:txBody>
       </p:sp>
@@ -6158,9 +7031,9 @@
           <a:p>
             <a:fld id="{9DF04FE3-AB61-406F-AE3E-5E3CFB8A6317}" type="datetimeFigureOut">
               <a:rPr lang="ru-RU" smtClean="0"/>
-              <a:t>13.06.2020</a:t>
+              <a:t>18.06.2020</a:t>
             </a:fld>
-            <a:endParaRPr lang="ru-RU" dirty="0"/>
+            <a:endParaRPr lang="ru-RU"/>
           </a:p>
         </p:txBody>
       </p:sp>
@@ -6179,7 +7052,7 @@
           <a:bodyPr/>
           <a:lstStyle/>
           <a:p>
-            <a:endParaRPr lang="ru-RU" dirty="0"/>
+            <a:endParaRPr lang="ru-RU"/>
           </a:p>
         </p:txBody>
       </p:sp>
@@ -6202,7 +7075,7 @@
               <a:rPr lang="ru-RU" smtClean="0"/>
               <a:t>‹#›</a:t>
             </a:fld>
-            <a:endParaRPr lang="ru-RU" dirty="0"/>
+            <a:endParaRPr lang="ru-RU"/>
           </a:p>
         </p:txBody>
       </p:sp>
@@ -6263,7 +7136,7 @@
               <a:rPr lang="ru-RU"/>
               <a:t>Образец заголовка</a:t>
             </a:r>
-            <a:endParaRPr lang="en-US" dirty="0"/>
+            <a:endParaRPr lang="en-US"/>
           </a:p>
         </p:txBody>
       </p:sp>
@@ -6385,7 +7258,7 @@
               <a:rPr lang="ru-RU"/>
               <a:t>Пятый уровень</a:t>
             </a:r>
-            <a:endParaRPr lang="en-US" dirty="0"/>
+            <a:endParaRPr lang="en-US"/>
           </a:p>
         </p:txBody>
       </p:sp>
@@ -6507,7 +7380,7 @@
               <a:rPr lang="ru-RU"/>
               <a:t>Пятый уровень</a:t>
             </a:r>
-            <a:endParaRPr lang="en-US" dirty="0"/>
+            <a:endParaRPr lang="en-US"/>
           </a:p>
         </p:txBody>
       </p:sp>
@@ -6528,9 +7401,9 @@
           <a:p>
             <a:fld id="{9DF04FE3-AB61-406F-AE3E-5E3CFB8A6317}" type="datetimeFigureOut">
               <a:rPr lang="ru-RU" smtClean="0"/>
-              <a:t>13.06.2020</a:t>
+              <a:t>18.06.2020</a:t>
             </a:fld>
-            <a:endParaRPr lang="ru-RU" dirty="0"/>
+            <a:endParaRPr lang="ru-RU"/>
           </a:p>
         </p:txBody>
       </p:sp>
@@ -6549,7 +7422,7 @@
           <a:bodyPr/>
           <a:lstStyle/>
           <a:p>
-            <a:endParaRPr lang="ru-RU" dirty="0"/>
+            <a:endParaRPr lang="ru-RU"/>
           </a:p>
         </p:txBody>
       </p:sp>
@@ -6572,7 +7445,7 @@
               <a:rPr lang="ru-RU" smtClean="0"/>
               <a:t>‹#›</a:t>
             </a:fld>
-            <a:endParaRPr lang="ru-RU" dirty="0"/>
+            <a:endParaRPr lang="ru-RU"/>
           </a:p>
         </p:txBody>
       </p:sp>
@@ -6628,7 +7501,7 @@
               <a:rPr lang="ru-RU"/>
               <a:t>Образец заголовка</a:t>
             </a:r>
-            <a:endParaRPr lang="en-US" dirty="0"/>
+            <a:endParaRPr lang="en-US"/>
           </a:p>
         </p:txBody>
       </p:sp>
@@ -6649,9 +7522,9 @@
           <a:p>
             <a:fld id="{9DF04FE3-AB61-406F-AE3E-5E3CFB8A6317}" type="datetimeFigureOut">
               <a:rPr lang="ru-RU" smtClean="0"/>
-              <a:t>13.06.2020</a:t>
+              <a:t>18.06.2020</a:t>
             </a:fld>
-            <a:endParaRPr lang="ru-RU" dirty="0"/>
+            <a:endParaRPr lang="ru-RU"/>
           </a:p>
         </p:txBody>
       </p:sp>
@@ -6670,7 +7543,7 @@
           <a:bodyPr/>
           <a:lstStyle/>
           <a:p>
-            <a:endParaRPr lang="ru-RU" dirty="0"/>
+            <a:endParaRPr lang="ru-RU"/>
           </a:p>
         </p:txBody>
       </p:sp>
@@ -6693,7 +7566,7 @@
               <a:rPr lang="ru-RU" smtClean="0"/>
               <a:t>‹#›</a:t>
             </a:fld>
-            <a:endParaRPr lang="ru-RU" dirty="0"/>
+            <a:endParaRPr lang="ru-RU"/>
           </a:p>
         </p:txBody>
       </p:sp>
@@ -6747,9 +7620,9 @@
           <a:p>
             <a:fld id="{9DF04FE3-AB61-406F-AE3E-5E3CFB8A6317}" type="datetimeFigureOut">
               <a:rPr lang="ru-RU" smtClean="0"/>
-              <a:t>13.06.2020</a:t>
+              <a:t>18.06.2020</a:t>
             </a:fld>
-            <a:endParaRPr lang="ru-RU" dirty="0"/>
+            <a:endParaRPr lang="ru-RU"/>
           </a:p>
         </p:txBody>
       </p:sp>
@@ -6768,7 +7641,7 @@
           <a:bodyPr/>
           <a:lstStyle/>
           <a:p>
-            <a:endParaRPr lang="ru-RU" dirty="0"/>
+            <a:endParaRPr lang="ru-RU"/>
           </a:p>
         </p:txBody>
       </p:sp>
@@ -6791,7 +7664,7 @@
               <a:rPr lang="ru-RU" smtClean="0"/>
               <a:t>‹#›</a:t>
             </a:fld>
-            <a:endParaRPr lang="ru-RU" dirty="0"/>
+            <a:endParaRPr lang="ru-RU"/>
           </a:p>
         </p:txBody>
       </p:sp>
@@ -6856,7 +7729,7 @@
               <a:rPr lang="ru-RU"/>
               <a:t>Образец заголовка</a:t>
             </a:r>
-            <a:endParaRPr lang="en-US" dirty="0"/>
+            <a:endParaRPr lang="en-US"/>
           </a:p>
         </p:txBody>
       </p:sp>
@@ -6941,7 +7814,7 @@
               <a:rPr lang="ru-RU"/>
               <a:t>Пятый уровень</a:t>
             </a:r>
-            <a:endParaRPr lang="en-US" dirty="0"/>
+            <a:endParaRPr lang="en-US"/>
           </a:p>
         </p:txBody>
       </p:sp>
@@ -7027,9 +7900,9 @@
           <a:p>
             <a:fld id="{9DF04FE3-AB61-406F-AE3E-5E3CFB8A6317}" type="datetimeFigureOut">
               <a:rPr lang="ru-RU" smtClean="0"/>
-              <a:t>13.06.2020</a:t>
+              <a:t>18.06.2020</a:t>
             </a:fld>
-            <a:endParaRPr lang="ru-RU" dirty="0"/>
+            <a:endParaRPr lang="ru-RU"/>
           </a:p>
         </p:txBody>
       </p:sp>
@@ -7048,7 +7921,7 @@
           <a:bodyPr/>
           <a:lstStyle/>
           <a:p>
-            <a:endParaRPr lang="ru-RU" dirty="0"/>
+            <a:endParaRPr lang="ru-RU"/>
           </a:p>
         </p:txBody>
       </p:sp>
@@ -7071,7 +7944,7 @@
               <a:rPr lang="ru-RU" smtClean="0"/>
               <a:t>‹#›</a:t>
             </a:fld>
-            <a:endParaRPr lang="ru-RU" dirty="0"/>
+            <a:endParaRPr lang="ru-RU"/>
           </a:p>
         </p:txBody>
       </p:sp>
@@ -7136,7 +8009,7 @@
               <a:rPr lang="ru-RU"/>
               <a:t>Образец заголовка</a:t>
             </a:r>
-            <a:endParaRPr lang="en-US" dirty="0"/>
+            <a:endParaRPr lang="en-US"/>
           </a:p>
         </p:txBody>
       </p:sp>
@@ -7198,10 +8071,10 @@
           </a:lstStyle>
           <a:p>
             <a:r>
-              <a:rPr lang="ru-RU" dirty="0"/>
+              <a:rPr lang="ru-RU"/>
               <a:t>Вставка рисунка</a:t>
             </a:r>
-            <a:endParaRPr lang="en-US" dirty="0"/>
+            <a:endParaRPr lang="en-US"/>
           </a:p>
         </p:txBody>
       </p:sp>
@@ -7287,9 +8160,9 @@
           <a:p>
             <a:fld id="{9DF04FE3-AB61-406F-AE3E-5E3CFB8A6317}" type="datetimeFigureOut">
               <a:rPr lang="ru-RU" smtClean="0"/>
-              <a:t>13.06.2020</a:t>
+              <a:t>18.06.2020</a:t>
             </a:fld>
-            <a:endParaRPr lang="ru-RU" dirty="0"/>
+            <a:endParaRPr lang="ru-RU"/>
           </a:p>
         </p:txBody>
       </p:sp>
@@ -7308,7 +8181,7 @@
           <a:bodyPr/>
           <a:lstStyle/>
           <a:p>
-            <a:endParaRPr lang="ru-RU" dirty="0"/>
+            <a:endParaRPr lang="ru-RU"/>
           </a:p>
         </p:txBody>
       </p:sp>
@@ -7331,7 +8204,7 @@
               <a:rPr lang="ru-RU" smtClean="0"/>
               <a:t>‹#›</a:t>
             </a:fld>
-            <a:endParaRPr lang="ru-RU" dirty="0"/>
+            <a:endParaRPr lang="ru-RU"/>
           </a:p>
         </p:txBody>
       </p:sp>
@@ -7402,7 +8275,7 @@
               <a:rPr lang="ru-RU"/>
               <a:t>Образец заголовка</a:t>
             </a:r>
-            <a:endParaRPr lang="en-US" dirty="0"/>
+            <a:endParaRPr lang="en-US"/>
           </a:p>
         </p:txBody>
       </p:sp>
@@ -7464,7 +8337,7 @@
               <a:rPr lang="ru-RU"/>
               <a:t>Пятый уровень</a:t>
             </a:r>
-            <a:endParaRPr lang="en-US" dirty="0"/>
+            <a:endParaRPr lang="en-US"/>
           </a:p>
         </p:txBody>
       </p:sp>
@@ -7503,9 +8376,9 @@
           <a:p>
             <a:fld id="{9DF04FE3-AB61-406F-AE3E-5E3CFB8A6317}" type="datetimeFigureOut">
               <a:rPr lang="ru-RU" smtClean="0"/>
-              <a:t>13.06.2020</a:t>
+              <a:t>18.06.2020</a:t>
             </a:fld>
-            <a:endParaRPr lang="ru-RU" dirty="0"/>
+            <a:endParaRPr lang="ru-RU"/>
           </a:p>
         </p:txBody>
       </p:sp>
@@ -7542,7 +8415,7 @@
             </a:lvl1pPr>
           </a:lstStyle>
           <a:p>
-            <a:endParaRPr lang="ru-RU" dirty="0"/>
+            <a:endParaRPr lang="ru-RU"/>
           </a:p>
         </p:txBody>
       </p:sp>
@@ -7583,7 +8456,7 @@
               <a:rPr lang="ru-RU" smtClean="0"/>
               <a:t>‹#›</a:t>
             </a:fld>
-            <a:endParaRPr lang="ru-RU" dirty="0"/>
+            <a:endParaRPr lang="ru-RU"/>
           </a:p>
         </p:txBody>
       </p:sp>
@@ -7949,29 +8822,29 @@
           <a:p>
             <a:pPr algn="l"/>
             <a:r>
-              <a:rPr lang="ru-RU" sz="4400" dirty="0"/>
+              <a:rPr lang="ru-RU" sz="4400"/>
               <a:t>Выпускная квалификационная работа</a:t>
             </a:r>
             <a:br>
-              <a:rPr lang="ru-RU" dirty="0"/>
+              <a:rPr lang="ru-RU"/>
             </a:br>
             <a:r>
-              <a:rPr lang="ru-RU" sz="4400" dirty="0"/>
+              <a:rPr lang="ru-RU" sz="4400"/>
               <a:t>на тему</a:t>
             </a:r>
             <a:r>
-              <a:rPr lang="en-US" sz="4400" dirty="0"/>
+              <a:rPr lang="en-US" sz="4400"/>
               <a:t>:</a:t>
             </a:r>
             <a:r>
-              <a:rPr lang="ru-RU" sz="4400" dirty="0"/>
+              <a:rPr lang="ru-RU" sz="4400"/>
               <a:t> </a:t>
             </a:r>
             <a:br>
-              <a:rPr lang="ru-RU" sz="4400" dirty="0"/>
+              <a:rPr lang="ru-RU" sz="4400"/>
             </a:br>
             <a:r>
-              <a:rPr lang="en-US" sz="4400" dirty="0">
+              <a:rPr lang="en-US" sz="4400">
                 <a:solidFill>
                   <a:srgbClr val="C00000"/>
                 </a:solidFill>
@@ -7979,7 +8852,7 @@
               <a:t>«</a:t>
             </a:r>
             <a:r>
-              <a:rPr lang="ru-RU" sz="4400" dirty="0">
+              <a:rPr lang="ru-RU" sz="4400">
                 <a:solidFill>
                   <a:srgbClr val="C00000"/>
                 </a:solidFill>
@@ -7987,14 +8860,14 @@
               <a:t>Разработка интеллектуальной системы контроля и управления доступом</a:t>
             </a:r>
             <a:r>
-              <a:rPr lang="en-US" sz="4400" dirty="0">
+              <a:rPr lang="en-US" sz="4400">
                 <a:solidFill>
                   <a:srgbClr val="C00000"/>
                 </a:solidFill>
               </a:rPr>
               <a:t>»</a:t>
             </a:r>
-            <a:endParaRPr lang="ru-RU" dirty="0">
+            <a:endParaRPr lang="ru-RU">
               <a:solidFill>
                 <a:srgbClr val="C00000"/>
               </a:solidFill>
@@ -8039,14 +8912,14 @@
               </a:spcBef>
             </a:pPr>
             <a:r>
-              <a:rPr lang="ru-RU" sz="2000" dirty="0"/>
+              <a:rPr lang="ru-RU" sz="2000"/>
               <a:t>Выполнил обучающийся </a:t>
             </a:r>
             <a:br>
-              <a:rPr lang="ru-RU" sz="2000" dirty="0"/>
+              <a:rPr lang="ru-RU" sz="2000"/>
             </a:br>
             <a:r>
-              <a:rPr lang="ru-RU" sz="2000" dirty="0"/>
+              <a:rPr lang="ru-RU" sz="2000"/>
               <a:t>гр. КСт-16-(9)-2 отд. ИТВТ МПК</a:t>
             </a:r>
           </a:p>
@@ -8060,7 +8933,7 @@
               </a:spcBef>
             </a:pPr>
             <a:r>
-              <a:rPr lang="ru-RU" sz="2000" dirty="0">
+              <a:rPr lang="ru-RU" sz="2000">
                 <a:solidFill>
                   <a:srgbClr val="FF0000"/>
                 </a:solidFill>
@@ -8078,15 +8951,15 @@
               </a:spcBef>
             </a:pPr>
             <a:r>
-              <a:rPr lang="ru-RU" sz="2000" dirty="0"/>
+              <a:rPr lang="ru-RU" sz="2000"/>
               <a:t>Проверил</a:t>
             </a:r>
             <a:r>
-              <a:rPr lang="en-US" sz="2000" dirty="0"/>
+              <a:rPr lang="en-US" sz="2000"/>
               <a:t>:</a:t>
             </a:r>
             <a:r>
-              <a:rPr lang="ru-RU" sz="2000" dirty="0"/>
+              <a:rPr lang="ru-RU" sz="2000"/>
               <a:t> руководитель ВКР</a:t>
             </a:r>
           </a:p>
@@ -8100,7 +8973,7 @@
               </a:spcBef>
             </a:pPr>
             <a:r>
-              <a:rPr lang="ru-RU" sz="2000" dirty="0" err="1">
+              <a:rPr lang="ru-RU" sz="2000" err="1">
                 <a:solidFill>
                   <a:srgbClr val="FF0000"/>
                 </a:solidFill>
@@ -8108,7 +8981,7 @@
               <a:t>Кинчин</a:t>
             </a:r>
             <a:r>
-              <a:rPr lang="ru-RU" sz="2000" dirty="0">
+              <a:rPr lang="ru-RU" sz="2000">
                 <a:solidFill>
                   <a:srgbClr val="FF0000"/>
                 </a:solidFill>
@@ -8118,7 +8991,7 @@
           </a:p>
           <a:p>
             <a:pPr algn="l"/>
-            <a:endParaRPr lang="ru-RU" sz="2000" dirty="0"/>
+            <a:endParaRPr lang="ru-RU" sz="2000"/>
           </a:p>
         </p:txBody>
       </p:sp>
@@ -8163,7 +9036,7 @@
           </a:bodyPr>
           <a:lstStyle/>
           <a:p>
-            <a:endParaRPr lang="ru-RU" dirty="0"/>
+            <a:endParaRPr lang="ru-RU"/>
           </a:p>
         </p:txBody>
       </p:sp>
@@ -8783,7 +9656,7 @@
             <a:lstStyle/>
             <a:p>
               <a:pPr algn="ctr"/>
-              <a:endParaRPr lang="ru-RU" dirty="0"/>
+              <a:endParaRPr lang="ru-RU"/>
             </a:p>
           </p:txBody>
         </p:sp>
@@ -9085,7 +9958,7 @@
             <a:lstStyle/>
             <a:p>
               <a:pPr algn="ctr"/>
-              <a:endParaRPr lang="ru-RU" dirty="0"/>
+              <a:endParaRPr lang="ru-RU"/>
             </a:p>
           </p:txBody>
         </p:sp>
@@ -9100,11 +9973,11 @@
   <p:clrMapOvr>
     <a:masterClrMapping/>
   </p:clrMapOvr>
-  <mc:AlternateContent xmlns:mc="http://schemas.openxmlformats.org/markup-compatibility/2006" xmlns:p14="http://schemas.microsoft.com/office/powerpoint/2010/main">
-    <mc:Choice Requires="p14">
+  <mc:AlternateContent xmlns:mc="http://schemas.openxmlformats.org/markup-compatibility/2006">
+    <mc:Choice xmlns:p14="http://schemas.microsoft.com/office/powerpoint/2010/main" Requires="p14">
       <p:transition p14:dur="0"/>
     </mc:Choice>
-    <mc:Fallback xmlns="">
+    <mc:Fallback>
       <p:transition/>
     </mc:Fallback>
   </mc:AlternateContent>
@@ -9150,7 +10023,7 @@
           <a:lstStyle/>
           <a:p>
             <a:r>
-              <a:rPr lang="ru-RU" dirty="0"/>
+              <a:rPr lang="ru-RU"/>
               <a:t>Актуальность</a:t>
             </a:r>
           </a:p>
@@ -9238,7 +10111,7 @@
           <a:p>
             <a:pPr algn="ctr"/>
             <a:r>
-              <a:rPr lang="ru-RU" dirty="0"/>
+              <a:rPr lang="ru-RU"/>
               <a:t>Появление и внедрение новых технологий</a:t>
             </a:r>
           </a:p>
@@ -9295,7 +10168,7 @@
           <a:p>
             <a:pPr algn="ctr"/>
             <a:r>
-              <a:rPr lang="ru-RU" dirty="0"/>
+              <a:rPr lang="ru-RU"/>
               <a:t>Активное развитие сферы безопасности</a:t>
             </a:r>
           </a:p>
@@ -9352,7 +10225,7 @@
           <a:p>
             <a:pPr algn="ctr"/>
             <a:r>
-              <a:rPr lang="ru-RU" dirty="0"/>
+              <a:rPr lang="ru-RU"/>
               <a:t>Рост потребности внедрения ограничений доступа</a:t>
             </a:r>
           </a:p>
@@ -9409,7 +10282,7 @@
           <a:p>
             <a:pPr algn="ctr"/>
             <a:r>
-              <a:rPr lang="ru-RU" dirty="0"/>
+              <a:rPr lang="ru-RU"/>
               <a:t>Рост требований</a:t>
             </a:r>
           </a:p>
@@ -9445,7 +10318,7 @@
           <a:p>
             <a:pPr algn="ctr"/>
             <a:r>
-              <a:rPr lang="ru-RU" sz="1800" dirty="0">
+              <a:rPr lang="ru-RU" sz="1800">
                 <a:solidFill>
                   <a:schemeClr val="tx1"/>
                 </a:solidFill>
@@ -9768,7 +10641,7 @@
             <a:lstStyle/>
             <a:p>
               <a:pPr algn="ctr"/>
-              <a:endParaRPr lang="ru-RU" dirty="0"/>
+              <a:endParaRPr lang="ru-RU"/>
             </a:p>
           </p:txBody>
         </p:sp>
@@ -10032,7 +10905,7 @@
             <a:lstStyle/>
             <a:p>
               <a:pPr algn="ctr"/>
-              <a:endParaRPr lang="ru-RU" dirty="0"/>
+              <a:endParaRPr lang="ru-RU"/>
             </a:p>
           </p:txBody>
         </p:sp>
@@ -10318,7 +11191,7 @@
             <a:lstStyle/>
             <a:p>
               <a:pPr algn="ctr"/>
-              <a:endParaRPr lang="ru-RU" dirty="0"/>
+              <a:endParaRPr lang="ru-RU"/>
             </a:p>
           </p:txBody>
         </p:sp>
@@ -10579,7 +11452,7 @@
           <a:p>
             <a:pPr defTabSz="4680000"/>
             <a:r>
-              <a:rPr lang="ru-RU" dirty="0"/>
+              <a:rPr lang="ru-RU"/>
               <a:t>Цель</a:t>
             </a:r>
           </a:p>
@@ -10675,7 +11548,7 @@
           <a:p>
             <a:pPr algn="ctr" defTabSz="4680000"/>
             <a:r>
-              <a:rPr lang="ru-RU" dirty="0"/>
+              <a:rPr lang="ru-RU"/>
               <a:t>И</a:t>
             </a:r>
           </a:p>
@@ -10730,7 +11603,7 @@
           <a:p>
             <a:pPr algn="r" defTabSz="4680000"/>
             <a:r>
-              <a:rPr lang="ru-RU" dirty="0"/>
+              <a:rPr lang="ru-RU"/>
               <a:t>Задачи</a:t>
             </a:r>
           </a:p>
@@ -10784,14 +11657,14 @@
           <a:lstStyle/>
           <a:p>
             <a:r>
-              <a:rPr lang="ru-RU" dirty="0"/>
+              <a:rPr lang="ru-RU"/>
               <a:t>Разработка</a:t>
             </a:r>
-            <a:endParaRPr lang="en-US" dirty="0"/>
+            <a:endParaRPr lang="en-US"/>
           </a:p>
           <a:p>
             <a:r>
-              <a:rPr lang="ru-RU" dirty="0"/>
+              <a:rPr lang="ru-RU"/>
               <a:t>устройства</a:t>
             </a:r>
           </a:p>
@@ -10846,15 +11719,15 @@
           <a:p>
             <a:pPr algn="r"/>
             <a:r>
-              <a:rPr lang="ru-RU" dirty="0"/>
+              <a:rPr lang="ru-RU"/>
               <a:t>Проектирование аппаратной</a:t>
             </a:r>
-            <a:endParaRPr lang="en-US" dirty="0"/>
+            <a:endParaRPr lang="en-US"/>
           </a:p>
           <a:p>
             <a:pPr algn="r"/>
             <a:r>
-              <a:rPr lang="ru-RU" dirty="0"/>
+              <a:rPr lang="ru-RU"/>
               <a:t> части</a:t>
             </a:r>
           </a:p>
@@ -10907,7 +11780,7 @@
           <a:p>
             <a:pPr algn="r"/>
             <a:r>
-              <a:rPr lang="ru-RU" dirty="0"/>
+              <a:rPr lang="ru-RU"/>
               <a:t>Анализ документации</a:t>
             </a:r>
           </a:p>
@@ -10962,7 +11835,7 @@
           <a:p>
             <a:pPr algn="r"/>
             <a:r>
-              <a:rPr lang="ru-RU" dirty="0"/>
+              <a:rPr lang="ru-RU"/>
               <a:t>Разработка программной части</a:t>
             </a:r>
           </a:p>
@@ -11017,7 +11890,7 @@
           <a:p>
             <a:pPr algn="r"/>
             <a:r>
-              <a:rPr lang="ru-RU" dirty="0"/>
+              <a:rPr lang="ru-RU"/>
               <a:t>Оформление документации</a:t>
             </a:r>
           </a:p>
@@ -11071,7 +11944,7 @@
           <a:lstStyle/>
           <a:p>
             <a:pPr algn="ctr"/>
-            <a:endParaRPr lang="ru-RU" dirty="0"/>
+            <a:endParaRPr lang="ru-RU"/>
           </a:p>
         </p:txBody>
       </p:sp>
@@ -12453,7 +13326,7 @@
           <a:lstStyle/>
           <a:p>
             <a:r>
-              <a:rPr lang="ru-RU" dirty="0"/>
+              <a:rPr lang="ru-RU"/>
               <a:t>Разработка</a:t>
             </a:r>
           </a:p>
@@ -12508,7 +13381,7 @@
           <a:p>
             <a:pPr algn="r" defTabSz="4680000"/>
             <a:r>
-              <a:rPr lang="ru-RU" sz="2800" b="1" dirty="0"/>
+              <a:rPr lang="ru-RU" sz="2800" b="1"/>
               <a:t>АППАРАТНОЙ ЧАСТИ</a:t>
             </a:r>
           </a:p>
@@ -12584,7 +13457,7 @@
           <a:p>
             <a:pPr algn="ctr"/>
             <a:r>
-              <a:rPr lang="ru-RU" dirty="0">
+              <a:rPr lang="ru-RU">
                 <a:solidFill>
                   <a:schemeClr val="tx1"/>
                 </a:solidFill>
@@ -12666,7 +13539,7 @@
           <a:p>
             <a:pPr algn="ctr"/>
             <a:r>
-              <a:rPr lang="ru-RU" dirty="0">
+              <a:rPr lang="ru-RU">
                 <a:solidFill>
                   <a:schemeClr val="tx1"/>
                 </a:solidFill>
@@ -12746,7 +13619,7 @@
           <a:p>
             <a:pPr algn="ctr"/>
             <a:r>
-              <a:rPr lang="ru-RU" dirty="0">
+              <a:rPr lang="ru-RU">
                 <a:solidFill>
                   <a:schemeClr val="tx1"/>
                 </a:solidFill>
@@ -12826,7 +13699,7 @@
           <a:p>
             <a:pPr algn="ctr"/>
             <a:r>
-              <a:rPr lang="ru-RU" dirty="0">
+              <a:rPr lang="ru-RU">
                 <a:solidFill>
                   <a:schemeClr val="tx1"/>
                 </a:solidFill>
@@ -12906,7 +13779,7 @@
           <a:p>
             <a:pPr algn="ctr"/>
             <a:r>
-              <a:rPr lang="ru-RU" dirty="0">
+              <a:rPr lang="ru-RU">
                 <a:solidFill>
                   <a:schemeClr val="tx1"/>
                 </a:solidFill>
@@ -12988,7 +13861,7 @@
           <a:p>
             <a:pPr algn="ctr"/>
             <a:r>
-              <a:rPr lang="ru-RU" dirty="0">
+              <a:rPr lang="ru-RU">
                 <a:solidFill>
                   <a:schemeClr val="tx1"/>
                 </a:solidFill>
@@ -13028,7 +13901,7 @@
           <a:p>
             <a:pPr algn="ctr"/>
             <a:r>
-              <a:rPr lang="ru-RU" sz="4000" dirty="0"/>
+              <a:rPr lang="ru-RU" sz="4000"/>
               <a:t>1</a:t>
             </a:r>
           </a:p>
@@ -13064,7 +13937,7 @@
           <a:p>
             <a:pPr algn="ctr"/>
             <a:r>
-              <a:rPr lang="ru-RU" sz="4000" dirty="0"/>
+              <a:rPr lang="ru-RU" sz="4000"/>
               <a:t>2</a:t>
             </a:r>
           </a:p>
@@ -13100,7 +13973,7 @@
           <a:p>
             <a:pPr algn="ctr"/>
             <a:r>
-              <a:rPr lang="ru-RU" sz="4000" dirty="0"/>
+              <a:rPr lang="ru-RU" sz="4000"/>
               <a:t>3</a:t>
             </a:r>
           </a:p>
@@ -13136,7 +14009,7 @@
           <a:p>
             <a:pPr algn="ctr"/>
             <a:r>
-              <a:rPr lang="ru-RU" sz="4000" dirty="0"/>
+              <a:rPr lang="ru-RU" sz="4000"/>
               <a:t>6</a:t>
             </a:r>
           </a:p>
@@ -13172,7 +14045,7 @@
           <a:p>
             <a:pPr algn="ctr"/>
             <a:r>
-              <a:rPr lang="ru-RU" sz="4000" dirty="0"/>
+              <a:rPr lang="ru-RU" sz="4000"/>
               <a:t>5</a:t>
             </a:r>
           </a:p>
@@ -13208,7 +14081,7 @@
           <a:p>
             <a:pPr algn="ctr"/>
             <a:r>
-              <a:rPr lang="ru-RU" sz="4000" dirty="0"/>
+              <a:rPr lang="ru-RU" sz="4000"/>
               <a:t>4</a:t>
             </a:r>
           </a:p>
@@ -14484,7 +15357,7 @@
           <a:lstStyle/>
           <a:p>
             <a:r>
-              <a:rPr lang="ru-RU" dirty="0"/>
+              <a:rPr lang="ru-RU"/>
               <a:t>Разработка</a:t>
             </a:r>
           </a:p>
@@ -14539,7 +15412,7 @@
           <a:p>
             <a:pPr algn="r" defTabSz="4680000"/>
             <a:r>
-              <a:rPr lang="ru-RU" sz="2800" b="1" dirty="0"/>
+              <a:rPr lang="ru-RU" sz="2800" b="1"/>
               <a:t>ПРОГРАММНОЙ ЧАСТИ</a:t>
             </a:r>
           </a:p>
@@ -14751,7 +15624,7 @@
           <a:p>
             <a:pPr algn="ctr"/>
             <a:r>
-              <a:rPr lang="ru-RU" sz="2000" dirty="0">
+              <a:rPr lang="ru-RU" sz="2000">
                 <a:solidFill>
                   <a:schemeClr val="tx1"/>
                 </a:solidFill>
@@ -14759,14 +15632,14 @@
               <a:t>Выбор </a:t>
             </a:r>
             <a:r>
-              <a:rPr lang="en-US" sz="2000" dirty="0">
+              <a:rPr lang="en-US" sz="2000">
                 <a:solidFill>
                   <a:schemeClr val="tx1"/>
                 </a:solidFill>
               </a:rPr>
               <a:t>IDE</a:t>
             </a:r>
-            <a:endParaRPr lang="ru-RU" sz="2000" dirty="0">
+            <a:endParaRPr lang="ru-RU" sz="2000">
               <a:solidFill>
                 <a:schemeClr val="tx1"/>
               </a:solidFill>
@@ -14805,7 +15678,7 @@
           <a:p>
             <a:pPr algn="ctr"/>
             <a:r>
-              <a:rPr lang="ru-RU" sz="4000" dirty="0"/>
+              <a:rPr lang="ru-RU" sz="4000"/>
               <a:t>1</a:t>
             </a:r>
           </a:p>
@@ -15062,7 +15935,7 @@
           <a:p>
             <a:pPr algn="ctr"/>
             <a:r>
-              <a:rPr lang="ru-RU" sz="2000" dirty="0">
+              <a:rPr lang="ru-RU" sz="2000">
                 <a:solidFill>
                   <a:schemeClr val="tx1"/>
                 </a:solidFill>
@@ -15103,7 +15976,7 @@
           <a:p>
             <a:pPr algn="ctr"/>
             <a:r>
-              <a:rPr lang="ru-RU" sz="4000" dirty="0"/>
+              <a:rPr lang="ru-RU" sz="4000"/>
               <a:t>5</a:t>
             </a:r>
           </a:p>
@@ -15315,7 +16188,7 @@
           <a:p>
             <a:pPr algn="ctr"/>
             <a:r>
-              <a:rPr lang="ru-RU" sz="2000" dirty="0">
+              <a:rPr lang="ru-RU" sz="2000">
                 <a:solidFill>
                   <a:schemeClr val="tx1"/>
                 </a:solidFill>
@@ -15326,7 +16199,7 @@
           <a:p>
             <a:pPr algn="ctr"/>
             <a:r>
-              <a:rPr lang="ru-RU" sz="2000" dirty="0">
+              <a:rPr lang="ru-RU" sz="2000">
                 <a:solidFill>
                   <a:schemeClr val="tx1"/>
                 </a:solidFill>
@@ -15367,10 +16240,10 @@
           <a:p>
             <a:pPr algn="ctr"/>
             <a:r>
-              <a:rPr lang="en-US" sz="4000" dirty="0"/>
+              <a:rPr lang="en-US" sz="4000"/>
               <a:t>3</a:t>
             </a:r>
-            <a:endParaRPr lang="ru-RU" sz="4000" dirty="0"/>
+            <a:endParaRPr lang="ru-RU" sz="4000"/>
           </a:p>
         </p:txBody>
       </p:sp>
@@ -15580,7 +16453,7 @@
           <a:p>
             <a:pPr algn="r"/>
             <a:r>
-              <a:rPr lang="ru-RU" sz="1900" dirty="0">
+              <a:rPr lang="ru-RU" sz="1900">
                 <a:solidFill>
                   <a:schemeClr val="tx1"/>
                 </a:solidFill>
@@ -15591,14 +16464,14 @@
           <a:p>
             <a:pPr algn="r"/>
             <a:r>
-              <a:rPr lang="ru-RU" sz="1900" dirty="0">
+              <a:rPr lang="ru-RU" sz="1900">
                 <a:solidFill>
                   <a:schemeClr val="tx1"/>
                 </a:solidFill>
               </a:rPr>
               <a:t>микроконтроллера</a:t>
             </a:r>
-            <a:endParaRPr lang="en-US" sz="1900" dirty="0">
+            <a:endParaRPr lang="en-US" sz="1900">
               <a:solidFill>
                 <a:schemeClr val="tx1"/>
               </a:solidFill>
@@ -15637,10 +16510,10 @@
           <a:p>
             <a:pPr algn="ctr"/>
             <a:r>
-              <a:rPr lang="en-US" sz="4000" dirty="0"/>
+              <a:rPr lang="en-US" sz="4000"/>
               <a:t>2</a:t>
             </a:r>
-            <a:endParaRPr lang="ru-RU" sz="4000" dirty="0"/>
+            <a:endParaRPr lang="ru-RU" sz="4000"/>
           </a:p>
         </p:txBody>
       </p:sp>
@@ -15895,7 +16768,7 @@
           <a:p>
             <a:pPr algn="ctr"/>
             <a:r>
-              <a:rPr lang="ru-RU" sz="2000" dirty="0">
+              <a:rPr lang="ru-RU" sz="2000">
                 <a:solidFill>
                   <a:schemeClr val="tx1"/>
                 </a:solidFill>
@@ -16026,10 +16899,10 @@
           <a:p>
             <a:pPr algn="ctr"/>
             <a:r>
-              <a:rPr lang="en-US" sz="4000" dirty="0"/>
+              <a:rPr lang="en-US" sz="4000"/>
               <a:t>4</a:t>
             </a:r>
-            <a:endParaRPr lang="ru-RU" sz="4000" dirty="0"/>
+            <a:endParaRPr lang="ru-RU" sz="4000"/>
           </a:p>
         </p:txBody>
       </p:sp>
@@ -16220,7 +17093,7 @@
           <a:lstStyle/>
           <a:p>
             <a:r>
-              <a:rPr lang="ru-RU" dirty="0"/>
+              <a:rPr lang="ru-RU"/>
               <a:t>Функционал устройства</a:t>
             </a:r>
           </a:p>
@@ -16277,13 +17150,13 @@
           <a:p>
             <a:pPr algn="r"/>
             <a:r>
-              <a:rPr lang="ru-RU" sz="2000" dirty="0"/>
+              <a:rPr lang="ru-RU" sz="2000"/>
               <a:t>Идентификация пользователя</a:t>
             </a:r>
           </a:p>
           <a:p>
             <a:pPr algn="r"/>
-            <a:endParaRPr lang="ru-RU" sz="2000" dirty="0"/>
+            <a:endParaRPr lang="ru-RU" sz="2000"/>
           </a:p>
         </p:txBody>
       </p:sp>
@@ -16338,11 +17211,11 @@
           <a:p>
             <a:pPr algn="r"/>
             <a:r>
-              <a:rPr lang="en-US" sz="2800" dirty="0"/>
+              <a:rPr lang="en-US" sz="2800"/>
               <a:t>PIN-</a:t>
             </a:r>
             <a:r>
-              <a:rPr lang="ru-RU" sz="2800" dirty="0"/>
+              <a:rPr lang="ru-RU" sz="2800"/>
               <a:t>код</a:t>
             </a:r>
           </a:p>
@@ -16399,11 +17272,11 @@
           <a:p>
             <a:pPr algn="r"/>
             <a:r>
-              <a:rPr lang="en-US" sz="2800" dirty="0"/>
+              <a:rPr lang="en-US" sz="2800"/>
               <a:t>RFID</a:t>
             </a:r>
             <a:r>
-              <a:rPr lang="ru-RU" sz="2800" dirty="0"/>
+              <a:rPr lang="ru-RU" sz="2800"/>
               <a:t> карт</a:t>
             </a:r>
           </a:p>
@@ -16460,15 +17333,15 @@
           <a:p>
             <a:pPr algn="r"/>
             <a:r>
-              <a:rPr lang="ru-RU" sz="2400" dirty="0"/>
+              <a:rPr lang="ru-RU" sz="2400"/>
               <a:t>Сканер </a:t>
             </a:r>
-            <a:endParaRPr lang="en-US" sz="2400" dirty="0"/>
+            <a:endParaRPr lang="en-US" sz="2400"/>
           </a:p>
           <a:p>
             <a:pPr algn="r"/>
             <a:r>
-              <a:rPr lang="ru-RU" sz="2400" dirty="0"/>
+              <a:rPr lang="ru-RU" sz="2400"/>
               <a:t>отпечатка пальцев</a:t>
             </a:r>
           </a:p>
@@ -16525,15 +17398,15 @@
           <a:p>
             <a:pPr algn="r"/>
             <a:r>
-              <a:rPr lang="ru-RU" sz="2800" dirty="0"/>
+              <a:rPr lang="ru-RU" sz="2800"/>
               <a:t>База </a:t>
             </a:r>
-            <a:endParaRPr lang="en-US" sz="2800" dirty="0"/>
+            <a:endParaRPr lang="en-US" sz="2800"/>
           </a:p>
           <a:p>
             <a:pPr algn="r"/>
             <a:r>
-              <a:rPr lang="ru-RU" sz="2800" dirty="0"/>
+              <a:rPr lang="ru-RU" sz="2800"/>
               <a:t>данных</a:t>
             </a:r>
           </a:p>
@@ -16590,17 +17463,17 @@
           <a:p>
             <a:pPr algn="r"/>
             <a:r>
-              <a:rPr lang="en-US" sz="2800" dirty="0"/>
+              <a:rPr lang="en-US" sz="2800"/>
               <a:t>Web</a:t>
             </a:r>
             <a:br>
-              <a:rPr lang="en-US" sz="2800" dirty="0"/>
+              <a:rPr lang="en-US" sz="2800"/>
             </a:br>
             <a:r>
-              <a:rPr lang="ru-RU" sz="2800" dirty="0"/>
+              <a:rPr lang="ru-RU" sz="2800"/>
               <a:t>сервер</a:t>
             </a:r>
-            <a:endParaRPr lang="ru-RU" sz="3200" dirty="0"/>
+            <a:endParaRPr lang="ru-RU" sz="3200"/>
           </a:p>
         </p:txBody>
       </p:sp>
@@ -16655,7 +17528,7 @@
           <a:p>
             <a:pPr algn="r"/>
             <a:r>
-              <a:rPr lang="ru-RU" sz="2400" dirty="0"/>
+              <a:rPr lang="ru-RU" sz="2400"/>
               <a:t>Резервный источник питания</a:t>
             </a:r>
           </a:p>
@@ -16690,12 +17563,12 @@
           <a:lstStyle/>
           <a:p>
             <a:r>
-              <a:rPr lang="en-US" sz="4800" dirty="0">
+              <a:rPr lang="en-US" sz="4800">
                 <a:latin typeface="Segoe MDL2 Assets" panose="050A0102010101010101" pitchFamily="18" charset="0"/>
               </a:rPr>
               <a:t></a:t>
             </a:r>
-            <a:endParaRPr lang="ru-RU" sz="4800" dirty="0"/>
+            <a:endParaRPr lang="ru-RU" sz="4800"/>
           </a:p>
         </p:txBody>
       </p:sp>
@@ -16728,12 +17601,12 @@
           <a:lstStyle/>
           <a:p>
             <a:r>
-              <a:rPr lang="en-US" sz="4800" dirty="0">
+              <a:rPr lang="en-US" sz="4800">
                 <a:latin typeface="Segoe MDL2 Assets" panose="050A0102010101010101" pitchFamily="18" charset="0"/>
               </a:rPr>
               <a:t></a:t>
             </a:r>
-            <a:endParaRPr lang="ru-RU" sz="4800" dirty="0"/>
+            <a:endParaRPr lang="ru-RU" sz="4800"/>
           </a:p>
         </p:txBody>
       </p:sp>
@@ -16766,12 +17639,12 @@
           <a:lstStyle/>
           <a:p>
             <a:r>
-              <a:rPr lang="en-US" sz="4800" dirty="0">
+              <a:rPr lang="en-US" sz="4800">
                 <a:latin typeface="Segoe MDL2 Assets" panose="050A0102010101010101" pitchFamily="18" charset="0"/>
               </a:rPr>
               <a:t></a:t>
             </a:r>
-            <a:endParaRPr lang="ru-RU" sz="4800" dirty="0"/>
+            <a:endParaRPr lang="ru-RU" sz="4800"/>
           </a:p>
         </p:txBody>
       </p:sp>
@@ -16826,10 +17699,10 @@
           <a:p>
             <a:pPr algn="r"/>
             <a:r>
-              <a:rPr lang="ru-RU" sz="2800" dirty="0"/>
+              <a:rPr lang="ru-RU" sz="2800"/>
               <a:t>Журнал</a:t>
             </a:r>
-            <a:endParaRPr lang="ru-RU" sz="3200" dirty="0"/>
+            <a:endParaRPr lang="ru-RU" sz="3200"/>
           </a:p>
         </p:txBody>
       </p:sp>
@@ -16862,12 +17735,12 @@
           <a:lstStyle/>
           <a:p>
             <a:r>
-              <a:rPr lang="en-US" sz="4400" dirty="0">
+              <a:rPr lang="en-US" sz="4400">
                 <a:latin typeface="Segoe MDL2 Assets" panose="050A0102010101010101" pitchFamily="18" charset="0"/>
               </a:rPr>
               <a:t></a:t>
             </a:r>
-            <a:endParaRPr lang="ru-RU" sz="4400" dirty="0"/>
+            <a:endParaRPr lang="ru-RU" sz="4400"/>
           </a:p>
         </p:txBody>
       </p:sp>
@@ -16886,13 +17759,13 @@
           <p:nvPr/>
         </p:nvPicPr>
         <p:blipFill>
-          <a:blip r:embed="rId2">
+          <a:blip r:embed="rId3">
             <a:extLst>
               <a:ext uri="{28A0092B-C50C-407E-A947-70E740481C1C}">
                 <a14:useLocalDpi xmlns:a14="http://schemas.microsoft.com/office/drawing/2010/main" val="0"/>
               </a:ext>
               <a:ext uri="{96DAC541-7B7A-43D3-8B79-37D633B846F1}">
-                <asvg:svgBlip xmlns:asvg="http://schemas.microsoft.com/office/drawing/2016/SVG/main" r:embed="rId3"/>
+                <asvg:svgBlip xmlns:asvg="http://schemas.microsoft.com/office/drawing/2016/SVG/main" r:embed="rId4"/>
               </a:ext>
             </a:extLst>
           </a:blip>
@@ -16925,13 +17798,13 @@
           <p:nvPr/>
         </p:nvPicPr>
         <p:blipFill>
-          <a:blip r:embed="rId4">
+          <a:blip r:embed="rId5">
             <a:extLst>
               <a:ext uri="{28A0092B-C50C-407E-A947-70E740481C1C}">
                 <a14:useLocalDpi xmlns:a14="http://schemas.microsoft.com/office/drawing/2010/main" val="0"/>
               </a:ext>
               <a:ext uri="{96DAC541-7B7A-43D3-8B79-37D633B846F1}">
-                <asvg:svgBlip xmlns:asvg="http://schemas.microsoft.com/office/drawing/2016/SVG/main" r:embed="rId5"/>
+                <asvg:svgBlip xmlns:asvg="http://schemas.microsoft.com/office/drawing/2016/SVG/main" r:embed="rId6"/>
               </a:ext>
             </a:extLst>
           </a:blip>
@@ -16964,13 +17837,13 @@
           <p:nvPr/>
         </p:nvPicPr>
         <p:blipFill>
-          <a:blip r:embed="rId6">
+          <a:blip r:embed="rId7">
             <a:extLst>
               <a:ext uri="{28A0092B-C50C-407E-A947-70E740481C1C}">
                 <a14:useLocalDpi xmlns:a14="http://schemas.microsoft.com/office/drawing/2010/main" val="0"/>
               </a:ext>
               <a:ext uri="{96DAC541-7B7A-43D3-8B79-37D633B846F1}">
-                <asvg:svgBlip xmlns:asvg="http://schemas.microsoft.com/office/drawing/2016/SVG/main" r:embed="rId7"/>
+                <asvg:svgBlip xmlns:asvg="http://schemas.microsoft.com/office/drawing/2016/SVG/main" r:embed="rId8"/>
               </a:ext>
             </a:extLst>
           </a:blip>
@@ -17003,13 +17876,13 @@
           <p:nvPr/>
         </p:nvPicPr>
         <p:blipFill>
-          <a:blip r:embed="rId8">
+          <a:blip r:embed="rId9">
             <a:extLst>
               <a:ext uri="{28A0092B-C50C-407E-A947-70E740481C1C}">
                 <a14:useLocalDpi xmlns:a14="http://schemas.microsoft.com/office/drawing/2010/main" val="0"/>
               </a:ext>
               <a:ext uri="{96DAC541-7B7A-43D3-8B79-37D633B846F1}">
-                <asvg:svgBlip xmlns:asvg="http://schemas.microsoft.com/office/drawing/2016/SVG/main" r:embed="rId9"/>
+                <asvg:svgBlip xmlns:asvg="http://schemas.microsoft.com/office/drawing/2016/SVG/main" r:embed="rId10"/>
               </a:ext>
             </a:extLst>
           </a:blip>
@@ -17712,7 +18585,7 @@
                         </a:spcAft>
                       </a:pPr>
                       <a:r>
-                        <a:rPr lang="ru-RU" dirty="0"/>
+                        <a:rPr lang="ru-RU"/>
                         <a:t>Срок</a:t>
                       </a:r>
                     </a:p>
@@ -17773,7 +18646,7 @@
                         </a:spcAft>
                       </a:pPr>
                       <a:r>
-                        <a:rPr lang="ru-RU" dirty="0"/>
+                        <a:rPr lang="ru-RU"/>
                         <a:t>Ежемесячное производство</a:t>
                       </a:r>
                     </a:p>
@@ -17844,7 +18717,7 @@
                         </a:spcAft>
                       </a:pPr>
                       <a:r>
-                        <a:rPr lang="ru-RU" dirty="0"/>
+                        <a:rPr lang="ru-RU"/>
                         <a:t>Предварительное производство</a:t>
                       </a:r>
                     </a:p>
@@ -17932,7 +18805,7 @@
                         </a:spcAft>
                       </a:pPr>
                       <a:r>
-                        <a:rPr lang="ru-RU" dirty="0"/>
+                        <a:rPr lang="ru-RU"/>
                         <a:t>Тираж при +25%</a:t>
                       </a:r>
                     </a:p>
@@ -18004,7 +18877,7 @@
                         </a:spcAft>
                       </a:pPr>
                       <a:r>
-                        <a:rPr lang="ru-RU" dirty="0"/>
+                        <a:rPr lang="ru-RU"/>
                         <a:t>Тираж при +50%</a:t>
                       </a:r>
                     </a:p>
@@ -18076,7 +18949,7 @@
                         </a:spcAft>
                       </a:pPr>
                       <a:r>
-                        <a:rPr lang="ru-RU" dirty="0"/>
+                        <a:rPr lang="ru-RU"/>
                         <a:t>Тираж при +25%</a:t>
                       </a:r>
                     </a:p>
@@ -18148,7 +19021,7 @@
                         </a:spcAft>
                       </a:pPr>
                       <a:r>
-                        <a:rPr lang="ru-RU" dirty="0"/>
+                        <a:rPr lang="ru-RU"/>
                         <a:t>Тираж при +50%</a:t>
                       </a:r>
                     </a:p>
@@ -18227,7 +19100,7 @@
                         </a:spcAft>
                       </a:pPr>
                       <a:r>
-                        <a:rPr lang="ru-RU" sz="1800" dirty="0"/>
+                        <a:rPr lang="ru-RU" sz="1800"/>
                         <a:t>1</a:t>
                       </a:r>
                     </a:p>
@@ -18288,7 +19161,7 @@
                         </a:spcAft>
                       </a:pPr>
                       <a:r>
-                        <a:rPr lang="ru-RU" sz="1800" dirty="0"/>
+                        <a:rPr lang="ru-RU" sz="1800"/>
                         <a:t>87</a:t>
                       </a:r>
                     </a:p>
@@ -18345,7 +19218,7 @@
                         </a:spcAft>
                       </a:pPr>
                       <a:r>
-                        <a:rPr lang="ru-RU" sz="1800" dirty="0"/>
+                        <a:rPr lang="ru-RU" sz="1800"/>
                         <a:t>52</a:t>
                       </a:r>
                     </a:p>
@@ -18396,7 +19269,7 @@
                         </a:spcAft>
                       </a:pPr>
                       <a:r>
-                        <a:rPr lang="ru-RU" sz="1800" dirty="0"/>
+                        <a:rPr lang="ru-RU" sz="1800"/>
                         <a:t>87</a:t>
                       </a:r>
                     </a:p>
@@ -18447,7 +19320,7 @@
                         </a:spcAft>
                       </a:pPr>
                       <a:r>
-                        <a:rPr lang="ru-RU" sz="1800" dirty="0"/>
+                        <a:rPr lang="ru-RU" sz="1800"/>
                         <a:t>52</a:t>
                       </a:r>
                     </a:p>
@@ -18505,7 +19378,7 @@
                         </a:spcAft>
                       </a:pPr>
                       <a:r>
-                        <a:rPr lang="ru-RU" sz="1800" dirty="0"/>
+                        <a:rPr lang="ru-RU" sz="1800"/>
                         <a:t>2</a:t>
                       </a:r>
                     </a:p>
@@ -18566,7 +19439,7 @@
                         </a:spcAft>
                       </a:pPr>
                       <a:r>
-                        <a:rPr lang="ru-RU" sz="1800" dirty="0"/>
+                        <a:rPr lang="ru-RU" sz="1800"/>
                         <a:t>44</a:t>
                       </a:r>
                     </a:p>
@@ -18617,7 +19490,7 @@
                         </a:spcAft>
                       </a:pPr>
                       <a:r>
-                        <a:rPr lang="ru-RU" sz="1800" dirty="0"/>
+                        <a:rPr lang="ru-RU" sz="1800"/>
                         <a:t>28</a:t>
                       </a:r>
                     </a:p>
@@ -18662,7 +19535,7 @@
                         </a:spcAft>
                       </a:pPr>
                       <a:r>
-                        <a:rPr lang="ru-RU" sz="1800" dirty="0"/>
+                        <a:rPr lang="ru-RU" sz="1800"/>
                         <a:t>43</a:t>
                       </a:r>
                     </a:p>
@@ -18707,7 +19580,7 @@
                         </a:spcAft>
                       </a:pPr>
                       <a:r>
-                        <a:rPr lang="ru-RU" sz="1800" dirty="0"/>
+                        <a:rPr lang="ru-RU" sz="1800"/>
                         <a:t>26</a:t>
                       </a:r>
                     </a:p>
@@ -18759,7 +19632,7 @@
                         </a:spcAft>
                       </a:pPr>
                       <a:r>
-                        <a:rPr lang="ru-RU" sz="1800" dirty="0"/>
+                        <a:rPr lang="ru-RU" sz="1800"/>
                         <a:t>3</a:t>
                       </a:r>
                     </a:p>
@@ -18820,7 +19693,7 @@
                         </a:spcAft>
                       </a:pPr>
                       <a:r>
-                        <a:rPr lang="ru-RU" sz="1800" dirty="0"/>
+                        <a:rPr lang="ru-RU" sz="1800"/>
                         <a:t>33</a:t>
                       </a:r>
                     </a:p>
@@ -18871,7 +19744,7 @@
                         </a:spcAft>
                       </a:pPr>
                       <a:r>
-                        <a:rPr lang="ru-RU" sz="1800" dirty="0"/>
+                        <a:rPr lang="ru-RU" sz="1800"/>
                         <a:t>18</a:t>
                       </a:r>
                     </a:p>
@@ -18916,7 +19789,7 @@
                         </a:spcAft>
                       </a:pPr>
                       <a:r>
-                        <a:rPr lang="ru-RU" sz="1800" dirty="0"/>
+                        <a:rPr lang="ru-RU" sz="1800"/>
                         <a:t>29</a:t>
                       </a:r>
                     </a:p>
@@ -18961,7 +19834,7 @@
                         </a:spcAft>
                       </a:pPr>
                       <a:r>
-                        <a:rPr lang="ru-RU" sz="1800" dirty="0"/>
+                        <a:rPr lang="ru-RU" sz="1800"/>
                         <a:t>17</a:t>
                       </a:r>
                     </a:p>
@@ -19013,7 +19886,7 @@
                         </a:spcAft>
                       </a:pPr>
                       <a:r>
-                        <a:rPr lang="ru-RU" sz="1800" dirty="0"/>
+                        <a:rPr lang="ru-RU" sz="1800"/>
                         <a:t>4</a:t>
                       </a:r>
                     </a:p>
@@ -19074,7 +19947,7 @@
                         </a:spcAft>
                       </a:pPr>
                       <a:r>
-                        <a:rPr lang="ru-RU" sz="1800" dirty="0"/>
+                        <a:rPr lang="ru-RU" sz="1800"/>
                         <a:t>24</a:t>
                       </a:r>
                     </a:p>
@@ -19125,7 +19998,7 @@
                         </a:spcAft>
                       </a:pPr>
                       <a:r>
-                        <a:rPr lang="ru-RU" sz="1800" dirty="0"/>
+                        <a:rPr lang="ru-RU" sz="1800"/>
                         <a:t>17</a:t>
                       </a:r>
                     </a:p>
@@ -19170,7 +20043,7 @@
                         </a:spcAft>
                       </a:pPr>
                       <a:r>
-                        <a:rPr lang="ru-RU" sz="1800" dirty="0"/>
+                        <a:rPr lang="ru-RU" sz="1800"/>
                         <a:t>22</a:t>
                       </a:r>
                     </a:p>
@@ -19215,7 +20088,7 @@
                         </a:spcAft>
                       </a:pPr>
                       <a:r>
-                        <a:rPr lang="ru-RU" sz="1800" dirty="0"/>
+                        <a:rPr lang="ru-RU" sz="1800"/>
                         <a:t>13</a:t>
                       </a:r>
                     </a:p>
@@ -19267,7 +20140,7 @@
                         </a:spcAft>
                       </a:pPr>
                       <a:r>
-                        <a:rPr lang="ru-RU" sz="1800" dirty="0"/>
+                        <a:rPr lang="ru-RU" sz="1800"/>
                         <a:t>5</a:t>
                       </a:r>
                     </a:p>
@@ -19328,7 +20201,7 @@
                         </a:spcAft>
                       </a:pPr>
                       <a:r>
-                        <a:rPr lang="ru-RU" sz="1800" dirty="0"/>
+                        <a:rPr lang="ru-RU" sz="1800"/>
                         <a:t>20</a:t>
                       </a:r>
                     </a:p>
@@ -19379,7 +20252,7 @@
                         </a:spcAft>
                       </a:pPr>
                       <a:r>
-                        <a:rPr lang="ru-RU" sz="1800" dirty="0"/>
+                        <a:rPr lang="ru-RU" sz="1800"/>
                         <a:t>13</a:t>
                       </a:r>
                     </a:p>
@@ -19424,7 +20297,7 @@
                         </a:spcAft>
                       </a:pPr>
                       <a:r>
-                        <a:rPr lang="ru-RU" sz="1800" dirty="0"/>
+                        <a:rPr lang="ru-RU" sz="1800"/>
                         <a:t>17</a:t>
                       </a:r>
                     </a:p>
@@ -19469,7 +20342,7 @@
                         </a:spcAft>
                       </a:pPr>
                       <a:r>
-                        <a:rPr lang="ru-RU" sz="1800" dirty="0"/>
+                        <a:rPr lang="ru-RU" sz="1800"/>
                         <a:t>10</a:t>
                       </a:r>
                     </a:p>
@@ -19521,7 +20394,7 @@
                         </a:spcAft>
                       </a:pPr>
                       <a:r>
-                        <a:rPr lang="ru-RU" sz="1800" dirty="0"/>
+                        <a:rPr lang="ru-RU" sz="1800"/>
                         <a:t>6</a:t>
                       </a:r>
                     </a:p>
@@ -19582,7 +20455,7 @@
                         </a:spcAft>
                       </a:pPr>
                       <a:r>
-                        <a:rPr lang="ru-RU" sz="1800" dirty="0"/>
+                        <a:rPr lang="ru-RU" sz="1800"/>
                         <a:t>23</a:t>
                       </a:r>
                     </a:p>
@@ -19633,7 +20506,7 @@
                         </a:spcAft>
                       </a:pPr>
                       <a:r>
-                        <a:rPr lang="ru-RU" sz="1800" dirty="0"/>
+                        <a:rPr lang="ru-RU" sz="1800"/>
                         <a:t>11</a:t>
                       </a:r>
                     </a:p>
@@ -19678,7 +20551,7 @@
                         </a:spcAft>
                       </a:pPr>
                       <a:r>
-                        <a:rPr lang="ru-RU" sz="1800" dirty="0"/>
+                        <a:rPr lang="ru-RU" sz="1800"/>
                         <a:t>14</a:t>
                       </a:r>
                     </a:p>
@@ -19723,7 +20596,7 @@
                         </a:spcAft>
                       </a:pPr>
                       <a:r>
-                        <a:rPr lang="ru-RU" sz="1800" dirty="0"/>
+                        <a:rPr lang="ru-RU" sz="1800"/>
                         <a:t>9</a:t>
                       </a:r>
                     </a:p>
@@ -19775,7 +20648,7 @@
                         </a:spcAft>
                       </a:pPr>
                       <a:r>
-                        <a:rPr lang="ru-RU" sz="1800" dirty="0"/>
+                        <a:rPr lang="ru-RU" sz="1800"/>
                         <a:t>7</a:t>
                       </a:r>
                     </a:p>
@@ -19836,7 +20709,7 @@
                         </a:spcAft>
                       </a:pPr>
                       <a:r>
-                        <a:rPr lang="ru-RU" sz="1800" dirty="0"/>
+                        <a:rPr lang="ru-RU" sz="1800"/>
                         <a:t>20</a:t>
                       </a:r>
                     </a:p>
@@ -19887,7 +20760,7 @@
                         </a:spcAft>
                       </a:pPr>
                       <a:r>
-                        <a:rPr lang="ru-RU" sz="1800" dirty="0"/>
+                        <a:rPr lang="ru-RU" sz="1800"/>
                         <a:t>9</a:t>
                       </a:r>
                     </a:p>
@@ -19932,7 +20805,7 @@
                         </a:spcAft>
                       </a:pPr>
                       <a:r>
-                        <a:rPr lang="ru-RU" sz="1800" dirty="0"/>
+                        <a:rPr lang="ru-RU" sz="1800"/>
                         <a:t>12</a:t>
                       </a:r>
                     </a:p>
@@ -19977,7 +20850,7 @@
                         </a:spcAft>
                       </a:pPr>
                       <a:r>
-                        <a:rPr lang="ru-RU" sz="1800" dirty="0"/>
+                        <a:rPr lang="ru-RU" sz="1800"/>
                         <a:t>7</a:t>
                       </a:r>
                     </a:p>
@@ -20029,7 +20902,7 @@
                         </a:spcAft>
                       </a:pPr>
                       <a:r>
-                        <a:rPr lang="ru-RU" sz="1800" dirty="0"/>
+                        <a:rPr lang="ru-RU" sz="1800"/>
                         <a:t>8</a:t>
                       </a:r>
                     </a:p>
@@ -20090,7 +20963,7 @@
                         </a:spcAft>
                       </a:pPr>
                       <a:r>
-                        <a:rPr lang="ru-RU" sz="1800" dirty="0"/>
+                        <a:rPr lang="ru-RU" sz="1800"/>
                         <a:t>17</a:t>
                       </a:r>
                     </a:p>
@@ -20141,7 +21014,7 @@
                         </a:spcAft>
                       </a:pPr>
                       <a:r>
-                        <a:rPr lang="ru-RU" sz="1800" dirty="0"/>
+                        <a:rPr lang="ru-RU" sz="1800"/>
                         <a:t>8</a:t>
                       </a:r>
                     </a:p>
@@ -20186,7 +21059,7 @@
                         </a:spcAft>
                       </a:pPr>
                       <a:r>
-                        <a:rPr lang="ru-RU" sz="1800" dirty="0"/>
+                        <a:rPr lang="ru-RU" sz="1800"/>
                         <a:t>11</a:t>
                       </a:r>
                     </a:p>
@@ -20231,7 +21104,7 @@
                         </a:spcAft>
                       </a:pPr>
                       <a:r>
-                        <a:rPr lang="ru-RU" sz="1800" dirty="0"/>
+                        <a:rPr lang="ru-RU" sz="1800"/>
                         <a:t>7</a:t>
                       </a:r>
                     </a:p>
@@ -20283,7 +21156,7 @@
                         </a:spcAft>
                       </a:pPr>
                       <a:r>
-                        <a:rPr lang="ru-RU" sz="1800" dirty="0"/>
+                        <a:rPr lang="ru-RU" sz="1800"/>
                         <a:t>9</a:t>
                       </a:r>
                     </a:p>
@@ -20344,7 +21217,7 @@
                         </a:spcAft>
                       </a:pPr>
                       <a:r>
-                        <a:rPr lang="ru-RU" sz="1800" dirty="0"/>
+                        <a:rPr lang="ru-RU" sz="1800"/>
                         <a:t>15</a:t>
                       </a:r>
                     </a:p>
@@ -20395,7 +21268,7 @@
                         </a:spcAft>
                       </a:pPr>
                       <a:r>
-                        <a:rPr lang="ru-RU" sz="1800" dirty="0"/>
+                        <a:rPr lang="ru-RU" sz="1800"/>
                         <a:t>9</a:t>
                       </a:r>
                     </a:p>
@@ -20440,7 +21313,7 @@
                         </a:spcAft>
                       </a:pPr>
                       <a:r>
-                        <a:rPr lang="ru-RU" sz="1800" dirty="0"/>
+                        <a:rPr lang="ru-RU" sz="1800"/>
                         <a:t>10</a:t>
                       </a:r>
                     </a:p>
@@ -20485,7 +21358,7 @@
                         </a:spcAft>
                       </a:pPr>
                       <a:r>
-                        <a:rPr lang="ru-RU" sz="1800" dirty="0"/>
+                        <a:rPr lang="ru-RU" sz="1800"/>
                         <a:t>6</a:t>
                       </a:r>
                     </a:p>
@@ -20537,7 +21410,7 @@
                         </a:spcAft>
                       </a:pPr>
                       <a:r>
-                        <a:rPr lang="ru-RU" sz="1800" dirty="0"/>
+                        <a:rPr lang="ru-RU" sz="1800"/>
                         <a:t>10</a:t>
                       </a:r>
                     </a:p>
@@ -20598,7 +21471,7 @@
                         </a:spcAft>
                       </a:pPr>
                       <a:r>
-                        <a:rPr lang="ru-RU" sz="1800" dirty="0"/>
+                        <a:rPr lang="ru-RU" sz="1800"/>
                         <a:t>14</a:t>
                       </a:r>
                     </a:p>
@@ -20649,7 +21522,7 @@
                         </a:spcAft>
                       </a:pPr>
                       <a:r>
-                        <a:rPr lang="ru-RU" sz="1800" dirty="0"/>
+                        <a:rPr lang="ru-RU" sz="1800"/>
                         <a:t>8</a:t>
                       </a:r>
                     </a:p>
@@ -20694,7 +21567,7 @@
                         </a:spcAft>
                       </a:pPr>
                       <a:r>
-                        <a:rPr lang="ru-RU" sz="1800" dirty="0"/>
+                        <a:rPr lang="ru-RU" sz="1800"/>
                         <a:t>9</a:t>
                       </a:r>
                     </a:p>
@@ -20739,7 +21612,7 @@
                         </a:spcAft>
                       </a:pPr>
                       <a:r>
-                        <a:rPr lang="ru-RU" sz="1800" dirty="0"/>
+                        <a:rPr lang="ru-RU" sz="1800"/>
                         <a:t>5</a:t>
                       </a:r>
                     </a:p>
@@ -20791,7 +21664,7 @@
                         </a:spcAft>
                       </a:pPr>
                       <a:r>
-                        <a:rPr lang="ru-RU" sz="1800" dirty="0"/>
+                        <a:rPr lang="ru-RU" sz="1800"/>
                         <a:t>11</a:t>
                       </a:r>
                     </a:p>
@@ -20852,7 +21725,7 @@
                         </a:spcAft>
                       </a:pPr>
                       <a:r>
-                        <a:rPr lang="ru-RU" sz="1800" dirty="0"/>
+                        <a:rPr lang="ru-RU" sz="1800"/>
                         <a:t>12</a:t>
                       </a:r>
                     </a:p>
@@ -20903,7 +21776,7 @@
                         </a:spcAft>
                       </a:pPr>
                       <a:r>
-                        <a:rPr lang="ru-RU" sz="1800" dirty="0"/>
+                        <a:rPr lang="ru-RU" sz="1800"/>
                         <a:t>10</a:t>
                       </a:r>
                     </a:p>
@@ -20948,7 +21821,7 @@
                         </a:spcAft>
                       </a:pPr>
                       <a:r>
-                        <a:rPr lang="ru-RU" sz="1800" dirty="0"/>
+                        <a:rPr lang="ru-RU" sz="1800"/>
                         <a:t>8</a:t>
                       </a:r>
                     </a:p>
@@ -20993,7 +21866,7 @@
                         </a:spcAft>
                       </a:pPr>
                       <a:r>
-                        <a:rPr lang="ru-RU" sz="1800" dirty="0"/>
+                        <a:rPr lang="ru-RU" sz="1800"/>
                         <a:t>5</a:t>
                       </a:r>
                     </a:p>
@@ -21045,7 +21918,7 @@
                         </a:spcAft>
                       </a:pPr>
                       <a:r>
-                        <a:rPr lang="ru-RU" sz="1800" dirty="0"/>
+                        <a:rPr lang="ru-RU" sz="1800"/>
                         <a:t>12</a:t>
                       </a:r>
                     </a:p>
@@ -21157,7 +22030,7 @@
                         </a:spcAft>
                       </a:pPr>
                       <a:r>
-                        <a:rPr lang="ru-RU" sz="1800" dirty="0"/>
+                        <a:rPr lang="ru-RU" sz="1800"/>
                         <a:t>9</a:t>
                       </a:r>
                     </a:p>
@@ -21202,7 +22075,7 @@
                         </a:spcAft>
                       </a:pPr>
                       <a:r>
-                        <a:rPr lang="ru-RU" sz="1800" dirty="0"/>
+                        <a:rPr lang="ru-RU" sz="1800"/>
                         <a:t>7</a:t>
                       </a:r>
                     </a:p>
@@ -21247,7 +22120,7 @@
                         </a:spcAft>
                       </a:pPr>
                       <a:r>
-                        <a:rPr lang="ru-RU" sz="1800" dirty="0"/>
+                        <a:rPr lang="ru-RU" sz="1800"/>
                         <a:t>4</a:t>
                       </a:r>
                     </a:p>
@@ -21309,14 +22182,14 @@
           <a:lstStyle/>
           <a:p>
             <a:r>
-              <a:rPr lang="ru-RU" dirty="0"/>
+              <a:rPr lang="ru-RU"/>
               <a:t>Экономическая </a:t>
             </a:r>
             <a:br>
-              <a:rPr lang="ru-RU" dirty="0"/>
+              <a:rPr lang="ru-RU"/>
             </a:br>
             <a:r>
-              <a:rPr lang="ru-RU" dirty="0"/>
+              <a:rPr lang="ru-RU"/>
               <a:t>эффективность</a:t>
             </a:r>
           </a:p>
@@ -21346,7 +22219,7 @@
         </p:xfrm>
         <a:graphic>
           <a:graphicData uri="http://schemas.openxmlformats.org/drawingml/2006/chart">
-            <c:chart xmlns:c="http://schemas.openxmlformats.org/drawingml/2006/chart" xmlns:r="http://schemas.openxmlformats.org/officeDocument/2006/relationships" r:id="rId2"/>
+            <c:chart xmlns:c="http://schemas.openxmlformats.org/drawingml/2006/chart" xmlns:r="http://schemas.openxmlformats.org/officeDocument/2006/relationships" r:id="rId3"/>
           </a:graphicData>
         </a:graphic>
       </p:graphicFrame>
@@ -22166,7 +23039,7 @@
           <a:lstStyle/>
           <a:p>
             <a:r>
-              <a:rPr lang="ru-RU" dirty="0"/>
+              <a:rPr lang="ru-RU"/>
               <a:t>Работа устройства</a:t>
             </a:r>
           </a:p>
@@ -22233,7 +23106,7 @@
           <a:p>
             <a:pPr algn="ctr"/>
             <a:r>
-              <a:rPr lang="ru-RU" b="1" dirty="0"/>
+              <a:rPr lang="ru-RU" b="1"/>
               <a:t>Спасибо за внимание!</a:t>
             </a:r>
           </a:p>
